--- a/netball.pptx
+++ b/netball.pptx
@@ -2,19 +2,19 @@
 <file path=ppt/presentation.xml><?xml version="1.0" encoding="utf-8"?>
 <p:presentation xmlns:a="http://schemas.openxmlformats.org/drawingml/2006/main" xmlns:r="http://schemas.openxmlformats.org/officeDocument/2006/relationships" xmlns:p="http://schemas.openxmlformats.org/presentationml/2006/main" saveSubsetFonts="1">
   <p:sldMasterIdLst>
-    <p:sldMasterId id="2147483648" r:id="rId1"/>
+    <p:sldMasterId id="2147483660" r:id="rId1"/>
   </p:sldMasterIdLst>
   <p:sldIdLst>
-    <p:sldId id="256" r:id="rId2"/>
-    <p:sldId id="257" r:id="rId3"/>
+    <p:sldId id="257" r:id="rId2"/>
+    <p:sldId id="258" r:id="rId3"/>
   </p:sldIdLst>
-  <p:sldSz cx="12192000" cy="6858000"/>
-  <p:notesSz cx="6858000" cy="9144000"/>
+  <p:sldSz cx="9906000" cy="6858000" type="A4"/>
+  <p:notesSz cx="10020300" cy="6888163"/>
   <p:defaultTextStyle>
     <a:defPPr>
       <a:defRPr lang="en-US"/>
     </a:defPPr>
-    <a:lvl1pPr marL="0" algn="l" defTabSz="914400" rtl="0" eaLnBrk="1" latinLnBrk="0" hangingPunct="1">
+    <a:lvl1pPr marL="0" algn="l" defTabSz="457200" rtl="0" eaLnBrk="1" latinLnBrk="0" hangingPunct="1">
       <a:defRPr sz="1800" kern="1200">
         <a:solidFill>
           <a:schemeClr val="tx1"/>
@@ -24,7 +24,7 @@
         <a:cs typeface="+mn-cs"/>
       </a:defRPr>
     </a:lvl1pPr>
-    <a:lvl2pPr marL="457200" algn="l" defTabSz="914400" rtl="0" eaLnBrk="1" latinLnBrk="0" hangingPunct="1">
+    <a:lvl2pPr marL="457200" algn="l" defTabSz="457200" rtl="0" eaLnBrk="1" latinLnBrk="0" hangingPunct="1">
       <a:defRPr sz="1800" kern="1200">
         <a:solidFill>
           <a:schemeClr val="tx1"/>
@@ -34,7 +34,7 @@
         <a:cs typeface="+mn-cs"/>
       </a:defRPr>
     </a:lvl2pPr>
-    <a:lvl3pPr marL="914400" algn="l" defTabSz="914400" rtl="0" eaLnBrk="1" latinLnBrk="0" hangingPunct="1">
+    <a:lvl3pPr marL="914400" algn="l" defTabSz="457200" rtl="0" eaLnBrk="1" latinLnBrk="0" hangingPunct="1">
       <a:defRPr sz="1800" kern="1200">
         <a:solidFill>
           <a:schemeClr val="tx1"/>
@@ -44,7 +44,7 @@
         <a:cs typeface="+mn-cs"/>
       </a:defRPr>
     </a:lvl3pPr>
-    <a:lvl4pPr marL="1371600" algn="l" defTabSz="914400" rtl="0" eaLnBrk="1" latinLnBrk="0" hangingPunct="1">
+    <a:lvl4pPr marL="1371600" algn="l" defTabSz="457200" rtl="0" eaLnBrk="1" latinLnBrk="0" hangingPunct="1">
       <a:defRPr sz="1800" kern="1200">
         <a:solidFill>
           <a:schemeClr val="tx1"/>
@@ -54,7 +54,7 @@
         <a:cs typeface="+mn-cs"/>
       </a:defRPr>
     </a:lvl4pPr>
-    <a:lvl5pPr marL="1828800" algn="l" defTabSz="914400" rtl="0" eaLnBrk="1" latinLnBrk="0" hangingPunct="1">
+    <a:lvl5pPr marL="1828800" algn="l" defTabSz="457200" rtl="0" eaLnBrk="1" latinLnBrk="0" hangingPunct="1">
       <a:defRPr sz="1800" kern="1200">
         <a:solidFill>
           <a:schemeClr val="tx1"/>
@@ -64,7 +64,7 @@
         <a:cs typeface="+mn-cs"/>
       </a:defRPr>
     </a:lvl5pPr>
-    <a:lvl6pPr marL="2286000" algn="l" defTabSz="914400" rtl="0" eaLnBrk="1" latinLnBrk="0" hangingPunct="1">
+    <a:lvl6pPr marL="2286000" algn="l" defTabSz="457200" rtl="0" eaLnBrk="1" latinLnBrk="0" hangingPunct="1">
       <a:defRPr sz="1800" kern="1200">
         <a:solidFill>
           <a:schemeClr val="tx1"/>
@@ -74,7 +74,7 @@
         <a:cs typeface="+mn-cs"/>
       </a:defRPr>
     </a:lvl6pPr>
-    <a:lvl7pPr marL="2743200" algn="l" defTabSz="914400" rtl="0" eaLnBrk="1" latinLnBrk="0" hangingPunct="1">
+    <a:lvl7pPr marL="2743200" algn="l" defTabSz="457200" rtl="0" eaLnBrk="1" latinLnBrk="0" hangingPunct="1">
       <a:defRPr sz="1800" kern="1200">
         <a:solidFill>
           <a:schemeClr val="tx1"/>
@@ -84,7 +84,7 @@
         <a:cs typeface="+mn-cs"/>
       </a:defRPr>
     </a:lvl7pPr>
-    <a:lvl8pPr marL="3200400" algn="l" defTabSz="914400" rtl="0" eaLnBrk="1" latinLnBrk="0" hangingPunct="1">
+    <a:lvl8pPr marL="3200400" algn="l" defTabSz="457200" rtl="0" eaLnBrk="1" latinLnBrk="0" hangingPunct="1">
       <a:defRPr sz="1800" kern="1200">
         <a:solidFill>
           <a:schemeClr val="tx1"/>
@@ -94,7 +94,7 @@
         <a:cs typeface="+mn-cs"/>
       </a:defRPr>
     </a:lvl8pPr>
-    <a:lvl9pPr marL="3657600" algn="l" defTabSz="914400" rtl="0" eaLnBrk="1" latinLnBrk="0" hangingPunct="1">
+    <a:lvl9pPr marL="3657600" algn="l" defTabSz="457200" rtl="0" eaLnBrk="1" latinLnBrk="0" hangingPunct="1">
       <a:defRPr sz="1800" kern="1200">
         <a:solidFill>
           <a:schemeClr val="tx1"/>
@@ -105,6 +105,11 @@
       </a:defRPr>
     </a:lvl9pPr>
   </p:defaultTextStyle>
+  <p:extLst>
+    <p:ext uri="{EFAFB233-063F-42B5-8137-9DF3F51BA10A}">
+      <p15:sldGuideLst xmlns:p15="http://schemas.microsoft.com/office/powerpoint/2012/main"/>
+    </p:ext>
+  </p:extLst>
 </p:presentation>
 </file>
 
@@ -137,8 +142,8 @@
         </p:nvSpPr>
         <p:spPr>
           <a:xfrm>
-            <a:off x="1524000" y="1122363"/>
-            <a:ext cx="9144000" cy="2387600"/>
+            <a:off x="742950" y="1122363"/>
+            <a:ext cx="8420100" cy="2387600"/>
           </a:xfrm>
         </p:spPr>
         <p:txBody>
@@ -150,10 +155,10 @@
           </a:lstStyle>
           <a:p>
             <a:r>
-              <a:rPr lang="en-US" smtClean="0"/>
+              <a:rPr lang="en-US"/>
               <a:t>Click to edit Master title style</a:t>
             </a:r>
-            <a:endParaRPr lang="en-US"/>
+            <a:endParaRPr lang="en-US" dirty="0"/>
           </a:p>
         </p:txBody>
       </p:sp>
@@ -169,8 +174,8 @@
         </p:nvSpPr>
         <p:spPr>
           <a:xfrm>
-            <a:off x="1524000" y="3602038"/>
-            <a:ext cx="9144000" cy="1655762"/>
+            <a:off x="1238250" y="3602038"/>
+            <a:ext cx="7429500" cy="1655762"/>
           </a:xfrm>
         </p:spPr>
         <p:txBody>
@@ -215,10 +220,10 @@
           </a:lstStyle>
           <a:p>
             <a:r>
-              <a:rPr lang="en-US" smtClean="0"/>
+              <a:rPr lang="en-US"/>
               <a:t>Click to edit Master subtitle style</a:t>
             </a:r>
-            <a:endParaRPr lang="en-US"/>
+            <a:endParaRPr lang="en-US" dirty="0"/>
           </a:p>
         </p:txBody>
       </p:sp>
@@ -239,7 +244,7 @@
           <a:p>
             <a:fld id="{5AF8E0B7-2DDD-4FA9-BD61-70046F1FBC9B}" type="datetimeFigureOut">
               <a:rPr lang="en-US" smtClean="0"/>
-              <a:t>4/30/2024</a:t>
+              <a:t>5/9/2024</a:t>
             </a:fld>
             <a:endParaRPr lang="en-US"/>
           </a:p>
@@ -290,7 +295,7 @@
     </p:spTree>
     <p:extLst>
       <p:ext uri="{BB962C8B-B14F-4D97-AF65-F5344CB8AC3E}">
-        <p14:creationId xmlns:p14="http://schemas.microsoft.com/office/powerpoint/2010/main" val="357557083"/>
+        <p14:creationId xmlns:p14="http://schemas.microsoft.com/office/powerpoint/2010/main" val="3667473536"/>
       </p:ext>
     </p:extLst>
   </p:cSld>
@@ -333,10 +338,10 @@
           <a:lstStyle/>
           <a:p>
             <a:r>
-              <a:rPr lang="en-US" smtClean="0"/>
+              <a:rPr lang="en-US"/>
               <a:t>Click to edit Master title style</a:t>
             </a:r>
-            <a:endParaRPr lang="en-US"/>
+            <a:endParaRPr lang="en-US" dirty="0"/>
           </a:p>
         </p:txBody>
       </p:sp>
@@ -357,38 +362,38 @@
           <a:p>
             <a:pPr lvl="0"/>
             <a:r>
-              <a:rPr lang="en-US" smtClean="0"/>
+              <a:rPr lang="en-US"/>
               <a:t>Click to edit Master text styles</a:t>
             </a:r>
           </a:p>
           <a:p>
             <a:pPr lvl="1"/>
             <a:r>
-              <a:rPr lang="en-US" smtClean="0"/>
+              <a:rPr lang="en-US"/>
               <a:t>Second level</a:t>
             </a:r>
           </a:p>
           <a:p>
             <a:pPr lvl="2"/>
             <a:r>
-              <a:rPr lang="en-US" smtClean="0"/>
+              <a:rPr lang="en-US"/>
               <a:t>Third level</a:t>
             </a:r>
           </a:p>
           <a:p>
             <a:pPr lvl="3"/>
             <a:r>
-              <a:rPr lang="en-US" smtClean="0"/>
+              <a:rPr lang="en-US"/>
               <a:t>Fourth level</a:t>
             </a:r>
           </a:p>
           <a:p>
             <a:pPr lvl="4"/>
             <a:r>
-              <a:rPr lang="en-US" smtClean="0"/>
+              <a:rPr lang="en-US"/>
               <a:t>Fifth level</a:t>
             </a:r>
-            <a:endParaRPr lang="en-US"/>
+            <a:endParaRPr lang="en-US" dirty="0"/>
           </a:p>
         </p:txBody>
       </p:sp>
@@ -409,7 +414,7 @@
           <a:p>
             <a:fld id="{5AF8E0B7-2DDD-4FA9-BD61-70046F1FBC9B}" type="datetimeFigureOut">
               <a:rPr lang="en-US" smtClean="0"/>
-              <a:t>4/30/2024</a:t>
+              <a:t>5/9/2024</a:t>
             </a:fld>
             <a:endParaRPr lang="en-US"/>
           </a:p>
@@ -460,7 +465,7 @@
     </p:spTree>
     <p:extLst>
       <p:ext uri="{BB962C8B-B14F-4D97-AF65-F5344CB8AC3E}">
-        <p14:creationId xmlns:p14="http://schemas.microsoft.com/office/powerpoint/2010/main" val="2162980189"/>
+        <p14:creationId xmlns:p14="http://schemas.microsoft.com/office/powerpoint/2010/main" val="1281971396"/>
       </p:ext>
     </p:extLst>
   </p:cSld>
@@ -499,8 +504,8 @@
         </p:nvSpPr>
         <p:spPr>
           <a:xfrm>
-            <a:off x="8724900" y="365125"/>
-            <a:ext cx="2628900" cy="5811838"/>
+            <a:off x="7088982" y="365125"/>
+            <a:ext cx="2135981" cy="5811838"/>
           </a:xfrm>
         </p:spPr>
         <p:txBody>
@@ -508,10 +513,10 @@
           <a:lstStyle/>
           <a:p>
             <a:r>
-              <a:rPr lang="en-US" smtClean="0"/>
+              <a:rPr lang="en-US"/>
               <a:t>Click to edit Master title style</a:t>
             </a:r>
-            <a:endParaRPr lang="en-US"/>
+            <a:endParaRPr lang="en-US" dirty="0"/>
           </a:p>
         </p:txBody>
       </p:sp>
@@ -527,8 +532,8 @@
         </p:nvSpPr>
         <p:spPr>
           <a:xfrm>
-            <a:off x="838200" y="365125"/>
-            <a:ext cx="7734300" cy="5811838"/>
+            <a:off x="681038" y="365125"/>
+            <a:ext cx="6284119" cy="5811838"/>
           </a:xfrm>
         </p:spPr>
         <p:txBody>
@@ -537,38 +542,38 @@
           <a:p>
             <a:pPr lvl="0"/>
             <a:r>
-              <a:rPr lang="en-US" smtClean="0"/>
+              <a:rPr lang="en-US"/>
               <a:t>Click to edit Master text styles</a:t>
             </a:r>
           </a:p>
           <a:p>
             <a:pPr lvl="1"/>
             <a:r>
-              <a:rPr lang="en-US" smtClean="0"/>
+              <a:rPr lang="en-US"/>
               <a:t>Second level</a:t>
             </a:r>
           </a:p>
           <a:p>
             <a:pPr lvl="2"/>
             <a:r>
-              <a:rPr lang="en-US" smtClean="0"/>
+              <a:rPr lang="en-US"/>
               <a:t>Third level</a:t>
             </a:r>
           </a:p>
           <a:p>
             <a:pPr lvl="3"/>
             <a:r>
-              <a:rPr lang="en-US" smtClean="0"/>
+              <a:rPr lang="en-US"/>
               <a:t>Fourth level</a:t>
             </a:r>
           </a:p>
           <a:p>
             <a:pPr lvl="4"/>
             <a:r>
-              <a:rPr lang="en-US" smtClean="0"/>
+              <a:rPr lang="en-US"/>
               <a:t>Fifth level</a:t>
             </a:r>
-            <a:endParaRPr lang="en-US"/>
+            <a:endParaRPr lang="en-US" dirty="0"/>
           </a:p>
         </p:txBody>
       </p:sp>
@@ -589,7 +594,7 @@
           <a:p>
             <a:fld id="{5AF8E0B7-2DDD-4FA9-BD61-70046F1FBC9B}" type="datetimeFigureOut">
               <a:rPr lang="en-US" smtClean="0"/>
-              <a:t>4/30/2024</a:t>
+              <a:t>5/9/2024</a:t>
             </a:fld>
             <a:endParaRPr lang="en-US"/>
           </a:p>
@@ -640,7 +645,7 @@
     </p:spTree>
     <p:extLst>
       <p:ext uri="{BB962C8B-B14F-4D97-AF65-F5344CB8AC3E}">
-        <p14:creationId xmlns:p14="http://schemas.microsoft.com/office/powerpoint/2010/main" val="1831983232"/>
+        <p14:creationId xmlns:p14="http://schemas.microsoft.com/office/powerpoint/2010/main" val="2070323765"/>
       </p:ext>
     </p:extLst>
   </p:cSld>
@@ -683,10 +688,10 @@
           <a:lstStyle/>
           <a:p>
             <a:r>
-              <a:rPr lang="en-US" smtClean="0"/>
+              <a:rPr lang="en-US"/>
               <a:t>Click to edit Master title style</a:t>
             </a:r>
-            <a:endParaRPr lang="en-US"/>
+            <a:endParaRPr lang="en-US" dirty="0"/>
           </a:p>
         </p:txBody>
       </p:sp>
@@ -707,38 +712,38 @@
           <a:p>
             <a:pPr lvl="0"/>
             <a:r>
-              <a:rPr lang="en-US" smtClean="0"/>
+              <a:rPr lang="en-US"/>
               <a:t>Click to edit Master text styles</a:t>
             </a:r>
           </a:p>
           <a:p>
             <a:pPr lvl="1"/>
             <a:r>
-              <a:rPr lang="en-US" smtClean="0"/>
+              <a:rPr lang="en-US"/>
               <a:t>Second level</a:t>
             </a:r>
           </a:p>
           <a:p>
             <a:pPr lvl="2"/>
             <a:r>
-              <a:rPr lang="en-US" smtClean="0"/>
+              <a:rPr lang="en-US"/>
               <a:t>Third level</a:t>
             </a:r>
           </a:p>
           <a:p>
             <a:pPr lvl="3"/>
             <a:r>
-              <a:rPr lang="en-US" smtClean="0"/>
+              <a:rPr lang="en-US"/>
               <a:t>Fourth level</a:t>
             </a:r>
           </a:p>
           <a:p>
             <a:pPr lvl="4"/>
             <a:r>
-              <a:rPr lang="en-US" smtClean="0"/>
+              <a:rPr lang="en-US"/>
               <a:t>Fifth level</a:t>
             </a:r>
-            <a:endParaRPr lang="en-US"/>
+            <a:endParaRPr lang="en-US" dirty="0"/>
           </a:p>
         </p:txBody>
       </p:sp>
@@ -759,7 +764,7 @@
           <a:p>
             <a:fld id="{5AF8E0B7-2DDD-4FA9-BD61-70046F1FBC9B}" type="datetimeFigureOut">
               <a:rPr lang="en-US" smtClean="0"/>
-              <a:t>4/30/2024</a:t>
+              <a:t>5/9/2024</a:t>
             </a:fld>
             <a:endParaRPr lang="en-US"/>
           </a:p>
@@ -810,7 +815,7 @@
     </p:spTree>
     <p:extLst>
       <p:ext uri="{BB962C8B-B14F-4D97-AF65-F5344CB8AC3E}">
-        <p14:creationId xmlns:p14="http://schemas.microsoft.com/office/powerpoint/2010/main" val="3583726492"/>
+        <p14:creationId xmlns:p14="http://schemas.microsoft.com/office/powerpoint/2010/main" val="2453108846"/>
       </p:ext>
     </p:extLst>
   </p:cSld>
@@ -849,8 +854,8 @@
         </p:nvSpPr>
         <p:spPr>
           <a:xfrm>
-            <a:off x="831850" y="1709738"/>
-            <a:ext cx="10515600" cy="2852737"/>
+            <a:off x="675879" y="1709740"/>
+            <a:ext cx="8543925" cy="2852737"/>
           </a:xfrm>
         </p:spPr>
         <p:txBody>
@@ -862,10 +867,10 @@
           </a:lstStyle>
           <a:p>
             <a:r>
-              <a:rPr lang="en-US" smtClean="0"/>
+              <a:rPr lang="en-US"/>
               <a:t>Click to edit Master title style</a:t>
             </a:r>
-            <a:endParaRPr lang="en-US"/>
+            <a:endParaRPr lang="en-US" dirty="0"/>
           </a:p>
         </p:txBody>
       </p:sp>
@@ -881,8 +886,8 @@
         </p:nvSpPr>
         <p:spPr>
           <a:xfrm>
-            <a:off x="831850" y="4589463"/>
-            <a:ext cx="10515600" cy="1500187"/>
+            <a:off x="675879" y="4589465"/>
+            <a:ext cx="8543925" cy="1500187"/>
           </a:xfrm>
         </p:spPr>
         <p:txBody>
@@ -892,9 +897,7 @@
               <a:buNone/>
               <a:defRPr sz="2400">
                 <a:solidFill>
-                  <a:schemeClr val="tx1">
-                    <a:tint val="75000"/>
-                  </a:schemeClr>
+                  <a:schemeClr val="tx1"/>
                 </a:solidFill>
               </a:defRPr>
             </a:lvl1pPr>
@@ -982,7 +985,7 @@
           <a:p>
             <a:pPr lvl="0"/>
             <a:r>
-              <a:rPr lang="en-US" smtClean="0"/>
+              <a:rPr lang="en-US"/>
               <a:t>Click to edit Master text styles</a:t>
             </a:r>
           </a:p>
@@ -1005,7 +1008,7 @@
           <a:p>
             <a:fld id="{5AF8E0B7-2DDD-4FA9-BD61-70046F1FBC9B}" type="datetimeFigureOut">
               <a:rPr lang="en-US" smtClean="0"/>
-              <a:t>4/30/2024</a:t>
+              <a:t>5/9/2024</a:t>
             </a:fld>
             <a:endParaRPr lang="en-US"/>
           </a:p>
@@ -1056,7 +1059,7 @@
     </p:spTree>
     <p:extLst>
       <p:ext uri="{BB962C8B-B14F-4D97-AF65-F5344CB8AC3E}">
-        <p14:creationId xmlns:p14="http://schemas.microsoft.com/office/powerpoint/2010/main" val="3135673065"/>
+        <p14:creationId xmlns:p14="http://schemas.microsoft.com/office/powerpoint/2010/main" val="1019818718"/>
       </p:ext>
     </p:extLst>
   </p:cSld>
@@ -1099,10 +1102,10 @@
           <a:lstStyle/>
           <a:p>
             <a:r>
-              <a:rPr lang="en-US" smtClean="0"/>
+              <a:rPr lang="en-US"/>
               <a:t>Click to edit Master title style</a:t>
             </a:r>
-            <a:endParaRPr lang="en-US"/>
+            <a:endParaRPr lang="en-US" dirty="0"/>
           </a:p>
         </p:txBody>
       </p:sp>
@@ -1118,8 +1121,8 @@
         </p:nvSpPr>
         <p:spPr>
           <a:xfrm>
-            <a:off x="838200" y="1825625"/>
-            <a:ext cx="5181600" cy="4351338"/>
+            <a:off x="681038" y="1825625"/>
+            <a:ext cx="4210050" cy="4351338"/>
           </a:xfrm>
         </p:spPr>
         <p:txBody>
@@ -1128,38 +1131,38 @@
           <a:p>
             <a:pPr lvl="0"/>
             <a:r>
-              <a:rPr lang="en-US" smtClean="0"/>
+              <a:rPr lang="en-US"/>
               <a:t>Click to edit Master text styles</a:t>
             </a:r>
           </a:p>
           <a:p>
             <a:pPr lvl="1"/>
             <a:r>
-              <a:rPr lang="en-US" smtClean="0"/>
+              <a:rPr lang="en-US"/>
               <a:t>Second level</a:t>
             </a:r>
           </a:p>
           <a:p>
             <a:pPr lvl="2"/>
             <a:r>
-              <a:rPr lang="en-US" smtClean="0"/>
+              <a:rPr lang="en-US"/>
               <a:t>Third level</a:t>
             </a:r>
           </a:p>
           <a:p>
             <a:pPr lvl="3"/>
             <a:r>
-              <a:rPr lang="en-US" smtClean="0"/>
+              <a:rPr lang="en-US"/>
               <a:t>Fourth level</a:t>
             </a:r>
           </a:p>
           <a:p>
             <a:pPr lvl="4"/>
             <a:r>
-              <a:rPr lang="en-US" smtClean="0"/>
+              <a:rPr lang="en-US"/>
               <a:t>Fifth level</a:t>
             </a:r>
-            <a:endParaRPr lang="en-US"/>
+            <a:endParaRPr lang="en-US" dirty="0"/>
           </a:p>
         </p:txBody>
       </p:sp>
@@ -1175,8 +1178,8 @@
         </p:nvSpPr>
         <p:spPr>
           <a:xfrm>
-            <a:off x="6172200" y="1825625"/>
-            <a:ext cx="5181600" cy="4351338"/>
+            <a:off x="5014913" y="1825625"/>
+            <a:ext cx="4210050" cy="4351338"/>
           </a:xfrm>
         </p:spPr>
         <p:txBody>
@@ -1185,38 +1188,38 @@
           <a:p>
             <a:pPr lvl="0"/>
             <a:r>
-              <a:rPr lang="en-US" smtClean="0"/>
+              <a:rPr lang="en-US"/>
               <a:t>Click to edit Master text styles</a:t>
             </a:r>
           </a:p>
           <a:p>
             <a:pPr lvl="1"/>
             <a:r>
-              <a:rPr lang="en-US" smtClean="0"/>
+              <a:rPr lang="en-US"/>
               <a:t>Second level</a:t>
             </a:r>
           </a:p>
           <a:p>
             <a:pPr lvl="2"/>
             <a:r>
-              <a:rPr lang="en-US" smtClean="0"/>
+              <a:rPr lang="en-US"/>
               <a:t>Third level</a:t>
             </a:r>
           </a:p>
           <a:p>
             <a:pPr lvl="3"/>
             <a:r>
-              <a:rPr lang="en-US" smtClean="0"/>
+              <a:rPr lang="en-US"/>
               <a:t>Fourth level</a:t>
             </a:r>
           </a:p>
           <a:p>
             <a:pPr lvl="4"/>
             <a:r>
-              <a:rPr lang="en-US" smtClean="0"/>
+              <a:rPr lang="en-US"/>
               <a:t>Fifth level</a:t>
             </a:r>
-            <a:endParaRPr lang="en-US"/>
+            <a:endParaRPr lang="en-US" dirty="0"/>
           </a:p>
         </p:txBody>
       </p:sp>
@@ -1237,7 +1240,7 @@
           <a:p>
             <a:fld id="{5AF8E0B7-2DDD-4FA9-BD61-70046F1FBC9B}" type="datetimeFigureOut">
               <a:rPr lang="en-US" smtClean="0"/>
-              <a:t>4/30/2024</a:t>
+              <a:t>5/9/2024</a:t>
             </a:fld>
             <a:endParaRPr lang="en-US"/>
           </a:p>
@@ -1288,7 +1291,7 @@
     </p:spTree>
     <p:extLst>
       <p:ext uri="{BB962C8B-B14F-4D97-AF65-F5344CB8AC3E}">
-        <p14:creationId xmlns:p14="http://schemas.microsoft.com/office/powerpoint/2010/main" val="428680258"/>
+        <p14:creationId xmlns:p14="http://schemas.microsoft.com/office/powerpoint/2010/main" val="1302051380"/>
       </p:ext>
     </p:extLst>
   </p:cSld>
@@ -1327,8 +1330,8 @@
         </p:nvSpPr>
         <p:spPr>
           <a:xfrm>
-            <a:off x="839788" y="365125"/>
-            <a:ext cx="10515600" cy="1325563"/>
+            <a:off x="682328" y="365127"/>
+            <a:ext cx="8543925" cy="1325563"/>
           </a:xfrm>
         </p:spPr>
         <p:txBody>
@@ -1336,10 +1339,10 @@
           <a:lstStyle/>
           <a:p>
             <a:r>
-              <a:rPr lang="en-US" smtClean="0"/>
+              <a:rPr lang="en-US"/>
               <a:t>Click to edit Master title style</a:t>
             </a:r>
-            <a:endParaRPr lang="en-US"/>
+            <a:endParaRPr lang="en-US" dirty="0"/>
           </a:p>
         </p:txBody>
       </p:sp>
@@ -1355,8 +1358,8 @@
         </p:nvSpPr>
         <p:spPr>
           <a:xfrm>
-            <a:off x="839788" y="1681163"/>
-            <a:ext cx="5157787" cy="823912"/>
+            <a:off x="682329" y="1681163"/>
+            <a:ext cx="4190702" cy="823912"/>
           </a:xfrm>
         </p:spPr>
         <p:txBody>
@@ -1402,7 +1405,7 @@
           <a:p>
             <a:pPr lvl="0"/>
             <a:r>
-              <a:rPr lang="en-US" smtClean="0"/>
+              <a:rPr lang="en-US"/>
               <a:t>Click to edit Master text styles</a:t>
             </a:r>
           </a:p>
@@ -1420,8 +1423,8 @@
         </p:nvSpPr>
         <p:spPr>
           <a:xfrm>
-            <a:off x="839788" y="2505075"/>
-            <a:ext cx="5157787" cy="3684588"/>
+            <a:off x="682329" y="2505075"/>
+            <a:ext cx="4190702" cy="3684588"/>
           </a:xfrm>
         </p:spPr>
         <p:txBody>
@@ -1430,38 +1433,38 @@
           <a:p>
             <a:pPr lvl="0"/>
             <a:r>
-              <a:rPr lang="en-US" smtClean="0"/>
+              <a:rPr lang="en-US"/>
               <a:t>Click to edit Master text styles</a:t>
             </a:r>
           </a:p>
           <a:p>
             <a:pPr lvl="1"/>
             <a:r>
-              <a:rPr lang="en-US" smtClean="0"/>
+              <a:rPr lang="en-US"/>
               <a:t>Second level</a:t>
             </a:r>
           </a:p>
           <a:p>
             <a:pPr lvl="2"/>
             <a:r>
-              <a:rPr lang="en-US" smtClean="0"/>
+              <a:rPr lang="en-US"/>
               <a:t>Third level</a:t>
             </a:r>
           </a:p>
           <a:p>
             <a:pPr lvl="3"/>
             <a:r>
-              <a:rPr lang="en-US" smtClean="0"/>
+              <a:rPr lang="en-US"/>
               <a:t>Fourth level</a:t>
             </a:r>
           </a:p>
           <a:p>
             <a:pPr lvl="4"/>
             <a:r>
-              <a:rPr lang="en-US" smtClean="0"/>
+              <a:rPr lang="en-US"/>
               <a:t>Fifth level</a:t>
             </a:r>
-            <a:endParaRPr lang="en-US"/>
+            <a:endParaRPr lang="en-US" dirty="0"/>
           </a:p>
         </p:txBody>
       </p:sp>
@@ -1477,8 +1480,8 @@
         </p:nvSpPr>
         <p:spPr>
           <a:xfrm>
-            <a:off x="6172200" y="1681163"/>
-            <a:ext cx="5183188" cy="823912"/>
+            <a:off x="5014913" y="1681163"/>
+            <a:ext cx="4211340" cy="823912"/>
           </a:xfrm>
         </p:spPr>
         <p:txBody>
@@ -1524,7 +1527,7 @@
           <a:p>
             <a:pPr lvl="0"/>
             <a:r>
-              <a:rPr lang="en-US" smtClean="0"/>
+              <a:rPr lang="en-US"/>
               <a:t>Click to edit Master text styles</a:t>
             </a:r>
           </a:p>
@@ -1542,8 +1545,8 @@
         </p:nvSpPr>
         <p:spPr>
           <a:xfrm>
-            <a:off x="6172200" y="2505075"/>
-            <a:ext cx="5183188" cy="3684588"/>
+            <a:off x="5014913" y="2505075"/>
+            <a:ext cx="4211340" cy="3684588"/>
           </a:xfrm>
         </p:spPr>
         <p:txBody>
@@ -1552,38 +1555,38 @@
           <a:p>
             <a:pPr lvl="0"/>
             <a:r>
-              <a:rPr lang="en-US" smtClean="0"/>
+              <a:rPr lang="en-US"/>
               <a:t>Click to edit Master text styles</a:t>
             </a:r>
           </a:p>
           <a:p>
             <a:pPr lvl="1"/>
             <a:r>
-              <a:rPr lang="en-US" smtClean="0"/>
+              <a:rPr lang="en-US"/>
               <a:t>Second level</a:t>
             </a:r>
           </a:p>
           <a:p>
             <a:pPr lvl="2"/>
             <a:r>
-              <a:rPr lang="en-US" smtClean="0"/>
+              <a:rPr lang="en-US"/>
               <a:t>Third level</a:t>
             </a:r>
           </a:p>
           <a:p>
             <a:pPr lvl="3"/>
             <a:r>
-              <a:rPr lang="en-US" smtClean="0"/>
+              <a:rPr lang="en-US"/>
               <a:t>Fourth level</a:t>
             </a:r>
           </a:p>
           <a:p>
             <a:pPr lvl="4"/>
             <a:r>
-              <a:rPr lang="en-US" smtClean="0"/>
+              <a:rPr lang="en-US"/>
               <a:t>Fifth level</a:t>
             </a:r>
-            <a:endParaRPr lang="en-US"/>
+            <a:endParaRPr lang="en-US" dirty="0"/>
           </a:p>
         </p:txBody>
       </p:sp>
@@ -1604,7 +1607,7 @@
           <a:p>
             <a:fld id="{5AF8E0B7-2DDD-4FA9-BD61-70046F1FBC9B}" type="datetimeFigureOut">
               <a:rPr lang="en-US" smtClean="0"/>
-              <a:t>4/30/2024</a:t>
+              <a:t>5/9/2024</a:t>
             </a:fld>
             <a:endParaRPr lang="en-US"/>
           </a:p>
@@ -1655,7 +1658,7 @@
     </p:spTree>
     <p:extLst>
       <p:ext uri="{BB962C8B-B14F-4D97-AF65-F5344CB8AC3E}">
-        <p14:creationId xmlns:p14="http://schemas.microsoft.com/office/powerpoint/2010/main" val="3360031973"/>
+        <p14:creationId xmlns:p14="http://schemas.microsoft.com/office/powerpoint/2010/main" val="4042508743"/>
       </p:ext>
     </p:extLst>
   </p:cSld>
@@ -1698,10 +1701,10 @@
           <a:lstStyle/>
           <a:p>
             <a:r>
-              <a:rPr lang="en-US" smtClean="0"/>
+              <a:rPr lang="en-US"/>
               <a:t>Click to edit Master title style</a:t>
             </a:r>
-            <a:endParaRPr lang="en-US"/>
+            <a:endParaRPr lang="en-US" dirty="0"/>
           </a:p>
         </p:txBody>
       </p:sp>
@@ -1722,7 +1725,7 @@
           <a:p>
             <a:fld id="{5AF8E0B7-2DDD-4FA9-BD61-70046F1FBC9B}" type="datetimeFigureOut">
               <a:rPr lang="en-US" smtClean="0"/>
-              <a:t>4/30/2024</a:t>
+              <a:t>5/9/2024</a:t>
             </a:fld>
             <a:endParaRPr lang="en-US"/>
           </a:p>
@@ -1773,7 +1776,7 @@
     </p:spTree>
     <p:extLst>
       <p:ext uri="{BB962C8B-B14F-4D97-AF65-F5344CB8AC3E}">
-        <p14:creationId xmlns:p14="http://schemas.microsoft.com/office/powerpoint/2010/main" val="3443515906"/>
+        <p14:creationId xmlns:p14="http://schemas.microsoft.com/office/powerpoint/2010/main" val="767599742"/>
       </p:ext>
     </p:extLst>
   </p:cSld>
@@ -1817,7 +1820,7 @@
           <a:p>
             <a:fld id="{5AF8E0B7-2DDD-4FA9-BD61-70046F1FBC9B}" type="datetimeFigureOut">
               <a:rPr lang="en-US" smtClean="0"/>
-              <a:t>4/30/2024</a:t>
+              <a:t>5/9/2024</a:t>
             </a:fld>
             <a:endParaRPr lang="en-US"/>
           </a:p>
@@ -1868,7 +1871,7 @@
     </p:spTree>
     <p:extLst>
       <p:ext uri="{BB962C8B-B14F-4D97-AF65-F5344CB8AC3E}">
-        <p14:creationId xmlns:p14="http://schemas.microsoft.com/office/powerpoint/2010/main" val="2115105937"/>
+        <p14:creationId xmlns:p14="http://schemas.microsoft.com/office/powerpoint/2010/main" val="1778796680"/>
       </p:ext>
     </p:extLst>
   </p:cSld>
@@ -1907,8 +1910,8 @@
         </p:nvSpPr>
         <p:spPr>
           <a:xfrm>
-            <a:off x="839788" y="457200"/>
-            <a:ext cx="3932237" cy="1600200"/>
+            <a:off x="682328" y="457200"/>
+            <a:ext cx="3194943" cy="1600200"/>
           </a:xfrm>
         </p:spPr>
         <p:txBody>
@@ -1920,10 +1923,10 @@
           </a:lstStyle>
           <a:p>
             <a:r>
-              <a:rPr lang="en-US" smtClean="0"/>
+              <a:rPr lang="en-US"/>
               <a:t>Click to edit Master title style</a:t>
             </a:r>
-            <a:endParaRPr lang="en-US"/>
+            <a:endParaRPr lang="en-US" dirty="0"/>
           </a:p>
         </p:txBody>
       </p:sp>
@@ -1939,8 +1942,8 @@
         </p:nvSpPr>
         <p:spPr>
           <a:xfrm>
-            <a:off x="5183188" y="987425"/>
-            <a:ext cx="6172200" cy="4873625"/>
+            <a:off x="4211340" y="987427"/>
+            <a:ext cx="5014913" cy="4873625"/>
           </a:xfrm>
         </p:spPr>
         <p:txBody>
@@ -1977,38 +1980,38 @@
           <a:p>
             <a:pPr lvl="0"/>
             <a:r>
-              <a:rPr lang="en-US" smtClean="0"/>
+              <a:rPr lang="en-US"/>
               <a:t>Click to edit Master text styles</a:t>
             </a:r>
           </a:p>
           <a:p>
             <a:pPr lvl="1"/>
             <a:r>
-              <a:rPr lang="en-US" smtClean="0"/>
+              <a:rPr lang="en-US"/>
               <a:t>Second level</a:t>
             </a:r>
           </a:p>
           <a:p>
             <a:pPr lvl="2"/>
             <a:r>
-              <a:rPr lang="en-US" smtClean="0"/>
+              <a:rPr lang="en-US"/>
               <a:t>Third level</a:t>
             </a:r>
           </a:p>
           <a:p>
             <a:pPr lvl="3"/>
             <a:r>
-              <a:rPr lang="en-US" smtClean="0"/>
+              <a:rPr lang="en-US"/>
               <a:t>Fourth level</a:t>
             </a:r>
           </a:p>
           <a:p>
             <a:pPr lvl="4"/>
             <a:r>
-              <a:rPr lang="en-US" smtClean="0"/>
+              <a:rPr lang="en-US"/>
               <a:t>Fifth level</a:t>
             </a:r>
-            <a:endParaRPr lang="en-US"/>
+            <a:endParaRPr lang="en-US" dirty="0"/>
           </a:p>
         </p:txBody>
       </p:sp>
@@ -2024,8 +2027,8 @@
         </p:nvSpPr>
         <p:spPr>
           <a:xfrm>
-            <a:off x="839788" y="2057400"/>
-            <a:ext cx="3932237" cy="3811588"/>
+            <a:off x="682328" y="2057400"/>
+            <a:ext cx="3194943" cy="3811588"/>
           </a:xfrm>
         </p:spPr>
         <p:txBody>
@@ -2071,7 +2074,7 @@
           <a:p>
             <a:pPr lvl="0"/>
             <a:r>
-              <a:rPr lang="en-US" smtClean="0"/>
+              <a:rPr lang="en-US"/>
               <a:t>Click to edit Master text styles</a:t>
             </a:r>
           </a:p>
@@ -2094,7 +2097,7 @@
           <a:p>
             <a:fld id="{5AF8E0B7-2DDD-4FA9-BD61-70046F1FBC9B}" type="datetimeFigureOut">
               <a:rPr lang="en-US" smtClean="0"/>
-              <a:t>4/30/2024</a:t>
+              <a:t>5/9/2024</a:t>
             </a:fld>
             <a:endParaRPr lang="en-US"/>
           </a:p>
@@ -2145,7 +2148,7 @@
     </p:spTree>
     <p:extLst>
       <p:ext uri="{BB962C8B-B14F-4D97-AF65-F5344CB8AC3E}">
-        <p14:creationId xmlns:p14="http://schemas.microsoft.com/office/powerpoint/2010/main" val="2117882929"/>
+        <p14:creationId xmlns:p14="http://schemas.microsoft.com/office/powerpoint/2010/main" val="814334676"/>
       </p:ext>
     </p:extLst>
   </p:cSld>
@@ -2184,8 +2187,8 @@
         </p:nvSpPr>
         <p:spPr>
           <a:xfrm>
-            <a:off x="839788" y="457200"/>
-            <a:ext cx="3932237" cy="1600200"/>
+            <a:off x="682328" y="457200"/>
+            <a:ext cx="3194943" cy="1600200"/>
           </a:xfrm>
         </p:spPr>
         <p:txBody>
@@ -2197,10 +2200,10 @@
           </a:lstStyle>
           <a:p>
             <a:r>
-              <a:rPr lang="en-US" smtClean="0"/>
+              <a:rPr lang="en-US"/>
               <a:t>Click to edit Master title style</a:t>
             </a:r>
-            <a:endParaRPr lang="en-US"/>
+            <a:endParaRPr lang="en-US" dirty="0"/>
           </a:p>
         </p:txBody>
       </p:sp>
@@ -2208,7 +2211,7 @@
         <p:nvSpPr>
           <p:cNvPr id="3" name="Picture Placeholder 2"/>
           <p:cNvSpPr>
-            <a:spLocks noGrp="1"/>
+            <a:spLocks noGrp="1" noChangeAspect="1"/>
           </p:cNvSpPr>
           <p:nvPr>
             <p:ph type="pic" idx="1"/>
@@ -2216,12 +2219,12 @@
         </p:nvSpPr>
         <p:spPr>
           <a:xfrm>
-            <a:off x="5183188" y="987425"/>
-            <a:ext cx="6172200" cy="4873625"/>
+            <a:off x="4211340" y="987427"/>
+            <a:ext cx="5014913" cy="4873625"/>
           </a:xfrm>
         </p:spPr>
         <p:txBody>
-          <a:bodyPr/>
+          <a:bodyPr anchor="t"/>
           <a:lstStyle>
             <a:lvl1pPr marL="0" indent="0">
               <a:buNone/>
@@ -2261,7 +2264,11 @@
             </a:lvl9pPr>
           </a:lstStyle>
           <a:p>
-            <a:endParaRPr lang="en-US"/>
+            <a:r>
+              <a:rPr lang="en-US"/>
+              <a:t>Click icon to add picture</a:t>
+            </a:r>
+            <a:endParaRPr lang="en-US" dirty="0"/>
           </a:p>
         </p:txBody>
       </p:sp>
@@ -2277,8 +2284,8 @@
         </p:nvSpPr>
         <p:spPr>
           <a:xfrm>
-            <a:off x="839788" y="2057400"/>
-            <a:ext cx="3932237" cy="3811588"/>
+            <a:off x="682328" y="2057400"/>
+            <a:ext cx="3194943" cy="3811588"/>
           </a:xfrm>
         </p:spPr>
         <p:txBody>
@@ -2324,7 +2331,7 @@
           <a:p>
             <a:pPr lvl="0"/>
             <a:r>
-              <a:rPr lang="en-US" smtClean="0"/>
+              <a:rPr lang="en-US"/>
               <a:t>Click to edit Master text styles</a:t>
             </a:r>
           </a:p>
@@ -2347,7 +2354,7 @@
           <a:p>
             <a:fld id="{5AF8E0B7-2DDD-4FA9-BD61-70046F1FBC9B}" type="datetimeFigureOut">
               <a:rPr lang="en-US" smtClean="0"/>
-              <a:t>4/30/2024</a:t>
+              <a:t>5/9/2024</a:t>
             </a:fld>
             <a:endParaRPr lang="en-US"/>
           </a:p>
@@ -2398,7 +2405,7 @@
     </p:spTree>
     <p:extLst>
       <p:ext uri="{BB962C8B-B14F-4D97-AF65-F5344CB8AC3E}">
-        <p14:creationId xmlns:p14="http://schemas.microsoft.com/office/powerpoint/2010/main" val="1098494255"/>
+        <p14:creationId xmlns:p14="http://schemas.microsoft.com/office/powerpoint/2010/main" val="750443889"/>
       </p:ext>
     </p:extLst>
   </p:cSld>
@@ -2442,8 +2449,8 @@
         </p:nvSpPr>
         <p:spPr>
           <a:xfrm>
-            <a:off x="838200" y="365125"/>
-            <a:ext cx="10515600" cy="1325563"/>
+            <a:off x="681038" y="365127"/>
+            <a:ext cx="8543925" cy="1325563"/>
           </a:xfrm>
           <a:prstGeom prst="rect">
             <a:avLst/>
@@ -2456,10 +2463,10 @@
           <a:lstStyle/>
           <a:p>
             <a:r>
-              <a:rPr lang="en-US" smtClean="0"/>
+              <a:rPr lang="en-US"/>
               <a:t>Click to edit Master title style</a:t>
             </a:r>
-            <a:endParaRPr lang="en-US"/>
+            <a:endParaRPr lang="en-US" dirty="0"/>
           </a:p>
         </p:txBody>
       </p:sp>
@@ -2475,8 +2482,8 @@
         </p:nvSpPr>
         <p:spPr>
           <a:xfrm>
-            <a:off x="838200" y="1825625"/>
-            <a:ext cx="10515600" cy="4351338"/>
+            <a:off x="681038" y="1825625"/>
+            <a:ext cx="8543925" cy="4351338"/>
           </a:xfrm>
           <a:prstGeom prst="rect">
             <a:avLst/>
@@ -2490,38 +2497,38 @@
           <a:p>
             <a:pPr lvl="0"/>
             <a:r>
-              <a:rPr lang="en-US" smtClean="0"/>
+              <a:rPr lang="en-US"/>
               <a:t>Click to edit Master text styles</a:t>
             </a:r>
           </a:p>
           <a:p>
             <a:pPr lvl="1"/>
             <a:r>
-              <a:rPr lang="en-US" smtClean="0"/>
+              <a:rPr lang="en-US"/>
               <a:t>Second level</a:t>
             </a:r>
           </a:p>
           <a:p>
             <a:pPr lvl="2"/>
             <a:r>
-              <a:rPr lang="en-US" smtClean="0"/>
+              <a:rPr lang="en-US"/>
               <a:t>Third level</a:t>
             </a:r>
           </a:p>
           <a:p>
             <a:pPr lvl="3"/>
             <a:r>
-              <a:rPr lang="en-US" smtClean="0"/>
+              <a:rPr lang="en-US"/>
               <a:t>Fourth level</a:t>
             </a:r>
           </a:p>
           <a:p>
             <a:pPr lvl="4"/>
             <a:r>
-              <a:rPr lang="en-US" smtClean="0"/>
+              <a:rPr lang="en-US"/>
               <a:t>Fifth level</a:t>
             </a:r>
-            <a:endParaRPr lang="en-US"/>
+            <a:endParaRPr lang="en-US" dirty="0"/>
           </a:p>
         </p:txBody>
       </p:sp>
@@ -2537,8 +2544,8 @@
         </p:nvSpPr>
         <p:spPr>
           <a:xfrm>
-            <a:off x="838200" y="6356350"/>
-            <a:ext cx="2743200" cy="365125"/>
+            <a:off x="681038" y="6356352"/>
+            <a:ext cx="2228850" cy="365125"/>
           </a:xfrm>
           <a:prstGeom prst="rect">
             <a:avLst/>
@@ -2560,7 +2567,7 @@
           <a:p>
             <a:fld id="{5AF8E0B7-2DDD-4FA9-BD61-70046F1FBC9B}" type="datetimeFigureOut">
               <a:rPr lang="en-US" smtClean="0"/>
-              <a:t>4/30/2024</a:t>
+              <a:t>5/9/2024</a:t>
             </a:fld>
             <a:endParaRPr lang="en-US"/>
           </a:p>
@@ -2578,8 +2585,8 @@
         </p:nvSpPr>
         <p:spPr>
           <a:xfrm>
-            <a:off x="4038600" y="6356350"/>
-            <a:ext cx="4114800" cy="365125"/>
+            <a:off x="3281363" y="6356352"/>
+            <a:ext cx="3343275" cy="365125"/>
           </a:xfrm>
           <a:prstGeom prst="rect">
             <a:avLst/>
@@ -2615,8 +2622,8 @@
         </p:nvSpPr>
         <p:spPr>
           <a:xfrm>
-            <a:off x="8610600" y="6356350"/>
-            <a:ext cx="2743200" cy="365125"/>
+            <a:off x="6996113" y="6356352"/>
+            <a:ext cx="2228850" cy="365125"/>
           </a:xfrm>
           <a:prstGeom prst="rect">
             <a:avLst/>
@@ -2647,23 +2654,23 @@
     </p:spTree>
     <p:extLst>
       <p:ext uri="{BB962C8B-B14F-4D97-AF65-F5344CB8AC3E}">
-        <p14:creationId xmlns:p14="http://schemas.microsoft.com/office/powerpoint/2010/main" val="3157502079"/>
+        <p14:creationId xmlns:p14="http://schemas.microsoft.com/office/powerpoint/2010/main" val="3546051955"/>
       </p:ext>
     </p:extLst>
   </p:cSld>
   <p:clrMap bg1="lt1" tx1="dk1" bg2="lt2" tx2="dk2" accent1="accent1" accent2="accent2" accent3="accent3" accent4="accent4" accent5="accent5" accent6="accent6" hlink="hlink" folHlink="folHlink"/>
   <p:sldLayoutIdLst>
-    <p:sldLayoutId id="2147483649" r:id="rId1"/>
-    <p:sldLayoutId id="2147483650" r:id="rId2"/>
-    <p:sldLayoutId id="2147483651" r:id="rId3"/>
-    <p:sldLayoutId id="2147483652" r:id="rId4"/>
-    <p:sldLayoutId id="2147483653" r:id="rId5"/>
-    <p:sldLayoutId id="2147483654" r:id="rId6"/>
-    <p:sldLayoutId id="2147483655" r:id="rId7"/>
-    <p:sldLayoutId id="2147483656" r:id="rId8"/>
-    <p:sldLayoutId id="2147483657" r:id="rId9"/>
-    <p:sldLayoutId id="2147483658" r:id="rId10"/>
-    <p:sldLayoutId id="2147483659" r:id="rId11"/>
+    <p:sldLayoutId id="2147483661" r:id="rId1"/>
+    <p:sldLayoutId id="2147483662" r:id="rId2"/>
+    <p:sldLayoutId id="2147483663" r:id="rId3"/>
+    <p:sldLayoutId id="2147483664" r:id="rId4"/>
+    <p:sldLayoutId id="2147483665" r:id="rId5"/>
+    <p:sldLayoutId id="2147483666" r:id="rId6"/>
+    <p:sldLayoutId id="2147483667" r:id="rId7"/>
+    <p:sldLayoutId id="2147483668" r:id="rId8"/>
+    <p:sldLayoutId id="2147483669" r:id="rId9"/>
+    <p:sldLayoutId id="2147483670" r:id="rId10"/>
+    <p:sldLayoutId id="2147483671" r:id="rId11"/>
   </p:sldLayoutIdLst>
   <p:txStyles>
     <p:titleStyle>
@@ -2965,428 +2972,600 @@
           <a:chExt cx="0" cy="0"/>
         </a:xfrm>
       </p:grpSpPr>
-      <p:pic>
-        <p:nvPicPr>
-          <p:cNvPr id="15" name="Picture 14"/>
-          <p:cNvPicPr>
-            <a:picLocks noChangeAspect="1"/>
-          </p:cNvPicPr>
-          <p:nvPr/>
-        </p:nvPicPr>
-        <p:blipFill>
-          <a:blip r:embed="rId2"/>
-          <a:stretch>
-            <a:fillRect/>
-          </a:stretch>
-        </p:blipFill>
-        <p:spPr>
-          <a:xfrm>
-            <a:off x="8117551" y="4047023"/>
-            <a:ext cx="2196460" cy="1475234"/>
-          </a:xfrm>
-          <a:prstGeom prst="rect">
-            <a:avLst/>
-          </a:prstGeom>
-        </p:spPr>
-      </p:pic>
-      <p:grpSp>
-        <p:nvGrpSpPr>
-          <p:cNvPr id="5" name="Group 4"/>
-          <p:cNvGrpSpPr/>
-          <p:nvPr/>
-        </p:nvGrpSpPr>
-        <p:grpSpPr>
-          <a:xfrm>
-            <a:off x="2667815" y="2478280"/>
-            <a:ext cx="2743200" cy="2743200"/>
-            <a:chOff x="2667815" y="2478280"/>
-            <a:chExt cx="2743200" cy="2743200"/>
-          </a:xfrm>
-        </p:grpSpPr>
-        <p:sp>
-          <p:nvSpPr>
-            <p:cNvPr id="4" name="Oval 3"/>
-            <p:cNvSpPr/>
-            <p:nvPr/>
-          </p:nvSpPr>
-          <p:spPr>
-            <a:xfrm>
-              <a:off x="2667815" y="2478280"/>
-              <a:ext cx="2743200" cy="2743200"/>
-            </a:xfrm>
-            <a:prstGeom prst="ellipse">
-              <a:avLst/>
-            </a:prstGeom>
-            <a:solidFill>
-              <a:schemeClr val="accent1">
-                <a:lumMod val="20000"/>
-                <a:lumOff val="80000"/>
-              </a:schemeClr>
-            </a:solidFill>
-            <a:ln>
-              <a:noFill/>
-            </a:ln>
-            <a:effectLst>
-              <a:outerShdw blurRad="44450" dist="27940" dir="5400000" algn="ctr">
-                <a:srgbClr val="000000">
-                  <a:alpha val="32000"/>
-                </a:srgbClr>
-              </a:outerShdw>
-            </a:effectLst>
-            <a:scene3d>
-              <a:camera prst="orthographicFront">
-                <a:rot lat="0" lon="0" rev="0"/>
-              </a:camera>
-              <a:lightRig rig="balanced" dir="t">
-                <a:rot lat="0" lon="0" rev="8700000"/>
-              </a:lightRig>
-            </a:scene3d>
-            <a:sp3d>
-              <a:bevelT w="190500" h="38100"/>
-            </a:sp3d>
-          </p:spPr>
-          <p:style>
-            <a:lnRef idx="2">
-              <a:schemeClr val="accent1">
-                <a:shade val="50000"/>
-              </a:schemeClr>
-            </a:lnRef>
-            <a:fillRef idx="1">
-              <a:schemeClr val="accent1"/>
-            </a:fillRef>
-            <a:effectRef idx="0">
-              <a:schemeClr val="accent1"/>
-            </a:effectRef>
-            <a:fontRef idx="minor">
-              <a:schemeClr val="lt1"/>
-            </a:fontRef>
-          </p:style>
-          <p:txBody>
-            <a:bodyPr rtlCol="0" anchor="ctr"/>
-            <a:lstStyle/>
-            <a:p>
-              <a:pPr algn="ctr"/>
-              <a:endParaRPr lang="en-US"/>
-            </a:p>
-          </p:txBody>
-        </p:sp>
-        <p:pic>
-          <p:nvPicPr>
-            <p:cNvPr id="1026" name="Picture 2" descr="YESCentre-Pass-Attack-1 (NETFIT Netball)"/>
-            <p:cNvPicPr>
-              <a:picLocks noChangeAspect="1" noChangeArrowheads="1"/>
-            </p:cNvPicPr>
-            <p:nvPr/>
-          </p:nvPicPr>
-          <p:blipFill>
-            <a:blip r:embed="rId3">
-              <a:clrChange>
-                <a:clrFrom>
-                  <a:srgbClr val="FFFFFF"/>
-                </a:clrFrom>
-                <a:clrTo>
-                  <a:srgbClr val="FFFFFF">
-                    <a:alpha val="0"/>
-                  </a:srgbClr>
-                </a:clrTo>
-              </a:clrChange>
-              <a:extLst>
-                <a:ext uri="{28A0092B-C50C-407E-A947-70E740481C1C}">
-                  <a14:useLocalDpi xmlns:a14="http://schemas.microsoft.com/office/drawing/2010/main" val="0"/>
-                </a:ext>
-              </a:extLst>
-            </a:blip>
-            <a:srcRect/>
-            <a:stretch>
-              <a:fillRect/>
-            </a:stretch>
-          </p:blipFill>
-          <p:spPr bwMode="auto">
-            <a:xfrm>
-              <a:off x="3125015" y="2675831"/>
-              <a:ext cx="1828800" cy="2108809"/>
-            </a:xfrm>
-            <a:prstGeom prst="rect">
-              <a:avLst/>
-            </a:prstGeom>
-            <a:noFill/>
-            <a:extLst>
-              <a:ext uri="{909E8E84-426E-40DD-AFC4-6F175D3DCCD1}">
-                <a14:hiddenFill xmlns:a14="http://schemas.microsoft.com/office/drawing/2010/main">
-                  <a:solidFill>
-                    <a:srgbClr val="FFFFFF"/>
-                  </a:solidFill>
-                </a14:hiddenFill>
-              </a:ext>
-            </a:extLst>
-          </p:spPr>
-        </p:pic>
-      </p:grpSp>
-      <p:pic>
-        <p:nvPicPr>
-          <p:cNvPr id="7" name="Picture 6"/>
-          <p:cNvPicPr>
-            <a:picLocks noChangeAspect="1"/>
-          </p:cNvPicPr>
-          <p:nvPr/>
-        </p:nvPicPr>
-        <p:blipFill>
-          <a:blip r:embed="rId4"/>
-          <a:stretch>
-            <a:fillRect/>
-          </a:stretch>
-        </p:blipFill>
-        <p:spPr>
-          <a:xfrm>
-            <a:off x="5767390" y="2751746"/>
-            <a:ext cx="368110" cy="916520"/>
-          </a:xfrm>
-          <a:prstGeom prst="rect">
-            <a:avLst/>
-          </a:prstGeom>
-        </p:spPr>
-      </p:pic>
-      <p:pic>
-        <p:nvPicPr>
-          <p:cNvPr id="8" name="Picture 7"/>
-          <p:cNvPicPr>
-            <a:picLocks noChangeAspect="1"/>
-          </p:cNvPicPr>
-          <p:nvPr/>
-        </p:nvPicPr>
-        <p:blipFill rotWithShape="1">
-          <a:blip r:embed="rId5"/>
-          <a:srcRect l="14199" t="-85" b="69032"/>
-          <a:stretch/>
-        </p:blipFill>
-        <p:spPr>
-          <a:xfrm flipH="1">
-            <a:off x="799814" y="762011"/>
-            <a:ext cx="2435763" cy="769122"/>
-          </a:xfrm>
-          <a:prstGeom prst="rect">
-            <a:avLst/>
-          </a:prstGeom>
-          <a:ln>
-            <a:noFill/>
-          </a:ln>
-          <a:effectLst>
-            <a:softEdge rad="112500"/>
-          </a:effectLst>
-        </p:spPr>
-      </p:pic>
-      <p:pic>
-        <p:nvPicPr>
-          <p:cNvPr id="9" name="Picture 8"/>
-          <p:cNvPicPr>
-            <a:picLocks noChangeAspect="1"/>
-          </p:cNvPicPr>
-          <p:nvPr/>
-        </p:nvPicPr>
-        <p:blipFill rotWithShape="1">
-          <a:blip r:embed="rId6"/>
-          <a:srcRect l="1" r="-5534"/>
-          <a:stretch/>
-        </p:blipFill>
-        <p:spPr>
-          <a:xfrm flipH="1">
-            <a:off x="640988" y="2097227"/>
-            <a:ext cx="1196358" cy="762106"/>
-          </a:xfrm>
-          <a:prstGeom prst="rect">
-            <a:avLst/>
-          </a:prstGeom>
-          <a:ln>
-            <a:noFill/>
-          </a:ln>
-          <a:effectLst>
-            <a:softEdge rad="112500"/>
-          </a:effectLst>
-        </p:spPr>
-      </p:pic>
-      <p:pic>
-        <p:nvPicPr>
-          <p:cNvPr id="11" name="Picture 10"/>
-          <p:cNvPicPr>
-            <a:picLocks noChangeAspect="1"/>
-          </p:cNvPicPr>
-          <p:nvPr/>
-        </p:nvPicPr>
-        <p:blipFill rotWithShape="1">
-          <a:blip r:embed="rId5"/>
-          <a:srcRect t="56261" r="15611" b="3765"/>
-          <a:stretch/>
-        </p:blipFill>
-        <p:spPr>
-          <a:xfrm>
-            <a:off x="799814" y="1204483"/>
-            <a:ext cx="2395677" cy="990047"/>
-          </a:xfrm>
-          <a:prstGeom prst="rect">
-            <a:avLst/>
-          </a:prstGeom>
-          <a:ln>
-            <a:noFill/>
-          </a:ln>
-          <a:effectLst>
-            <a:softEdge rad="112500"/>
-          </a:effectLst>
-        </p:spPr>
-      </p:pic>
-      <p:pic>
-        <p:nvPicPr>
-          <p:cNvPr id="12" name="Picture 11"/>
-          <p:cNvPicPr>
-            <a:picLocks noChangeAspect="1"/>
-          </p:cNvPicPr>
-          <p:nvPr/>
-        </p:nvPicPr>
-        <p:blipFill rotWithShape="1">
-          <a:blip r:embed="rId5"/>
-          <a:srcRect l="13629" t="27517" r="11396" b="38669"/>
-          <a:stretch/>
-        </p:blipFill>
-        <p:spPr>
-          <a:xfrm>
-            <a:off x="1832211" y="2115213"/>
-            <a:ext cx="2128408" cy="837487"/>
-          </a:xfrm>
-          <a:prstGeom prst="rect">
-            <a:avLst/>
-          </a:prstGeom>
-          <a:ln>
-            <a:noFill/>
-          </a:ln>
-          <a:effectLst>
-            <a:softEdge rad="112500"/>
-          </a:effectLst>
-        </p:spPr>
-      </p:pic>
-      <p:pic>
-        <p:nvPicPr>
-          <p:cNvPr id="10" name="Picture 9"/>
-          <p:cNvPicPr>
-            <a:picLocks noChangeAspect="1"/>
-          </p:cNvPicPr>
-          <p:nvPr/>
-        </p:nvPicPr>
-        <p:blipFill>
-          <a:blip r:embed="rId7"/>
-          <a:stretch>
-            <a:fillRect/>
-          </a:stretch>
-        </p:blipFill>
-        <p:spPr>
-          <a:xfrm>
-            <a:off x="1058352" y="4621905"/>
-            <a:ext cx="2648320" cy="1409897"/>
-          </a:xfrm>
-          <a:prstGeom prst="rect">
-            <a:avLst/>
-          </a:prstGeom>
-        </p:spPr>
-      </p:pic>
+      <p:graphicFrame>
+        <p:nvGraphicFramePr>
+          <p:cNvPr id="165" name="Table 164"/>
+          <p:cNvGraphicFramePr>
+            <a:graphicFrameLocks noGrp="1"/>
+          </p:cNvGraphicFramePr>
+          <p:nvPr>
+            <p:extLst>
+              <p:ext uri="{D42A27DB-BD31-4B8C-83A1-F6EECF244321}">
+                <p14:modId xmlns:p14="http://schemas.microsoft.com/office/powerpoint/2010/main" val="2531845852"/>
+              </p:ext>
+            </p:extLst>
+          </p:nvPr>
+        </p:nvGraphicFramePr>
+        <p:xfrm>
+          <a:off x="266150" y="550931"/>
+          <a:ext cx="4838439" cy="3376266"/>
+        </p:xfrm>
+        <a:graphic>
+          <a:graphicData uri="http://schemas.openxmlformats.org/drawingml/2006/table">
+            <a:tbl>
+              <a:tblPr bandRow="1">
+                <a:tableStyleId>{B301B821-A1FF-4177-AEE7-76D212191A09}</a:tableStyleId>
+              </a:tblPr>
+              <a:tblGrid>
+                <a:gridCol w="980903">
+                  <a:extLst>
+                    <a:ext uri="{9D8B030D-6E8A-4147-A177-3AD203B41FA5}">
+                      <a16:colId xmlns:a16="http://schemas.microsoft.com/office/drawing/2014/main" val="20000"/>
+                    </a:ext>
+                  </a:extLst>
+                </a:gridCol>
+                <a:gridCol w="3857536">
+                  <a:extLst>
+                    <a:ext uri="{9D8B030D-6E8A-4147-A177-3AD203B41FA5}">
+                      <a16:colId xmlns:a16="http://schemas.microsoft.com/office/drawing/2014/main" val="20001"/>
+                    </a:ext>
+                  </a:extLst>
+                </a:gridCol>
+              </a:tblGrid>
+              <a:tr h="562711">
+                <a:tc>
+                  <a:txBody>
+                    <a:bodyPr/>
+                    <a:lstStyle/>
+                    <a:p>
+                      <a:r>
+                        <a:rPr lang="en-US" sz="1000" dirty="0"/>
+                        <a:t>Tournament</a:t>
+                      </a:r>
+                    </a:p>
+                  </a:txBody>
+                  <a:tcPr/>
+                </a:tc>
+                <a:tc>
+                  <a:txBody>
+                    <a:bodyPr/>
+                    <a:lstStyle/>
+                    <a:p>
+                      <a:endParaRPr lang="en-US" sz="1000" dirty="0"/>
+                    </a:p>
+                  </a:txBody>
+                  <a:tcPr/>
+                </a:tc>
+                <a:extLst>
+                  <a:ext uri="{0D108BD9-81ED-4DB2-BD59-A6C34878D82A}">
+                    <a16:rowId xmlns:a16="http://schemas.microsoft.com/office/drawing/2014/main" val="10000"/>
+                  </a:ext>
+                </a:extLst>
+              </a:tr>
+              <a:tr h="562711">
+                <a:tc>
+                  <a:txBody>
+                    <a:bodyPr/>
+                    <a:lstStyle/>
+                    <a:p>
+                      <a:r>
+                        <a:rPr lang="en-US" sz="1000" dirty="0"/>
+                        <a:t>Teamwork</a:t>
+                      </a:r>
+                    </a:p>
+                  </a:txBody>
+                  <a:tcPr/>
+                </a:tc>
+                <a:tc>
+                  <a:txBody>
+                    <a:bodyPr/>
+                    <a:lstStyle/>
+                    <a:p>
+                      <a:endParaRPr lang="en-US" sz="1000" dirty="0"/>
+                    </a:p>
+                  </a:txBody>
+                  <a:tcPr/>
+                </a:tc>
+                <a:extLst>
+                  <a:ext uri="{0D108BD9-81ED-4DB2-BD59-A6C34878D82A}">
+                    <a16:rowId xmlns:a16="http://schemas.microsoft.com/office/drawing/2014/main" val="10001"/>
+                  </a:ext>
+                </a:extLst>
+              </a:tr>
+              <a:tr h="562711">
+                <a:tc>
+                  <a:txBody>
+                    <a:bodyPr/>
+                    <a:lstStyle/>
+                    <a:p>
+                      <a:r>
+                        <a:rPr lang="en-US" sz="1000" dirty="0"/>
+                        <a:t>Win</a:t>
+                      </a:r>
+                    </a:p>
+                  </a:txBody>
+                  <a:tcPr/>
+                </a:tc>
+                <a:tc>
+                  <a:txBody>
+                    <a:bodyPr/>
+                    <a:lstStyle/>
+                    <a:p>
+                      <a:endParaRPr lang="en-US" sz="1000" dirty="0"/>
+                    </a:p>
+                  </a:txBody>
+                  <a:tcPr/>
+                </a:tc>
+                <a:extLst>
+                  <a:ext uri="{0D108BD9-81ED-4DB2-BD59-A6C34878D82A}">
+                    <a16:rowId xmlns:a16="http://schemas.microsoft.com/office/drawing/2014/main" val="10002"/>
+                  </a:ext>
+                </a:extLst>
+              </a:tr>
+              <a:tr h="562711">
+                <a:tc>
+                  <a:txBody>
+                    <a:bodyPr/>
+                    <a:lstStyle/>
+                    <a:p>
+                      <a:r>
+                        <a:rPr lang="en-US" sz="1000" dirty="0"/>
+                        <a:t>Leading</a:t>
+                      </a:r>
+                    </a:p>
+                  </a:txBody>
+                  <a:tcPr/>
+                </a:tc>
+                <a:tc>
+                  <a:txBody>
+                    <a:bodyPr/>
+                    <a:lstStyle/>
+                    <a:p>
+                      <a:endParaRPr lang="en-US" sz="1000" dirty="0"/>
+                    </a:p>
+                  </a:txBody>
+                  <a:tcPr/>
+                </a:tc>
+                <a:extLst>
+                  <a:ext uri="{0D108BD9-81ED-4DB2-BD59-A6C34878D82A}">
+                    <a16:rowId xmlns:a16="http://schemas.microsoft.com/office/drawing/2014/main" val="10003"/>
+                  </a:ext>
+                </a:extLst>
+              </a:tr>
+              <a:tr h="562711">
+                <a:tc>
+                  <a:txBody>
+                    <a:bodyPr/>
+                    <a:lstStyle/>
+                    <a:p>
+                      <a:r>
+                        <a:rPr lang="en-US" sz="1000" dirty="0"/>
+                        <a:t>Game</a:t>
+                      </a:r>
+                    </a:p>
+                  </a:txBody>
+                  <a:tcPr/>
+                </a:tc>
+                <a:tc>
+                  <a:txBody>
+                    <a:bodyPr/>
+                    <a:lstStyle/>
+                    <a:p>
+                      <a:endParaRPr lang="en-US" sz="1000" dirty="0"/>
+                    </a:p>
+                  </a:txBody>
+                  <a:tcPr/>
+                </a:tc>
+                <a:extLst>
+                  <a:ext uri="{0D108BD9-81ED-4DB2-BD59-A6C34878D82A}">
+                    <a16:rowId xmlns:a16="http://schemas.microsoft.com/office/drawing/2014/main" val="10004"/>
+                  </a:ext>
+                </a:extLst>
+              </a:tr>
+              <a:tr h="562711">
+                <a:tc>
+                  <a:txBody>
+                    <a:bodyPr/>
+                    <a:lstStyle/>
+                    <a:p>
+                      <a:endParaRPr lang="en-US" sz="1000" dirty="0"/>
+                    </a:p>
+                  </a:txBody>
+                  <a:tcPr/>
+                </a:tc>
+                <a:tc>
+                  <a:txBody>
+                    <a:bodyPr/>
+                    <a:lstStyle/>
+                    <a:p>
+                      <a:endParaRPr lang="en-US" sz="1000" dirty="0"/>
+                    </a:p>
+                  </a:txBody>
+                  <a:tcPr/>
+                </a:tc>
+                <a:extLst>
+                  <a:ext uri="{0D108BD9-81ED-4DB2-BD59-A6C34878D82A}">
+                    <a16:rowId xmlns:a16="http://schemas.microsoft.com/office/drawing/2014/main" val="10005"/>
+                  </a:ext>
+                </a:extLst>
+              </a:tr>
+            </a:tbl>
+          </a:graphicData>
+        </a:graphic>
+      </p:graphicFrame>
+      <p:graphicFrame>
+        <p:nvGraphicFramePr>
+          <p:cNvPr id="221" name="Table 220"/>
+          <p:cNvGraphicFramePr>
+            <a:graphicFrameLocks noGrp="1"/>
+          </p:cNvGraphicFramePr>
+          <p:nvPr>
+            <p:extLst>
+              <p:ext uri="{D42A27DB-BD31-4B8C-83A1-F6EECF244321}">
+                <p14:modId xmlns:p14="http://schemas.microsoft.com/office/powerpoint/2010/main" val="3366360871"/>
+              </p:ext>
+            </p:extLst>
+          </p:nvPr>
+        </p:nvGraphicFramePr>
+        <p:xfrm>
+          <a:off x="5386065" y="4495758"/>
+          <a:ext cx="4188458" cy="1960361"/>
+        </p:xfrm>
+        <a:graphic>
+          <a:graphicData uri="http://schemas.openxmlformats.org/drawingml/2006/table">
+            <a:tbl>
+              <a:tblPr bandRow="1">
+                <a:tableStyleId>{00A15C55-8517-42AA-B614-E9B94910E393}</a:tableStyleId>
+              </a:tblPr>
+              <a:tblGrid>
+                <a:gridCol w="3472084">
+                  <a:extLst>
+                    <a:ext uri="{9D8B030D-6E8A-4147-A177-3AD203B41FA5}">
+                      <a16:colId xmlns:a16="http://schemas.microsoft.com/office/drawing/2014/main" val="20000"/>
+                    </a:ext>
+                  </a:extLst>
+                </a:gridCol>
+                <a:gridCol w="716374">
+                  <a:extLst>
+                    <a:ext uri="{9D8B030D-6E8A-4147-A177-3AD203B41FA5}">
+                      <a16:colId xmlns:a16="http://schemas.microsoft.com/office/drawing/2014/main" val="20001"/>
+                    </a:ext>
+                  </a:extLst>
+                </a:gridCol>
+              </a:tblGrid>
+              <a:tr h="325034">
+                <a:tc>
+                  <a:txBody>
+                    <a:bodyPr/>
+                    <a:lstStyle/>
+                    <a:p>
+                      <a:endParaRPr lang="en-US" sz="1000" dirty="0"/>
+                    </a:p>
+                  </a:txBody>
+                  <a:tcPr/>
+                </a:tc>
+                <a:tc>
+                  <a:txBody>
+                    <a:bodyPr/>
+                    <a:lstStyle/>
+                    <a:p>
+                      <a:r>
+                        <a:rPr lang="en-US" sz="1000" dirty="0">
+                          <a:solidFill>
+                            <a:schemeClr val="accent2">
+                              <a:lumMod val="75000"/>
+                            </a:schemeClr>
+                          </a:solidFill>
+                        </a:rPr>
+                        <a:t>Catching</a:t>
+                      </a:r>
+                    </a:p>
+                  </a:txBody>
+                  <a:tcPr/>
+                </a:tc>
+                <a:extLst>
+                  <a:ext uri="{0D108BD9-81ED-4DB2-BD59-A6C34878D82A}">
+                    <a16:rowId xmlns:a16="http://schemas.microsoft.com/office/drawing/2014/main" val="10000"/>
+                  </a:ext>
+                </a:extLst>
+              </a:tr>
+              <a:tr h="335191">
+                <a:tc>
+                  <a:txBody>
+                    <a:bodyPr/>
+                    <a:lstStyle/>
+                    <a:p>
+                      <a:endParaRPr lang="en-US" sz="1000" kern="1200" dirty="0">
+                        <a:solidFill>
+                          <a:schemeClr val="dk1"/>
+                        </a:solidFill>
+                        <a:latin typeface="+mn-lt"/>
+                        <a:ea typeface="+mn-ea"/>
+                        <a:cs typeface="+mn-cs"/>
+                      </a:endParaRPr>
+                    </a:p>
+                  </a:txBody>
+                  <a:tcPr/>
+                </a:tc>
+                <a:tc>
+                  <a:txBody>
+                    <a:bodyPr/>
+                    <a:lstStyle/>
+                    <a:p>
+                      <a:r>
+                        <a:rPr lang="en-US" sz="1000" dirty="0">
+                          <a:solidFill>
+                            <a:schemeClr val="accent2">
+                              <a:lumMod val="75000"/>
+                            </a:schemeClr>
+                          </a:solidFill>
+                        </a:rPr>
+                        <a:t>Shooting</a:t>
+                      </a:r>
+                    </a:p>
+                  </a:txBody>
+                  <a:tcPr/>
+                </a:tc>
+                <a:extLst>
+                  <a:ext uri="{0D108BD9-81ED-4DB2-BD59-A6C34878D82A}">
+                    <a16:rowId xmlns:a16="http://schemas.microsoft.com/office/drawing/2014/main" val="10001"/>
+                  </a:ext>
+                </a:extLst>
+              </a:tr>
+              <a:tr h="325034">
+                <a:tc>
+                  <a:txBody>
+                    <a:bodyPr/>
+                    <a:lstStyle/>
+                    <a:p>
+                      <a:endParaRPr lang="en-US" sz="1000" dirty="0"/>
+                    </a:p>
+                  </a:txBody>
+                  <a:tcPr/>
+                </a:tc>
+                <a:tc>
+                  <a:txBody>
+                    <a:bodyPr/>
+                    <a:lstStyle/>
+                    <a:p>
+                      <a:r>
+                        <a:rPr lang="en-US" sz="1000" dirty="0">
+                          <a:solidFill>
+                            <a:schemeClr val="accent2">
+                              <a:lumMod val="75000"/>
+                            </a:schemeClr>
+                          </a:solidFill>
+                        </a:rPr>
+                        <a:t>Passing</a:t>
+                      </a:r>
+                    </a:p>
+                  </a:txBody>
+                  <a:tcPr/>
+                </a:tc>
+                <a:extLst>
+                  <a:ext uri="{0D108BD9-81ED-4DB2-BD59-A6C34878D82A}">
+                    <a16:rowId xmlns:a16="http://schemas.microsoft.com/office/drawing/2014/main" val="10002"/>
+                  </a:ext>
+                </a:extLst>
+              </a:tr>
+              <a:tr h="325034">
+                <a:tc>
+                  <a:txBody>
+                    <a:bodyPr/>
+                    <a:lstStyle/>
+                    <a:p>
+                      <a:endParaRPr lang="en-US" sz="1000" dirty="0"/>
+                    </a:p>
+                  </a:txBody>
+                  <a:tcPr/>
+                </a:tc>
+                <a:tc>
+                  <a:txBody>
+                    <a:bodyPr/>
+                    <a:lstStyle/>
+                    <a:p>
+                      <a:r>
+                        <a:rPr lang="en-US" sz="1000" dirty="0">
+                          <a:solidFill>
+                            <a:schemeClr val="accent2">
+                              <a:lumMod val="75000"/>
+                            </a:schemeClr>
+                          </a:solidFill>
+                        </a:rPr>
+                        <a:t>Footwork</a:t>
+                      </a:r>
+                    </a:p>
+                  </a:txBody>
+                  <a:tcPr/>
+                </a:tc>
+                <a:extLst>
+                  <a:ext uri="{0D108BD9-81ED-4DB2-BD59-A6C34878D82A}">
+                    <a16:rowId xmlns:a16="http://schemas.microsoft.com/office/drawing/2014/main" val="10003"/>
+                  </a:ext>
+                </a:extLst>
+              </a:tr>
+              <a:tr h="325034">
+                <a:tc>
+                  <a:txBody>
+                    <a:bodyPr/>
+                    <a:lstStyle/>
+                    <a:p>
+                      <a:endParaRPr lang="en-US" sz="1000" dirty="0"/>
+                    </a:p>
+                  </a:txBody>
+                  <a:tcPr/>
+                </a:tc>
+                <a:tc>
+                  <a:txBody>
+                    <a:bodyPr/>
+                    <a:lstStyle/>
+                    <a:p>
+                      <a:r>
+                        <a:rPr lang="en-US" sz="1000" dirty="0">
+                          <a:solidFill>
+                            <a:schemeClr val="accent2">
+                              <a:lumMod val="75000"/>
+                            </a:schemeClr>
+                          </a:solidFill>
+                        </a:rPr>
+                        <a:t>Marking</a:t>
+                      </a:r>
+                    </a:p>
+                  </a:txBody>
+                  <a:tcPr/>
+                </a:tc>
+                <a:extLst>
+                  <a:ext uri="{0D108BD9-81ED-4DB2-BD59-A6C34878D82A}">
+                    <a16:rowId xmlns:a16="http://schemas.microsoft.com/office/drawing/2014/main" val="10004"/>
+                  </a:ext>
+                </a:extLst>
+              </a:tr>
+              <a:tr h="325034">
+                <a:tc>
+                  <a:txBody>
+                    <a:bodyPr/>
+                    <a:lstStyle/>
+                    <a:p>
+                      <a:endParaRPr lang="en-US" sz="1000" dirty="0"/>
+                    </a:p>
+                  </a:txBody>
+                  <a:tcPr/>
+                </a:tc>
+                <a:tc>
+                  <a:txBody>
+                    <a:bodyPr/>
+                    <a:lstStyle/>
+                    <a:p>
+                      <a:r>
+                        <a:rPr lang="en-US" sz="1000" dirty="0">
+                          <a:solidFill>
+                            <a:schemeClr val="accent2">
+                              <a:lumMod val="75000"/>
+                            </a:schemeClr>
+                          </a:solidFill>
+                        </a:rPr>
+                        <a:t>Dodging</a:t>
+                      </a:r>
+                    </a:p>
+                  </a:txBody>
+                  <a:tcPr/>
+                </a:tc>
+                <a:extLst>
+                  <a:ext uri="{0D108BD9-81ED-4DB2-BD59-A6C34878D82A}">
+                    <a16:rowId xmlns:a16="http://schemas.microsoft.com/office/drawing/2014/main" val="10005"/>
+                  </a:ext>
+                </a:extLst>
+              </a:tr>
+            </a:tbl>
+          </a:graphicData>
+        </a:graphic>
+      </p:graphicFrame>
       <p:sp>
         <p:nvSpPr>
-          <p:cNvPr id="13" name="TextBox 12"/>
-          <p:cNvSpPr txBox="1"/>
+          <p:cNvPr id="232" name="Pie 231"/>
+          <p:cNvSpPr/>
           <p:nvPr/>
         </p:nvSpPr>
         <p:spPr>
           <a:xfrm>
-            <a:off x="1818704" y="1604249"/>
-            <a:ext cx="1127616" cy="461665"/>
+            <a:off x="1964842" y="540328"/>
+            <a:ext cx="5989320" cy="5989320"/>
           </a:xfrm>
-          <a:prstGeom prst="rect">
-            <a:avLst/>
+          <a:prstGeom prst="pie">
+            <a:avLst>
+              <a:gd name="adj1" fmla="val 2715841"/>
+              <a:gd name="adj2" fmla="val 5400571"/>
+            </a:avLst>
           </a:prstGeom>
           <a:solidFill>
-            <a:schemeClr val="accent4"/>
+            <a:schemeClr val="tx1"/>
           </a:solidFill>
-          <a:effectLst>
-            <a:softEdge rad="127000"/>
-          </a:effectLst>
-        </p:spPr>
-        <p:txBody>
-          <a:bodyPr wrap="none" rtlCol="0">
-            <a:spAutoFit/>
-          </a:bodyPr>
-          <a:lstStyle/>
-          <a:p>
-            <a:r>
-              <a:rPr lang="en-US" sz="2400" b="1" dirty="0" smtClean="0"/>
-              <a:t>Passing</a:t>
-            </a:r>
-            <a:endParaRPr lang="en-US" sz="2400" b="1" dirty="0"/>
-          </a:p>
-        </p:txBody>
-      </p:sp>
-      <p:pic>
-        <p:nvPicPr>
-          <p:cNvPr id="14" name="Picture 13"/>
-          <p:cNvPicPr>
-            <a:picLocks noChangeAspect="1"/>
-          </p:cNvPicPr>
-          <p:nvPr/>
-        </p:nvPicPr>
-        <p:blipFill rotWithShape="1">
-          <a:blip r:embed="rId8"/>
-          <a:srcRect l="21875" r="21875"/>
-          <a:stretch/>
-        </p:blipFill>
-        <p:spPr>
-          <a:xfrm>
-            <a:off x="8536814" y="4174471"/>
-            <a:ext cx="1357934" cy="1357934"/>
-          </a:xfrm>
-          <a:prstGeom prst="ellipse">
-            <a:avLst/>
-          </a:prstGeom>
           <a:ln>
             <a:noFill/>
           </a:ln>
-          <a:effectLst>
-            <a:softEdge rad="112500"/>
-          </a:effectLst>
         </p:spPr>
-      </p:pic>
-    </p:spTree>
-    <p:extLst>
-      <p:ext uri="{BB962C8B-B14F-4D97-AF65-F5344CB8AC3E}">
-        <p14:creationId xmlns:p14="http://schemas.microsoft.com/office/powerpoint/2010/main" val="84290784"/>
-      </p:ext>
-    </p:extLst>
-  </p:cSld>
-  <p:clrMapOvr>
-    <a:masterClrMapping/>
-  </p:clrMapOvr>
-  <p:timing>
-    <p:tnLst>
-      <p:par>
-        <p:cTn id="1" dur="indefinite" restart="never" nodeType="tmRoot"/>
-      </p:par>
-    </p:tnLst>
-  </p:timing>
-</p:sld>
-</file>
-
-<file path=ppt/slides/slide2.xml><?xml version="1.0" encoding="utf-8"?>
-<p:sld xmlns:a="http://schemas.openxmlformats.org/drawingml/2006/main" xmlns:r="http://schemas.openxmlformats.org/officeDocument/2006/relationships" xmlns:p="http://schemas.openxmlformats.org/presentationml/2006/main">
-  <p:cSld>
-    <p:spTree>
-      <p:nvGrpSpPr>
-        <p:cNvPr id="1" name=""/>
-        <p:cNvGrpSpPr/>
-        <p:nvPr/>
-      </p:nvGrpSpPr>
-      <p:grpSpPr>
-        <a:xfrm>
-          <a:off x="0" y="0"/>
-          <a:ext cx="0" cy="0"/>
-          <a:chOff x="0" y="0"/>
-          <a:chExt cx="0" cy="0"/>
-        </a:xfrm>
-      </p:grpSpPr>
+        <p:style>
+          <a:lnRef idx="2">
+            <a:schemeClr val="accent1">
+              <a:shade val="50000"/>
+            </a:schemeClr>
+          </a:lnRef>
+          <a:fillRef idx="1">
+            <a:schemeClr val="accent1"/>
+          </a:fillRef>
+          <a:effectRef idx="0">
+            <a:schemeClr val="accent1"/>
+          </a:effectRef>
+          <a:fontRef idx="minor">
+            <a:schemeClr val="lt1"/>
+          </a:fontRef>
+        </p:style>
+        <p:txBody>
+          <a:bodyPr rtlCol="0" anchor="ctr"/>
+          <a:lstStyle/>
+          <a:p>
+            <a:pPr algn="ctr"/>
+            <a:endParaRPr lang="en-US">
+              <a:solidFill>
+                <a:schemeClr val="tx1"/>
+              </a:solidFill>
+            </a:endParaRPr>
+          </a:p>
+        </p:txBody>
+      </p:sp>
+      <p:sp>
+        <p:nvSpPr>
+          <p:cNvPr id="173" name="Pie 172"/>
+          <p:cNvSpPr/>
+          <p:nvPr/>
+        </p:nvSpPr>
+        <p:spPr>
+          <a:xfrm>
+            <a:off x="1965960" y="540328"/>
+            <a:ext cx="5989320" cy="5989320"/>
+          </a:xfrm>
+          <a:prstGeom prst="pie">
+            <a:avLst>
+              <a:gd name="adj1" fmla="val 7001866"/>
+              <a:gd name="adj2" fmla="val 14730241"/>
+            </a:avLst>
+          </a:prstGeom>
+          <a:solidFill>
+            <a:schemeClr val="tx1"/>
+          </a:solidFill>
+          <a:ln>
+            <a:noFill/>
+          </a:ln>
+        </p:spPr>
+        <p:style>
+          <a:lnRef idx="2">
+            <a:schemeClr val="accent1">
+              <a:shade val="50000"/>
+            </a:schemeClr>
+          </a:lnRef>
+          <a:fillRef idx="1">
+            <a:schemeClr val="accent1"/>
+          </a:fillRef>
+          <a:effectRef idx="0">
+            <a:schemeClr val="accent1"/>
+          </a:effectRef>
+          <a:fontRef idx="minor">
+            <a:schemeClr val="lt1"/>
+          </a:fontRef>
+        </p:style>
+        <p:txBody>
+          <a:bodyPr rtlCol="0" anchor="ctr"/>
+          <a:lstStyle/>
+          <a:p>
+            <a:pPr algn="ctr"/>
+            <a:endParaRPr lang="en-US">
+              <a:solidFill>
+                <a:schemeClr val="tx1"/>
+              </a:solidFill>
+            </a:endParaRPr>
+          </a:p>
+        </p:txBody>
+      </p:sp>
       <p:sp>
         <p:nvSpPr>
           <p:cNvPr id="234" name="Pie 233"/>
@@ -3395,7 +3574,7 @@
         </p:nvSpPr>
         <p:spPr>
           <a:xfrm>
-            <a:off x="3108960" y="548640"/>
+            <a:off x="1965960" y="540328"/>
             <a:ext cx="5989320" cy="5989320"/>
           </a:xfrm>
           <a:prstGeom prst="pie">
@@ -3440,201 +3619,6 @@
           </a:p>
         </p:txBody>
       </p:sp>
-      <p:graphicFrame>
-        <p:nvGraphicFramePr>
-          <p:cNvPr id="221" name="Table 220"/>
-          <p:cNvGraphicFramePr>
-            <a:graphicFrameLocks noGrp="1"/>
-          </p:cNvGraphicFramePr>
-          <p:nvPr>
-            <p:extLst>
-              <p:ext uri="{D42A27DB-BD31-4B8C-83A1-F6EECF244321}">
-                <p14:modId xmlns:p14="http://schemas.microsoft.com/office/powerpoint/2010/main" val="3153768569"/>
-              </p:ext>
-            </p:extLst>
-          </p:nvPr>
-        </p:nvGraphicFramePr>
-        <p:xfrm>
-          <a:off x="7242658" y="1093399"/>
-          <a:ext cx="4618554" cy="1960361"/>
-        </p:xfrm>
-        <a:graphic>
-          <a:graphicData uri="http://schemas.openxmlformats.org/drawingml/2006/table">
-            <a:tbl>
-              <a:tblPr bandRow="1">
-                <a:tableStyleId>{2A488322-F2BA-4B5B-9748-0D474271808F}</a:tableStyleId>
-              </a:tblPr>
-              <a:tblGrid>
-                <a:gridCol w="3828619"/>
-                <a:gridCol w="789935"/>
-              </a:tblGrid>
-              <a:tr h="325034">
-                <a:tc>
-                  <a:txBody>
-                    <a:bodyPr/>
-                    <a:lstStyle/>
-                    <a:p>
-                      <a:endParaRPr lang="en-US" sz="1000" dirty="0"/>
-                    </a:p>
-                  </a:txBody>
-                  <a:tcPr/>
-                </a:tc>
-                <a:tc>
-                  <a:txBody>
-                    <a:bodyPr/>
-                    <a:lstStyle/>
-                    <a:p>
-                      <a:r>
-                        <a:rPr lang="en-US" sz="1000" dirty="0" smtClean="0"/>
-                        <a:t>Catching</a:t>
-                      </a:r>
-                      <a:endParaRPr lang="en-US" sz="1000" dirty="0"/>
-                    </a:p>
-                  </a:txBody>
-                  <a:tcPr/>
-                </a:tc>
-              </a:tr>
-              <a:tr h="335191">
-                <a:tc>
-                  <a:txBody>
-                    <a:bodyPr/>
-                    <a:lstStyle/>
-                    <a:p>
-                      <a:endParaRPr lang="en-US" sz="1050" kern="1200" dirty="0">
-                        <a:solidFill>
-                          <a:schemeClr val="dk1"/>
-                        </a:solidFill>
-                        <a:latin typeface="+mn-lt"/>
-                        <a:ea typeface="+mn-ea"/>
-                        <a:cs typeface="+mn-cs"/>
-                      </a:endParaRPr>
-                    </a:p>
-                  </a:txBody>
-                  <a:tcPr/>
-                </a:tc>
-                <a:tc>
-                  <a:txBody>
-                    <a:bodyPr/>
-                    <a:lstStyle/>
-                    <a:p>
-                      <a:r>
-                        <a:rPr lang="en-US" sz="1000" dirty="0" smtClean="0"/>
-                        <a:t>Shooting</a:t>
-                      </a:r>
-                      <a:endParaRPr lang="en-US" sz="1000" dirty="0"/>
-                    </a:p>
-                  </a:txBody>
-                  <a:tcPr/>
-                </a:tc>
-              </a:tr>
-              <a:tr h="325034">
-                <a:tc>
-                  <a:txBody>
-                    <a:bodyPr/>
-                    <a:lstStyle/>
-                    <a:p>
-                      <a:endParaRPr lang="en-US" sz="1000" dirty="0"/>
-                    </a:p>
-                  </a:txBody>
-                  <a:tcPr/>
-                </a:tc>
-                <a:tc>
-                  <a:txBody>
-                    <a:bodyPr/>
-                    <a:lstStyle/>
-                    <a:p>
-                      <a:r>
-                        <a:rPr lang="en-US" sz="1000" dirty="0" smtClean="0"/>
-                        <a:t>Passing</a:t>
-                      </a:r>
-                      <a:endParaRPr lang="en-US" sz="1000" dirty="0"/>
-                    </a:p>
-                  </a:txBody>
-                  <a:tcPr/>
-                </a:tc>
-              </a:tr>
-              <a:tr h="325034">
-                <a:tc>
-                  <a:txBody>
-                    <a:bodyPr/>
-                    <a:lstStyle/>
-                    <a:p>
-                      <a:endParaRPr lang="en-US" sz="1000" dirty="0"/>
-                    </a:p>
-                  </a:txBody>
-                  <a:tcPr/>
-                </a:tc>
-                <a:tc>
-                  <a:txBody>
-                    <a:bodyPr/>
-                    <a:lstStyle/>
-                    <a:p>
-                      <a:r>
-                        <a:rPr lang="en-US" sz="1000" dirty="0" smtClean="0"/>
-                        <a:t>Footwork</a:t>
-                      </a:r>
-                      <a:endParaRPr lang="en-US" sz="1000" dirty="0"/>
-                    </a:p>
-                  </a:txBody>
-                  <a:tcPr/>
-                </a:tc>
-              </a:tr>
-              <a:tr h="325034">
-                <a:tc>
-                  <a:txBody>
-                    <a:bodyPr/>
-                    <a:lstStyle/>
-                    <a:p>
-                      <a:endParaRPr lang="en-US" sz="1000" dirty="0"/>
-                    </a:p>
-                  </a:txBody>
-                  <a:tcPr/>
-                </a:tc>
-                <a:tc>
-                  <a:txBody>
-                    <a:bodyPr/>
-                    <a:lstStyle/>
-                    <a:p>
-                      <a:r>
-                        <a:rPr lang="en-US" sz="1000" dirty="0" smtClean="0"/>
-                        <a:t>Marking</a:t>
-                      </a:r>
-                      <a:endParaRPr lang="en-US" sz="1000" dirty="0"/>
-                    </a:p>
-                  </a:txBody>
-                  <a:tcPr/>
-                </a:tc>
-              </a:tr>
-              <a:tr h="325034">
-                <a:tc>
-                  <a:txBody>
-                    <a:bodyPr/>
-                    <a:lstStyle/>
-                    <a:p>
-                      <a:endParaRPr lang="en-US" sz="1000" dirty="0"/>
-                    </a:p>
-                  </a:txBody>
-                  <a:tcPr/>
-                </a:tc>
-                <a:tc>
-                  <a:txBody>
-                    <a:bodyPr/>
-                    <a:lstStyle/>
-                    <a:p>
-                      <a:r>
-                        <a:rPr lang="en-US" sz="1000" dirty="0" smtClean="0"/>
-                        <a:t>Dodging</a:t>
-                      </a:r>
-                      <a:endParaRPr lang="en-US" sz="1000" dirty="0"/>
-                    </a:p>
-                  </a:txBody>
-                  <a:tcPr/>
-                </a:tc>
-              </a:tr>
-            </a:tbl>
-          </a:graphicData>
-        </a:graphic>
-      </p:graphicFrame>
       <p:sp>
         <p:nvSpPr>
           <p:cNvPr id="233" name="Pie 232"/>
@@ -3643,13 +3627,13 @@
         </p:nvSpPr>
         <p:spPr>
           <a:xfrm>
-            <a:off x="3108960" y="548640"/>
+            <a:off x="1965960" y="540328"/>
             <a:ext cx="5989320" cy="5989320"/>
           </a:xfrm>
           <a:prstGeom prst="pie">
             <a:avLst>
-              <a:gd name="adj1" fmla="val 20452771"/>
-              <a:gd name="adj2" fmla="val 1515098"/>
+              <a:gd name="adj1" fmla="val 20097032"/>
+              <a:gd name="adj2" fmla="val 1278788"/>
             </a:avLst>
           </a:prstGeom>
           <a:solidFill>
@@ -3690,387 +3674,13 @@
       </p:sp>
       <p:sp>
         <p:nvSpPr>
-          <p:cNvPr id="232" name="Pie 231"/>
-          <p:cNvSpPr/>
-          <p:nvPr/>
-        </p:nvSpPr>
-        <p:spPr>
-          <a:xfrm>
-            <a:off x="3107842" y="548640"/>
-            <a:ext cx="5989320" cy="5989320"/>
-          </a:xfrm>
-          <a:prstGeom prst="pie">
-            <a:avLst>
-              <a:gd name="adj1" fmla="val 2715841"/>
-              <a:gd name="adj2" fmla="val 5400571"/>
-            </a:avLst>
-          </a:prstGeom>
-          <a:solidFill>
-            <a:schemeClr val="tx1"/>
-          </a:solidFill>
-          <a:ln>
-            <a:noFill/>
-          </a:ln>
-        </p:spPr>
-        <p:style>
-          <a:lnRef idx="2">
-            <a:schemeClr val="accent1">
-              <a:shade val="50000"/>
-            </a:schemeClr>
-          </a:lnRef>
-          <a:fillRef idx="1">
-            <a:schemeClr val="accent1"/>
-          </a:fillRef>
-          <a:effectRef idx="0">
-            <a:schemeClr val="accent1"/>
-          </a:effectRef>
-          <a:fontRef idx="minor">
-            <a:schemeClr val="lt1"/>
-          </a:fontRef>
-        </p:style>
-        <p:txBody>
-          <a:bodyPr rtlCol="0" anchor="ctr"/>
-          <a:lstStyle/>
-          <a:p>
-            <a:pPr algn="ctr"/>
-            <a:endParaRPr lang="en-US">
-              <a:solidFill>
-                <a:schemeClr val="tx1"/>
-              </a:solidFill>
-            </a:endParaRPr>
-          </a:p>
-        </p:txBody>
-      </p:sp>
-      <p:pic>
-        <p:nvPicPr>
-          <p:cNvPr id="2053" name="Picture 2052"/>
-          <p:cNvPicPr>
-            <a:picLocks noChangeAspect="1"/>
-          </p:cNvPicPr>
-          <p:nvPr/>
-        </p:nvPicPr>
-        <p:blipFill>
-          <a:blip r:embed="rId2">
-            <a:grayscl/>
-          </a:blip>
-          <a:stretch>
-            <a:fillRect/>
-          </a:stretch>
-        </p:blipFill>
-        <p:spPr>
-          <a:xfrm>
-            <a:off x="768911" y="4199995"/>
-            <a:ext cx="2408349" cy="2408349"/>
-          </a:xfrm>
-          <a:prstGeom prst="rect">
-            <a:avLst/>
-          </a:prstGeom>
-          <a:ln>
-            <a:noFill/>
-          </a:ln>
-          <a:effectLst>
-            <a:outerShdw blurRad="292100" dist="139700" dir="2700000" algn="tl" rotWithShape="0">
-              <a:srgbClr val="333333">
-                <a:alpha val="65000"/>
-              </a:srgbClr>
-            </a:outerShdw>
-          </a:effectLst>
-        </p:spPr>
-      </p:pic>
-      <p:graphicFrame>
-        <p:nvGraphicFramePr>
-          <p:cNvPr id="165" name="Table 164"/>
-          <p:cNvGraphicFramePr>
-            <a:graphicFrameLocks noGrp="1"/>
-          </p:cNvGraphicFramePr>
-          <p:nvPr>
-            <p:extLst>
-              <p:ext uri="{D42A27DB-BD31-4B8C-83A1-F6EECF244321}">
-                <p14:modId xmlns:p14="http://schemas.microsoft.com/office/powerpoint/2010/main" val="1275306438"/>
-              </p:ext>
-            </p:extLst>
-          </p:nvPr>
-        </p:nvGraphicFramePr>
-        <p:xfrm>
-          <a:off x="249784" y="566988"/>
-          <a:ext cx="5856346" cy="3376266"/>
-        </p:xfrm>
-        <a:graphic>
-          <a:graphicData uri="http://schemas.openxmlformats.org/drawingml/2006/table">
-            <a:tbl>
-              <a:tblPr bandRow="1">
-                <a:tableStyleId>{8EC20E35-A176-4012-BC5E-935CFFF8708E}</a:tableStyleId>
-              </a:tblPr>
-              <a:tblGrid>
-                <a:gridCol w="893759"/>
-                <a:gridCol w="4962587"/>
-              </a:tblGrid>
-              <a:tr h="562711">
-                <a:tc>
-                  <a:txBody>
-                    <a:bodyPr/>
-                    <a:lstStyle/>
-                    <a:p>
-                      <a:r>
-                        <a:rPr lang="en-US" sz="1050" dirty="0" smtClean="0"/>
-                        <a:t>Tournament</a:t>
-                      </a:r>
-                      <a:endParaRPr lang="en-US" sz="1050" dirty="0"/>
-                    </a:p>
-                  </a:txBody>
-                  <a:tcPr>
-                    <a:solidFill>
-                      <a:srgbClr val="FFFFFF"/>
-                    </a:solidFill>
-                  </a:tcPr>
-                </a:tc>
-                <a:tc>
-                  <a:txBody>
-                    <a:bodyPr/>
-                    <a:lstStyle/>
-                    <a:p>
-                      <a:endParaRPr lang="en-US" sz="1050" dirty="0"/>
-                    </a:p>
-                  </a:txBody>
-                  <a:tcPr>
-                    <a:solidFill>
-                      <a:srgbClr val="FFFFFF"/>
-                    </a:solidFill>
-                  </a:tcPr>
-                </a:tc>
-              </a:tr>
-              <a:tr h="562711">
-                <a:tc>
-                  <a:txBody>
-                    <a:bodyPr/>
-                    <a:lstStyle/>
-                    <a:p>
-                      <a:r>
-                        <a:rPr lang="en-US" sz="1050" dirty="0" smtClean="0"/>
-                        <a:t>Teamwork</a:t>
-                      </a:r>
-                      <a:endParaRPr lang="en-US" sz="1050" dirty="0"/>
-                    </a:p>
-                  </a:txBody>
-                  <a:tcPr>
-                    <a:solidFill>
-                      <a:srgbClr val="E7E7E7"/>
-                    </a:solidFill>
-                  </a:tcPr>
-                </a:tc>
-                <a:tc>
-                  <a:txBody>
-                    <a:bodyPr/>
-                    <a:lstStyle/>
-                    <a:p>
-                      <a:endParaRPr lang="en-US" sz="1050" dirty="0"/>
-                    </a:p>
-                  </a:txBody>
-                  <a:tcPr>
-                    <a:solidFill>
-                      <a:srgbClr val="E7E7E7"/>
-                    </a:solidFill>
-                  </a:tcPr>
-                </a:tc>
-              </a:tr>
-              <a:tr h="562711">
-                <a:tc>
-                  <a:txBody>
-                    <a:bodyPr/>
-                    <a:lstStyle/>
-                    <a:p>
-                      <a:r>
-                        <a:rPr lang="en-US" sz="1050" dirty="0" smtClean="0"/>
-                        <a:t>Win</a:t>
-                      </a:r>
-                      <a:endParaRPr lang="en-US" sz="1050" dirty="0"/>
-                    </a:p>
-                  </a:txBody>
-                  <a:tcPr>
-                    <a:solidFill>
-                      <a:srgbClr val="FFFFFF"/>
-                    </a:solidFill>
-                  </a:tcPr>
-                </a:tc>
-                <a:tc>
-                  <a:txBody>
-                    <a:bodyPr/>
-                    <a:lstStyle/>
-                    <a:p>
-                      <a:endParaRPr lang="en-US" sz="1050" dirty="0"/>
-                    </a:p>
-                  </a:txBody>
-                  <a:tcPr>
-                    <a:solidFill>
-                      <a:srgbClr val="FFFFFF"/>
-                    </a:solidFill>
-                  </a:tcPr>
-                </a:tc>
-              </a:tr>
-              <a:tr h="562711">
-                <a:tc>
-                  <a:txBody>
-                    <a:bodyPr/>
-                    <a:lstStyle/>
-                    <a:p>
-                      <a:r>
-                        <a:rPr lang="en-US" sz="1050" dirty="0" smtClean="0"/>
-                        <a:t>Leading</a:t>
-                      </a:r>
-                      <a:endParaRPr lang="en-US" sz="1050" dirty="0"/>
-                    </a:p>
-                  </a:txBody>
-                  <a:tcPr>
-                    <a:solidFill>
-                      <a:srgbClr val="E7E7E7"/>
-                    </a:solidFill>
-                  </a:tcPr>
-                </a:tc>
-                <a:tc>
-                  <a:txBody>
-                    <a:bodyPr/>
-                    <a:lstStyle/>
-                    <a:p>
-                      <a:endParaRPr lang="en-US" sz="1050" dirty="0"/>
-                    </a:p>
-                  </a:txBody>
-                  <a:tcPr>
-                    <a:solidFill>
-                      <a:srgbClr val="E7E7E7"/>
-                    </a:solidFill>
-                  </a:tcPr>
-                </a:tc>
-              </a:tr>
-              <a:tr h="562711">
-                <a:tc>
-                  <a:txBody>
-                    <a:bodyPr/>
-                    <a:lstStyle/>
-                    <a:p>
-                      <a:r>
-                        <a:rPr lang="en-US" sz="1050" dirty="0" smtClean="0"/>
-                        <a:t>Game</a:t>
-                      </a:r>
-                      <a:endParaRPr lang="en-US" sz="1050" dirty="0"/>
-                    </a:p>
-                  </a:txBody>
-                  <a:tcPr>
-                    <a:solidFill>
-                      <a:srgbClr val="FFFFFF"/>
-                    </a:solidFill>
-                  </a:tcPr>
-                </a:tc>
-                <a:tc>
-                  <a:txBody>
-                    <a:bodyPr/>
-                    <a:lstStyle/>
-                    <a:p>
-                      <a:endParaRPr lang="en-US" sz="1050" dirty="0"/>
-                    </a:p>
-                  </a:txBody>
-                  <a:tcPr>
-                    <a:solidFill>
-                      <a:srgbClr val="FFFFFF"/>
-                    </a:solidFill>
-                  </a:tcPr>
-                </a:tc>
-              </a:tr>
-              <a:tr h="562711">
-                <a:tc>
-                  <a:txBody>
-                    <a:bodyPr/>
-                    <a:lstStyle/>
-                    <a:p>
-                      <a:endParaRPr lang="en-US" sz="1050" dirty="0"/>
-                    </a:p>
-                  </a:txBody>
-                  <a:tcPr>
-                    <a:solidFill>
-                      <a:srgbClr val="E7E7E7"/>
-                    </a:solidFill>
-                  </a:tcPr>
-                </a:tc>
-                <a:tc>
-                  <a:txBody>
-                    <a:bodyPr/>
-                    <a:lstStyle/>
-                    <a:p>
-                      <a:endParaRPr lang="en-US" sz="1050" dirty="0"/>
-                    </a:p>
-                  </a:txBody>
-                  <a:tcPr>
-                    <a:solidFill>
-                      <a:srgbClr val="E7E7E7"/>
-                    </a:solidFill>
-                  </a:tcPr>
-                </a:tc>
-              </a:tr>
-            </a:tbl>
-          </a:graphicData>
-        </a:graphic>
-      </p:graphicFrame>
-      <p:sp>
-        <p:nvSpPr>
-          <p:cNvPr id="173" name="Pie 172"/>
-          <p:cNvSpPr/>
-          <p:nvPr/>
-        </p:nvSpPr>
-        <p:spPr>
-          <a:xfrm>
-            <a:off x="3108960" y="548640"/>
-            <a:ext cx="5989320" cy="5989320"/>
-          </a:xfrm>
-          <a:prstGeom prst="pie">
-            <a:avLst>
-              <a:gd name="adj1" fmla="val 7001866"/>
-              <a:gd name="adj2" fmla="val 14730241"/>
-            </a:avLst>
-          </a:prstGeom>
-          <a:solidFill>
-            <a:schemeClr val="tx1"/>
-          </a:solidFill>
-          <a:ln>
-            <a:noFill/>
-          </a:ln>
-        </p:spPr>
-        <p:style>
-          <a:lnRef idx="2">
-            <a:schemeClr val="accent1">
-              <a:shade val="50000"/>
-            </a:schemeClr>
-          </a:lnRef>
-          <a:fillRef idx="1">
-            <a:schemeClr val="accent1"/>
-          </a:fillRef>
-          <a:effectRef idx="0">
-            <a:schemeClr val="accent1"/>
-          </a:effectRef>
-          <a:fontRef idx="minor">
-            <a:schemeClr val="lt1"/>
-          </a:fontRef>
-        </p:style>
-        <p:txBody>
-          <a:bodyPr rtlCol="0" anchor="ctr"/>
-          <a:lstStyle/>
-          <a:p>
-            <a:pPr algn="ctr"/>
-            <a:endParaRPr lang="en-US">
-              <a:solidFill>
-                <a:schemeClr val="tx1"/>
-              </a:solidFill>
-            </a:endParaRPr>
-          </a:p>
-        </p:txBody>
-      </p:sp>
-      <p:sp>
-        <p:nvSpPr>
           <p:cNvPr id="123" name="Oval 122"/>
           <p:cNvSpPr/>
           <p:nvPr/>
         </p:nvSpPr>
         <p:spPr>
           <a:xfrm>
-            <a:off x="3127248" y="576072"/>
+            <a:off x="1984248" y="567760"/>
             <a:ext cx="5943600" cy="5943600"/>
           </a:xfrm>
           <a:prstGeom prst="ellipse">
@@ -4108,6 +3718,30 @@
           </a:p>
         </p:txBody>
       </p:sp>
+      <p:pic>
+        <p:nvPicPr>
+          <p:cNvPr id="2053" name="Picture 2052"/>
+          <p:cNvPicPr>
+            <a:picLocks noChangeAspect="1"/>
+          </p:cNvPicPr>
+          <p:nvPr/>
+        </p:nvPicPr>
+        <p:blipFill>
+          <a:blip r:embed="rId2"/>
+          <a:stretch>
+            <a:fillRect/>
+          </a:stretch>
+        </p:blipFill>
+        <p:spPr>
+          <a:xfrm>
+            <a:off x="224196" y="4604234"/>
+            <a:ext cx="1957310" cy="1957310"/>
+          </a:xfrm>
+          <a:prstGeom prst="rect">
+            <a:avLst/>
+          </a:prstGeom>
+        </p:spPr>
+      </p:pic>
       <p:sp>
         <p:nvSpPr>
           <p:cNvPr id="89" name="Oval 88"/>
@@ -4116,7 +3750,7 @@
         </p:nvSpPr>
         <p:spPr>
           <a:xfrm>
-            <a:off x="4962957" y="2386308"/>
+            <a:off x="3819957" y="2377996"/>
             <a:ext cx="2286000" cy="2286000"/>
           </a:xfrm>
           <a:prstGeom prst="ellipse">
@@ -4162,7 +3796,7 @@
         </p:nvSpPr>
         <p:spPr>
           <a:xfrm>
-            <a:off x="5691820" y="3122314"/>
+            <a:off x="4548820" y="3114002"/>
             <a:ext cx="822960" cy="822960"/>
           </a:xfrm>
           <a:prstGeom prst="ellipse">
@@ -4202,16 +3836,22 @@
       </p:sp>
       <p:grpSp>
         <p:nvGrpSpPr>
-          <p:cNvPr id="24" name="Group 23"/>
+          <p:cNvPr id="4" name="Group 3">
+            <a:extLst>
+              <a:ext uri="{FF2B5EF4-FFF2-40B4-BE49-F238E27FC236}">
+                <a16:creationId xmlns:a16="http://schemas.microsoft.com/office/drawing/2014/main" id="{E9B1C213-2AA0-C5FE-62DA-C0500FD61816}"/>
+              </a:ext>
+            </a:extLst>
+          </p:cNvPr>
           <p:cNvGrpSpPr/>
           <p:nvPr/>
         </p:nvGrpSpPr>
         <p:grpSpPr>
           <a:xfrm>
-            <a:off x="9150924" y="4149873"/>
-            <a:ext cx="2743200" cy="2743200"/>
-            <a:chOff x="9551130" y="461546"/>
-            <a:chExt cx="2475473" cy="2761942"/>
+            <a:off x="7617777" y="567760"/>
+            <a:ext cx="1799999" cy="1800000"/>
+            <a:chOff x="8007925" y="4141561"/>
+            <a:chExt cx="1799999" cy="1800000"/>
           </a:xfrm>
         </p:grpSpPr>
         <p:pic>
@@ -4223,17 +3863,15 @@
             <p:nvPr/>
           </p:nvPicPr>
           <p:blipFill>
-            <a:blip r:embed="rId3">
-              <a:grayscl/>
-            </a:blip>
+            <a:blip r:embed="rId3"/>
             <a:stretch>
               <a:fillRect/>
             </a:stretch>
           </p:blipFill>
           <p:spPr>
             <a:xfrm>
-              <a:off x="9740603" y="2184241"/>
-              <a:ext cx="2286000" cy="1039247"/>
+              <a:off x="8145696" y="5264268"/>
+              <a:ext cx="1662228" cy="677293"/>
             </a:xfrm>
             <a:prstGeom prst="rect">
               <a:avLst/>
@@ -4249,17 +3887,15 @@
             <p:nvPr/>
           </p:nvPicPr>
           <p:blipFill>
-            <a:blip r:embed="rId4">
-              <a:grayscl/>
-            </a:blip>
+            <a:blip r:embed="rId4"/>
             <a:stretch>
               <a:fillRect/>
             </a:stretch>
           </p:blipFill>
           <p:spPr>
             <a:xfrm rot="16200000">
-              <a:off x="8927754" y="1084922"/>
-              <a:ext cx="2286000" cy="1039247"/>
+              <a:off x="7640850" y="4508636"/>
+              <a:ext cx="1489821" cy="755672"/>
             </a:xfrm>
             <a:prstGeom prst="rect">
               <a:avLst/>
@@ -4276,14 +3912,14 @@
           <p:nvPr>
             <p:extLst>
               <p:ext uri="{D42A27DB-BD31-4B8C-83A1-F6EECF244321}">
-                <p14:modId xmlns:p14="http://schemas.microsoft.com/office/powerpoint/2010/main" val="2317723362"/>
+                <p14:modId xmlns:p14="http://schemas.microsoft.com/office/powerpoint/2010/main" val="4015721589"/>
               </p:ext>
             </p:extLst>
           </p:nvPr>
         </p:nvGraphicFramePr>
         <p:xfrm>
-          <a:off x="9809719" y="4543823"/>
-          <a:ext cx="1595948" cy="1482586"/>
+          <a:off x="8123612" y="664703"/>
+          <a:ext cx="1080000" cy="1080000"/>
         </p:xfrm>
         <a:graphic>
           <a:graphicData uri="http://schemas.openxmlformats.org/drawingml/2006/table">
@@ -4292,18 +3928,30 @@
                 <a:tableStyleId>{5C22544A-7EE6-4342-B048-85BDC9FD1C3A}</a:tableStyleId>
               </a:tblPr>
               <a:tblGrid>
-                <a:gridCol w="797974"/>
-                <a:gridCol w="797974"/>
+                <a:gridCol w="540000">
+                  <a:extLst>
+                    <a:ext uri="{9D8B030D-6E8A-4147-A177-3AD203B41FA5}">
+                      <a16:colId xmlns:a16="http://schemas.microsoft.com/office/drawing/2014/main" val="20000"/>
+                    </a:ext>
+                  </a:extLst>
+                </a:gridCol>
+                <a:gridCol w="540000">
+                  <a:extLst>
+                    <a:ext uri="{9D8B030D-6E8A-4147-A177-3AD203B41FA5}">
+                      <a16:colId xmlns:a16="http://schemas.microsoft.com/office/drawing/2014/main" val="20001"/>
+                    </a:ext>
+                  </a:extLst>
+                </a:gridCol>
               </a:tblGrid>
-              <a:tr h="741293">
-                <a:tc>
-                  <a:txBody>
-                    <a:bodyPr/>
-                    <a:lstStyle/>
-                    <a:p>
-                      <a:pPr algn="ctr"/>
-                      <a:r>
-                        <a:rPr lang="en-US" sz="2400" dirty="0" smtClean="0">
+              <a:tr h="540000">
+                <a:tc>
+                  <a:txBody>
+                    <a:bodyPr/>
+                    <a:lstStyle/>
+                    <a:p>
+                      <a:pPr algn="ctr"/>
+                      <a:r>
+                        <a:rPr lang="en-US" sz="2400" dirty="0">
                           <a:solidFill>
                             <a:schemeClr val="bg1">
                               <a:lumMod val="85000"/>
@@ -4312,13 +3960,6 @@
                         </a:rPr>
                         <a:t>2</a:t>
                       </a:r>
-                      <a:endParaRPr lang="en-US" sz="2400" dirty="0">
-                        <a:solidFill>
-                          <a:schemeClr val="bg1">
-                            <a:lumMod val="85000"/>
-                          </a:schemeClr>
-                        </a:solidFill>
-                      </a:endParaRPr>
                     </a:p>
                   </a:txBody>
                   <a:tcPr anchor="ctr">
@@ -4336,7 +3977,7 @@
                     <a:p>
                       <a:pPr algn="ctr"/>
                       <a:r>
-                        <a:rPr lang="en-US" sz="2400" dirty="0" smtClean="0">
+                        <a:rPr lang="en-US" sz="2400" dirty="0">
                           <a:solidFill>
                             <a:schemeClr val="bg1">
                               <a:lumMod val="85000"/>
@@ -4345,13 +3986,6 @@
                         </a:rPr>
                         <a:t>3</a:t>
                       </a:r>
-                      <a:endParaRPr lang="en-US" sz="2400" dirty="0">
-                        <a:solidFill>
-                          <a:schemeClr val="bg1">
-                            <a:lumMod val="85000"/>
-                          </a:schemeClr>
-                        </a:solidFill>
-                      </a:endParaRPr>
                     </a:p>
                   </a:txBody>
                   <a:tcPr anchor="ctr">
@@ -4362,16 +3996,21 @@
                     </a:solidFill>
                   </a:tcPr>
                 </a:tc>
+                <a:extLst>
+                  <a:ext uri="{0D108BD9-81ED-4DB2-BD59-A6C34878D82A}">
+                    <a16:rowId xmlns:a16="http://schemas.microsoft.com/office/drawing/2014/main" val="10000"/>
+                  </a:ext>
+                </a:extLst>
               </a:tr>
-              <a:tr h="741293">
-                <a:tc>
-                  <a:txBody>
-                    <a:bodyPr/>
-                    <a:lstStyle/>
-                    <a:p>
-                      <a:pPr algn="ctr"/>
-                      <a:r>
-                        <a:rPr lang="en-US" sz="2400" dirty="0" smtClean="0">
+              <a:tr h="540000">
+                <a:tc>
+                  <a:txBody>
+                    <a:bodyPr/>
+                    <a:lstStyle/>
+                    <a:p>
+                      <a:pPr algn="ctr"/>
+                      <a:r>
+                        <a:rPr lang="en-US" sz="2400" dirty="0">
                           <a:solidFill>
                             <a:schemeClr val="bg1">
                               <a:lumMod val="85000"/>
@@ -4380,13 +4019,6 @@
                         </a:rPr>
                         <a:t>1</a:t>
                       </a:r>
-                      <a:endParaRPr lang="en-US" sz="2400" dirty="0">
-                        <a:solidFill>
-                          <a:schemeClr val="bg1">
-                            <a:lumMod val="85000"/>
-                          </a:schemeClr>
-                        </a:solidFill>
-                      </a:endParaRPr>
                     </a:p>
                   </a:txBody>
                   <a:tcPr anchor="ctr">
@@ -4404,7 +4036,7 @@
                     <a:p>
                       <a:pPr algn="ctr"/>
                       <a:r>
-                        <a:rPr lang="en-US" sz="2400" dirty="0" smtClean="0">
+                        <a:rPr lang="en-US" sz="2400" dirty="0">
                           <a:solidFill>
                             <a:schemeClr val="bg1">
                               <a:lumMod val="85000"/>
@@ -4413,13 +4045,6 @@
                         </a:rPr>
                         <a:t>4</a:t>
                       </a:r>
-                      <a:endParaRPr lang="en-US" sz="2400" dirty="0">
-                        <a:solidFill>
-                          <a:schemeClr val="bg1">
-                            <a:lumMod val="85000"/>
-                          </a:schemeClr>
-                        </a:solidFill>
-                      </a:endParaRPr>
                     </a:p>
                   </a:txBody>
                   <a:tcPr anchor="ctr">
@@ -4430,6 +4055,11 @@
                     </a:solidFill>
                   </a:tcPr>
                 </a:tc>
+                <a:extLst>
+                  <a:ext uri="{0D108BD9-81ED-4DB2-BD59-A6C34878D82A}">
+                    <a16:rowId xmlns:a16="http://schemas.microsoft.com/office/drawing/2014/main" val="10001"/>
+                  </a:ext>
+                </a:extLst>
               </a:tr>
             </a:tbl>
           </a:graphicData>
@@ -4443,7 +4073,7 @@
         </p:nvSpPr>
         <p:spPr>
           <a:xfrm>
-            <a:off x="7681577" y="4940741"/>
+            <a:off x="6011602" y="1830996"/>
             <a:ext cx="1840081" cy="523220"/>
           </a:xfrm>
           <a:prstGeom prst="rect">
@@ -4462,7 +4092,11 @@
           <a:p>
             <a:pPr algn="ctr"/>
             <a:r>
-              <a:rPr lang="en-US" sz="1400" dirty="0" smtClean="0"/>
+              <a:rPr lang="en-US" sz="1400" dirty="0">
+                <a:solidFill>
+                  <a:srgbClr val="645FA3"/>
+                </a:solidFill>
+              </a:rPr>
               <a:t>Competent &amp; Conscious</a:t>
             </a:r>
           </a:p>
@@ -4476,7 +4110,7 @@
         </p:nvSpPr>
         <p:spPr>
           <a:xfrm>
-            <a:off x="7295387" y="2092649"/>
+            <a:off x="6408244" y="4678566"/>
             <a:ext cx="1003591" cy="523220"/>
           </a:xfrm>
           <a:prstGeom prst="rect">
@@ -4495,7 +4129,13 @@
           <a:p>
             <a:pPr algn="ctr"/>
             <a:r>
-              <a:rPr lang="en-US" sz="1400" dirty="0" smtClean="0"/>
+              <a:rPr lang="en-US" sz="1400" dirty="0">
+                <a:solidFill>
+                  <a:schemeClr val="accent2">
+                    <a:lumMod val="75000"/>
+                  </a:schemeClr>
+                </a:solidFill>
+              </a:rPr>
               <a:t>Individual Skills</a:t>
             </a:r>
           </a:p>
@@ -4509,7 +4149,7 @@
         </p:nvSpPr>
         <p:spPr>
           <a:xfrm>
-            <a:off x="7186084" y="3193351"/>
+            <a:off x="6043086" y="3185039"/>
             <a:ext cx="965689" cy="738664"/>
           </a:xfrm>
           <a:prstGeom prst="rect">
@@ -4528,14 +4168,14 @@
           <a:p>
             <a:pPr algn="ctr"/>
             <a:r>
-              <a:rPr lang="en-US" sz="1400" dirty="0" smtClean="0"/>
+              <a:rPr lang="en-US" sz="1400" dirty="0"/>
               <a:t>Mistake </a:t>
             </a:r>
           </a:p>
           <a:p>
             <a:pPr algn="ctr"/>
             <a:r>
-              <a:rPr lang="en-US" sz="1400" dirty="0" smtClean="0"/>
+              <a:rPr lang="en-US" sz="1400" dirty="0"/>
               <a:t>vs Weakness</a:t>
             </a:r>
           </a:p>
@@ -4549,7 +4189,7 @@
         </p:nvSpPr>
         <p:spPr>
           <a:xfrm>
-            <a:off x="6527820" y="3141101"/>
+            <a:off x="5384822" y="3132790"/>
             <a:ext cx="682045" cy="738664"/>
           </a:xfrm>
           <a:prstGeom prst="rect">
@@ -4568,7 +4208,7 @@
           <a:p>
             <a:pPr lvl="0" algn="ctr"/>
             <a:r>
-              <a:rPr lang="en-US" sz="1400" dirty="0" smtClean="0"/>
+              <a:rPr lang="en-US" sz="1400" dirty="0"/>
               <a:t>Skills &amp; Tactics</a:t>
             </a:r>
           </a:p>
@@ -4582,7 +4222,7 @@
         </p:nvSpPr>
         <p:spPr>
           <a:xfrm>
-            <a:off x="4862235" y="3212150"/>
+            <a:off x="3719237" y="3203840"/>
             <a:ext cx="1015307" cy="667269"/>
           </a:xfrm>
           <a:prstGeom prst="rect">
@@ -4618,7 +4258,7 @@
           </a:bodyPr>
           <a:lstStyle/>
           <a:p>
-            <a:pPr lvl="0" algn="ctr" defTabSz="933450">
+            <a:pPr algn="ctr" defTabSz="933411">
               <a:lnSpc>
                 <a:spcPct val="90000"/>
               </a:lnSpc>
@@ -4630,10 +4270,9 @@
               </a:spcAft>
             </a:pPr>
             <a:r>
-              <a:rPr lang="en-US" sz="1400" kern="1200" dirty="0" smtClean="0"/>
+              <a:rPr lang="en-US" sz="1400" dirty="0"/>
               <a:t>Game Rules</a:t>
             </a:r>
-            <a:endParaRPr lang="en-US" sz="1400" kern="1200" dirty="0"/>
           </a:p>
         </p:txBody>
       </p:sp>
@@ -4645,7 +4284,7 @@
         </p:nvSpPr>
         <p:spPr>
           <a:xfrm>
-            <a:off x="3256946" y="2417728"/>
+            <a:off x="2207951" y="2285118"/>
             <a:ext cx="1051278" cy="387288"/>
           </a:xfrm>
           <a:prstGeom prst="rect">
@@ -4681,7 +4320,7 @@
           </a:bodyPr>
           <a:lstStyle/>
           <a:p>
-            <a:pPr lvl="0" algn="ctr" defTabSz="577850">
+            <a:pPr algn="ctr" defTabSz="577826">
               <a:lnSpc>
                 <a:spcPct val="90000"/>
               </a:lnSpc>
@@ -4693,10 +4332,9 @@
               </a:spcAft>
             </a:pPr>
             <a:r>
-              <a:rPr lang="en-US" sz="1400" kern="1200" dirty="0" smtClean="0"/>
+              <a:rPr lang="en-US" sz="1400" dirty="0"/>
               <a:t>Standard Rules</a:t>
             </a:r>
-            <a:endParaRPr lang="en-US" sz="1400" kern="1200" dirty="0"/>
           </a:p>
         </p:txBody>
       </p:sp>
@@ -4708,7 +4346,7 @@
         </p:nvSpPr>
         <p:spPr>
           <a:xfrm>
-            <a:off x="3029305" y="2981189"/>
+            <a:off x="1886306" y="2972877"/>
             <a:ext cx="1290473" cy="387288"/>
           </a:xfrm>
           <a:prstGeom prst="rect">
@@ -4744,7 +4382,7 @@
           </a:bodyPr>
           <a:lstStyle/>
           <a:p>
-            <a:pPr lvl="0" algn="ctr" defTabSz="577850">
+            <a:pPr algn="ctr" defTabSz="577826">
               <a:lnSpc>
                 <a:spcPct val="90000"/>
               </a:lnSpc>
@@ -4756,10 +4394,9 @@
               </a:spcAft>
             </a:pPr>
             <a:r>
-              <a:rPr lang="en-US" sz="1400" kern="1200" dirty="0" smtClean="0"/>
+              <a:rPr lang="en-US" sz="1400" dirty="0"/>
               <a:t>Tournament Rules</a:t>
             </a:r>
-            <a:endParaRPr lang="en-US" sz="1400" kern="1200" dirty="0"/>
           </a:p>
         </p:txBody>
       </p:sp>
@@ -4771,7 +4408,7 @@
         </p:nvSpPr>
         <p:spPr>
           <a:xfrm>
-            <a:off x="4365515" y="4112010"/>
+            <a:off x="3222515" y="4103698"/>
             <a:ext cx="896526" cy="387288"/>
           </a:xfrm>
           <a:prstGeom prst="rect">
@@ -4807,7 +4444,7 @@
           </a:bodyPr>
           <a:lstStyle/>
           <a:p>
-            <a:pPr lvl="0" algn="ctr" defTabSz="577850">
+            <a:pPr algn="ctr" defTabSz="577826">
               <a:lnSpc>
                 <a:spcPct val="90000"/>
               </a:lnSpc>
@@ -4819,10 +4456,9 @@
               </a:spcAft>
             </a:pPr>
             <a:r>
-              <a:rPr lang="en-US" sz="1400" kern="1200" dirty="0" smtClean="0"/>
+              <a:rPr lang="en-US" sz="1400" dirty="0"/>
               <a:t>Referee</a:t>
             </a:r>
-            <a:endParaRPr lang="en-US" sz="1400" kern="1200" dirty="0"/>
           </a:p>
         </p:txBody>
       </p:sp>
@@ -4834,7 +4470,7 @@
         </p:nvSpPr>
         <p:spPr>
           <a:xfrm>
-            <a:off x="5727742" y="2537259"/>
+            <a:off x="4584744" y="2528947"/>
             <a:ext cx="999963" cy="632106"/>
           </a:xfrm>
           <a:prstGeom prst="rect">
@@ -4869,7 +4505,7 @@
           </a:bodyPr>
           <a:lstStyle/>
           <a:p>
-            <a:pPr lvl="0" algn="ctr" defTabSz="933450">
+            <a:pPr algn="ctr" defTabSz="933411">
               <a:lnSpc>
                 <a:spcPct val="90000"/>
               </a:lnSpc>
@@ -4881,10 +4517,9 @@
               </a:spcAft>
             </a:pPr>
             <a:r>
-              <a:rPr lang="en-US" sz="1400" kern="1200" dirty="0" smtClean="0"/>
+              <a:rPr lang="en-US" sz="1400" dirty="0"/>
               <a:t>Strategy &amp; Tactics</a:t>
             </a:r>
-            <a:endParaRPr lang="en-US" sz="1400" kern="1200" dirty="0"/>
           </a:p>
         </p:txBody>
       </p:sp>
@@ -4896,7 +4531,7 @@
         </p:nvSpPr>
         <p:spPr>
           <a:xfrm>
-            <a:off x="6117321" y="741441"/>
+            <a:off x="4974321" y="733131"/>
             <a:ext cx="1034644" cy="282385"/>
           </a:xfrm>
           <a:prstGeom prst="rect">
@@ -4931,7 +4566,7 @@
           </a:bodyPr>
           <a:lstStyle/>
           <a:p>
-            <a:pPr lvl="0" algn="ctr" defTabSz="577850">
+            <a:pPr algn="ctr" defTabSz="577826">
               <a:lnSpc>
                 <a:spcPct val="90000"/>
               </a:lnSpc>
@@ -4943,10 +4578,9 @@
               </a:spcAft>
             </a:pPr>
             <a:r>
-              <a:rPr lang="en-US" sz="1400" kern="1200" dirty="0" smtClean="0"/>
+              <a:rPr lang="en-US" sz="1400" dirty="0"/>
               <a:t>Game Plan</a:t>
             </a:r>
-            <a:endParaRPr lang="en-US" sz="1400" kern="1200" dirty="0"/>
           </a:p>
         </p:txBody>
       </p:sp>
@@ -4958,7 +4592,7 @@
         </p:nvSpPr>
         <p:spPr>
           <a:xfrm>
-            <a:off x="9583634" y="1450169"/>
+            <a:off x="8440634" y="1441857"/>
             <a:ext cx="1079232" cy="707214"/>
           </a:xfrm>
           <a:prstGeom prst="rect">
@@ -5011,7 +4645,7 @@
         </p:nvSpPr>
         <p:spPr>
           <a:xfrm>
-            <a:off x="4936038" y="637835"/>
+            <a:off x="3793038" y="629523"/>
             <a:ext cx="971318" cy="310040"/>
           </a:xfrm>
           <a:prstGeom prst="rect">
@@ -5047,7 +4681,7 @@
           </a:bodyPr>
           <a:lstStyle/>
           <a:p>
-            <a:pPr algn="ctr" defTabSz="577850">
+            <a:pPr algn="ctr" defTabSz="577826">
               <a:lnSpc>
                 <a:spcPct val="90000"/>
               </a:lnSpc>
@@ -5059,10 +4693,15 @@
               </a:spcAft>
             </a:pPr>
             <a:r>
-              <a:rPr lang="en-US" sz="1400" dirty="0"/>
+              <a:rPr lang="en-US" sz="1400" dirty="0">
+                <a:solidFill>
+                  <a:schemeClr val="accent1">
+                    <a:lumMod val="75000"/>
+                  </a:schemeClr>
+                </a:solidFill>
+              </a:rPr>
               <a:t>Definition</a:t>
             </a:r>
-            <a:endParaRPr lang="en-US" sz="1400" dirty="0"/>
           </a:p>
         </p:txBody>
       </p:sp>
@@ -5074,7 +4713,7 @@
         </p:nvSpPr>
         <p:spPr>
           <a:xfrm>
-            <a:off x="5822707" y="4029974"/>
+            <a:off x="4679708" y="4021664"/>
             <a:ext cx="777719" cy="535831"/>
           </a:xfrm>
           <a:prstGeom prst="rect">
@@ -5109,7 +4748,7 @@
           </a:bodyPr>
           <a:lstStyle/>
           <a:p>
-            <a:pPr lvl="0" algn="ctr" defTabSz="933450">
+            <a:pPr algn="ctr" defTabSz="933411">
               <a:lnSpc>
                 <a:spcPct val="90000"/>
               </a:lnSpc>
@@ -5121,10 +4760,9 @@
               </a:spcAft>
             </a:pPr>
             <a:r>
-              <a:rPr lang="en-US" sz="1400" kern="1200" dirty="0" smtClean="0"/>
+              <a:rPr lang="en-US" sz="1400" dirty="0"/>
               <a:t>In the Zone</a:t>
             </a:r>
-            <a:endParaRPr lang="en-US" sz="1400" kern="1200" dirty="0"/>
           </a:p>
         </p:txBody>
       </p:sp>
@@ -5136,7 +4774,7 @@
         </p:nvSpPr>
         <p:spPr>
           <a:xfrm>
-            <a:off x="10809537" y="1363909"/>
+            <a:off x="9666537" y="1355598"/>
             <a:ext cx="1079232" cy="170487"/>
           </a:xfrm>
           <a:prstGeom prst="rect">
@@ -5189,7 +4827,7 @@
         </p:nvSpPr>
         <p:spPr>
           <a:xfrm>
-            <a:off x="4447311" y="6291392"/>
+            <a:off x="3304312" y="6283080"/>
             <a:ext cx="1519873" cy="382304"/>
           </a:xfrm>
           <a:prstGeom prst="rect">
@@ -5224,7 +4862,7 @@
           </a:bodyPr>
           <a:lstStyle/>
           <a:p>
-            <a:pPr lvl="0" algn="ctr" defTabSz="222250">
+            <a:pPr algn="ctr" defTabSz="222241">
               <a:lnSpc>
                 <a:spcPct val="90000"/>
               </a:lnSpc>
@@ -5236,14 +4874,13 @@
               </a:spcAft>
             </a:pPr>
             <a:r>
-              <a:rPr lang="en-US" sz="1400" kern="1200" dirty="0" smtClean="0"/>
-              <a:t>Confidence </a:t>
+              <a:rPr lang="en-US" sz="1400" dirty="0">
+                <a:solidFill>
+                  <a:srgbClr val="4A8038"/>
+                </a:solidFill>
+              </a:rPr>
+              <a:t>Confidence Level</a:t>
             </a:r>
-            <a:r>
-              <a:rPr lang="en-US" sz="1400" kern="1200" dirty="0" smtClean="0"/>
-              <a:t>Level</a:t>
-            </a:r>
-            <a:endParaRPr lang="en-US" sz="1400" kern="1200" dirty="0"/>
           </a:p>
         </p:txBody>
       </p:sp>
@@ -5255,7 +4892,7 @@
         </p:nvSpPr>
         <p:spPr>
           <a:xfrm>
-            <a:off x="9665962" y="2071124"/>
+            <a:off x="8522962" y="2062813"/>
             <a:ext cx="1079232" cy="170487"/>
           </a:xfrm>
           <a:prstGeom prst="rect">
@@ -5308,7 +4945,7 @@
         </p:nvSpPr>
         <p:spPr>
           <a:xfrm>
-            <a:off x="6241968" y="4653580"/>
+            <a:off x="5098968" y="4645270"/>
             <a:ext cx="1116598" cy="412561"/>
           </a:xfrm>
           <a:prstGeom prst="rect">
@@ -5343,7 +4980,7 @@
           </a:bodyPr>
           <a:lstStyle/>
           <a:p>
-            <a:pPr lvl="0" algn="ctr" defTabSz="577850">
+            <a:pPr algn="ctr" defTabSz="577826">
               <a:lnSpc>
                 <a:spcPct val="90000"/>
               </a:lnSpc>
@@ -5355,10 +4992,9 @@
               </a:spcAft>
             </a:pPr>
             <a:r>
-              <a:rPr lang="en-US" sz="1400" kern="1200" dirty="0" smtClean="0"/>
+              <a:rPr lang="en-US" sz="1400" dirty="0"/>
               <a:t>Positive mindset</a:t>
             </a:r>
-            <a:endParaRPr lang="en-US" sz="1400" kern="1200" dirty="0"/>
           </a:p>
         </p:txBody>
       </p:sp>
@@ -5373,7 +5009,7 @@
         </p:nvCxnSpPr>
         <p:spPr>
           <a:xfrm>
-            <a:off x="6099048" y="576072"/>
+            <a:off x="4956049" y="567760"/>
             <a:ext cx="6909" cy="1810236"/>
           </a:xfrm>
           <a:prstGeom prst="line">
@@ -5405,7 +5041,7 @@
         </p:nvCxnSpPr>
         <p:spPr>
           <a:xfrm flipH="1">
-            <a:off x="6403785" y="1076076"/>
+            <a:off x="5260786" y="1076078"/>
             <a:ext cx="1411041" cy="2164101"/>
           </a:xfrm>
           <a:prstGeom prst="line">
@@ -5435,7 +5071,7 @@
         </p:nvCxnSpPr>
         <p:spPr>
           <a:xfrm>
-            <a:off x="4834731" y="852173"/>
+            <a:off x="3691731" y="843862"/>
             <a:ext cx="1087348" cy="2307381"/>
           </a:xfrm>
           <a:prstGeom prst="line">
@@ -5460,13 +5096,15 @@
       <p:cxnSp>
         <p:nvCxnSpPr>
           <p:cNvPr id="137" name="Straight Connector 136"/>
-          <p:cNvCxnSpPr/>
+          <p:cNvCxnSpPr>
+            <a:cxnSpLocks/>
+          </p:cNvCxnSpPr>
           <p:nvPr/>
         </p:nvCxnSpPr>
         <p:spPr>
-          <a:xfrm flipH="1">
-            <a:off x="7203754" y="2581843"/>
-            <a:ext cx="1683071" cy="611192"/>
+          <a:xfrm rot="-60000" flipH="1">
+            <a:off x="6027753" y="2299286"/>
+            <a:ext cx="1629879" cy="728608"/>
           </a:xfrm>
           <a:prstGeom prst="line">
             <a:avLst/>
@@ -5498,7 +5136,7 @@
         </p:nvCxnSpPr>
         <p:spPr>
           <a:xfrm flipH="1" flipV="1">
-            <a:off x="6394260" y="3824754"/>
+            <a:off x="5251260" y="3816442"/>
             <a:ext cx="1806168" cy="1824498"/>
           </a:xfrm>
           <a:prstGeom prst="line">
@@ -5528,7 +5166,7 @@
         </p:nvCxnSpPr>
         <p:spPr>
           <a:xfrm flipV="1">
-            <a:off x="4752885" y="3913375"/>
+            <a:off x="3609885" y="3905063"/>
             <a:ext cx="1186796" cy="2303422"/>
           </a:xfrm>
           <a:prstGeom prst="line">
@@ -5561,7 +5199,7 @@
         </p:nvCxnSpPr>
         <p:spPr>
           <a:xfrm flipV="1">
-            <a:off x="6099048" y="4672308"/>
+            <a:off x="4956049" y="4663996"/>
             <a:ext cx="6909" cy="1847364"/>
           </a:xfrm>
           <a:prstGeom prst="line">
@@ -5591,7 +5229,7 @@
         </p:nvCxnSpPr>
         <p:spPr>
           <a:xfrm flipH="1" flipV="1">
-            <a:off x="7117144" y="4049877"/>
+            <a:off x="6050158" y="3865745"/>
             <a:ext cx="1666066" cy="750879"/>
           </a:xfrm>
           <a:prstGeom prst="line">
@@ -5621,7 +5259,7 @@
         </p:nvCxnSpPr>
         <p:spPr>
           <a:xfrm flipH="1" flipV="1">
-            <a:off x="3245755" y="2724448"/>
+            <a:off x="2102756" y="2716137"/>
             <a:ext cx="1740541" cy="543661"/>
           </a:xfrm>
           <a:prstGeom prst="line">
@@ -5651,7 +5289,7 @@
         </p:nvCxnSpPr>
         <p:spPr>
           <a:xfrm flipH="1">
-            <a:off x="3313271" y="3879419"/>
+            <a:off x="2170272" y="3871108"/>
             <a:ext cx="1673025" cy="771615"/>
           </a:xfrm>
           <a:prstGeom prst="line">
@@ -5681,7 +5319,7 @@
         </p:nvCxnSpPr>
         <p:spPr>
           <a:xfrm flipH="1" flipV="1">
-            <a:off x="7869827" y="3593617"/>
+            <a:off x="6726827" y="3585306"/>
             <a:ext cx="1201580" cy="1092"/>
           </a:xfrm>
           <a:prstGeom prst="line">
@@ -5721,7 +5359,7 @@
         </p:blipFill>
         <p:spPr>
           <a:xfrm>
-            <a:off x="5701345" y="3119657"/>
+            <a:off x="4558345" y="3119658"/>
             <a:ext cx="822960" cy="822960"/>
           </a:xfrm>
           <a:prstGeom prst="ellipse">
@@ -5739,20 +5377,5766 @@
   <p:clrMapOvr>
     <a:masterClrMapping/>
   </p:clrMapOvr>
-  <p:timing>
-    <p:tnLst>
-      <p:par>
-        <p:cTn id="1" dur="indefinite" restart="never" nodeType="tmRoot"/>
-      </p:par>
-    </p:tnLst>
-  </p:timing>
+</p:sld>
+</file>
+
+<file path=ppt/slides/slide2.xml><?xml version="1.0" encoding="utf-8"?>
+<p:sld xmlns:a="http://schemas.openxmlformats.org/drawingml/2006/main" xmlns:r="http://schemas.openxmlformats.org/officeDocument/2006/relationships" xmlns:p="http://schemas.openxmlformats.org/presentationml/2006/main">
+  <p:cSld>
+    <p:spTree>
+      <p:nvGrpSpPr>
+        <p:cNvPr id="1" name=""/>
+        <p:cNvGrpSpPr/>
+        <p:nvPr/>
+      </p:nvGrpSpPr>
+      <p:grpSpPr>
+        <a:xfrm>
+          <a:off x="0" y="0"/>
+          <a:ext cx="0" cy="0"/>
+          <a:chOff x="0" y="0"/>
+          <a:chExt cx="0" cy="0"/>
+        </a:xfrm>
+      </p:grpSpPr>
+      <p:graphicFrame>
+        <p:nvGraphicFramePr>
+          <p:cNvPr id="34" name="Table 33">
+            <a:extLst>
+              <a:ext uri="{FF2B5EF4-FFF2-40B4-BE49-F238E27FC236}">
+                <a16:creationId xmlns:a16="http://schemas.microsoft.com/office/drawing/2014/main" id="{2E51DCD0-5847-B9D1-8AF7-046592D54846}"/>
+              </a:ext>
+            </a:extLst>
+          </p:cNvPr>
+          <p:cNvGraphicFramePr>
+            <a:graphicFrameLocks noGrp="1"/>
+          </p:cNvGraphicFramePr>
+          <p:nvPr>
+            <p:extLst>
+              <p:ext uri="{D42A27DB-BD31-4B8C-83A1-F6EECF244321}">
+                <p14:modId xmlns:p14="http://schemas.microsoft.com/office/powerpoint/2010/main" val="348658646"/>
+              </p:ext>
+            </p:extLst>
+          </p:nvPr>
+        </p:nvGraphicFramePr>
+        <p:xfrm>
+          <a:off x="628289" y="3820666"/>
+          <a:ext cx="8649421" cy="2810129"/>
+        </p:xfrm>
+        <a:graphic>
+          <a:graphicData uri="http://schemas.openxmlformats.org/drawingml/2006/table">
+            <a:tbl>
+              <a:tblPr firstRow="1" bandRow="1">
+                <a:tableStyleId>{5940675A-B579-460E-94D1-54222C63F5DA}</a:tableStyleId>
+              </a:tblPr>
+              <a:tblGrid>
+                <a:gridCol w="1283637">
+                  <a:extLst>
+                    <a:ext uri="{9D8B030D-6E8A-4147-A177-3AD203B41FA5}">
+                      <a16:colId xmlns:a16="http://schemas.microsoft.com/office/drawing/2014/main" val="415706959"/>
+                    </a:ext>
+                  </a:extLst>
+                </a:gridCol>
+                <a:gridCol w="1524181">
+                  <a:extLst>
+                    <a:ext uri="{9D8B030D-6E8A-4147-A177-3AD203B41FA5}">
+                      <a16:colId xmlns:a16="http://schemas.microsoft.com/office/drawing/2014/main" val="2103433063"/>
+                    </a:ext>
+                  </a:extLst>
+                </a:gridCol>
+                <a:gridCol w="1524181">
+                  <a:extLst>
+                    <a:ext uri="{9D8B030D-6E8A-4147-A177-3AD203B41FA5}">
+                      <a16:colId xmlns:a16="http://schemas.microsoft.com/office/drawing/2014/main" val="2061502449"/>
+                    </a:ext>
+                  </a:extLst>
+                </a:gridCol>
+                <a:gridCol w="2158711">
+                  <a:extLst>
+                    <a:ext uri="{9D8B030D-6E8A-4147-A177-3AD203B41FA5}">
+                      <a16:colId xmlns:a16="http://schemas.microsoft.com/office/drawing/2014/main" val="825250206"/>
+                    </a:ext>
+                  </a:extLst>
+                </a:gridCol>
+                <a:gridCol w="2158711">
+                  <a:extLst>
+                    <a:ext uri="{9D8B030D-6E8A-4147-A177-3AD203B41FA5}">
+                      <a16:colId xmlns:a16="http://schemas.microsoft.com/office/drawing/2014/main" val="1072884682"/>
+                    </a:ext>
+                  </a:extLst>
+                </a:gridCol>
+              </a:tblGrid>
+              <a:tr h="236947">
+                <a:tc>
+                  <a:txBody>
+                    <a:bodyPr/>
+                    <a:lstStyle/>
+                    <a:p>
+                      <a:endParaRPr lang="en-MY" sz="800" dirty="0"/>
+                    </a:p>
+                  </a:txBody>
+                  <a:tcPr anchor="ctr">
+                    <a:solidFill>
+                      <a:schemeClr val="accent5">
+                        <a:lumMod val="60000"/>
+                        <a:lumOff val="40000"/>
+                      </a:schemeClr>
+                    </a:solidFill>
+                  </a:tcPr>
+                </a:tc>
+                <a:tc>
+                  <a:txBody>
+                    <a:bodyPr/>
+                    <a:lstStyle/>
+                    <a:p>
+                      <a:pPr algn="ctr"/>
+                      <a:r>
+                        <a:rPr lang="en-MY" sz="2400" dirty="0">
+                          <a:solidFill>
+                            <a:srgbClr val="548235"/>
+                          </a:solidFill>
+                          <a:sym typeface="Wingdings" panose="05000000000000000000" pitchFamily="2" charset="2"/>
+                        </a:rPr>
+                        <a:t></a:t>
+                      </a:r>
+                      <a:endParaRPr lang="en-MY" sz="2400" dirty="0">
+                        <a:solidFill>
+                          <a:srgbClr val="548235"/>
+                        </a:solidFill>
+                      </a:endParaRPr>
+                    </a:p>
+                  </a:txBody>
+                  <a:tcPr marL="0" marR="0" marT="0" marB="0" anchor="ctr">
+                    <a:solidFill>
+                      <a:schemeClr val="accent5">
+                        <a:lumMod val="60000"/>
+                        <a:lumOff val="40000"/>
+                      </a:schemeClr>
+                    </a:solidFill>
+                  </a:tcPr>
+                </a:tc>
+                <a:tc>
+                  <a:txBody>
+                    <a:bodyPr/>
+                    <a:lstStyle/>
+                    <a:p>
+                      <a:pPr algn="ctr"/>
+                      <a:r>
+                        <a:rPr lang="en-MY" sz="2400" dirty="0">
+                          <a:solidFill>
+                            <a:srgbClr val="FF0000"/>
+                          </a:solidFill>
+                          <a:sym typeface="Wingdings" panose="05000000000000000000" pitchFamily="2" charset="2"/>
+                        </a:rPr>
+                        <a:t></a:t>
+                      </a:r>
+                      <a:endParaRPr lang="en-MY" sz="2400" dirty="0">
+                        <a:solidFill>
+                          <a:srgbClr val="FF0000"/>
+                        </a:solidFill>
+                      </a:endParaRPr>
+                    </a:p>
+                  </a:txBody>
+                  <a:tcPr marL="0" marR="0" marT="0" marB="0" anchor="ctr">
+                    <a:lnR w="12700" cap="flat" cmpd="sng" algn="ctr">
+                      <a:solidFill>
+                        <a:schemeClr val="tx1"/>
+                      </a:solidFill>
+                      <a:prstDash val="solid"/>
+                      <a:round/>
+                      <a:headEnd type="none" w="med" len="med"/>
+                      <a:tailEnd type="none" w="med" len="med"/>
+                    </a:lnR>
+                    <a:solidFill>
+                      <a:schemeClr val="accent5">
+                        <a:lumMod val="60000"/>
+                        <a:lumOff val="40000"/>
+                      </a:schemeClr>
+                    </a:solidFill>
+                  </a:tcPr>
+                </a:tc>
+                <a:tc gridSpan="2">
+                  <a:txBody>
+                    <a:bodyPr/>
+                    <a:lstStyle/>
+                    <a:p>
+                      <a:endParaRPr lang="en-MY" sz="800" dirty="0"/>
+                    </a:p>
+                  </a:txBody>
+                  <a:tcPr anchor="ctr">
+                    <a:lnL w="12700" cap="flat" cmpd="sng" algn="ctr">
+                      <a:solidFill>
+                        <a:schemeClr val="tx1"/>
+                      </a:solidFill>
+                      <a:prstDash val="solid"/>
+                      <a:round/>
+                      <a:headEnd type="none" w="med" len="med"/>
+                      <a:tailEnd type="none" w="med" len="med"/>
+                    </a:lnL>
+                    <a:lnR w="12700" cmpd="sng">
+                      <a:noFill/>
+                    </a:lnR>
+                    <a:lnT w="12700" cmpd="sng">
+                      <a:noFill/>
+                    </a:lnT>
+                    <a:lnB w="12700" cap="flat" cmpd="sng" algn="ctr">
+                      <a:solidFill>
+                        <a:schemeClr val="tx1"/>
+                      </a:solidFill>
+                      <a:prstDash val="solid"/>
+                      <a:round/>
+                      <a:headEnd type="none" w="med" len="med"/>
+                      <a:tailEnd type="none" w="med" len="med"/>
+                    </a:lnB>
+                    <a:lnTlToBr w="12700" cmpd="sng">
+                      <a:noFill/>
+                      <a:prstDash val="solid"/>
+                    </a:lnTlToBr>
+                    <a:lnBlToTr w="12700" cmpd="sng">
+                      <a:noFill/>
+                      <a:prstDash val="solid"/>
+                    </a:lnBlToTr>
+                  </a:tcPr>
+                </a:tc>
+                <a:tc hMerge="1">
+                  <a:txBody>
+                    <a:bodyPr/>
+                    <a:lstStyle/>
+                    <a:p>
+                      <a:endParaRPr lang="en-MY"/>
+                    </a:p>
+                  </a:txBody>
+                  <a:tcPr/>
+                </a:tc>
+                <a:extLst>
+                  <a:ext uri="{0D108BD9-81ED-4DB2-BD59-A6C34878D82A}">
+                    <a16:rowId xmlns:a16="http://schemas.microsoft.com/office/drawing/2014/main" val="2291707512"/>
+                  </a:ext>
+                </a:extLst>
+              </a:tr>
+              <a:tr h="236947">
+                <a:tc>
+                  <a:txBody>
+                    <a:bodyPr/>
+                    <a:lstStyle/>
+                    <a:p>
+                      <a:pPr algn="ctr"/>
+                      <a:r>
+                        <a:rPr lang="en-MY" sz="800" dirty="0"/>
+                        <a:t>Hands</a:t>
+                      </a:r>
+                    </a:p>
+                  </a:txBody>
+                  <a:tcPr anchor="ctr">
+                    <a:solidFill>
+                      <a:schemeClr val="accent5">
+                        <a:lumMod val="20000"/>
+                        <a:lumOff val="80000"/>
+                      </a:schemeClr>
+                    </a:solidFill>
+                  </a:tcPr>
+                </a:tc>
+                <a:tc>
+                  <a:txBody>
+                    <a:bodyPr/>
+                    <a:lstStyle/>
+                    <a:p>
+                      <a:pPr algn="ctr"/>
+                      <a:r>
+                        <a:rPr lang="en-MY" sz="800" dirty="0"/>
+                        <a:t>Short Nails</a:t>
+                      </a:r>
+                    </a:p>
+                  </a:txBody>
+                  <a:tcPr anchor="ctr"/>
+                </a:tc>
+                <a:tc>
+                  <a:txBody>
+                    <a:bodyPr/>
+                    <a:lstStyle/>
+                    <a:p>
+                      <a:pPr algn="ctr"/>
+                      <a:r>
+                        <a:rPr lang="en-MY" sz="800" dirty="0" err="1"/>
+                        <a:t>Jewelery</a:t>
+                      </a:r>
+                      <a:endParaRPr lang="en-MY" sz="800" dirty="0"/>
+                    </a:p>
+                  </a:txBody>
+                  <a:tcPr anchor="ctr">
+                    <a:lnR w="12700" cap="flat" cmpd="sng" algn="ctr">
+                      <a:solidFill>
+                        <a:schemeClr val="tx1"/>
+                      </a:solidFill>
+                      <a:prstDash val="solid"/>
+                      <a:round/>
+                      <a:headEnd type="none" w="med" len="med"/>
+                      <a:tailEnd type="none" w="med" len="med"/>
+                    </a:lnR>
+                  </a:tcPr>
+                </a:tc>
+                <a:tc gridSpan="2">
+                  <a:txBody>
+                    <a:bodyPr/>
+                    <a:lstStyle/>
+                    <a:p>
+                      <a:pPr algn="ctr"/>
+                      <a:r>
+                        <a:rPr lang="en-MY" sz="800" dirty="0"/>
+                        <a:t>Penalty</a:t>
+                      </a:r>
+                    </a:p>
+                  </a:txBody>
+                  <a:tcPr anchor="ctr">
+                    <a:lnL w="12700" cap="flat" cmpd="sng" algn="ctr">
+                      <a:solidFill>
+                        <a:schemeClr val="tx1"/>
+                      </a:solidFill>
+                      <a:prstDash val="solid"/>
+                      <a:round/>
+                      <a:headEnd type="none" w="med" len="med"/>
+                      <a:tailEnd type="none" w="med" len="med"/>
+                    </a:lnL>
+                    <a:lnR w="12700" cap="flat" cmpd="sng" algn="ctr">
+                      <a:solidFill>
+                        <a:schemeClr val="tx1"/>
+                      </a:solidFill>
+                      <a:prstDash val="solid"/>
+                      <a:round/>
+                      <a:headEnd type="none" w="med" len="med"/>
+                      <a:tailEnd type="none" w="med" len="med"/>
+                    </a:lnR>
+                    <a:lnT w="12700" cap="flat" cmpd="sng" algn="ctr">
+                      <a:solidFill>
+                        <a:schemeClr val="tx1"/>
+                      </a:solidFill>
+                      <a:prstDash val="solid"/>
+                      <a:round/>
+                      <a:headEnd type="none" w="med" len="med"/>
+                      <a:tailEnd type="none" w="med" len="med"/>
+                    </a:lnT>
+                    <a:lnB w="12700" cap="flat" cmpd="sng" algn="ctr">
+                      <a:solidFill>
+                        <a:schemeClr val="tx1"/>
+                      </a:solidFill>
+                      <a:prstDash val="solid"/>
+                      <a:round/>
+                      <a:headEnd type="none" w="med" len="med"/>
+                      <a:tailEnd type="none" w="med" len="med"/>
+                    </a:lnB>
+                    <a:solidFill>
+                      <a:schemeClr val="accent5">
+                        <a:lumMod val="60000"/>
+                        <a:lumOff val="40000"/>
+                      </a:schemeClr>
+                    </a:solidFill>
+                  </a:tcPr>
+                </a:tc>
+                <a:tc hMerge="1">
+                  <a:txBody>
+                    <a:bodyPr/>
+                    <a:lstStyle/>
+                    <a:p>
+                      <a:endParaRPr lang="en-MY" sz="900" dirty="0"/>
+                    </a:p>
+                  </a:txBody>
+                  <a:tcPr/>
+                </a:tc>
+                <a:extLst>
+                  <a:ext uri="{0D108BD9-81ED-4DB2-BD59-A6C34878D82A}">
+                    <a16:rowId xmlns:a16="http://schemas.microsoft.com/office/drawing/2014/main" val="1125807030"/>
+                  </a:ext>
+                </a:extLst>
+              </a:tr>
+              <a:tr h="236947">
+                <a:tc>
+                  <a:txBody>
+                    <a:bodyPr/>
+                    <a:lstStyle/>
+                    <a:p>
+                      <a:pPr algn="ctr"/>
+                      <a:r>
+                        <a:rPr lang="en-MY" sz="800" dirty="0"/>
+                        <a:t>Score</a:t>
+                      </a:r>
+                    </a:p>
+                  </a:txBody>
+                  <a:tcPr anchor="ctr">
+                    <a:solidFill>
+                      <a:schemeClr val="accent5">
+                        <a:lumMod val="20000"/>
+                        <a:lumOff val="80000"/>
+                      </a:schemeClr>
+                    </a:solidFill>
+                  </a:tcPr>
+                </a:tc>
+                <a:tc>
+                  <a:txBody>
+                    <a:bodyPr/>
+                    <a:lstStyle/>
+                    <a:p>
+                      <a:pPr algn="ctr"/>
+                      <a:r>
+                        <a:rPr lang="en-MY" sz="800" dirty="0"/>
+                        <a:t>GS or GA</a:t>
+                      </a:r>
+                    </a:p>
+                  </a:txBody>
+                  <a:tcPr anchor="ctr"/>
+                </a:tc>
+                <a:tc>
+                  <a:txBody>
+                    <a:bodyPr/>
+                    <a:lstStyle/>
+                    <a:p>
+                      <a:pPr algn="ctr"/>
+                      <a:r>
+                        <a:rPr lang="en-MY" sz="800" dirty="0"/>
+                        <a:t>All other positions</a:t>
+                      </a:r>
+                    </a:p>
+                  </a:txBody>
+                  <a:tcPr anchor="ctr"/>
+                </a:tc>
+                <a:tc>
+                  <a:txBody>
+                    <a:bodyPr/>
+                    <a:lstStyle/>
+                    <a:p>
+                      <a:pPr algn="ctr"/>
+                      <a:r>
+                        <a:rPr lang="en-MY" sz="800" dirty="0"/>
+                        <a:t>Free pass</a:t>
+                      </a:r>
+                    </a:p>
+                  </a:txBody>
+                  <a:tcPr anchor="ctr">
+                    <a:lnT w="12700" cap="flat" cmpd="sng" algn="ctr">
+                      <a:solidFill>
+                        <a:schemeClr val="tx1"/>
+                      </a:solidFill>
+                      <a:prstDash val="solid"/>
+                      <a:round/>
+                      <a:headEnd type="none" w="med" len="med"/>
+                      <a:tailEnd type="none" w="med" len="med"/>
+                    </a:lnT>
+                    <a:solidFill>
+                      <a:schemeClr val="accent5">
+                        <a:lumMod val="20000"/>
+                        <a:lumOff val="80000"/>
+                      </a:schemeClr>
+                    </a:solidFill>
+                  </a:tcPr>
+                </a:tc>
+                <a:tc>
+                  <a:txBody>
+                    <a:bodyPr/>
+                    <a:lstStyle/>
+                    <a:p>
+                      <a:pPr algn="ctr"/>
+                      <a:r>
+                        <a:rPr lang="en-MY" sz="800" dirty="0"/>
+                        <a:t>Penalty Throw</a:t>
+                      </a:r>
+                    </a:p>
+                  </a:txBody>
+                  <a:tcPr anchor="ctr">
+                    <a:lnT w="12700" cap="flat" cmpd="sng" algn="ctr">
+                      <a:solidFill>
+                        <a:schemeClr val="tx1"/>
+                      </a:solidFill>
+                      <a:prstDash val="solid"/>
+                      <a:round/>
+                      <a:headEnd type="none" w="med" len="med"/>
+                      <a:tailEnd type="none" w="med" len="med"/>
+                    </a:lnT>
+                    <a:solidFill>
+                      <a:schemeClr val="accent5">
+                        <a:lumMod val="20000"/>
+                        <a:lumOff val="80000"/>
+                      </a:schemeClr>
+                    </a:solidFill>
+                  </a:tcPr>
+                </a:tc>
+                <a:extLst>
+                  <a:ext uri="{0D108BD9-81ED-4DB2-BD59-A6C34878D82A}">
+                    <a16:rowId xmlns:a16="http://schemas.microsoft.com/office/drawing/2014/main" val="261588749"/>
+                  </a:ext>
+                </a:extLst>
+              </a:tr>
+              <a:tr h="236947">
+                <a:tc>
+                  <a:txBody>
+                    <a:bodyPr/>
+                    <a:lstStyle/>
+                    <a:p>
+                      <a:pPr algn="ctr"/>
+                      <a:r>
+                        <a:rPr lang="en-MY" sz="800" dirty="0"/>
+                        <a:t>Ball Handling </a:t>
+                      </a:r>
+                      <a:r>
+                        <a:rPr lang="en-MY" sz="1100" dirty="0">
+                          <a:sym typeface="Wingdings" panose="05000000000000000000" pitchFamily="2" charset="2"/>
+                        </a:rPr>
+                        <a:t></a:t>
+                      </a:r>
+                      <a:endParaRPr lang="en-MY" sz="800" dirty="0"/>
+                    </a:p>
+                  </a:txBody>
+                  <a:tcPr anchor="ctr">
+                    <a:solidFill>
+                      <a:schemeClr val="accent5">
+                        <a:lumMod val="20000"/>
+                        <a:lumOff val="80000"/>
+                      </a:schemeClr>
+                    </a:solidFill>
+                  </a:tcPr>
+                </a:tc>
+                <a:tc>
+                  <a:txBody>
+                    <a:bodyPr/>
+                    <a:lstStyle/>
+                    <a:p>
+                      <a:pPr marL="0" marR="0" lvl="0" indent="0" algn="ctr" defTabSz="914400" rtl="0" eaLnBrk="1" fontAlgn="auto" latinLnBrk="0" hangingPunct="1">
+                        <a:lnSpc>
+                          <a:spcPct val="100000"/>
+                        </a:lnSpc>
+                        <a:spcBef>
+                          <a:spcPts val="0"/>
+                        </a:spcBef>
+                        <a:spcAft>
+                          <a:spcPts val="0"/>
+                        </a:spcAft>
+                        <a:buClrTx/>
+                        <a:buSzTx/>
+                        <a:buFontTx/>
+                        <a:buNone/>
+                        <a:tabLst/>
+                        <a:defRPr/>
+                      </a:pPr>
+                      <a:r>
+                        <a:rPr lang="en-US" sz="800" dirty="0"/>
+                        <a:t>Only pivot with the foot you land on first</a:t>
+                      </a:r>
+                      <a:endParaRPr lang="en-MY" sz="800" dirty="0"/>
+                    </a:p>
+                  </a:txBody>
+                  <a:tcPr anchor="ctr"/>
+                </a:tc>
+                <a:tc>
+                  <a:txBody>
+                    <a:bodyPr/>
+                    <a:lstStyle/>
+                    <a:p>
+                      <a:pPr algn="ctr"/>
+                      <a:r>
+                        <a:rPr lang="en-MY" sz="800" dirty="0"/>
+                        <a:t>Travel with ball</a:t>
+                      </a:r>
+                    </a:p>
+                  </a:txBody>
+                  <a:tcPr anchor="ctr"/>
+                </a:tc>
+                <a:tc>
+                  <a:txBody>
+                    <a:bodyPr/>
+                    <a:lstStyle/>
+                    <a:p>
+                      <a:pPr marL="0" marR="0" lvl="0" indent="0" algn="ctr" defTabSz="914400" rtl="0" eaLnBrk="1" fontAlgn="auto" latinLnBrk="0" hangingPunct="1">
+                        <a:lnSpc>
+                          <a:spcPct val="100000"/>
+                        </a:lnSpc>
+                        <a:spcBef>
+                          <a:spcPts val="0"/>
+                        </a:spcBef>
+                        <a:spcAft>
+                          <a:spcPts val="0"/>
+                        </a:spcAft>
+                        <a:buClrTx/>
+                        <a:buSzTx/>
+                        <a:buFontTx/>
+                        <a:buNone/>
+                        <a:tabLst/>
+                        <a:defRPr/>
+                      </a:pPr>
+                      <a:r>
+                        <a:rPr lang="en-MY" sz="800" dirty="0"/>
+                        <a:t>Opponent gets free pass </a:t>
+                      </a:r>
+                    </a:p>
+                  </a:txBody>
+                  <a:tcPr anchor="ctr"/>
+                </a:tc>
+                <a:tc>
+                  <a:txBody>
+                    <a:bodyPr/>
+                    <a:lstStyle/>
+                    <a:p>
+                      <a:pPr algn="ctr"/>
+                      <a:endParaRPr lang="en-MY" sz="800"/>
+                    </a:p>
+                  </a:txBody>
+                  <a:tcPr anchor="ctr"/>
+                </a:tc>
+                <a:extLst>
+                  <a:ext uri="{0D108BD9-81ED-4DB2-BD59-A6C34878D82A}">
+                    <a16:rowId xmlns:a16="http://schemas.microsoft.com/office/drawing/2014/main" val="647166121"/>
+                  </a:ext>
+                </a:extLst>
+              </a:tr>
+              <a:tr h="236947">
+                <a:tc>
+                  <a:txBody>
+                    <a:bodyPr/>
+                    <a:lstStyle/>
+                    <a:p>
+                      <a:pPr algn="ctr"/>
+                      <a:r>
+                        <a:rPr lang="en-MY" sz="800" dirty="0">
+                          <a:sym typeface="Wingdings" panose="05000000000000000000" pitchFamily="2" charset="2"/>
+                        </a:rPr>
+                        <a:t>Ball Holding </a:t>
+                      </a:r>
+                      <a:r>
+                        <a:rPr lang="en-MY" sz="1100" dirty="0">
+                          <a:sym typeface="Wingdings" panose="05000000000000000000" pitchFamily="2" charset="2"/>
+                        </a:rPr>
+                        <a:t></a:t>
+                      </a:r>
+                      <a:endParaRPr lang="en-MY" sz="800" dirty="0"/>
+                    </a:p>
+                  </a:txBody>
+                  <a:tcPr anchor="ctr">
+                    <a:solidFill>
+                      <a:schemeClr val="accent5">
+                        <a:lumMod val="20000"/>
+                        <a:lumOff val="80000"/>
+                      </a:schemeClr>
+                    </a:solidFill>
+                  </a:tcPr>
+                </a:tc>
+                <a:tc>
+                  <a:txBody>
+                    <a:bodyPr/>
+                    <a:lstStyle/>
+                    <a:p>
+                      <a:pPr algn="ctr"/>
+                      <a:r>
+                        <a:rPr lang="en-MY" sz="800" dirty="0"/>
+                        <a:t>3 seconds max</a:t>
+                      </a:r>
+                    </a:p>
+                  </a:txBody>
+                  <a:tcPr anchor="ctr"/>
+                </a:tc>
+                <a:tc>
+                  <a:txBody>
+                    <a:bodyPr/>
+                    <a:lstStyle/>
+                    <a:p>
+                      <a:pPr algn="ctr"/>
+                      <a:r>
+                        <a:rPr lang="en-MY" sz="800" dirty="0"/>
+                        <a:t>More than 3 seconds</a:t>
+                      </a:r>
+                    </a:p>
+                  </a:txBody>
+                  <a:tcPr anchor="ctr"/>
+                </a:tc>
+                <a:tc>
+                  <a:txBody>
+                    <a:bodyPr/>
+                    <a:lstStyle/>
+                    <a:p>
+                      <a:pPr marL="0" marR="0" lvl="0" indent="0" algn="ctr" defTabSz="914400" rtl="0" eaLnBrk="1" fontAlgn="auto" latinLnBrk="0" hangingPunct="1">
+                        <a:lnSpc>
+                          <a:spcPct val="100000"/>
+                        </a:lnSpc>
+                        <a:spcBef>
+                          <a:spcPts val="0"/>
+                        </a:spcBef>
+                        <a:spcAft>
+                          <a:spcPts val="0"/>
+                        </a:spcAft>
+                        <a:buClrTx/>
+                        <a:buSzTx/>
+                        <a:buFontTx/>
+                        <a:buNone/>
+                        <a:tabLst/>
+                        <a:defRPr/>
+                      </a:pPr>
+                      <a:r>
+                        <a:rPr lang="en-MY" sz="800" dirty="0"/>
+                        <a:t>Opponent gets free pass </a:t>
+                      </a:r>
+                    </a:p>
+                  </a:txBody>
+                  <a:tcPr anchor="ctr"/>
+                </a:tc>
+                <a:tc>
+                  <a:txBody>
+                    <a:bodyPr/>
+                    <a:lstStyle/>
+                    <a:p>
+                      <a:pPr algn="ctr"/>
+                      <a:endParaRPr lang="en-MY" sz="800" dirty="0"/>
+                    </a:p>
+                  </a:txBody>
+                  <a:tcPr anchor="ctr"/>
+                </a:tc>
+                <a:extLst>
+                  <a:ext uri="{0D108BD9-81ED-4DB2-BD59-A6C34878D82A}">
+                    <a16:rowId xmlns:a16="http://schemas.microsoft.com/office/drawing/2014/main" val="1552533077"/>
+                  </a:ext>
+                </a:extLst>
+              </a:tr>
+              <a:tr h="236947">
+                <a:tc>
+                  <a:txBody>
+                    <a:bodyPr/>
+                    <a:lstStyle/>
+                    <a:p>
+                      <a:pPr algn="ctr"/>
+                      <a:r>
+                        <a:rPr lang="en-MY" sz="800" dirty="0">
+                          <a:sym typeface="Wingdings" panose="05000000000000000000" pitchFamily="2" charset="2"/>
+                        </a:rPr>
+                        <a:t>Defending distance </a:t>
+                      </a:r>
+                      <a:r>
+                        <a:rPr lang="en-MY" sz="1100" dirty="0">
+                          <a:sym typeface="Wingdings" panose="05000000000000000000" pitchFamily="2" charset="2"/>
+                        </a:rPr>
+                        <a:t></a:t>
+                      </a:r>
+                      <a:endParaRPr lang="en-MY" sz="800" dirty="0"/>
+                    </a:p>
+                  </a:txBody>
+                  <a:tcPr anchor="ctr">
+                    <a:solidFill>
+                      <a:schemeClr val="accent5">
+                        <a:lumMod val="20000"/>
+                        <a:lumOff val="80000"/>
+                      </a:schemeClr>
+                    </a:solidFill>
+                  </a:tcPr>
+                </a:tc>
+                <a:tc>
+                  <a:txBody>
+                    <a:bodyPr/>
+                    <a:lstStyle/>
+                    <a:p>
+                      <a:pPr algn="ctr"/>
+                      <a:r>
+                        <a:rPr lang="en-MY" sz="800" dirty="0"/>
+                        <a:t>3 feet minimum</a:t>
+                      </a:r>
+                    </a:p>
+                  </a:txBody>
+                  <a:tcPr anchor="ctr"/>
+                </a:tc>
+                <a:tc>
+                  <a:txBody>
+                    <a:bodyPr/>
+                    <a:lstStyle/>
+                    <a:p>
+                      <a:pPr algn="ctr"/>
+                      <a:r>
+                        <a:rPr lang="en-MY" sz="800" dirty="0"/>
+                        <a:t>Less than 3 feet/1meter</a:t>
+                      </a:r>
+                    </a:p>
+                  </a:txBody>
+                  <a:tcPr anchor="ctr"/>
+                </a:tc>
+                <a:tc>
+                  <a:txBody>
+                    <a:bodyPr/>
+                    <a:lstStyle/>
+                    <a:p>
+                      <a:pPr marL="0" marR="0" lvl="0" indent="0" algn="ctr" defTabSz="914400" rtl="0" eaLnBrk="1" fontAlgn="auto" latinLnBrk="0" hangingPunct="1">
+                        <a:lnSpc>
+                          <a:spcPct val="100000"/>
+                        </a:lnSpc>
+                        <a:spcBef>
+                          <a:spcPts val="0"/>
+                        </a:spcBef>
+                        <a:spcAft>
+                          <a:spcPts val="0"/>
+                        </a:spcAft>
+                        <a:buClrTx/>
+                        <a:buSzTx/>
+                        <a:buFontTx/>
+                        <a:buNone/>
+                        <a:tabLst/>
+                        <a:defRPr/>
+                      </a:pPr>
+                      <a:r>
+                        <a:rPr lang="en-MY" sz="800" dirty="0"/>
+                        <a:t>Opponent gets free pass </a:t>
+                      </a:r>
+                    </a:p>
+                  </a:txBody>
+                  <a:tcPr anchor="ctr"/>
+                </a:tc>
+                <a:tc>
+                  <a:txBody>
+                    <a:bodyPr/>
+                    <a:lstStyle/>
+                    <a:p>
+                      <a:pPr algn="ctr"/>
+                      <a:endParaRPr lang="en-MY" sz="800" dirty="0"/>
+                    </a:p>
+                  </a:txBody>
+                  <a:tcPr anchor="ctr"/>
+                </a:tc>
+                <a:extLst>
+                  <a:ext uri="{0D108BD9-81ED-4DB2-BD59-A6C34878D82A}">
+                    <a16:rowId xmlns:a16="http://schemas.microsoft.com/office/drawing/2014/main" val="3755954494"/>
+                  </a:ext>
+                </a:extLst>
+              </a:tr>
+              <a:tr h="372345">
+                <a:tc>
+                  <a:txBody>
+                    <a:bodyPr/>
+                    <a:lstStyle/>
+                    <a:p>
+                      <a:pPr algn="ctr"/>
+                      <a:r>
+                        <a:rPr lang="en-MY" sz="800" dirty="0"/>
+                        <a:t>Playing Area</a:t>
+                      </a:r>
+                    </a:p>
+                  </a:txBody>
+                  <a:tcPr anchor="ctr">
+                    <a:solidFill>
+                      <a:schemeClr val="accent5">
+                        <a:lumMod val="20000"/>
+                        <a:lumOff val="80000"/>
+                      </a:schemeClr>
+                    </a:solidFill>
+                  </a:tcPr>
+                </a:tc>
+                <a:tc>
+                  <a:txBody>
+                    <a:bodyPr/>
+                    <a:lstStyle/>
+                    <a:p>
+                      <a:pPr algn="ctr"/>
+                      <a:r>
+                        <a:rPr lang="en-MY" sz="800" dirty="0"/>
+                        <a:t>In designated playing area according to position</a:t>
+                      </a:r>
+                    </a:p>
+                  </a:txBody>
+                  <a:tcPr anchor="ctr"/>
+                </a:tc>
+                <a:tc>
+                  <a:txBody>
+                    <a:bodyPr/>
+                    <a:lstStyle/>
+                    <a:p>
+                      <a:pPr algn="ctr"/>
+                      <a:r>
+                        <a:rPr lang="en-MY" sz="800" dirty="0"/>
+                        <a:t>Offside and outside court</a:t>
+                      </a:r>
+                    </a:p>
+                  </a:txBody>
+                  <a:tcPr anchor="ctr"/>
+                </a:tc>
+                <a:tc>
+                  <a:txBody>
+                    <a:bodyPr/>
+                    <a:lstStyle/>
+                    <a:p>
+                      <a:pPr algn="ctr"/>
+                      <a:r>
+                        <a:rPr lang="en-MY" sz="800" dirty="0"/>
+                        <a:t>Opponent gets free pass </a:t>
+                      </a:r>
+                    </a:p>
+                  </a:txBody>
+                  <a:tcPr anchor="ctr"/>
+                </a:tc>
+                <a:tc>
+                  <a:txBody>
+                    <a:bodyPr/>
+                    <a:lstStyle/>
+                    <a:p>
+                      <a:pPr algn="ctr"/>
+                      <a:endParaRPr lang="en-MY" sz="800" dirty="0"/>
+                    </a:p>
+                  </a:txBody>
+                  <a:tcPr anchor="ctr"/>
+                </a:tc>
+                <a:extLst>
+                  <a:ext uri="{0D108BD9-81ED-4DB2-BD59-A6C34878D82A}">
+                    <a16:rowId xmlns:a16="http://schemas.microsoft.com/office/drawing/2014/main" val="118141050"/>
+                  </a:ext>
+                </a:extLst>
+              </a:tr>
+              <a:tr h="372345">
+                <a:tc>
+                  <a:txBody>
+                    <a:bodyPr/>
+                    <a:lstStyle/>
+                    <a:p>
+                      <a:pPr algn="ctr"/>
+                      <a:r>
+                        <a:rPr lang="en-MY" sz="800" dirty="0"/>
+                        <a:t>Passing or </a:t>
+                      </a:r>
+                      <a:r>
+                        <a:rPr lang="en-US" sz="800" dirty="0"/>
+                        <a:t>throwing the ball</a:t>
+                      </a:r>
+                      <a:endParaRPr lang="en-MY" sz="800" dirty="0"/>
+                    </a:p>
+                  </a:txBody>
+                  <a:tcPr anchor="ctr">
+                    <a:solidFill>
+                      <a:schemeClr val="accent5">
+                        <a:lumMod val="20000"/>
+                        <a:lumOff val="80000"/>
+                      </a:schemeClr>
+                    </a:solidFill>
+                  </a:tcPr>
+                </a:tc>
+                <a:tc>
+                  <a:txBody>
+                    <a:bodyPr/>
+                    <a:lstStyle/>
+                    <a:p>
+                      <a:pPr algn="ctr"/>
+                      <a:r>
+                        <a:rPr lang="en-MY" sz="800" dirty="0"/>
+                        <a:t>ED to C or  C to AB</a:t>
+                      </a:r>
+                    </a:p>
+                  </a:txBody>
+                  <a:tcPr anchor="ctr"/>
+                </a:tc>
+                <a:tc>
+                  <a:txBody>
+                    <a:bodyPr/>
+                    <a:lstStyle/>
+                    <a:p>
+                      <a:pPr algn="ctr"/>
+                      <a:r>
+                        <a:rPr lang="en-US" sz="800" dirty="0"/>
+                        <a:t>Over a third of the court</a:t>
+                      </a:r>
+                    </a:p>
+                    <a:p>
+                      <a:pPr algn="ctr"/>
+                      <a:r>
+                        <a:rPr lang="en-US" sz="800" dirty="0" err="1"/>
+                        <a:t>Ie</a:t>
+                      </a:r>
+                      <a:r>
+                        <a:rPr lang="en-US" sz="800" dirty="0"/>
+                        <a:t>. ED to AB</a:t>
+                      </a:r>
+                      <a:endParaRPr lang="en-MY" sz="800" dirty="0"/>
+                    </a:p>
+                  </a:txBody>
+                  <a:tcPr anchor="ctr"/>
+                </a:tc>
+                <a:tc>
+                  <a:txBody>
+                    <a:bodyPr/>
+                    <a:lstStyle/>
+                    <a:p>
+                      <a:pPr algn="ctr"/>
+                      <a:r>
+                        <a:rPr lang="en-MY" sz="800" dirty="0"/>
+                        <a:t>Opponent gets free pass </a:t>
+                      </a:r>
+                    </a:p>
+                  </a:txBody>
+                  <a:tcPr anchor="ctr"/>
+                </a:tc>
+                <a:tc>
+                  <a:txBody>
+                    <a:bodyPr/>
+                    <a:lstStyle/>
+                    <a:p>
+                      <a:pPr algn="ctr"/>
+                      <a:endParaRPr lang="en-MY" sz="800" dirty="0"/>
+                    </a:p>
+                  </a:txBody>
+                  <a:tcPr anchor="ctr"/>
+                </a:tc>
+                <a:extLst>
+                  <a:ext uri="{0D108BD9-81ED-4DB2-BD59-A6C34878D82A}">
+                    <a16:rowId xmlns:a16="http://schemas.microsoft.com/office/drawing/2014/main" val="2720586063"/>
+                  </a:ext>
+                </a:extLst>
+              </a:tr>
+              <a:tr h="372345">
+                <a:tc>
+                  <a:txBody>
+                    <a:bodyPr/>
+                    <a:lstStyle/>
+                    <a:p>
+                      <a:pPr algn="ctr"/>
+                      <a:r>
+                        <a:rPr lang="en-MY" sz="800" dirty="0"/>
+                        <a:t>Major Rule</a:t>
+                      </a:r>
+                    </a:p>
+                  </a:txBody>
+                  <a:tcPr anchor="ctr">
+                    <a:solidFill>
+                      <a:schemeClr val="accent5">
+                        <a:lumMod val="20000"/>
+                        <a:lumOff val="80000"/>
+                      </a:schemeClr>
+                    </a:solidFill>
+                  </a:tcPr>
+                </a:tc>
+                <a:tc>
+                  <a:txBody>
+                    <a:bodyPr/>
+                    <a:lstStyle/>
+                    <a:p>
+                      <a:pPr algn="ctr"/>
+                      <a:r>
+                        <a:rPr lang="en-US" sz="800" dirty="0"/>
+                        <a:t>No contact (accidental or deliberate)</a:t>
+                      </a:r>
+                      <a:endParaRPr lang="en-MY" sz="800" dirty="0"/>
+                    </a:p>
+                  </a:txBody>
+                  <a:tcPr anchor="ctr"/>
+                </a:tc>
+                <a:tc>
+                  <a:txBody>
+                    <a:bodyPr/>
+                    <a:lstStyle/>
+                    <a:p>
+                      <a:pPr algn="ctr"/>
+                      <a:r>
+                        <a:rPr lang="en-US" sz="800" dirty="0"/>
+                        <a:t>Obstructing play, or intimidating your opponents</a:t>
+                      </a:r>
+                      <a:endParaRPr lang="en-MY" sz="800" dirty="0"/>
+                    </a:p>
+                  </a:txBody>
+                  <a:tcPr anchor="ctr"/>
+                </a:tc>
+                <a:tc>
+                  <a:txBody>
+                    <a:bodyPr/>
+                    <a:lstStyle/>
+                    <a:p>
+                      <a:pPr algn="ctr"/>
+                      <a:r>
+                        <a:rPr lang="en-MY" sz="800" dirty="0"/>
+                        <a:t>Opponent gets free pass and you can be sent off</a:t>
+                      </a:r>
+                    </a:p>
+                  </a:txBody>
+                  <a:tcPr anchor="ctr"/>
+                </a:tc>
+                <a:tc>
+                  <a:txBody>
+                    <a:bodyPr/>
+                    <a:lstStyle/>
+                    <a:p>
+                      <a:pPr algn="ctr"/>
+                      <a:r>
+                        <a:rPr lang="en-MY" sz="800" dirty="0"/>
+                        <a:t>Opponent gets free throw</a:t>
+                      </a:r>
+                    </a:p>
+                  </a:txBody>
+                  <a:tcPr anchor="ctr"/>
+                </a:tc>
+                <a:extLst>
+                  <a:ext uri="{0D108BD9-81ED-4DB2-BD59-A6C34878D82A}">
+                    <a16:rowId xmlns:a16="http://schemas.microsoft.com/office/drawing/2014/main" val="995014251"/>
+                  </a:ext>
+                </a:extLst>
+              </a:tr>
+            </a:tbl>
+          </a:graphicData>
+        </a:graphic>
+      </p:graphicFrame>
+      <p:sp>
+        <p:nvSpPr>
+          <p:cNvPr id="4" name="Rectangle 3">
+            <a:extLst>
+              <a:ext uri="{FF2B5EF4-FFF2-40B4-BE49-F238E27FC236}">
+                <a16:creationId xmlns:a16="http://schemas.microsoft.com/office/drawing/2014/main" id="{B4B4769B-D070-93F8-8FC7-E6467297B062}"/>
+              </a:ext>
+            </a:extLst>
+          </p:cNvPr>
+          <p:cNvSpPr/>
+          <p:nvPr/>
+        </p:nvSpPr>
+        <p:spPr>
+          <a:xfrm>
+            <a:off x="5621931" y="576844"/>
+            <a:ext cx="3600000" cy="1800000"/>
+          </a:xfrm>
+          <a:prstGeom prst="rect">
+            <a:avLst/>
+          </a:prstGeom>
+        </p:spPr>
+        <p:style>
+          <a:lnRef idx="2">
+            <a:schemeClr val="accent2"/>
+          </a:lnRef>
+          <a:fillRef idx="1">
+            <a:schemeClr val="lt1"/>
+          </a:fillRef>
+          <a:effectRef idx="0">
+            <a:schemeClr val="accent2"/>
+          </a:effectRef>
+          <a:fontRef idx="minor">
+            <a:schemeClr val="dk1"/>
+          </a:fontRef>
+        </p:style>
+        <p:txBody>
+          <a:bodyPr rtlCol="0" anchor="ctr"/>
+          <a:lstStyle/>
+          <a:p>
+            <a:pPr algn="ctr"/>
+            <a:endParaRPr lang="en-MY"/>
+          </a:p>
+        </p:txBody>
+      </p:sp>
+      <p:graphicFrame>
+        <p:nvGraphicFramePr>
+          <p:cNvPr id="5" name="Table 4">
+            <a:extLst>
+              <a:ext uri="{FF2B5EF4-FFF2-40B4-BE49-F238E27FC236}">
+                <a16:creationId xmlns:a16="http://schemas.microsoft.com/office/drawing/2014/main" id="{5EE1B348-70C0-2D6D-032E-00D72347B0AF}"/>
+              </a:ext>
+            </a:extLst>
+          </p:cNvPr>
+          <p:cNvGraphicFramePr>
+            <a:graphicFrameLocks noGrp="1"/>
+          </p:cNvGraphicFramePr>
+          <p:nvPr>
+            <p:extLst>
+              <p:ext uri="{D42A27DB-BD31-4B8C-83A1-F6EECF244321}">
+                <p14:modId xmlns:p14="http://schemas.microsoft.com/office/powerpoint/2010/main" val="1025339520"/>
+              </p:ext>
+            </p:extLst>
+          </p:nvPr>
+        </p:nvGraphicFramePr>
+        <p:xfrm>
+          <a:off x="847489" y="748477"/>
+          <a:ext cx="3964982" cy="899160"/>
+        </p:xfrm>
+        <a:graphic>
+          <a:graphicData uri="http://schemas.openxmlformats.org/drawingml/2006/table">
+            <a:tbl>
+              <a:tblPr firstRow="1" bandRow="1">
+                <a:tableStyleId>{8A107856-5554-42FB-B03E-39F5DBC370BA}</a:tableStyleId>
+              </a:tblPr>
+              <a:tblGrid>
+                <a:gridCol w="566426">
+                  <a:extLst>
+                    <a:ext uri="{9D8B030D-6E8A-4147-A177-3AD203B41FA5}">
+                      <a16:colId xmlns:a16="http://schemas.microsoft.com/office/drawing/2014/main" val="2696430992"/>
+                    </a:ext>
+                  </a:extLst>
+                </a:gridCol>
+                <a:gridCol w="566426">
+                  <a:extLst>
+                    <a:ext uri="{9D8B030D-6E8A-4147-A177-3AD203B41FA5}">
+                      <a16:colId xmlns:a16="http://schemas.microsoft.com/office/drawing/2014/main" val="2010556103"/>
+                    </a:ext>
+                  </a:extLst>
+                </a:gridCol>
+                <a:gridCol w="566426">
+                  <a:extLst>
+                    <a:ext uri="{9D8B030D-6E8A-4147-A177-3AD203B41FA5}">
+                      <a16:colId xmlns:a16="http://schemas.microsoft.com/office/drawing/2014/main" val="317182068"/>
+                    </a:ext>
+                  </a:extLst>
+                </a:gridCol>
+                <a:gridCol w="566426">
+                  <a:extLst>
+                    <a:ext uri="{9D8B030D-6E8A-4147-A177-3AD203B41FA5}">
+                      <a16:colId xmlns:a16="http://schemas.microsoft.com/office/drawing/2014/main" val="1275349335"/>
+                    </a:ext>
+                  </a:extLst>
+                </a:gridCol>
+                <a:gridCol w="566426">
+                  <a:extLst>
+                    <a:ext uri="{9D8B030D-6E8A-4147-A177-3AD203B41FA5}">
+                      <a16:colId xmlns:a16="http://schemas.microsoft.com/office/drawing/2014/main" val="2229636627"/>
+                    </a:ext>
+                  </a:extLst>
+                </a:gridCol>
+                <a:gridCol w="566426">
+                  <a:extLst>
+                    <a:ext uri="{9D8B030D-6E8A-4147-A177-3AD203B41FA5}">
+                      <a16:colId xmlns:a16="http://schemas.microsoft.com/office/drawing/2014/main" val="2502024139"/>
+                    </a:ext>
+                  </a:extLst>
+                </a:gridCol>
+                <a:gridCol w="566426">
+                  <a:extLst>
+                    <a:ext uri="{9D8B030D-6E8A-4147-A177-3AD203B41FA5}">
+                      <a16:colId xmlns:a16="http://schemas.microsoft.com/office/drawing/2014/main" val="257336106"/>
+                    </a:ext>
+                  </a:extLst>
+                </a:gridCol>
+              </a:tblGrid>
+              <a:tr h="264886">
+                <a:tc>
+                  <a:txBody>
+                    <a:bodyPr/>
+                    <a:lstStyle/>
+                    <a:p>
+                      <a:pPr algn="ctr"/>
+                      <a:r>
+                        <a:rPr lang="en-MY" sz="1100" b="1" dirty="0">
+                          <a:latin typeface="Aptos Narrow" panose="020B0004020202020204" pitchFamily="34" charset="0"/>
+                        </a:rPr>
+                        <a:t>1</a:t>
+                      </a:r>
+                      <a:r>
+                        <a:rPr lang="en-MY" sz="1100" b="1" baseline="30000" dirty="0">
+                          <a:latin typeface="Aptos Narrow" panose="020B0004020202020204" pitchFamily="34" charset="0"/>
+                        </a:rPr>
+                        <a:t>st</a:t>
+                      </a:r>
+                      <a:r>
+                        <a:rPr lang="en-MY" sz="1100" b="0" dirty="0">
+                          <a:latin typeface="Aptos Narrow" panose="020B0004020202020204" pitchFamily="34" charset="0"/>
+                        </a:rPr>
+                        <a:t> Quarter</a:t>
+                      </a:r>
+                    </a:p>
+                  </a:txBody>
+                  <a:tcPr marL="45720" marR="45720" anchor="ctr"/>
+                </a:tc>
+                <a:tc>
+                  <a:txBody>
+                    <a:bodyPr/>
+                    <a:lstStyle/>
+                    <a:p>
+                      <a:pPr algn="ctr"/>
+                      <a:r>
+                        <a:rPr lang="en-MY" sz="1100" b="0" dirty="0">
+                          <a:latin typeface="Aptos Narrow" panose="020B0004020202020204" pitchFamily="34" charset="0"/>
+                        </a:rPr>
+                        <a:t>Interval</a:t>
+                      </a:r>
+                    </a:p>
+                  </a:txBody>
+                  <a:tcPr marL="45720" marR="45720" anchor="ctr"/>
+                </a:tc>
+                <a:tc>
+                  <a:txBody>
+                    <a:bodyPr/>
+                    <a:lstStyle/>
+                    <a:p>
+                      <a:pPr algn="ctr"/>
+                      <a:r>
+                        <a:rPr lang="en-MY" sz="1100" b="1" dirty="0">
+                          <a:latin typeface="Aptos Narrow" panose="020B0004020202020204" pitchFamily="34" charset="0"/>
+                        </a:rPr>
+                        <a:t>2</a:t>
+                      </a:r>
+                      <a:r>
+                        <a:rPr lang="en-MY" sz="1100" b="1" baseline="30000" dirty="0">
+                          <a:latin typeface="Aptos Narrow" panose="020B0004020202020204" pitchFamily="34" charset="0"/>
+                        </a:rPr>
+                        <a:t>nd</a:t>
+                      </a:r>
+                      <a:r>
+                        <a:rPr lang="en-MY" sz="1100" b="0" dirty="0">
+                          <a:latin typeface="Aptos Narrow" panose="020B0004020202020204" pitchFamily="34" charset="0"/>
+                        </a:rPr>
+                        <a:t> Quarter</a:t>
+                      </a:r>
+                    </a:p>
+                  </a:txBody>
+                  <a:tcPr marL="45720" marR="45720" anchor="ctr"/>
+                </a:tc>
+                <a:tc>
+                  <a:txBody>
+                    <a:bodyPr/>
+                    <a:lstStyle/>
+                    <a:p>
+                      <a:pPr marL="0" marR="0" lvl="0" indent="0" algn="ctr" defTabSz="914400" rtl="0" eaLnBrk="1" fontAlgn="auto" latinLnBrk="0" hangingPunct="1">
+                        <a:lnSpc>
+                          <a:spcPct val="100000"/>
+                        </a:lnSpc>
+                        <a:spcBef>
+                          <a:spcPts val="0"/>
+                        </a:spcBef>
+                        <a:spcAft>
+                          <a:spcPts val="0"/>
+                        </a:spcAft>
+                        <a:buClrTx/>
+                        <a:buSzTx/>
+                        <a:buFontTx/>
+                        <a:buNone/>
+                        <a:tabLst/>
+                        <a:defRPr/>
+                      </a:pPr>
+                      <a:r>
+                        <a:rPr lang="en-MY" sz="1100" b="0" dirty="0">
+                          <a:latin typeface="Aptos Narrow" panose="020B0004020202020204" pitchFamily="34" charset="0"/>
+                        </a:rPr>
+                        <a:t>Interval</a:t>
+                      </a:r>
+                    </a:p>
+                  </a:txBody>
+                  <a:tcPr marL="45720" marR="45720" anchor="ctr"/>
+                </a:tc>
+                <a:tc>
+                  <a:txBody>
+                    <a:bodyPr/>
+                    <a:lstStyle/>
+                    <a:p>
+                      <a:pPr algn="ctr"/>
+                      <a:r>
+                        <a:rPr lang="en-MY" sz="1100" b="1" dirty="0">
+                          <a:latin typeface="Aptos Narrow" panose="020B0004020202020204" pitchFamily="34" charset="0"/>
+                        </a:rPr>
+                        <a:t>3</a:t>
+                      </a:r>
+                      <a:r>
+                        <a:rPr lang="en-MY" sz="1100" b="1" baseline="30000" dirty="0">
+                          <a:latin typeface="Aptos Narrow" panose="020B0004020202020204" pitchFamily="34" charset="0"/>
+                        </a:rPr>
+                        <a:t>rd</a:t>
+                      </a:r>
+                      <a:r>
+                        <a:rPr lang="en-MY" sz="1100" b="0" dirty="0">
+                          <a:latin typeface="Aptos Narrow" panose="020B0004020202020204" pitchFamily="34" charset="0"/>
+                        </a:rPr>
+                        <a:t> Quarter</a:t>
+                      </a:r>
+                    </a:p>
+                  </a:txBody>
+                  <a:tcPr marL="45720" marR="45720" anchor="ctr"/>
+                </a:tc>
+                <a:tc>
+                  <a:txBody>
+                    <a:bodyPr/>
+                    <a:lstStyle/>
+                    <a:p>
+                      <a:pPr marL="0" marR="0" lvl="0" indent="0" algn="ctr" defTabSz="914400" rtl="0" eaLnBrk="1" fontAlgn="auto" latinLnBrk="0" hangingPunct="1">
+                        <a:lnSpc>
+                          <a:spcPct val="100000"/>
+                        </a:lnSpc>
+                        <a:spcBef>
+                          <a:spcPts val="0"/>
+                        </a:spcBef>
+                        <a:spcAft>
+                          <a:spcPts val="0"/>
+                        </a:spcAft>
+                        <a:buClrTx/>
+                        <a:buSzTx/>
+                        <a:buFontTx/>
+                        <a:buNone/>
+                        <a:tabLst/>
+                        <a:defRPr/>
+                      </a:pPr>
+                      <a:r>
+                        <a:rPr lang="en-MY" sz="1100" b="0" dirty="0">
+                          <a:latin typeface="Aptos Narrow" panose="020B0004020202020204" pitchFamily="34" charset="0"/>
+                        </a:rPr>
+                        <a:t>Interval</a:t>
+                      </a:r>
+                    </a:p>
+                  </a:txBody>
+                  <a:tcPr marL="45720" marR="45720" anchor="ctr"/>
+                </a:tc>
+                <a:tc>
+                  <a:txBody>
+                    <a:bodyPr/>
+                    <a:lstStyle/>
+                    <a:p>
+                      <a:pPr algn="ctr"/>
+                      <a:r>
+                        <a:rPr lang="en-MY" sz="1100" b="1" dirty="0">
+                          <a:latin typeface="Aptos Narrow" panose="020B0004020202020204" pitchFamily="34" charset="0"/>
+                        </a:rPr>
+                        <a:t>4</a:t>
+                      </a:r>
+                      <a:r>
+                        <a:rPr lang="en-MY" sz="1100" b="1" baseline="30000" dirty="0">
+                          <a:latin typeface="Aptos Narrow" panose="020B0004020202020204" pitchFamily="34" charset="0"/>
+                        </a:rPr>
+                        <a:t>th</a:t>
+                      </a:r>
+                      <a:r>
+                        <a:rPr lang="en-MY" sz="1100" b="0" dirty="0">
+                          <a:latin typeface="Aptos Narrow" panose="020B0004020202020204" pitchFamily="34" charset="0"/>
+                        </a:rPr>
+                        <a:t> Quarter</a:t>
+                      </a:r>
+                    </a:p>
+                  </a:txBody>
+                  <a:tcPr marL="45720" marR="45720" anchor="ctr"/>
+                </a:tc>
+                <a:extLst>
+                  <a:ext uri="{0D108BD9-81ED-4DB2-BD59-A6C34878D82A}">
+                    <a16:rowId xmlns:a16="http://schemas.microsoft.com/office/drawing/2014/main" val="575923786"/>
+                  </a:ext>
+                </a:extLst>
+              </a:tr>
+              <a:tr h="132443">
+                <a:tc>
+                  <a:txBody>
+                    <a:bodyPr/>
+                    <a:lstStyle/>
+                    <a:p>
+                      <a:pPr algn="ctr"/>
+                      <a:r>
+                        <a:rPr lang="en-MY" sz="800" b="0" dirty="0">
+                          <a:latin typeface="Aptos Narrow" panose="020B0004020202020204" pitchFamily="34" charset="0"/>
+                        </a:rPr>
+                        <a:t>15min</a:t>
+                      </a:r>
+                    </a:p>
+                  </a:txBody>
+                  <a:tcPr marL="45720" marR="45720" anchor="ctr"/>
+                </a:tc>
+                <a:tc>
+                  <a:txBody>
+                    <a:bodyPr/>
+                    <a:lstStyle/>
+                    <a:p>
+                      <a:pPr algn="ctr"/>
+                      <a:r>
+                        <a:rPr lang="en-MY" sz="800" b="0" dirty="0">
+                          <a:latin typeface="Aptos Narrow" panose="020B0004020202020204" pitchFamily="34" charset="0"/>
+                        </a:rPr>
+                        <a:t>4min</a:t>
+                      </a:r>
+                    </a:p>
+                  </a:txBody>
+                  <a:tcPr marL="45720" marR="45720" anchor="ctr"/>
+                </a:tc>
+                <a:tc>
+                  <a:txBody>
+                    <a:bodyPr/>
+                    <a:lstStyle/>
+                    <a:p>
+                      <a:pPr algn="ctr"/>
+                      <a:r>
+                        <a:rPr lang="en-MY" sz="800" b="0" dirty="0">
+                          <a:latin typeface="Aptos Narrow" panose="020B0004020202020204" pitchFamily="34" charset="0"/>
+                        </a:rPr>
+                        <a:t>15min</a:t>
+                      </a:r>
+                    </a:p>
+                  </a:txBody>
+                  <a:tcPr marL="45720" marR="45720" anchor="ctr"/>
+                </a:tc>
+                <a:tc>
+                  <a:txBody>
+                    <a:bodyPr/>
+                    <a:lstStyle/>
+                    <a:p>
+                      <a:pPr algn="ctr"/>
+                      <a:r>
+                        <a:rPr lang="en-MY" sz="800" b="0" dirty="0">
+                          <a:latin typeface="Aptos Narrow" panose="020B0004020202020204" pitchFamily="34" charset="0"/>
+                        </a:rPr>
+                        <a:t>12 / 8 min</a:t>
+                      </a:r>
+                    </a:p>
+                  </a:txBody>
+                  <a:tcPr marL="45720" marR="45720" anchor="ctr"/>
+                </a:tc>
+                <a:tc>
+                  <a:txBody>
+                    <a:bodyPr/>
+                    <a:lstStyle/>
+                    <a:p>
+                      <a:pPr algn="ctr"/>
+                      <a:r>
+                        <a:rPr lang="en-MY" sz="800" b="0" dirty="0">
+                          <a:latin typeface="Aptos Narrow" panose="020B0004020202020204" pitchFamily="34" charset="0"/>
+                        </a:rPr>
+                        <a:t>15min</a:t>
+                      </a:r>
+                    </a:p>
+                  </a:txBody>
+                  <a:tcPr marL="45720" marR="45720" anchor="ctr"/>
+                </a:tc>
+                <a:tc>
+                  <a:txBody>
+                    <a:bodyPr/>
+                    <a:lstStyle/>
+                    <a:p>
+                      <a:pPr algn="ctr"/>
+                      <a:r>
+                        <a:rPr lang="en-MY" sz="800" b="0" dirty="0">
+                          <a:latin typeface="Aptos Narrow" panose="020B0004020202020204" pitchFamily="34" charset="0"/>
+                        </a:rPr>
+                        <a:t>4min</a:t>
+                      </a:r>
+                    </a:p>
+                  </a:txBody>
+                  <a:tcPr marL="45720" marR="45720" anchor="ctr"/>
+                </a:tc>
+                <a:tc>
+                  <a:txBody>
+                    <a:bodyPr/>
+                    <a:lstStyle/>
+                    <a:p>
+                      <a:pPr algn="ctr"/>
+                      <a:r>
+                        <a:rPr lang="en-MY" sz="800" b="0" dirty="0">
+                          <a:latin typeface="Aptos Narrow" panose="020B0004020202020204" pitchFamily="34" charset="0"/>
+                        </a:rPr>
+                        <a:t>15min</a:t>
+                      </a:r>
+                    </a:p>
+                  </a:txBody>
+                  <a:tcPr marL="45720" marR="45720" anchor="ctr"/>
+                </a:tc>
+                <a:extLst>
+                  <a:ext uri="{0D108BD9-81ED-4DB2-BD59-A6C34878D82A}">
+                    <a16:rowId xmlns:a16="http://schemas.microsoft.com/office/drawing/2014/main" val="2314297241"/>
+                  </a:ext>
+                </a:extLst>
+              </a:tr>
+              <a:tr h="158931">
+                <a:tc gridSpan="7">
+                  <a:txBody>
+                    <a:bodyPr/>
+                    <a:lstStyle/>
+                    <a:p>
+                      <a:pPr algn="ctr"/>
+                      <a:r>
+                        <a:rPr lang="en-MY" sz="1100" b="0" i="1" dirty="0">
+                          <a:latin typeface="Aptos Narrow" panose="020B0004020202020204" pitchFamily="34" charset="0"/>
+                        </a:rPr>
+                        <a:t>Tournament rules may change standard timings</a:t>
+                      </a:r>
+                    </a:p>
+                  </a:txBody>
+                  <a:tcPr marL="45720" marR="45720" anchor="ctr"/>
+                </a:tc>
+                <a:tc hMerge="1">
+                  <a:txBody>
+                    <a:bodyPr/>
+                    <a:lstStyle/>
+                    <a:p>
+                      <a:pPr algn="ctr"/>
+                      <a:endParaRPr lang="en-MY" sz="1200" b="0" dirty="0">
+                        <a:latin typeface="Aptos Narrow" panose="020B0004020202020204" pitchFamily="34" charset="0"/>
+                      </a:endParaRPr>
+                    </a:p>
+                  </a:txBody>
+                  <a:tcPr marL="45720" marR="45720" anchor="ctr"/>
+                </a:tc>
+                <a:tc hMerge="1">
+                  <a:txBody>
+                    <a:bodyPr/>
+                    <a:lstStyle/>
+                    <a:p>
+                      <a:pPr algn="ctr"/>
+                      <a:endParaRPr lang="en-MY" sz="1200" b="0" dirty="0">
+                        <a:latin typeface="Aptos Narrow" panose="020B0004020202020204" pitchFamily="34" charset="0"/>
+                      </a:endParaRPr>
+                    </a:p>
+                  </a:txBody>
+                  <a:tcPr marL="45720" marR="45720" anchor="ctr"/>
+                </a:tc>
+                <a:tc hMerge="1">
+                  <a:txBody>
+                    <a:bodyPr/>
+                    <a:lstStyle/>
+                    <a:p>
+                      <a:pPr algn="ctr"/>
+                      <a:endParaRPr lang="en-MY" sz="1200" b="0" dirty="0">
+                        <a:latin typeface="Aptos Narrow" panose="020B0004020202020204" pitchFamily="34" charset="0"/>
+                      </a:endParaRPr>
+                    </a:p>
+                  </a:txBody>
+                  <a:tcPr marL="45720" marR="45720" anchor="ctr"/>
+                </a:tc>
+                <a:tc hMerge="1">
+                  <a:txBody>
+                    <a:bodyPr/>
+                    <a:lstStyle/>
+                    <a:p>
+                      <a:pPr algn="ctr"/>
+                      <a:endParaRPr lang="en-MY" sz="1200" b="0" dirty="0">
+                        <a:latin typeface="Aptos Narrow" panose="020B0004020202020204" pitchFamily="34" charset="0"/>
+                      </a:endParaRPr>
+                    </a:p>
+                  </a:txBody>
+                  <a:tcPr marL="45720" marR="45720" anchor="ctr"/>
+                </a:tc>
+                <a:tc hMerge="1">
+                  <a:txBody>
+                    <a:bodyPr/>
+                    <a:lstStyle/>
+                    <a:p>
+                      <a:pPr algn="ctr"/>
+                      <a:endParaRPr lang="en-MY" sz="1200" b="0" dirty="0">
+                        <a:latin typeface="Aptos Narrow" panose="020B0004020202020204" pitchFamily="34" charset="0"/>
+                      </a:endParaRPr>
+                    </a:p>
+                  </a:txBody>
+                  <a:tcPr marL="45720" marR="45720" anchor="ctr"/>
+                </a:tc>
+                <a:tc hMerge="1">
+                  <a:txBody>
+                    <a:bodyPr/>
+                    <a:lstStyle/>
+                    <a:p>
+                      <a:pPr algn="ctr"/>
+                      <a:endParaRPr lang="en-MY" sz="1200" b="0" dirty="0">
+                        <a:latin typeface="Aptos Narrow" panose="020B0004020202020204" pitchFamily="34" charset="0"/>
+                      </a:endParaRPr>
+                    </a:p>
+                  </a:txBody>
+                  <a:tcPr marL="45720" marR="45720" anchor="ctr"/>
+                </a:tc>
+                <a:extLst>
+                  <a:ext uri="{0D108BD9-81ED-4DB2-BD59-A6C34878D82A}">
+                    <a16:rowId xmlns:a16="http://schemas.microsoft.com/office/drawing/2014/main" val="1383746894"/>
+                  </a:ext>
+                </a:extLst>
+              </a:tr>
+            </a:tbl>
+          </a:graphicData>
+        </a:graphic>
+      </p:graphicFrame>
+      <p:sp>
+        <p:nvSpPr>
+          <p:cNvPr id="6" name="Rectangle 5">
+            <a:extLst>
+              <a:ext uri="{FF2B5EF4-FFF2-40B4-BE49-F238E27FC236}">
+                <a16:creationId xmlns:a16="http://schemas.microsoft.com/office/drawing/2014/main" id="{E46CDAC3-4B24-9459-570B-34985511DA74}"/>
+              </a:ext>
+            </a:extLst>
+          </p:cNvPr>
+          <p:cNvSpPr/>
+          <p:nvPr/>
+        </p:nvSpPr>
+        <p:spPr>
+          <a:xfrm>
+            <a:off x="6827931" y="576844"/>
+            <a:ext cx="1188000" cy="1800000"/>
+          </a:xfrm>
+          <a:prstGeom prst="rect">
+            <a:avLst/>
+          </a:prstGeom>
+        </p:spPr>
+        <p:style>
+          <a:lnRef idx="2">
+            <a:schemeClr val="accent2"/>
+          </a:lnRef>
+          <a:fillRef idx="1">
+            <a:schemeClr val="lt1"/>
+          </a:fillRef>
+          <a:effectRef idx="0">
+            <a:schemeClr val="accent2"/>
+          </a:effectRef>
+          <a:fontRef idx="minor">
+            <a:schemeClr val="dk1"/>
+          </a:fontRef>
+        </p:style>
+        <p:txBody>
+          <a:bodyPr rtlCol="0" anchor="ctr"/>
+          <a:lstStyle/>
+          <a:p>
+            <a:pPr algn="ctr"/>
+            <a:endParaRPr lang="en-MY"/>
+          </a:p>
+        </p:txBody>
+      </p:sp>
+      <p:sp>
+        <p:nvSpPr>
+          <p:cNvPr id="8" name="Partial Circle 7">
+            <a:extLst>
+              <a:ext uri="{FF2B5EF4-FFF2-40B4-BE49-F238E27FC236}">
+                <a16:creationId xmlns:a16="http://schemas.microsoft.com/office/drawing/2014/main" id="{9C9DD63C-8D61-C9C1-B4EE-56C6D650F06F}"/>
+              </a:ext>
+            </a:extLst>
+          </p:cNvPr>
+          <p:cNvSpPr/>
+          <p:nvPr/>
+        </p:nvSpPr>
+        <p:spPr>
+          <a:xfrm>
+            <a:off x="8645931" y="900844"/>
+            <a:ext cx="1152000" cy="1152000"/>
+          </a:xfrm>
+          <a:prstGeom prst="pie">
+            <a:avLst>
+              <a:gd name="adj1" fmla="val 5438195"/>
+              <a:gd name="adj2" fmla="val 16200000"/>
+            </a:avLst>
+          </a:prstGeom>
+          <a:noFill/>
+          <a:ln>
+            <a:solidFill>
+              <a:schemeClr val="accent2"/>
+            </a:solidFill>
+          </a:ln>
+        </p:spPr>
+        <p:style>
+          <a:lnRef idx="2">
+            <a:schemeClr val="accent1">
+              <a:shade val="15000"/>
+            </a:schemeClr>
+          </a:lnRef>
+          <a:fillRef idx="1">
+            <a:schemeClr val="accent1"/>
+          </a:fillRef>
+          <a:effectRef idx="0">
+            <a:schemeClr val="accent1"/>
+          </a:effectRef>
+          <a:fontRef idx="minor">
+            <a:schemeClr val="lt1"/>
+          </a:fontRef>
+        </p:style>
+        <p:txBody>
+          <a:bodyPr rtlCol="0" anchor="ctr"/>
+          <a:lstStyle/>
+          <a:p>
+            <a:pPr algn="ctr"/>
+            <a:endParaRPr lang="en-MY"/>
+          </a:p>
+        </p:txBody>
+      </p:sp>
+      <p:sp>
+        <p:nvSpPr>
+          <p:cNvPr id="9" name="Partial Circle 8">
+            <a:extLst>
+              <a:ext uri="{FF2B5EF4-FFF2-40B4-BE49-F238E27FC236}">
+                <a16:creationId xmlns:a16="http://schemas.microsoft.com/office/drawing/2014/main" id="{2467C094-4064-3277-E143-695EFA13E54B}"/>
+              </a:ext>
+            </a:extLst>
+          </p:cNvPr>
+          <p:cNvSpPr/>
+          <p:nvPr/>
+        </p:nvSpPr>
+        <p:spPr>
+          <a:xfrm flipH="1">
+            <a:off x="5045931" y="900844"/>
+            <a:ext cx="1152000" cy="1152000"/>
+          </a:xfrm>
+          <a:prstGeom prst="pie">
+            <a:avLst>
+              <a:gd name="adj1" fmla="val 5438195"/>
+              <a:gd name="adj2" fmla="val 16200000"/>
+            </a:avLst>
+          </a:prstGeom>
+          <a:noFill/>
+          <a:ln>
+            <a:solidFill>
+              <a:schemeClr val="accent2"/>
+            </a:solidFill>
+          </a:ln>
+        </p:spPr>
+        <p:style>
+          <a:lnRef idx="2">
+            <a:schemeClr val="accent1">
+              <a:shade val="15000"/>
+            </a:schemeClr>
+          </a:lnRef>
+          <a:fillRef idx="1">
+            <a:schemeClr val="accent1"/>
+          </a:fillRef>
+          <a:effectRef idx="0">
+            <a:schemeClr val="accent1"/>
+          </a:effectRef>
+          <a:fontRef idx="minor">
+            <a:schemeClr val="lt1"/>
+          </a:fontRef>
+        </p:style>
+        <p:txBody>
+          <a:bodyPr rtlCol="0" anchor="ctr"/>
+          <a:lstStyle/>
+          <a:p>
+            <a:pPr algn="ctr"/>
+            <a:endParaRPr lang="en-MY"/>
+          </a:p>
+        </p:txBody>
+      </p:sp>
+      <p:sp>
+        <p:nvSpPr>
+          <p:cNvPr id="10" name="Oval 9">
+            <a:extLst>
+              <a:ext uri="{FF2B5EF4-FFF2-40B4-BE49-F238E27FC236}">
+                <a16:creationId xmlns:a16="http://schemas.microsoft.com/office/drawing/2014/main" id="{634E9147-1604-178B-626E-E862E0BA1E27}"/>
+              </a:ext>
+            </a:extLst>
+          </p:cNvPr>
+          <p:cNvSpPr/>
+          <p:nvPr/>
+        </p:nvSpPr>
+        <p:spPr>
+          <a:xfrm>
+            <a:off x="9082156" y="1416429"/>
+            <a:ext cx="108000" cy="108000"/>
+          </a:xfrm>
+          <a:prstGeom prst="ellipse">
+            <a:avLst/>
+          </a:prstGeom>
+          <a:pattFill prst="openDmnd">
+            <a:fgClr>
+              <a:srgbClr val="EC7C30"/>
+            </a:fgClr>
+            <a:bgClr>
+              <a:schemeClr val="accent2">
+                <a:lumMod val="20000"/>
+                <a:lumOff val="80000"/>
+              </a:schemeClr>
+            </a:bgClr>
+          </a:pattFill>
+          <a:ln w="12700">
+            <a:solidFill>
+              <a:srgbClr val="EC7C30"/>
+            </a:solidFill>
+          </a:ln>
+        </p:spPr>
+        <p:style>
+          <a:lnRef idx="0">
+            <a:schemeClr val="accent2"/>
+          </a:lnRef>
+          <a:fillRef idx="3">
+            <a:schemeClr val="accent2"/>
+          </a:fillRef>
+          <a:effectRef idx="3">
+            <a:schemeClr val="accent2"/>
+          </a:effectRef>
+          <a:fontRef idx="minor">
+            <a:schemeClr val="lt1"/>
+          </a:fontRef>
+        </p:style>
+        <p:txBody>
+          <a:bodyPr rtlCol="0" anchor="ctr"/>
+          <a:lstStyle/>
+          <a:p>
+            <a:pPr algn="ctr"/>
+            <a:endParaRPr lang="en-MY"/>
+          </a:p>
+        </p:txBody>
+      </p:sp>
+      <p:sp>
+        <p:nvSpPr>
+          <p:cNvPr id="11" name="Oval 10">
+            <a:extLst>
+              <a:ext uri="{FF2B5EF4-FFF2-40B4-BE49-F238E27FC236}">
+                <a16:creationId xmlns:a16="http://schemas.microsoft.com/office/drawing/2014/main" id="{8888F674-7B79-A03B-98E7-AAF5E6C51C9F}"/>
+              </a:ext>
+            </a:extLst>
+          </p:cNvPr>
+          <p:cNvSpPr/>
+          <p:nvPr/>
+        </p:nvSpPr>
+        <p:spPr>
+          <a:xfrm>
+            <a:off x="5663640" y="1422844"/>
+            <a:ext cx="108000" cy="108000"/>
+          </a:xfrm>
+          <a:prstGeom prst="ellipse">
+            <a:avLst/>
+          </a:prstGeom>
+          <a:pattFill prst="openDmnd">
+            <a:fgClr>
+              <a:srgbClr val="EC7C30"/>
+            </a:fgClr>
+            <a:bgClr>
+              <a:schemeClr val="accent2">
+                <a:lumMod val="20000"/>
+                <a:lumOff val="80000"/>
+              </a:schemeClr>
+            </a:bgClr>
+          </a:pattFill>
+          <a:ln w="12700">
+            <a:solidFill>
+              <a:srgbClr val="EC7C30"/>
+            </a:solidFill>
+          </a:ln>
+        </p:spPr>
+        <p:style>
+          <a:lnRef idx="0">
+            <a:schemeClr val="accent2"/>
+          </a:lnRef>
+          <a:fillRef idx="3">
+            <a:schemeClr val="accent2"/>
+          </a:fillRef>
+          <a:effectRef idx="3">
+            <a:schemeClr val="accent2"/>
+          </a:effectRef>
+          <a:fontRef idx="minor">
+            <a:schemeClr val="lt1"/>
+          </a:fontRef>
+        </p:style>
+        <p:txBody>
+          <a:bodyPr rtlCol="0" anchor="ctr"/>
+          <a:lstStyle/>
+          <a:p>
+            <a:pPr algn="ctr"/>
+            <a:endParaRPr lang="en-MY"/>
+          </a:p>
+        </p:txBody>
+      </p:sp>
+      <p:graphicFrame>
+        <p:nvGraphicFramePr>
+          <p:cNvPr id="13" name="Table 12">
+            <a:extLst>
+              <a:ext uri="{FF2B5EF4-FFF2-40B4-BE49-F238E27FC236}">
+                <a16:creationId xmlns:a16="http://schemas.microsoft.com/office/drawing/2014/main" id="{9934C093-96BC-0DA6-6AB8-D0F105C600FC}"/>
+              </a:ext>
+            </a:extLst>
+          </p:cNvPr>
+          <p:cNvGraphicFramePr>
+            <a:graphicFrameLocks noGrp="1"/>
+          </p:cNvGraphicFramePr>
+          <p:nvPr>
+            <p:extLst>
+              <p:ext uri="{D42A27DB-BD31-4B8C-83A1-F6EECF244321}">
+                <p14:modId xmlns:p14="http://schemas.microsoft.com/office/powerpoint/2010/main" val="535635150"/>
+              </p:ext>
+            </p:extLst>
+          </p:nvPr>
+        </p:nvGraphicFramePr>
+        <p:xfrm>
+          <a:off x="5621931" y="576844"/>
+          <a:ext cx="3600000" cy="1800000"/>
+        </p:xfrm>
+        <a:graphic>
+          <a:graphicData uri="http://schemas.openxmlformats.org/drawingml/2006/table">
+            <a:tbl>
+              <a:tblPr firstRow="1" bandRow="1">
+                <a:tableStyleId>{5C22544A-7EE6-4342-B048-85BDC9FD1C3A}</a:tableStyleId>
+              </a:tblPr>
+              <a:tblGrid>
+                <a:gridCol w="720000">
+                  <a:extLst>
+                    <a:ext uri="{9D8B030D-6E8A-4147-A177-3AD203B41FA5}">
+                      <a16:colId xmlns:a16="http://schemas.microsoft.com/office/drawing/2014/main" val="514405504"/>
+                    </a:ext>
+                  </a:extLst>
+                </a:gridCol>
+                <a:gridCol w="720000">
+                  <a:extLst>
+                    <a:ext uri="{9D8B030D-6E8A-4147-A177-3AD203B41FA5}">
+                      <a16:colId xmlns:a16="http://schemas.microsoft.com/office/drawing/2014/main" val="1700940613"/>
+                    </a:ext>
+                  </a:extLst>
+                </a:gridCol>
+                <a:gridCol w="720000">
+                  <a:extLst>
+                    <a:ext uri="{9D8B030D-6E8A-4147-A177-3AD203B41FA5}">
+                      <a16:colId xmlns:a16="http://schemas.microsoft.com/office/drawing/2014/main" val="4122286782"/>
+                    </a:ext>
+                  </a:extLst>
+                </a:gridCol>
+                <a:gridCol w="720000">
+                  <a:extLst>
+                    <a:ext uri="{9D8B030D-6E8A-4147-A177-3AD203B41FA5}">
+                      <a16:colId xmlns:a16="http://schemas.microsoft.com/office/drawing/2014/main" val="2100301301"/>
+                    </a:ext>
+                  </a:extLst>
+                </a:gridCol>
+                <a:gridCol w="720000">
+                  <a:extLst>
+                    <a:ext uri="{9D8B030D-6E8A-4147-A177-3AD203B41FA5}">
+                      <a16:colId xmlns:a16="http://schemas.microsoft.com/office/drawing/2014/main" val="3774281071"/>
+                    </a:ext>
+                  </a:extLst>
+                </a:gridCol>
+              </a:tblGrid>
+              <a:tr h="360000">
+                <a:tc>
+                  <a:txBody>
+                    <a:bodyPr/>
+                    <a:lstStyle/>
+                    <a:p>
+                      <a:pPr algn="ctr"/>
+                      <a:endParaRPr lang="en-MY" sz="1600" b="1">
+                        <a:solidFill>
+                          <a:schemeClr val="tx1"/>
+                        </a:solidFill>
+                      </a:endParaRPr>
+                    </a:p>
+                  </a:txBody>
+                  <a:tcPr>
+                    <a:lnL w="12700" cap="flat" cmpd="sng" algn="ctr">
+                      <a:noFill/>
+                      <a:prstDash val="solid"/>
+                      <a:round/>
+                      <a:headEnd type="none" w="med" len="med"/>
+                      <a:tailEnd type="none" w="med" len="med"/>
+                    </a:lnL>
+                    <a:lnR w="12700" cap="flat" cmpd="sng" algn="ctr">
+                      <a:noFill/>
+                      <a:prstDash val="solid"/>
+                      <a:round/>
+                      <a:headEnd type="none" w="med" len="med"/>
+                      <a:tailEnd type="none" w="med" len="med"/>
+                    </a:lnR>
+                    <a:lnT w="12700" cap="flat" cmpd="sng" algn="ctr">
+                      <a:noFill/>
+                      <a:prstDash val="solid"/>
+                      <a:round/>
+                      <a:headEnd type="none" w="med" len="med"/>
+                      <a:tailEnd type="none" w="med" len="med"/>
+                    </a:lnT>
+                    <a:lnB w="12700" cap="flat" cmpd="sng" algn="ctr">
+                      <a:noFill/>
+                      <a:prstDash val="solid"/>
+                      <a:round/>
+                      <a:headEnd type="none" w="med" len="med"/>
+                      <a:tailEnd type="none" w="med" len="med"/>
+                    </a:lnB>
+                    <a:lnTlToBr w="12700" cmpd="sng">
+                      <a:noFill/>
+                      <a:prstDash val="solid"/>
+                    </a:lnTlToBr>
+                    <a:lnBlToTr w="12700" cmpd="sng">
+                      <a:noFill/>
+                      <a:prstDash val="solid"/>
+                    </a:lnBlToTr>
+                    <a:noFill/>
+                  </a:tcPr>
+                </a:tc>
+                <a:tc>
+                  <a:txBody>
+                    <a:bodyPr/>
+                    <a:lstStyle/>
+                    <a:p>
+                      <a:pPr algn="ctr"/>
+                      <a:endParaRPr lang="en-MY" sz="1600" b="1">
+                        <a:solidFill>
+                          <a:schemeClr val="tx1"/>
+                        </a:solidFill>
+                      </a:endParaRPr>
+                    </a:p>
+                  </a:txBody>
+                  <a:tcPr>
+                    <a:lnL w="12700" cap="flat" cmpd="sng" algn="ctr">
+                      <a:noFill/>
+                      <a:prstDash val="solid"/>
+                      <a:round/>
+                      <a:headEnd type="none" w="med" len="med"/>
+                      <a:tailEnd type="none" w="med" len="med"/>
+                    </a:lnL>
+                    <a:lnR w="12700" cap="flat" cmpd="sng" algn="ctr">
+                      <a:noFill/>
+                      <a:prstDash val="solid"/>
+                      <a:round/>
+                      <a:headEnd type="none" w="med" len="med"/>
+                      <a:tailEnd type="none" w="med" len="med"/>
+                    </a:lnR>
+                    <a:lnT w="12700" cap="flat" cmpd="sng" algn="ctr">
+                      <a:noFill/>
+                      <a:prstDash val="solid"/>
+                      <a:round/>
+                      <a:headEnd type="none" w="med" len="med"/>
+                      <a:tailEnd type="none" w="med" len="med"/>
+                    </a:lnT>
+                    <a:lnB w="12700" cap="flat" cmpd="sng" algn="ctr">
+                      <a:noFill/>
+                      <a:prstDash val="solid"/>
+                      <a:round/>
+                      <a:headEnd type="none" w="med" len="med"/>
+                      <a:tailEnd type="none" w="med" len="med"/>
+                    </a:lnB>
+                    <a:lnTlToBr w="12700" cmpd="sng">
+                      <a:noFill/>
+                      <a:prstDash val="solid"/>
+                    </a:lnTlToBr>
+                    <a:lnBlToTr w="12700" cmpd="sng">
+                      <a:noFill/>
+                      <a:prstDash val="solid"/>
+                    </a:lnBlToTr>
+                    <a:noFill/>
+                  </a:tcPr>
+                </a:tc>
+                <a:tc>
+                  <a:txBody>
+                    <a:bodyPr/>
+                    <a:lstStyle/>
+                    <a:p>
+                      <a:pPr algn="ctr"/>
+                      <a:endParaRPr lang="en-MY" sz="1600" b="1">
+                        <a:solidFill>
+                          <a:schemeClr val="tx1"/>
+                        </a:solidFill>
+                      </a:endParaRPr>
+                    </a:p>
+                  </a:txBody>
+                  <a:tcPr>
+                    <a:lnL w="12700" cap="flat" cmpd="sng" algn="ctr">
+                      <a:noFill/>
+                      <a:prstDash val="solid"/>
+                      <a:round/>
+                      <a:headEnd type="none" w="med" len="med"/>
+                      <a:tailEnd type="none" w="med" len="med"/>
+                    </a:lnL>
+                    <a:lnR w="12700" cap="flat" cmpd="sng" algn="ctr">
+                      <a:noFill/>
+                      <a:prstDash val="solid"/>
+                      <a:round/>
+                      <a:headEnd type="none" w="med" len="med"/>
+                      <a:tailEnd type="none" w="med" len="med"/>
+                    </a:lnR>
+                    <a:lnT w="12700" cap="flat" cmpd="sng" algn="ctr">
+                      <a:noFill/>
+                      <a:prstDash val="solid"/>
+                      <a:round/>
+                      <a:headEnd type="none" w="med" len="med"/>
+                      <a:tailEnd type="none" w="med" len="med"/>
+                    </a:lnT>
+                    <a:lnB w="12700" cap="flat" cmpd="sng" algn="ctr">
+                      <a:noFill/>
+                      <a:prstDash val="solid"/>
+                      <a:round/>
+                      <a:headEnd type="none" w="med" len="med"/>
+                      <a:tailEnd type="none" w="med" len="med"/>
+                    </a:lnB>
+                    <a:lnTlToBr w="12700" cmpd="sng">
+                      <a:noFill/>
+                      <a:prstDash val="solid"/>
+                    </a:lnTlToBr>
+                    <a:lnBlToTr w="12700" cmpd="sng">
+                      <a:noFill/>
+                      <a:prstDash val="solid"/>
+                    </a:lnBlToTr>
+                    <a:noFill/>
+                  </a:tcPr>
+                </a:tc>
+                <a:tc>
+                  <a:txBody>
+                    <a:bodyPr/>
+                    <a:lstStyle/>
+                    <a:p>
+                      <a:pPr algn="ctr"/>
+                      <a:endParaRPr lang="en-MY" sz="1600" b="1">
+                        <a:solidFill>
+                          <a:schemeClr val="tx1"/>
+                        </a:solidFill>
+                      </a:endParaRPr>
+                    </a:p>
+                  </a:txBody>
+                  <a:tcPr>
+                    <a:lnL w="12700" cap="flat" cmpd="sng" algn="ctr">
+                      <a:noFill/>
+                      <a:prstDash val="solid"/>
+                      <a:round/>
+                      <a:headEnd type="none" w="med" len="med"/>
+                      <a:tailEnd type="none" w="med" len="med"/>
+                    </a:lnL>
+                    <a:lnR w="12700" cap="flat" cmpd="sng" algn="ctr">
+                      <a:noFill/>
+                      <a:prstDash val="solid"/>
+                      <a:round/>
+                      <a:headEnd type="none" w="med" len="med"/>
+                      <a:tailEnd type="none" w="med" len="med"/>
+                    </a:lnR>
+                    <a:lnT w="12700" cap="flat" cmpd="sng" algn="ctr">
+                      <a:noFill/>
+                      <a:prstDash val="solid"/>
+                      <a:round/>
+                      <a:headEnd type="none" w="med" len="med"/>
+                      <a:tailEnd type="none" w="med" len="med"/>
+                    </a:lnT>
+                    <a:lnB w="12700" cap="flat" cmpd="sng" algn="ctr">
+                      <a:noFill/>
+                      <a:prstDash val="solid"/>
+                      <a:round/>
+                      <a:headEnd type="none" w="med" len="med"/>
+                      <a:tailEnd type="none" w="med" len="med"/>
+                    </a:lnB>
+                    <a:lnTlToBr w="12700" cmpd="sng">
+                      <a:noFill/>
+                      <a:prstDash val="solid"/>
+                    </a:lnTlToBr>
+                    <a:lnBlToTr w="12700" cmpd="sng">
+                      <a:noFill/>
+                      <a:prstDash val="solid"/>
+                    </a:lnBlToTr>
+                    <a:noFill/>
+                  </a:tcPr>
+                </a:tc>
+                <a:tc>
+                  <a:txBody>
+                    <a:bodyPr/>
+                    <a:lstStyle/>
+                    <a:p>
+                      <a:pPr algn="ctr"/>
+                      <a:endParaRPr lang="en-MY" sz="1600" b="1">
+                        <a:solidFill>
+                          <a:schemeClr val="tx1"/>
+                        </a:solidFill>
+                      </a:endParaRPr>
+                    </a:p>
+                  </a:txBody>
+                  <a:tcPr>
+                    <a:lnL w="12700" cap="flat" cmpd="sng" algn="ctr">
+                      <a:noFill/>
+                      <a:prstDash val="solid"/>
+                      <a:round/>
+                      <a:headEnd type="none" w="med" len="med"/>
+                      <a:tailEnd type="none" w="med" len="med"/>
+                    </a:lnL>
+                    <a:lnR w="12700" cap="flat" cmpd="sng" algn="ctr">
+                      <a:noFill/>
+                      <a:prstDash val="solid"/>
+                      <a:round/>
+                      <a:headEnd type="none" w="med" len="med"/>
+                      <a:tailEnd type="none" w="med" len="med"/>
+                    </a:lnR>
+                    <a:lnT w="12700" cap="flat" cmpd="sng" algn="ctr">
+                      <a:noFill/>
+                      <a:prstDash val="solid"/>
+                      <a:round/>
+                      <a:headEnd type="none" w="med" len="med"/>
+                      <a:tailEnd type="none" w="med" len="med"/>
+                    </a:lnT>
+                    <a:lnB w="12700" cap="flat" cmpd="sng" algn="ctr">
+                      <a:noFill/>
+                      <a:prstDash val="solid"/>
+                      <a:round/>
+                      <a:headEnd type="none" w="med" len="med"/>
+                      <a:tailEnd type="none" w="med" len="med"/>
+                    </a:lnB>
+                    <a:lnTlToBr w="12700" cmpd="sng">
+                      <a:noFill/>
+                      <a:prstDash val="solid"/>
+                    </a:lnTlToBr>
+                    <a:lnBlToTr w="12700" cmpd="sng">
+                      <a:noFill/>
+                      <a:prstDash val="solid"/>
+                    </a:lnBlToTr>
+                    <a:noFill/>
+                  </a:tcPr>
+                </a:tc>
+                <a:extLst>
+                  <a:ext uri="{0D108BD9-81ED-4DB2-BD59-A6C34878D82A}">
+                    <a16:rowId xmlns:a16="http://schemas.microsoft.com/office/drawing/2014/main" val="3493788935"/>
+                  </a:ext>
+                </a:extLst>
+              </a:tr>
+              <a:tr h="360000">
+                <a:tc>
+                  <a:txBody>
+                    <a:bodyPr/>
+                    <a:lstStyle/>
+                    <a:p>
+                      <a:pPr algn="ctr"/>
+                      <a:endParaRPr lang="en-MY" sz="1600" b="1">
+                        <a:solidFill>
+                          <a:schemeClr val="tx1"/>
+                        </a:solidFill>
+                      </a:endParaRPr>
+                    </a:p>
+                  </a:txBody>
+                  <a:tcPr>
+                    <a:lnL w="12700" cap="flat" cmpd="sng" algn="ctr">
+                      <a:noFill/>
+                      <a:prstDash val="solid"/>
+                      <a:round/>
+                      <a:headEnd type="none" w="med" len="med"/>
+                      <a:tailEnd type="none" w="med" len="med"/>
+                    </a:lnL>
+                    <a:lnR w="12700" cap="flat" cmpd="sng" algn="ctr">
+                      <a:noFill/>
+                      <a:prstDash val="solid"/>
+                      <a:round/>
+                      <a:headEnd type="none" w="med" len="med"/>
+                      <a:tailEnd type="none" w="med" len="med"/>
+                    </a:lnR>
+                    <a:lnT w="12700" cap="flat" cmpd="sng" algn="ctr">
+                      <a:noFill/>
+                      <a:prstDash val="solid"/>
+                      <a:round/>
+                      <a:headEnd type="none" w="med" len="med"/>
+                      <a:tailEnd type="none" w="med" len="med"/>
+                    </a:lnT>
+                    <a:lnB w="12700" cap="flat" cmpd="sng" algn="ctr">
+                      <a:noFill/>
+                      <a:prstDash val="solid"/>
+                      <a:round/>
+                      <a:headEnd type="none" w="med" len="med"/>
+                      <a:tailEnd type="none" w="med" len="med"/>
+                    </a:lnB>
+                    <a:lnTlToBr w="12700" cmpd="sng">
+                      <a:noFill/>
+                      <a:prstDash val="solid"/>
+                    </a:lnTlToBr>
+                    <a:lnBlToTr w="12700" cmpd="sng">
+                      <a:noFill/>
+                      <a:prstDash val="solid"/>
+                    </a:lnBlToTr>
+                    <a:noFill/>
+                  </a:tcPr>
+                </a:tc>
+                <a:tc>
+                  <a:txBody>
+                    <a:bodyPr/>
+                    <a:lstStyle/>
+                    <a:p>
+                      <a:pPr algn="l"/>
+                      <a:endParaRPr lang="en-MY" sz="1600" b="1" dirty="0">
+                        <a:solidFill>
+                          <a:schemeClr val="tx1"/>
+                        </a:solidFill>
+                      </a:endParaRPr>
+                    </a:p>
+                  </a:txBody>
+                  <a:tcPr>
+                    <a:lnL w="12700" cap="flat" cmpd="sng" algn="ctr">
+                      <a:noFill/>
+                      <a:prstDash val="solid"/>
+                      <a:round/>
+                      <a:headEnd type="none" w="med" len="med"/>
+                      <a:tailEnd type="none" w="med" len="med"/>
+                    </a:lnL>
+                    <a:lnR w="12700" cap="flat" cmpd="sng" algn="ctr">
+                      <a:noFill/>
+                      <a:prstDash val="solid"/>
+                      <a:round/>
+                      <a:headEnd type="none" w="med" len="med"/>
+                      <a:tailEnd type="none" w="med" len="med"/>
+                    </a:lnR>
+                    <a:lnT w="12700" cap="flat" cmpd="sng" algn="ctr">
+                      <a:noFill/>
+                      <a:prstDash val="solid"/>
+                      <a:round/>
+                      <a:headEnd type="none" w="med" len="med"/>
+                      <a:tailEnd type="none" w="med" len="med"/>
+                    </a:lnT>
+                    <a:lnB w="12700" cap="flat" cmpd="sng" algn="ctr">
+                      <a:noFill/>
+                      <a:prstDash val="solid"/>
+                      <a:round/>
+                      <a:headEnd type="none" w="med" len="med"/>
+                      <a:tailEnd type="none" w="med" len="med"/>
+                    </a:lnB>
+                    <a:lnTlToBr w="12700" cmpd="sng">
+                      <a:noFill/>
+                      <a:prstDash val="solid"/>
+                    </a:lnTlToBr>
+                    <a:lnBlToTr w="12700" cmpd="sng">
+                      <a:noFill/>
+                      <a:prstDash val="solid"/>
+                    </a:lnBlToTr>
+                    <a:noFill/>
+                  </a:tcPr>
+                </a:tc>
+                <a:tc>
+                  <a:txBody>
+                    <a:bodyPr/>
+                    <a:lstStyle/>
+                    <a:p>
+                      <a:pPr algn="ctr"/>
+                      <a:endParaRPr lang="en-MY" sz="1600" b="1">
+                        <a:solidFill>
+                          <a:schemeClr val="tx1"/>
+                        </a:solidFill>
+                      </a:endParaRPr>
+                    </a:p>
+                  </a:txBody>
+                  <a:tcPr>
+                    <a:lnL w="12700" cap="flat" cmpd="sng" algn="ctr">
+                      <a:noFill/>
+                      <a:prstDash val="solid"/>
+                      <a:round/>
+                      <a:headEnd type="none" w="med" len="med"/>
+                      <a:tailEnd type="none" w="med" len="med"/>
+                    </a:lnL>
+                    <a:lnR w="12700" cap="flat" cmpd="sng" algn="ctr">
+                      <a:noFill/>
+                      <a:prstDash val="solid"/>
+                      <a:round/>
+                      <a:headEnd type="none" w="med" len="med"/>
+                      <a:tailEnd type="none" w="med" len="med"/>
+                    </a:lnR>
+                    <a:lnT w="12700" cap="flat" cmpd="sng" algn="ctr">
+                      <a:noFill/>
+                      <a:prstDash val="solid"/>
+                      <a:round/>
+                      <a:headEnd type="none" w="med" len="med"/>
+                      <a:tailEnd type="none" w="med" len="med"/>
+                    </a:lnT>
+                    <a:lnB w="12700" cap="flat" cmpd="sng" algn="ctr">
+                      <a:noFill/>
+                      <a:prstDash val="solid"/>
+                      <a:round/>
+                      <a:headEnd type="none" w="med" len="med"/>
+                      <a:tailEnd type="none" w="med" len="med"/>
+                    </a:lnB>
+                    <a:lnTlToBr w="12700" cmpd="sng">
+                      <a:noFill/>
+                      <a:prstDash val="solid"/>
+                    </a:lnTlToBr>
+                    <a:lnBlToTr w="12700" cmpd="sng">
+                      <a:noFill/>
+                      <a:prstDash val="solid"/>
+                    </a:lnBlToTr>
+                    <a:noFill/>
+                  </a:tcPr>
+                </a:tc>
+                <a:tc>
+                  <a:txBody>
+                    <a:bodyPr/>
+                    <a:lstStyle/>
+                    <a:p>
+                      <a:pPr algn="ctr"/>
+                      <a:endParaRPr lang="en-MY" sz="1600" b="1">
+                        <a:solidFill>
+                          <a:schemeClr val="tx1"/>
+                        </a:solidFill>
+                      </a:endParaRPr>
+                    </a:p>
+                  </a:txBody>
+                  <a:tcPr>
+                    <a:lnL w="12700" cap="flat" cmpd="sng" algn="ctr">
+                      <a:noFill/>
+                      <a:prstDash val="solid"/>
+                      <a:round/>
+                      <a:headEnd type="none" w="med" len="med"/>
+                      <a:tailEnd type="none" w="med" len="med"/>
+                    </a:lnL>
+                    <a:lnR w="12700" cap="flat" cmpd="sng" algn="ctr">
+                      <a:noFill/>
+                      <a:prstDash val="solid"/>
+                      <a:round/>
+                      <a:headEnd type="none" w="med" len="med"/>
+                      <a:tailEnd type="none" w="med" len="med"/>
+                    </a:lnR>
+                    <a:lnT w="12700" cap="flat" cmpd="sng" algn="ctr">
+                      <a:noFill/>
+                      <a:prstDash val="solid"/>
+                      <a:round/>
+                      <a:headEnd type="none" w="med" len="med"/>
+                      <a:tailEnd type="none" w="med" len="med"/>
+                    </a:lnT>
+                    <a:lnB w="12700" cap="flat" cmpd="sng" algn="ctr">
+                      <a:noFill/>
+                      <a:prstDash val="solid"/>
+                      <a:round/>
+                      <a:headEnd type="none" w="med" len="med"/>
+                      <a:tailEnd type="none" w="med" len="med"/>
+                    </a:lnB>
+                    <a:lnTlToBr w="12700" cmpd="sng">
+                      <a:noFill/>
+                      <a:prstDash val="solid"/>
+                    </a:lnTlToBr>
+                    <a:lnBlToTr w="12700" cmpd="sng">
+                      <a:noFill/>
+                      <a:prstDash val="solid"/>
+                    </a:lnBlToTr>
+                    <a:noFill/>
+                  </a:tcPr>
+                </a:tc>
+                <a:tc>
+                  <a:txBody>
+                    <a:bodyPr/>
+                    <a:lstStyle/>
+                    <a:p>
+                      <a:pPr algn="ctr"/>
+                      <a:endParaRPr lang="en-MY" sz="1600" b="1">
+                        <a:solidFill>
+                          <a:schemeClr val="tx1"/>
+                        </a:solidFill>
+                      </a:endParaRPr>
+                    </a:p>
+                  </a:txBody>
+                  <a:tcPr>
+                    <a:lnL w="12700" cap="flat" cmpd="sng" algn="ctr">
+                      <a:noFill/>
+                      <a:prstDash val="solid"/>
+                      <a:round/>
+                      <a:headEnd type="none" w="med" len="med"/>
+                      <a:tailEnd type="none" w="med" len="med"/>
+                    </a:lnL>
+                    <a:lnR w="12700" cap="flat" cmpd="sng" algn="ctr">
+                      <a:noFill/>
+                      <a:prstDash val="solid"/>
+                      <a:round/>
+                      <a:headEnd type="none" w="med" len="med"/>
+                      <a:tailEnd type="none" w="med" len="med"/>
+                    </a:lnR>
+                    <a:lnT w="12700" cap="flat" cmpd="sng" algn="ctr">
+                      <a:noFill/>
+                      <a:prstDash val="solid"/>
+                      <a:round/>
+                      <a:headEnd type="none" w="med" len="med"/>
+                      <a:tailEnd type="none" w="med" len="med"/>
+                    </a:lnT>
+                    <a:lnB w="12700" cap="flat" cmpd="sng" algn="ctr">
+                      <a:noFill/>
+                      <a:prstDash val="solid"/>
+                      <a:round/>
+                      <a:headEnd type="none" w="med" len="med"/>
+                      <a:tailEnd type="none" w="med" len="med"/>
+                    </a:lnB>
+                    <a:lnTlToBr w="12700" cmpd="sng">
+                      <a:noFill/>
+                      <a:prstDash val="solid"/>
+                    </a:lnTlToBr>
+                    <a:lnBlToTr w="12700" cmpd="sng">
+                      <a:noFill/>
+                      <a:prstDash val="solid"/>
+                    </a:lnBlToTr>
+                    <a:noFill/>
+                  </a:tcPr>
+                </a:tc>
+                <a:extLst>
+                  <a:ext uri="{0D108BD9-81ED-4DB2-BD59-A6C34878D82A}">
+                    <a16:rowId xmlns:a16="http://schemas.microsoft.com/office/drawing/2014/main" val="2466915180"/>
+                  </a:ext>
+                </a:extLst>
+              </a:tr>
+              <a:tr h="360000">
+                <a:tc>
+                  <a:txBody>
+                    <a:bodyPr/>
+                    <a:lstStyle/>
+                    <a:p>
+                      <a:pPr algn="ctr"/>
+                      <a:r>
+                        <a:rPr lang="en-MY" sz="1600" b="1" dirty="0">
+                          <a:solidFill>
+                            <a:schemeClr val="tx1"/>
+                          </a:solidFill>
+                        </a:rPr>
+                        <a:t>A</a:t>
+                      </a:r>
+                    </a:p>
+                  </a:txBody>
+                  <a:tcPr>
+                    <a:lnL w="12700" cap="flat" cmpd="sng" algn="ctr">
+                      <a:noFill/>
+                      <a:prstDash val="solid"/>
+                      <a:round/>
+                      <a:headEnd type="none" w="med" len="med"/>
+                      <a:tailEnd type="none" w="med" len="med"/>
+                    </a:lnL>
+                    <a:lnR w="12700" cap="flat" cmpd="sng" algn="ctr">
+                      <a:noFill/>
+                      <a:prstDash val="solid"/>
+                      <a:round/>
+                      <a:headEnd type="none" w="med" len="med"/>
+                      <a:tailEnd type="none" w="med" len="med"/>
+                    </a:lnR>
+                    <a:lnT w="12700" cap="flat" cmpd="sng" algn="ctr">
+                      <a:noFill/>
+                      <a:prstDash val="solid"/>
+                      <a:round/>
+                      <a:headEnd type="none" w="med" len="med"/>
+                      <a:tailEnd type="none" w="med" len="med"/>
+                    </a:lnT>
+                    <a:lnB w="12700" cap="flat" cmpd="sng" algn="ctr">
+                      <a:noFill/>
+                      <a:prstDash val="solid"/>
+                      <a:round/>
+                      <a:headEnd type="none" w="med" len="med"/>
+                      <a:tailEnd type="none" w="med" len="med"/>
+                    </a:lnB>
+                    <a:lnTlToBr w="12700" cmpd="sng">
+                      <a:noFill/>
+                      <a:prstDash val="solid"/>
+                    </a:lnTlToBr>
+                    <a:lnBlToTr w="12700" cmpd="sng">
+                      <a:noFill/>
+                      <a:prstDash val="solid"/>
+                    </a:lnBlToTr>
+                    <a:noFill/>
+                  </a:tcPr>
+                </a:tc>
+                <a:tc>
+                  <a:txBody>
+                    <a:bodyPr/>
+                    <a:lstStyle/>
+                    <a:p>
+                      <a:pPr algn="ctr"/>
+                      <a:endParaRPr lang="en-MY" sz="1600" b="1">
+                        <a:solidFill>
+                          <a:schemeClr val="tx1"/>
+                        </a:solidFill>
+                      </a:endParaRPr>
+                    </a:p>
+                  </a:txBody>
+                  <a:tcPr>
+                    <a:lnL w="12700" cap="flat" cmpd="sng" algn="ctr">
+                      <a:noFill/>
+                      <a:prstDash val="solid"/>
+                      <a:round/>
+                      <a:headEnd type="none" w="med" len="med"/>
+                      <a:tailEnd type="none" w="med" len="med"/>
+                    </a:lnL>
+                    <a:lnR w="12700" cap="flat" cmpd="sng" algn="ctr">
+                      <a:noFill/>
+                      <a:prstDash val="solid"/>
+                      <a:round/>
+                      <a:headEnd type="none" w="med" len="med"/>
+                      <a:tailEnd type="none" w="med" len="med"/>
+                    </a:lnR>
+                    <a:lnT w="12700" cap="flat" cmpd="sng" algn="ctr">
+                      <a:noFill/>
+                      <a:prstDash val="solid"/>
+                      <a:round/>
+                      <a:headEnd type="none" w="med" len="med"/>
+                      <a:tailEnd type="none" w="med" len="med"/>
+                    </a:lnT>
+                    <a:lnB w="12700" cap="flat" cmpd="sng" algn="ctr">
+                      <a:noFill/>
+                      <a:prstDash val="solid"/>
+                      <a:round/>
+                      <a:headEnd type="none" w="med" len="med"/>
+                      <a:tailEnd type="none" w="med" len="med"/>
+                    </a:lnB>
+                    <a:lnTlToBr w="12700" cmpd="sng">
+                      <a:noFill/>
+                      <a:prstDash val="solid"/>
+                    </a:lnTlToBr>
+                    <a:lnBlToTr w="12700" cmpd="sng">
+                      <a:noFill/>
+                      <a:prstDash val="solid"/>
+                    </a:lnBlToTr>
+                    <a:noFill/>
+                  </a:tcPr>
+                </a:tc>
+                <a:tc>
+                  <a:txBody>
+                    <a:bodyPr/>
+                    <a:lstStyle/>
+                    <a:p>
+                      <a:pPr algn="ctr"/>
+                      <a:endParaRPr lang="en-MY" sz="1600" b="1" dirty="0">
+                        <a:solidFill>
+                          <a:schemeClr val="tx1"/>
+                        </a:solidFill>
+                      </a:endParaRPr>
+                    </a:p>
+                  </a:txBody>
+                  <a:tcPr>
+                    <a:lnL w="12700" cap="flat" cmpd="sng" algn="ctr">
+                      <a:noFill/>
+                      <a:prstDash val="solid"/>
+                      <a:round/>
+                      <a:headEnd type="none" w="med" len="med"/>
+                      <a:tailEnd type="none" w="med" len="med"/>
+                    </a:lnL>
+                    <a:lnR w="12700" cap="flat" cmpd="sng" algn="ctr">
+                      <a:noFill/>
+                      <a:prstDash val="solid"/>
+                      <a:round/>
+                      <a:headEnd type="none" w="med" len="med"/>
+                      <a:tailEnd type="none" w="med" len="med"/>
+                    </a:lnR>
+                    <a:lnT w="12700" cap="flat" cmpd="sng" algn="ctr">
+                      <a:noFill/>
+                      <a:prstDash val="solid"/>
+                      <a:round/>
+                      <a:headEnd type="none" w="med" len="med"/>
+                      <a:tailEnd type="none" w="med" len="med"/>
+                    </a:lnT>
+                    <a:lnB w="12700" cap="flat" cmpd="sng" algn="ctr">
+                      <a:noFill/>
+                      <a:prstDash val="solid"/>
+                      <a:round/>
+                      <a:headEnd type="none" w="med" len="med"/>
+                      <a:tailEnd type="none" w="med" len="med"/>
+                    </a:lnB>
+                    <a:lnTlToBr w="12700" cmpd="sng">
+                      <a:noFill/>
+                      <a:prstDash val="solid"/>
+                    </a:lnTlToBr>
+                    <a:lnBlToTr w="12700" cmpd="sng">
+                      <a:noFill/>
+                      <a:prstDash val="solid"/>
+                    </a:lnBlToTr>
+                    <a:noFill/>
+                  </a:tcPr>
+                </a:tc>
+                <a:tc>
+                  <a:txBody>
+                    <a:bodyPr/>
+                    <a:lstStyle/>
+                    <a:p>
+                      <a:pPr algn="ctr"/>
+                      <a:endParaRPr lang="en-MY" sz="1600" b="1">
+                        <a:solidFill>
+                          <a:schemeClr val="tx1"/>
+                        </a:solidFill>
+                      </a:endParaRPr>
+                    </a:p>
+                  </a:txBody>
+                  <a:tcPr>
+                    <a:lnL w="12700" cap="flat" cmpd="sng" algn="ctr">
+                      <a:noFill/>
+                      <a:prstDash val="solid"/>
+                      <a:round/>
+                      <a:headEnd type="none" w="med" len="med"/>
+                      <a:tailEnd type="none" w="med" len="med"/>
+                    </a:lnL>
+                    <a:lnR w="12700" cap="flat" cmpd="sng" algn="ctr">
+                      <a:noFill/>
+                      <a:prstDash val="solid"/>
+                      <a:round/>
+                      <a:headEnd type="none" w="med" len="med"/>
+                      <a:tailEnd type="none" w="med" len="med"/>
+                    </a:lnR>
+                    <a:lnT w="12700" cap="flat" cmpd="sng" algn="ctr">
+                      <a:noFill/>
+                      <a:prstDash val="solid"/>
+                      <a:round/>
+                      <a:headEnd type="none" w="med" len="med"/>
+                      <a:tailEnd type="none" w="med" len="med"/>
+                    </a:lnT>
+                    <a:lnB w="12700" cap="flat" cmpd="sng" algn="ctr">
+                      <a:noFill/>
+                      <a:prstDash val="solid"/>
+                      <a:round/>
+                      <a:headEnd type="none" w="med" len="med"/>
+                      <a:tailEnd type="none" w="med" len="med"/>
+                    </a:lnB>
+                    <a:lnTlToBr w="12700" cmpd="sng">
+                      <a:noFill/>
+                      <a:prstDash val="solid"/>
+                    </a:lnTlToBr>
+                    <a:lnBlToTr w="12700" cmpd="sng">
+                      <a:noFill/>
+                      <a:prstDash val="solid"/>
+                    </a:lnBlToTr>
+                    <a:noFill/>
+                  </a:tcPr>
+                </a:tc>
+                <a:tc>
+                  <a:txBody>
+                    <a:bodyPr/>
+                    <a:lstStyle/>
+                    <a:p>
+                      <a:pPr algn="ctr"/>
+                      <a:r>
+                        <a:rPr lang="en-MY" sz="1600" b="1" dirty="0">
+                          <a:solidFill>
+                            <a:schemeClr val="tx1"/>
+                          </a:solidFill>
+                        </a:rPr>
+                        <a:t>E</a:t>
+                      </a:r>
+                    </a:p>
+                  </a:txBody>
+                  <a:tcPr>
+                    <a:lnL w="12700" cap="flat" cmpd="sng" algn="ctr">
+                      <a:noFill/>
+                      <a:prstDash val="solid"/>
+                      <a:round/>
+                      <a:headEnd type="none" w="med" len="med"/>
+                      <a:tailEnd type="none" w="med" len="med"/>
+                    </a:lnL>
+                    <a:lnR w="12700" cap="flat" cmpd="sng" algn="ctr">
+                      <a:noFill/>
+                      <a:prstDash val="solid"/>
+                      <a:round/>
+                      <a:headEnd type="none" w="med" len="med"/>
+                      <a:tailEnd type="none" w="med" len="med"/>
+                    </a:lnR>
+                    <a:lnT w="12700" cap="flat" cmpd="sng" algn="ctr">
+                      <a:noFill/>
+                      <a:prstDash val="solid"/>
+                      <a:round/>
+                      <a:headEnd type="none" w="med" len="med"/>
+                      <a:tailEnd type="none" w="med" len="med"/>
+                    </a:lnT>
+                    <a:lnB w="12700" cap="flat" cmpd="sng" algn="ctr">
+                      <a:noFill/>
+                      <a:prstDash val="solid"/>
+                      <a:round/>
+                      <a:headEnd type="none" w="med" len="med"/>
+                      <a:tailEnd type="none" w="med" len="med"/>
+                    </a:lnB>
+                    <a:lnTlToBr w="12700" cmpd="sng">
+                      <a:noFill/>
+                      <a:prstDash val="solid"/>
+                    </a:lnTlToBr>
+                    <a:lnBlToTr w="12700" cmpd="sng">
+                      <a:noFill/>
+                      <a:prstDash val="solid"/>
+                    </a:lnBlToTr>
+                    <a:noFill/>
+                  </a:tcPr>
+                </a:tc>
+                <a:extLst>
+                  <a:ext uri="{0D108BD9-81ED-4DB2-BD59-A6C34878D82A}">
+                    <a16:rowId xmlns:a16="http://schemas.microsoft.com/office/drawing/2014/main" val="227284747"/>
+                  </a:ext>
+                </a:extLst>
+              </a:tr>
+              <a:tr h="360000">
+                <a:tc>
+                  <a:txBody>
+                    <a:bodyPr/>
+                    <a:lstStyle/>
+                    <a:p>
+                      <a:pPr algn="ctr"/>
+                      <a:endParaRPr lang="en-MY" sz="1600" b="1">
+                        <a:solidFill>
+                          <a:schemeClr val="tx1"/>
+                        </a:solidFill>
+                      </a:endParaRPr>
+                    </a:p>
+                  </a:txBody>
+                  <a:tcPr>
+                    <a:lnL w="12700" cap="flat" cmpd="sng" algn="ctr">
+                      <a:noFill/>
+                      <a:prstDash val="solid"/>
+                      <a:round/>
+                      <a:headEnd type="none" w="med" len="med"/>
+                      <a:tailEnd type="none" w="med" len="med"/>
+                    </a:lnL>
+                    <a:lnR w="12700" cap="flat" cmpd="sng" algn="ctr">
+                      <a:noFill/>
+                      <a:prstDash val="solid"/>
+                      <a:round/>
+                      <a:headEnd type="none" w="med" len="med"/>
+                      <a:tailEnd type="none" w="med" len="med"/>
+                    </a:lnR>
+                    <a:lnT w="12700" cap="flat" cmpd="sng" algn="ctr">
+                      <a:noFill/>
+                      <a:prstDash val="solid"/>
+                      <a:round/>
+                      <a:headEnd type="none" w="med" len="med"/>
+                      <a:tailEnd type="none" w="med" len="med"/>
+                    </a:lnT>
+                    <a:lnB w="12700" cap="flat" cmpd="sng" algn="ctr">
+                      <a:noFill/>
+                      <a:prstDash val="solid"/>
+                      <a:round/>
+                      <a:headEnd type="none" w="med" len="med"/>
+                      <a:tailEnd type="none" w="med" len="med"/>
+                    </a:lnB>
+                    <a:lnTlToBr w="12700" cmpd="sng">
+                      <a:noFill/>
+                      <a:prstDash val="solid"/>
+                    </a:lnTlToBr>
+                    <a:lnBlToTr w="12700" cmpd="sng">
+                      <a:noFill/>
+                      <a:prstDash val="solid"/>
+                    </a:lnBlToTr>
+                    <a:noFill/>
+                  </a:tcPr>
+                </a:tc>
+                <a:tc>
+                  <a:txBody>
+                    <a:bodyPr/>
+                    <a:lstStyle/>
+                    <a:p>
+                      <a:pPr algn="l"/>
+                      <a:r>
+                        <a:rPr lang="en-MY" sz="1600" b="1" dirty="0">
+                          <a:solidFill>
+                            <a:schemeClr val="tx1"/>
+                          </a:solidFill>
+                        </a:rPr>
+                        <a:t>B</a:t>
+                      </a:r>
+                    </a:p>
+                  </a:txBody>
+                  <a:tcPr>
+                    <a:lnL w="12700" cap="flat" cmpd="sng" algn="ctr">
+                      <a:noFill/>
+                      <a:prstDash val="solid"/>
+                      <a:round/>
+                      <a:headEnd type="none" w="med" len="med"/>
+                      <a:tailEnd type="none" w="med" len="med"/>
+                    </a:lnL>
+                    <a:lnR w="12700" cap="flat" cmpd="sng" algn="ctr">
+                      <a:noFill/>
+                      <a:prstDash val="solid"/>
+                      <a:round/>
+                      <a:headEnd type="none" w="med" len="med"/>
+                      <a:tailEnd type="none" w="med" len="med"/>
+                    </a:lnR>
+                    <a:lnT w="12700" cap="flat" cmpd="sng" algn="ctr">
+                      <a:noFill/>
+                      <a:prstDash val="solid"/>
+                      <a:round/>
+                      <a:headEnd type="none" w="med" len="med"/>
+                      <a:tailEnd type="none" w="med" len="med"/>
+                    </a:lnT>
+                    <a:lnB w="12700" cap="flat" cmpd="sng" algn="ctr">
+                      <a:noFill/>
+                      <a:prstDash val="solid"/>
+                      <a:round/>
+                      <a:headEnd type="none" w="med" len="med"/>
+                      <a:tailEnd type="none" w="med" len="med"/>
+                    </a:lnB>
+                    <a:lnTlToBr w="12700" cmpd="sng">
+                      <a:noFill/>
+                      <a:prstDash val="solid"/>
+                    </a:lnTlToBr>
+                    <a:lnBlToTr w="12700" cmpd="sng">
+                      <a:noFill/>
+                      <a:prstDash val="solid"/>
+                    </a:lnBlToTr>
+                    <a:noFill/>
+                  </a:tcPr>
+                </a:tc>
+                <a:tc>
+                  <a:txBody>
+                    <a:bodyPr/>
+                    <a:lstStyle/>
+                    <a:p>
+                      <a:pPr algn="ctr"/>
+                      <a:r>
+                        <a:rPr lang="en-MY" sz="1600" b="1" dirty="0">
+                          <a:solidFill>
+                            <a:schemeClr val="tx1"/>
+                          </a:solidFill>
+                        </a:rPr>
+                        <a:t>C</a:t>
+                      </a:r>
+                    </a:p>
+                  </a:txBody>
+                  <a:tcPr>
+                    <a:lnL w="12700" cap="flat" cmpd="sng" algn="ctr">
+                      <a:noFill/>
+                      <a:prstDash val="solid"/>
+                      <a:round/>
+                      <a:headEnd type="none" w="med" len="med"/>
+                      <a:tailEnd type="none" w="med" len="med"/>
+                    </a:lnL>
+                    <a:lnR w="12700" cap="flat" cmpd="sng" algn="ctr">
+                      <a:noFill/>
+                      <a:prstDash val="solid"/>
+                      <a:round/>
+                      <a:headEnd type="none" w="med" len="med"/>
+                      <a:tailEnd type="none" w="med" len="med"/>
+                    </a:lnR>
+                    <a:lnT w="12700" cap="flat" cmpd="sng" algn="ctr">
+                      <a:noFill/>
+                      <a:prstDash val="solid"/>
+                      <a:round/>
+                      <a:headEnd type="none" w="med" len="med"/>
+                      <a:tailEnd type="none" w="med" len="med"/>
+                    </a:lnT>
+                    <a:lnB w="12700" cap="flat" cmpd="sng" algn="ctr">
+                      <a:noFill/>
+                      <a:prstDash val="solid"/>
+                      <a:round/>
+                      <a:headEnd type="none" w="med" len="med"/>
+                      <a:tailEnd type="none" w="med" len="med"/>
+                    </a:lnB>
+                    <a:lnTlToBr w="12700" cmpd="sng">
+                      <a:noFill/>
+                      <a:prstDash val="solid"/>
+                    </a:lnTlToBr>
+                    <a:lnBlToTr w="12700" cmpd="sng">
+                      <a:noFill/>
+                      <a:prstDash val="solid"/>
+                    </a:lnBlToTr>
+                    <a:noFill/>
+                  </a:tcPr>
+                </a:tc>
+                <a:tc>
+                  <a:txBody>
+                    <a:bodyPr/>
+                    <a:lstStyle/>
+                    <a:p>
+                      <a:pPr algn="r"/>
+                      <a:r>
+                        <a:rPr lang="en-MY" sz="1600" b="1" dirty="0">
+                          <a:solidFill>
+                            <a:schemeClr val="tx1"/>
+                          </a:solidFill>
+                        </a:rPr>
+                        <a:t>D</a:t>
+                      </a:r>
+                    </a:p>
+                  </a:txBody>
+                  <a:tcPr>
+                    <a:lnL w="12700" cap="flat" cmpd="sng" algn="ctr">
+                      <a:noFill/>
+                      <a:prstDash val="solid"/>
+                      <a:round/>
+                      <a:headEnd type="none" w="med" len="med"/>
+                      <a:tailEnd type="none" w="med" len="med"/>
+                    </a:lnL>
+                    <a:lnR w="12700" cap="flat" cmpd="sng" algn="ctr">
+                      <a:noFill/>
+                      <a:prstDash val="solid"/>
+                      <a:round/>
+                      <a:headEnd type="none" w="med" len="med"/>
+                      <a:tailEnd type="none" w="med" len="med"/>
+                    </a:lnR>
+                    <a:lnT w="12700" cap="flat" cmpd="sng" algn="ctr">
+                      <a:noFill/>
+                      <a:prstDash val="solid"/>
+                      <a:round/>
+                      <a:headEnd type="none" w="med" len="med"/>
+                      <a:tailEnd type="none" w="med" len="med"/>
+                    </a:lnT>
+                    <a:lnB w="12700" cap="flat" cmpd="sng" algn="ctr">
+                      <a:noFill/>
+                      <a:prstDash val="solid"/>
+                      <a:round/>
+                      <a:headEnd type="none" w="med" len="med"/>
+                      <a:tailEnd type="none" w="med" len="med"/>
+                    </a:lnB>
+                    <a:lnTlToBr w="12700" cmpd="sng">
+                      <a:noFill/>
+                      <a:prstDash val="solid"/>
+                    </a:lnTlToBr>
+                    <a:lnBlToTr w="12700" cmpd="sng">
+                      <a:noFill/>
+                      <a:prstDash val="solid"/>
+                    </a:lnBlToTr>
+                    <a:noFill/>
+                  </a:tcPr>
+                </a:tc>
+                <a:tc>
+                  <a:txBody>
+                    <a:bodyPr/>
+                    <a:lstStyle/>
+                    <a:p>
+                      <a:pPr algn="ctr"/>
+                      <a:endParaRPr lang="en-MY" sz="1600" b="1">
+                        <a:solidFill>
+                          <a:schemeClr val="tx1"/>
+                        </a:solidFill>
+                      </a:endParaRPr>
+                    </a:p>
+                  </a:txBody>
+                  <a:tcPr>
+                    <a:lnL w="12700" cap="flat" cmpd="sng" algn="ctr">
+                      <a:noFill/>
+                      <a:prstDash val="solid"/>
+                      <a:round/>
+                      <a:headEnd type="none" w="med" len="med"/>
+                      <a:tailEnd type="none" w="med" len="med"/>
+                    </a:lnL>
+                    <a:lnR w="12700" cap="flat" cmpd="sng" algn="ctr">
+                      <a:noFill/>
+                      <a:prstDash val="solid"/>
+                      <a:round/>
+                      <a:headEnd type="none" w="med" len="med"/>
+                      <a:tailEnd type="none" w="med" len="med"/>
+                    </a:lnR>
+                    <a:lnT w="12700" cap="flat" cmpd="sng" algn="ctr">
+                      <a:noFill/>
+                      <a:prstDash val="solid"/>
+                      <a:round/>
+                      <a:headEnd type="none" w="med" len="med"/>
+                      <a:tailEnd type="none" w="med" len="med"/>
+                    </a:lnT>
+                    <a:lnB w="12700" cap="flat" cmpd="sng" algn="ctr">
+                      <a:noFill/>
+                      <a:prstDash val="solid"/>
+                      <a:round/>
+                      <a:headEnd type="none" w="med" len="med"/>
+                      <a:tailEnd type="none" w="med" len="med"/>
+                    </a:lnB>
+                    <a:lnTlToBr w="12700" cmpd="sng">
+                      <a:noFill/>
+                      <a:prstDash val="solid"/>
+                    </a:lnTlToBr>
+                    <a:lnBlToTr w="12700" cmpd="sng">
+                      <a:noFill/>
+                      <a:prstDash val="solid"/>
+                    </a:lnBlToTr>
+                    <a:noFill/>
+                  </a:tcPr>
+                </a:tc>
+                <a:extLst>
+                  <a:ext uri="{0D108BD9-81ED-4DB2-BD59-A6C34878D82A}">
+                    <a16:rowId xmlns:a16="http://schemas.microsoft.com/office/drawing/2014/main" val="1855306273"/>
+                  </a:ext>
+                </a:extLst>
+              </a:tr>
+              <a:tr h="360000">
+                <a:tc>
+                  <a:txBody>
+                    <a:bodyPr/>
+                    <a:lstStyle/>
+                    <a:p>
+                      <a:pPr algn="ctr"/>
+                      <a:endParaRPr lang="en-MY" sz="1600" b="1">
+                        <a:solidFill>
+                          <a:schemeClr val="tx1"/>
+                        </a:solidFill>
+                      </a:endParaRPr>
+                    </a:p>
+                  </a:txBody>
+                  <a:tcPr>
+                    <a:lnL w="12700" cap="flat" cmpd="sng" algn="ctr">
+                      <a:noFill/>
+                      <a:prstDash val="solid"/>
+                      <a:round/>
+                      <a:headEnd type="none" w="med" len="med"/>
+                      <a:tailEnd type="none" w="med" len="med"/>
+                    </a:lnL>
+                    <a:lnR w="12700" cap="flat" cmpd="sng" algn="ctr">
+                      <a:noFill/>
+                      <a:prstDash val="solid"/>
+                      <a:round/>
+                      <a:headEnd type="none" w="med" len="med"/>
+                      <a:tailEnd type="none" w="med" len="med"/>
+                    </a:lnR>
+                    <a:lnT w="12700" cap="flat" cmpd="sng" algn="ctr">
+                      <a:noFill/>
+                      <a:prstDash val="solid"/>
+                      <a:round/>
+                      <a:headEnd type="none" w="med" len="med"/>
+                      <a:tailEnd type="none" w="med" len="med"/>
+                    </a:lnT>
+                    <a:lnB w="12700" cap="flat" cmpd="sng" algn="ctr">
+                      <a:noFill/>
+                      <a:prstDash val="solid"/>
+                      <a:round/>
+                      <a:headEnd type="none" w="med" len="med"/>
+                      <a:tailEnd type="none" w="med" len="med"/>
+                    </a:lnB>
+                    <a:lnTlToBr w="12700" cmpd="sng">
+                      <a:noFill/>
+                      <a:prstDash val="solid"/>
+                    </a:lnTlToBr>
+                    <a:lnBlToTr w="12700" cmpd="sng">
+                      <a:noFill/>
+                      <a:prstDash val="solid"/>
+                    </a:lnBlToTr>
+                    <a:noFill/>
+                  </a:tcPr>
+                </a:tc>
+                <a:tc>
+                  <a:txBody>
+                    <a:bodyPr/>
+                    <a:lstStyle/>
+                    <a:p>
+                      <a:pPr algn="ctr"/>
+                      <a:endParaRPr lang="en-MY" sz="1600" b="1">
+                        <a:solidFill>
+                          <a:schemeClr val="tx1"/>
+                        </a:solidFill>
+                      </a:endParaRPr>
+                    </a:p>
+                  </a:txBody>
+                  <a:tcPr>
+                    <a:lnL w="12700" cap="flat" cmpd="sng" algn="ctr">
+                      <a:noFill/>
+                      <a:prstDash val="solid"/>
+                      <a:round/>
+                      <a:headEnd type="none" w="med" len="med"/>
+                      <a:tailEnd type="none" w="med" len="med"/>
+                    </a:lnL>
+                    <a:lnR w="12700" cap="flat" cmpd="sng" algn="ctr">
+                      <a:noFill/>
+                      <a:prstDash val="solid"/>
+                      <a:round/>
+                      <a:headEnd type="none" w="med" len="med"/>
+                      <a:tailEnd type="none" w="med" len="med"/>
+                    </a:lnR>
+                    <a:lnT w="12700" cap="flat" cmpd="sng" algn="ctr">
+                      <a:noFill/>
+                      <a:prstDash val="solid"/>
+                      <a:round/>
+                      <a:headEnd type="none" w="med" len="med"/>
+                      <a:tailEnd type="none" w="med" len="med"/>
+                    </a:lnT>
+                    <a:lnB w="12700" cap="flat" cmpd="sng" algn="ctr">
+                      <a:noFill/>
+                      <a:prstDash val="solid"/>
+                      <a:round/>
+                      <a:headEnd type="none" w="med" len="med"/>
+                      <a:tailEnd type="none" w="med" len="med"/>
+                    </a:lnB>
+                    <a:lnTlToBr w="12700" cmpd="sng">
+                      <a:noFill/>
+                      <a:prstDash val="solid"/>
+                    </a:lnTlToBr>
+                    <a:lnBlToTr w="12700" cmpd="sng">
+                      <a:noFill/>
+                      <a:prstDash val="solid"/>
+                    </a:lnBlToTr>
+                    <a:noFill/>
+                  </a:tcPr>
+                </a:tc>
+                <a:tc>
+                  <a:txBody>
+                    <a:bodyPr/>
+                    <a:lstStyle/>
+                    <a:p>
+                      <a:pPr algn="ctr"/>
+                      <a:endParaRPr lang="en-MY" sz="1600" b="1" dirty="0">
+                        <a:solidFill>
+                          <a:schemeClr val="tx1"/>
+                        </a:solidFill>
+                      </a:endParaRPr>
+                    </a:p>
+                  </a:txBody>
+                  <a:tcPr>
+                    <a:lnL w="12700" cap="flat" cmpd="sng" algn="ctr">
+                      <a:noFill/>
+                      <a:prstDash val="solid"/>
+                      <a:round/>
+                      <a:headEnd type="none" w="med" len="med"/>
+                      <a:tailEnd type="none" w="med" len="med"/>
+                    </a:lnL>
+                    <a:lnR w="12700" cap="flat" cmpd="sng" algn="ctr">
+                      <a:noFill/>
+                      <a:prstDash val="solid"/>
+                      <a:round/>
+                      <a:headEnd type="none" w="med" len="med"/>
+                      <a:tailEnd type="none" w="med" len="med"/>
+                    </a:lnR>
+                    <a:lnT w="12700" cap="flat" cmpd="sng" algn="ctr">
+                      <a:noFill/>
+                      <a:prstDash val="solid"/>
+                      <a:round/>
+                      <a:headEnd type="none" w="med" len="med"/>
+                      <a:tailEnd type="none" w="med" len="med"/>
+                    </a:lnT>
+                    <a:lnB w="12700" cap="flat" cmpd="sng" algn="ctr">
+                      <a:noFill/>
+                      <a:prstDash val="solid"/>
+                      <a:round/>
+                      <a:headEnd type="none" w="med" len="med"/>
+                      <a:tailEnd type="none" w="med" len="med"/>
+                    </a:lnB>
+                    <a:lnTlToBr w="12700" cmpd="sng">
+                      <a:noFill/>
+                      <a:prstDash val="solid"/>
+                    </a:lnTlToBr>
+                    <a:lnBlToTr w="12700" cmpd="sng">
+                      <a:noFill/>
+                      <a:prstDash val="solid"/>
+                    </a:lnBlToTr>
+                    <a:noFill/>
+                  </a:tcPr>
+                </a:tc>
+                <a:tc>
+                  <a:txBody>
+                    <a:bodyPr/>
+                    <a:lstStyle/>
+                    <a:p>
+                      <a:pPr algn="ctr"/>
+                      <a:endParaRPr lang="en-MY" sz="1600" b="1">
+                        <a:solidFill>
+                          <a:schemeClr val="tx1"/>
+                        </a:solidFill>
+                      </a:endParaRPr>
+                    </a:p>
+                  </a:txBody>
+                  <a:tcPr>
+                    <a:lnL w="12700" cap="flat" cmpd="sng" algn="ctr">
+                      <a:noFill/>
+                      <a:prstDash val="solid"/>
+                      <a:round/>
+                      <a:headEnd type="none" w="med" len="med"/>
+                      <a:tailEnd type="none" w="med" len="med"/>
+                    </a:lnL>
+                    <a:lnR w="12700" cap="flat" cmpd="sng" algn="ctr">
+                      <a:noFill/>
+                      <a:prstDash val="solid"/>
+                      <a:round/>
+                      <a:headEnd type="none" w="med" len="med"/>
+                      <a:tailEnd type="none" w="med" len="med"/>
+                    </a:lnR>
+                    <a:lnT w="12700" cap="flat" cmpd="sng" algn="ctr">
+                      <a:noFill/>
+                      <a:prstDash val="solid"/>
+                      <a:round/>
+                      <a:headEnd type="none" w="med" len="med"/>
+                      <a:tailEnd type="none" w="med" len="med"/>
+                    </a:lnT>
+                    <a:lnB w="12700" cap="flat" cmpd="sng" algn="ctr">
+                      <a:noFill/>
+                      <a:prstDash val="solid"/>
+                      <a:round/>
+                      <a:headEnd type="none" w="med" len="med"/>
+                      <a:tailEnd type="none" w="med" len="med"/>
+                    </a:lnB>
+                    <a:lnTlToBr w="12700" cmpd="sng">
+                      <a:noFill/>
+                      <a:prstDash val="solid"/>
+                    </a:lnTlToBr>
+                    <a:lnBlToTr w="12700" cmpd="sng">
+                      <a:noFill/>
+                      <a:prstDash val="solid"/>
+                    </a:lnBlToTr>
+                    <a:noFill/>
+                  </a:tcPr>
+                </a:tc>
+                <a:tc>
+                  <a:txBody>
+                    <a:bodyPr/>
+                    <a:lstStyle/>
+                    <a:p>
+                      <a:pPr algn="ctr"/>
+                      <a:endParaRPr lang="en-MY" sz="1600" b="1" dirty="0">
+                        <a:solidFill>
+                          <a:schemeClr val="tx1"/>
+                        </a:solidFill>
+                      </a:endParaRPr>
+                    </a:p>
+                  </a:txBody>
+                  <a:tcPr>
+                    <a:lnL w="12700" cap="flat" cmpd="sng" algn="ctr">
+                      <a:noFill/>
+                      <a:prstDash val="solid"/>
+                      <a:round/>
+                      <a:headEnd type="none" w="med" len="med"/>
+                      <a:tailEnd type="none" w="med" len="med"/>
+                    </a:lnL>
+                    <a:lnR w="12700" cap="flat" cmpd="sng" algn="ctr">
+                      <a:noFill/>
+                      <a:prstDash val="solid"/>
+                      <a:round/>
+                      <a:headEnd type="none" w="med" len="med"/>
+                      <a:tailEnd type="none" w="med" len="med"/>
+                    </a:lnR>
+                    <a:lnT w="12700" cap="flat" cmpd="sng" algn="ctr">
+                      <a:noFill/>
+                      <a:prstDash val="solid"/>
+                      <a:round/>
+                      <a:headEnd type="none" w="med" len="med"/>
+                      <a:tailEnd type="none" w="med" len="med"/>
+                    </a:lnT>
+                    <a:lnB w="12700" cap="flat" cmpd="sng" algn="ctr">
+                      <a:noFill/>
+                      <a:prstDash val="solid"/>
+                      <a:round/>
+                      <a:headEnd type="none" w="med" len="med"/>
+                      <a:tailEnd type="none" w="med" len="med"/>
+                    </a:lnB>
+                    <a:lnTlToBr w="12700" cmpd="sng">
+                      <a:noFill/>
+                      <a:prstDash val="solid"/>
+                    </a:lnTlToBr>
+                    <a:lnBlToTr w="12700" cmpd="sng">
+                      <a:noFill/>
+                      <a:prstDash val="solid"/>
+                    </a:lnBlToTr>
+                    <a:noFill/>
+                  </a:tcPr>
+                </a:tc>
+                <a:extLst>
+                  <a:ext uri="{0D108BD9-81ED-4DB2-BD59-A6C34878D82A}">
+                    <a16:rowId xmlns:a16="http://schemas.microsoft.com/office/drawing/2014/main" val="552042111"/>
+                  </a:ext>
+                </a:extLst>
+              </a:tr>
+            </a:tbl>
+          </a:graphicData>
+        </a:graphic>
+      </p:graphicFrame>
+      <p:cxnSp>
+        <p:nvCxnSpPr>
+          <p:cNvPr id="15" name="Straight Arrow Connector 14">
+            <a:extLst>
+              <a:ext uri="{FF2B5EF4-FFF2-40B4-BE49-F238E27FC236}">
+                <a16:creationId xmlns:a16="http://schemas.microsoft.com/office/drawing/2014/main" id="{6353B101-82DA-3F1E-F7F4-9A98405DE8DA}"/>
+              </a:ext>
+            </a:extLst>
+          </p:cNvPr>
+          <p:cNvCxnSpPr/>
+          <p:nvPr/>
+        </p:nvCxnSpPr>
+        <p:spPr>
+          <a:xfrm>
+            <a:off x="5621931" y="402276"/>
+            <a:ext cx="3600000" cy="0"/>
+          </a:xfrm>
+          <a:prstGeom prst="straightConnector1">
+            <a:avLst/>
+          </a:prstGeom>
+          <a:ln>
+            <a:headEnd type="triangle"/>
+            <a:tailEnd type="triangle"/>
+          </a:ln>
+        </p:spPr>
+        <p:style>
+          <a:lnRef idx="1">
+            <a:schemeClr val="accent1"/>
+          </a:lnRef>
+          <a:fillRef idx="0">
+            <a:schemeClr val="accent1"/>
+          </a:fillRef>
+          <a:effectRef idx="0">
+            <a:schemeClr val="accent1"/>
+          </a:effectRef>
+          <a:fontRef idx="minor">
+            <a:schemeClr val="tx1"/>
+          </a:fontRef>
+        </p:style>
+      </p:cxnSp>
+      <p:sp>
+        <p:nvSpPr>
+          <p:cNvPr id="16" name="TextBox 15">
+            <a:extLst>
+              <a:ext uri="{FF2B5EF4-FFF2-40B4-BE49-F238E27FC236}">
+                <a16:creationId xmlns:a16="http://schemas.microsoft.com/office/drawing/2014/main" id="{B70EE926-9DEC-7E1F-24E9-7B41F49C578A}"/>
+              </a:ext>
+            </a:extLst>
+          </p:cNvPr>
+          <p:cNvSpPr txBox="1"/>
+          <p:nvPr/>
+        </p:nvSpPr>
+        <p:spPr>
+          <a:xfrm>
+            <a:off x="7176511" y="271471"/>
+            <a:ext cx="490840" cy="261610"/>
+          </a:xfrm>
+          <a:prstGeom prst="rect">
+            <a:avLst/>
+          </a:prstGeom>
+          <a:solidFill>
+            <a:schemeClr val="bg1"/>
+          </a:solidFill>
+        </p:spPr>
+        <p:txBody>
+          <a:bodyPr wrap="none" rtlCol="0">
+            <a:spAutoFit/>
+          </a:bodyPr>
+          <a:lstStyle/>
+          <a:p>
+            <a:r>
+              <a:rPr lang="en-MY" sz="1100" dirty="0">
+                <a:ln w="0"/>
+                <a:solidFill>
+                  <a:schemeClr val="accent1"/>
+                </a:solidFill>
+                <a:effectLst>
+                  <a:outerShdw blurRad="38100" dist="25400" dir="5400000" algn="ctr" rotWithShape="0">
+                    <a:srgbClr val="6E747A">
+                      <a:alpha val="43000"/>
+                    </a:srgbClr>
+                  </a:outerShdw>
+                </a:effectLst>
+              </a:rPr>
+              <a:t>100ft</a:t>
+            </a:r>
+          </a:p>
+        </p:txBody>
+      </p:sp>
+      <p:cxnSp>
+        <p:nvCxnSpPr>
+          <p:cNvPr id="17" name="Straight Arrow Connector 16">
+            <a:extLst>
+              <a:ext uri="{FF2B5EF4-FFF2-40B4-BE49-F238E27FC236}">
+                <a16:creationId xmlns:a16="http://schemas.microsoft.com/office/drawing/2014/main" id="{DDDD0ECC-89FB-8606-27FE-60971014B1AC}"/>
+              </a:ext>
+            </a:extLst>
+          </p:cNvPr>
+          <p:cNvCxnSpPr>
+            <a:cxnSpLocks/>
+          </p:cNvCxnSpPr>
+          <p:nvPr/>
+        </p:nvCxnSpPr>
+        <p:spPr>
+          <a:xfrm flipV="1">
+            <a:off x="5474852" y="576844"/>
+            <a:ext cx="0" cy="1800000"/>
+          </a:xfrm>
+          <a:prstGeom prst="straightConnector1">
+            <a:avLst/>
+          </a:prstGeom>
+          <a:ln>
+            <a:headEnd type="triangle"/>
+            <a:tailEnd type="triangle"/>
+          </a:ln>
+        </p:spPr>
+        <p:style>
+          <a:lnRef idx="1">
+            <a:schemeClr val="accent1"/>
+          </a:lnRef>
+          <a:fillRef idx="0">
+            <a:schemeClr val="accent1"/>
+          </a:fillRef>
+          <a:effectRef idx="0">
+            <a:schemeClr val="accent1"/>
+          </a:effectRef>
+          <a:fontRef idx="minor">
+            <a:schemeClr val="tx1"/>
+          </a:fontRef>
+        </p:style>
+      </p:cxnSp>
+      <p:sp>
+        <p:nvSpPr>
+          <p:cNvPr id="18" name="TextBox 17">
+            <a:extLst>
+              <a:ext uri="{FF2B5EF4-FFF2-40B4-BE49-F238E27FC236}">
+                <a16:creationId xmlns:a16="http://schemas.microsoft.com/office/drawing/2014/main" id="{3F1A45C0-668B-C12A-17CE-0A97EC97A62B}"/>
+              </a:ext>
+            </a:extLst>
+          </p:cNvPr>
+          <p:cNvSpPr txBox="1"/>
+          <p:nvPr/>
+        </p:nvSpPr>
+        <p:spPr>
+          <a:xfrm rot="16200000">
+            <a:off x="5229432" y="1393624"/>
+            <a:ext cx="418704" cy="261610"/>
+          </a:xfrm>
+          <a:prstGeom prst="rect">
+            <a:avLst/>
+          </a:prstGeom>
+          <a:solidFill>
+            <a:schemeClr val="bg1"/>
+          </a:solidFill>
+        </p:spPr>
+        <p:txBody>
+          <a:bodyPr wrap="none" rtlCol="0">
+            <a:spAutoFit/>
+          </a:bodyPr>
+          <a:lstStyle/>
+          <a:p>
+            <a:r>
+              <a:rPr lang="en-MY" sz="1100" dirty="0">
+                <a:ln w="0"/>
+                <a:solidFill>
+                  <a:schemeClr val="accent1"/>
+                </a:solidFill>
+                <a:effectLst>
+                  <a:outerShdw blurRad="38100" dist="25400" dir="5400000" algn="ctr" rotWithShape="0">
+                    <a:srgbClr val="6E747A">
+                      <a:alpha val="43000"/>
+                    </a:srgbClr>
+                  </a:outerShdw>
+                </a:effectLst>
+              </a:rPr>
+              <a:t>50ft</a:t>
+            </a:r>
+          </a:p>
+        </p:txBody>
+      </p:sp>
+      <p:cxnSp>
+        <p:nvCxnSpPr>
+          <p:cNvPr id="22" name="Straight Arrow Connector 21">
+            <a:extLst>
+              <a:ext uri="{FF2B5EF4-FFF2-40B4-BE49-F238E27FC236}">
+                <a16:creationId xmlns:a16="http://schemas.microsoft.com/office/drawing/2014/main" id="{17C2D347-ECDA-411A-E176-9B8D9F17399B}"/>
+              </a:ext>
+            </a:extLst>
+          </p:cNvPr>
+          <p:cNvCxnSpPr>
+            <a:cxnSpLocks/>
+          </p:cNvCxnSpPr>
+          <p:nvPr/>
+        </p:nvCxnSpPr>
+        <p:spPr>
+          <a:xfrm>
+            <a:off x="6827931" y="719965"/>
+            <a:ext cx="1188000" cy="0"/>
+          </a:xfrm>
+          <a:prstGeom prst="straightConnector1">
+            <a:avLst/>
+          </a:prstGeom>
+          <a:ln>
+            <a:headEnd type="triangle"/>
+            <a:tailEnd type="triangle"/>
+          </a:ln>
+        </p:spPr>
+        <p:style>
+          <a:lnRef idx="1">
+            <a:schemeClr val="accent1"/>
+          </a:lnRef>
+          <a:fillRef idx="0">
+            <a:schemeClr val="accent1"/>
+          </a:fillRef>
+          <a:effectRef idx="0">
+            <a:schemeClr val="accent1"/>
+          </a:effectRef>
+          <a:fontRef idx="minor">
+            <a:schemeClr val="tx1"/>
+          </a:fontRef>
+        </p:style>
+      </p:cxnSp>
+      <p:sp>
+        <p:nvSpPr>
+          <p:cNvPr id="23" name="TextBox 22">
+            <a:extLst>
+              <a:ext uri="{FF2B5EF4-FFF2-40B4-BE49-F238E27FC236}">
+                <a16:creationId xmlns:a16="http://schemas.microsoft.com/office/drawing/2014/main" id="{8E8FF08D-E992-CAEF-8161-A60A2EF3A931}"/>
+              </a:ext>
+            </a:extLst>
+          </p:cNvPr>
+          <p:cNvSpPr txBox="1"/>
+          <p:nvPr/>
+        </p:nvSpPr>
+        <p:spPr>
+          <a:xfrm>
+            <a:off x="7176511" y="589160"/>
+            <a:ext cx="418704" cy="261610"/>
+          </a:xfrm>
+          <a:prstGeom prst="rect">
+            <a:avLst/>
+          </a:prstGeom>
+          <a:solidFill>
+            <a:schemeClr val="bg1"/>
+          </a:solidFill>
+        </p:spPr>
+        <p:txBody>
+          <a:bodyPr wrap="none" rtlCol="0">
+            <a:spAutoFit/>
+          </a:bodyPr>
+          <a:lstStyle/>
+          <a:p>
+            <a:r>
+              <a:rPr lang="en-MY" sz="1100" dirty="0">
+                <a:ln w="0"/>
+                <a:solidFill>
+                  <a:schemeClr val="accent1"/>
+                </a:solidFill>
+                <a:effectLst>
+                  <a:outerShdw blurRad="38100" dist="25400" dir="5400000" algn="ctr" rotWithShape="0">
+                    <a:srgbClr val="6E747A">
+                      <a:alpha val="43000"/>
+                    </a:srgbClr>
+                  </a:outerShdw>
+                </a:effectLst>
+              </a:rPr>
+              <a:t>33ft</a:t>
+            </a:r>
+          </a:p>
+        </p:txBody>
+      </p:sp>
+      <p:cxnSp>
+        <p:nvCxnSpPr>
+          <p:cNvPr id="26" name="Straight Arrow Connector 25">
+            <a:extLst>
+              <a:ext uri="{FF2B5EF4-FFF2-40B4-BE49-F238E27FC236}">
+                <a16:creationId xmlns:a16="http://schemas.microsoft.com/office/drawing/2014/main" id="{446427AA-61FE-0D5C-7E65-AABF171C2D21}"/>
+              </a:ext>
+            </a:extLst>
+          </p:cNvPr>
+          <p:cNvCxnSpPr>
+            <a:cxnSpLocks/>
+          </p:cNvCxnSpPr>
+          <p:nvPr/>
+        </p:nvCxnSpPr>
+        <p:spPr>
+          <a:xfrm rot="5400000">
+            <a:off x="8775250" y="1449157"/>
+            <a:ext cx="1152000" cy="0"/>
+          </a:xfrm>
+          <a:prstGeom prst="straightConnector1">
+            <a:avLst/>
+          </a:prstGeom>
+          <a:ln>
+            <a:headEnd type="triangle"/>
+            <a:tailEnd type="triangle"/>
+          </a:ln>
+        </p:spPr>
+        <p:style>
+          <a:lnRef idx="1">
+            <a:schemeClr val="accent1"/>
+          </a:lnRef>
+          <a:fillRef idx="0">
+            <a:schemeClr val="accent1"/>
+          </a:fillRef>
+          <a:effectRef idx="0">
+            <a:schemeClr val="accent1"/>
+          </a:effectRef>
+          <a:fontRef idx="minor">
+            <a:schemeClr val="tx1"/>
+          </a:fontRef>
+        </p:style>
+      </p:cxnSp>
+      <p:sp>
+        <p:nvSpPr>
+          <p:cNvPr id="27" name="TextBox 26">
+            <a:extLst>
+              <a:ext uri="{FF2B5EF4-FFF2-40B4-BE49-F238E27FC236}">
+                <a16:creationId xmlns:a16="http://schemas.microsoft.com/office/drawing/2014/main" id="{696A9D6F-1C60-9B6B-2A09-12B36509DCA5}"/>
+              </a:ext>
+            </a:extLst>
+          </p:cNvPr>
+          <p:cNvSpPr txBox="1"/>
+          <p:nvPr/>
+        </p:nvSpPr>
+        <p:spPr>
+          <a:xfrm rot="5400000">
+            <a:off x="9156022" y="1292039"/>
+            <a:ext cx="418704" cy="261610"/>
+          </a:xfrm>
+          <a:prstGeom prst="rect">
+            <a:avLst/>
+          </a:prstGeom>
+          <a:solidFill>
+            <a:schemeClr val="bg1"/>
+          </a:solidFill>
+        </p:spPr>
+        <p:txBody>
+          <a:bodyPr wrap="none" rtlCol="0">
+            <a:spAutoFit/>
+          </a:bodyPr>
+          <a:lstStyle/>
+          <a:p>
+            <a:r>
+              <a:rPr lang="en-MY" sz="1100" dirty="0">
+                <a:ln w="0"/>
+                <a:solidFill>
+                  <a:schemeClr val="accent1"/>
+                </a:solidFill>
+                <a:effectLst>
+                  <a:outerShdw blurRad="38100" dist="25400" dir="5400000" algn="ctr" rotWithShape="0">
+                    <a:srgbClr val="6E747A">
+                      <a:alpha val="43000"/>
+                    </a:srgbClr>
+                  </a:outerShdw>
+                </a:effectLst>
+              </a:rPr>
+              <a:t>32ft</a:t>
+            </a:r>
+          </a:p>
+        </p:txBody>
+      </p:sp>
+      <p:cxnSp>
+        <p:nvCxnSpPr>
+          <p:cNvPr id="29" name="Straight Arrow Connector 28">
+            <a:extLst>
+              <a:ext uri="{FF2B5EF4-FFF2-40B4-BE49-F238E27FC236}">
+                <a16:creationId xmlns:a16="http://schemas.microsoft.com/office/drawing/2014/main" id="{65221725-5C40-F6DA-CA3B-25E2368772E7}"/>
+              </a:ext>
+            </a:extLst>
+          </p:cNvPr>
+          <p:cNvCxnSpPr>
+            <a:cxnSpLocks/>
+          </p:cNvCxnSpPr>
+          <p:nvPr/>
+        </p:nvCxnSpPr>
+        <p:spPr>
+          <a:xfrm>
+            <a:off x="8010469" y="2213142"/>
+            <a:ext cx="1188000" cy="0"/>
+          </a:xfrm>
+          <a:prstGeom prst="straightConnector1">
+            <a:avLst/>
+          </a:prstGeom>
+          <a:ln>
+            <a:headEnd type="triangle"/>
+            <a:tailEnd type="triangle"/>
+          </a:ln>
+        </p:spPr>
+        <p:style>
+          <a:lnRef idx="1">
+            <a:schemeClr val="accent1"/>
+          </a:lnRef>
+          <a:fillRef idx="0">
+            <a:schemeClr val="accent1"/>
+          </a:fillRef>
+          <a:effectRef idx="0">
+            <a:schemeClr val="accent1"/>
+          </a:effectRef>
+          <a:fontRef idx="minor">
+            <a:schemeClr val="tx1"/>
+          </a:fontRef>
+        </p:style>
+      </p:cxnSp>
+      <p:sp>
+        <p:nvSpPr>
+          <p:cNvPr id="30" name="TextBox 29">
+            <a:extLst>
+              <a:ext uri="{FF2B5EF4-FFF2-40B4-BE49-F238E27FC236}">
+                <a16:creationId xmlns:a16="http://schemas.microsoft.com/office/drawing/2014/main" id="{24FAC6F4-5026-AED4-BFA5-2F7DB4A48F04}"/>
+              </a:ext>
+            </a:extLst>
+          </p:cNvPr>
+          <p:cNvSpPr txBox="1"/>
+          <p:nvPr/>
+        </p:nvSpPr>
+        <p:spPr>
+          <a:xfrm>
+            <a:off x="8359049" y="2082337"/>
+            <a:ext cx="418704" cy="261610"/>
+          </a:xfrm>
+          <a:prstGeom prst="rect">
+            <a:avLst/>
+          </a:prstGeom>
+          <a:solidFill>
+            <a:schemeClr val="bg1"/>
+          </a:solidFill>
+        </p:spPr>
+        <p:txBody>
+          <a:bodyPr wrap="none" rtlCol="0">
+            <a:spAutoFit/>
+          </a:bodyPr>
+          <a:lstStyle/>
+          <a:p>
+            <a:r>
+              <a:rPr lang="en-MY" sz="1100" dirty="0">
+                <a:ln w="0"/>
+                <a:solidFill>
+                  <a:schemeClr val="accent1"/>
+                </a:solidFill>
+                <a:effectLst>
+                  <a:outerShdw blurRad="38100" dist="25400" dir="5400000" algn="ctr" rotWithShape="0">
+                    <a:srgbClr val="6E747A">
+                      <a:alpha val="43000"/>
+                    </a:srgbClr>
+                  </a:outerShdw>
+                </a:effectLst>
+              </a:rPr>
+              <a:t>33ft</a:t>
+            </a:r>
+          </a:p>
+        </p:txBody>
+      </p:sp>
+      <p:cxnSp>
+        <p:nvCxnSpPr>
+          <p:cNvPr id="31" name="Straight Arrow Connector 30">
+            <a:extLst>
+              <a:ext uri="{FF2B5EF4-FFF2-40B4-BE49-F238E27FC236}">
+                <a16:creationId xmlns:a16="http://schemas.microsoft.com/office/drawing/2014/main" id="{13897744-4D03-C347-554F-77754872205E}"/>
+              </a:ext>
+            </a:extLst>
+          </p:cNvPr>
+          <p:cNvCxnSpPr>
+            <a:cxnSpLocks/>
+          </p:cNvCxnSpPr>
+          <p:nvPr/>
+        </p:nvCxnSpPr>
+        <p:spPr>
+          <a:xfrm>
+            <a:off x="5616469" y="2226469"/>
+            <a:ext cx="1188000" cy="0"/>
+          </a:xfrm>
+          <a:prstGeom prst="straightConnector1">
+            <a:avLst/>
+          </a:prstGeom>
+          <a:ln>
+            <a:headEnd type="triangle"/>
+            <a:tailEnd type="triangle"/>
+          </a:ln>
+        </p:spPr>
+        <p:style>
+          <a:lnRef idx="1">
+            <a:schemeClr val="accent1"/>
+          </a:lnRef>
+          <a:fillRef idx="0">
+            <a:schemeClr val="accent1"/>
+          </a:fillRef>
+          <a:effectRef idx="0">
+            <a:schemeClr val="accent1"/>
+          </a:effectRef>
+          <a:fontRef idx="minor">
+            <a:schemeClr val="tx1"/>
+          </a:fontRef>
+        </p:style>
+      </p:cxnSp>
+      <p:sp>
+        <p:nvSpPr>
+          <p:cNvPr id="32" name="TextBox 31">
+            <a:extLst>
+              <a:ext uri="{FF2B5EF4-FFF2-40B4-BE49-F238E27FC236}">
+                <a16:creationId xmlns:a16="http://schemas.microsoft.com/office/drawing/2014/main" id="{E34B72CF-EC70-61F4-31E9-EE6C398747D7}"/>
+              </a:ext>
+            </a:extLst>
+          </p:cNvPr>
+          <p:cNvSpPr txBox="1"/>
+          <p:nvPr/>
+        </p:nvSpPr>
+        <p:spPr>
+          <a:xfrm>
+            <a:off x="5965049" y="2095664"/>
+            <a:ext cx="418704" cy="261610"/>
+          </a:xfrm>
+          <a:prstGeom prst="rect">
+            <a:avLst/>
+          </a:prstGeom>
+          <a:solidFill>
+            <a:schemeClr val="bg1"/>
+          </a:solidFill>
+        </p:spPr>
+        <p:txBody>
+          <a:bodyPr wrap="none" rtlCol="0">
+            <a:spAutoFit/>
+          </a:bodyPr>
+          <a:lstStyle/>
+          <a:p>
+            <a:r>
+              <a:rPr lang="en-MY" sz="1100" dirty="0">
+                <a:ln w="0"/>
+                <a:solidFill>
+                  <a:schemeClr val="accent1"/>
+                </a:solidFill>
+                <a:effectLst>
+                  <a:outerShdw blurRad="38100" dist="25400" dir="5400000" algn="ctr" rotWithShape="0">
+                    <a:srgbClr val="6E747A">
+                      <a:alpha val="43000"/>
+                    </a:srgbClr>
+                  </a:outerShdw>
+                </a:effectLst>
+              </a:rPr>
+              <a:t>33ft</a:t>
+            </a:r>
+          </a:p>
+        </p:txBody>
+      </p:sp>
+      <p:graphicFrame>
+        <p:nvGraphicFramePr>
+          <p:cNvPr id="33" name="Table 32">
+            <a:extLst>
+              <a:ext uri="{FF2B5EF4-FFF2-40B4-BE49-F238E27FC236}">
+                <a16:creationId xmlns:a16="http://schemas.microsoft.com/office/drawing/2014/main" id="{FD490A51-CA29-49DC-EA30-CBB50429EC93}"/>
+              </a:ext>
+            </a:extLst>
+          </p:cNvPr>
+          <p:cNvGraphicFramePr>
+            <a:graphicFrameLocks noGrp="1"/>
+          </p:cNvGraphicFramePr>
+          <p:nvPr>
+            <p:extLst>
+              <p:ext uri="{D42A27DB-BD31-4B8C-83A1-F6EECF244321}">
+                <p14:modId xmlns:p14="http://schemas.microsoft.com/office/powerpoint/2010/main" val="1071075752"/>
+              </p:ext>
+            </p:extLst>
+          </p:nvPr>
+        </p:nvGraphicFramePr>
+        <p:xfrm>
+          <a:off x="5187144" y="2438204"/>
+          <a:ext cx="4034789" cy="1457456"/>
+        </p:xfrm>
+        <a:graphic>
+          <a:graphicData uri="http://schemas.openxmlformats.org/drawingml/2006/table">
+            <a:tbl>
+              <a:tblPr firstRow="1" firstCol="1" bandRow="1">
+                <a:tableStyleId>{85BE263C-DBD7-4A20-BB59-AAB30ACAA65A}</a:tableStyleId>
+              </a:tblPr>
+              <a:tblGrid>
+                <a:gridCol w="415634">
+                  <a:extLst>
+                    <a:ext uri="{9D8B030D-6E8A-4147-A177-3AD203B41FA5}">
+                      <a16:colId xmlns:a16="http://schemas.microsoft.com/office/drawing/2014/main" val="3358853279"/>
+                    </a:ext>
+                  </a:extLst>
+                </a:gridCol>
+                <a:gridCol w="581891">
+                  <a:extLst>
+                    <a:ext uri="{9D8B030D-6E8A-4147-A177-3AD203B41FA5}">
+                      <a16:colId xmlns:a16="http://schemas.microsoft.com/office/drawing/2014/main" val="2845771971"/>
+                    </a:ext>
+                  </a:extLst>
+                </a:gridCol>
+                <a:gridCol w="656706">
+                  <a:extLst>
+                    <a:ext uri="{9D8B030D-6E8A-4147-A177-3AD203B41FA5}">
+                      <a16:colId xmlns:a16="http://schemas.microsoft.com/office/drawing/2014/main" val="125859950"/>
+                    </a:ext>
+                  </a:extLst>
+                </a:gridCol>
+                <a:gridCol w="1155469">
+                  <a:extLst>
+                    <a:ext uri="{9D8B030D-6E8A-4147-A177-3AD203B41FA5}">
+                      <a16:colId xmlns:a16="http://schemas.microsoft.com/office/drawing/2014/main" val="4217622343"/>
+                    </a:ext>
+                  </a:extLst>
+                </a:gridCol>
+                <a:gridCol w="631767">
+                  <a:extLst>
+                    <a:ext uri="{9D8B030D-6E8A-4147-A177-3AD203B41FA5}">
+                      <a16:colId xmlns:a16="http://schemas.microsoft.com/office/drawing/2014/main" val="3811380582"/>
+                    </a:ext>
+                  </a:extLst>
+                </a:gridCol>
+                <a:gridCol w="593322">
+                  <a:extLst>
+                    <a:ext uri="{9D8B030D-6E8A-4147-A177-3AD203B41FA5}">
+                      <a16:colId xmlns:a16="http://schemas.microsoft.com/office/drawing/2014/main" val="2611899360"/>
+                    </a:ext>
+                  </a:extLst>
+                </a:gridCol>
+              </a:tblGrid>
+              <a:tr h="182182">
+                <a:tc>
+                  <a:txBody>
+                    <a:bodyPr/>
+                    <a:lstStyle/>
+                    <a:p>
+                      <a:pPr algn="ctr"/>
+                      <a:endParaRPr lang="en-MY" sz="1000" dirty="0">
+                        <a:latin typeface="Bahnschrift SemiBold SemiConden" panose="020B0502040204020203" pitchFamily="34" charset="0"/>
+                      </a:endParaRPr>
+                    </a:p>
+                  </a:txBody>
+                  <a:tcPr marL="0" marR="0" marT="0" marB="0" anchor="ctr"/>
+                </a:tc>
+                <a:tc gridSpan="5">
+                  <a:txBody>
+                    <a:bodyPr/>
+                    <a:lstStyle/>
+                    <a:p>
+                      <a:pPr algn="ctr"/>
+                      <a:r>
+                        <a:rPr lang="en-MY" sz="1000" dirty="0">
+                          <a:latin typeface="Bahnschrift SemiBold SemiConden" panose="020B0502040204020203" pitchFamily="34" charset="0"/>
+                        </a:rPr>
+                        <a:t>Playing Areas</a:t>
+                      </a:r>
+                    </a:p>
+                  </a:txBody>
+                  <a:tcPr marL="0" marR="0" marT="0" marB="0" anchor="ctr"/>
+                </a:tc>
+                <a:tc hMerge="1">
+                  <a:txBody>
+                    <a:bodyPr/>
+                    <a:lstStyle/>
+                    <a:p>
+                      <a:endParaRPr lang="en-MY" dirty="0"/>
+                    </a:p>
+                  </a:txBody>
+                  <a:tcPr/>
+                </a:tc>
+                <a:tc hMerge="1">
+                  <a:txBody>
+                    <a:bodyPr/>
+                    <a:lstStyle/>
+                    <a:p>
+                      <a:endParaRPr lang="en-MY" dirty="0"/>
+                    </a:p>
+                  </a:txBody>
+                  <a:tcPr/>
+                </a:tc>
+                <a:tc hMerge="1">
+                  <a:txBody>
+                    <a:bodyPr/>
+                    <a:lstStyle/>
+                    <a:p>
+                      <a:endParaRPr lang="en-MY" dirty="0"/>
+                    </a:p>
+                  </a:txBody>
+                  <a:tcPr/>
+                </a:tc>
+                <a:tc hMerge="1">
+                  <a:txBody>
+                    <a:bodyPr/>
+                    <a:lstStyle/>
+                    <a:p>
+                      <a:endParaRPr lang="en-MY" dirty="0"/>
+                    </a:p>
+                  </a:txBody>
+                  <a:tcPr/>
+                </a:tc>
+                <a:extLst>
+                  <a:ext uri="{0D108BD9-81ED-4DB2-BD59-A6C34878D82A}">
+                    <a16:rowId xmlns:a16="http://schemas.microsoft.com/office/drawing/2014/main" val="1362042675"/>
+                  </a:ext>
+                </a:extLst>
+              </a:tr>
+              <a:tr h="182182">
+                <a:tc>
+                  <a:txBody>
+                    <a:bodyPr/>
+                    <a:lstStyle/>
+                    <a:p>
+                      <a:pPr algn="ctr"/>
+                      <a:r>
+                        <a:rPr lang="en-MY" sz="1000" b="1" dirty="0">
+                          <a:solidFill>
+                            <a:schemeClr val="tx1"/>
+                          </a:solidFill>
+                          <a:latin typeface="Aptos Narrow" panose="020B0004020202020204" pitchFamily="34" charset="0"/>
+                        </a:rPr>
+                        <a:t>GS</a:t>
+                      </a:r>
+                    </a:p>
+                  </a:txBody>
+                  <a:tcPr marL="0" marR="0" marT="0" marB="0" anchor="ctr">
+                    <a:solidFill>
+                      <a:schemeClr val="accent2">
+                        <a:lumMod val="40000"/>
+                        <a:lumOff val="60000"/>
+                      </a:schemeClr>
+                    </a:solidFill>
+                  </a:tcPr>
+                </a:tc>
+                <a:tc>
+                  <a:txBody>
+                    <a:bodyPr/>
+                    <a:lstStyle/>
+                    <a:p>
+                      <a:pPr algn="ctr"/>
+                      <a:r>
+                        <a:rPr lang="en-MY" sz="1000" dirty="0">
+                          <a:solidFill>
+                            <a:schemeClr val="accent6">
+                              <a:lumMod val="75000"/>
+                            </a:schemeClr>
+                          </a:solidFill>
+                          <a:latin typeface="Arial Black" panose="020B0A04020102020204" pitchFamily="34" charset="0"/>
+                        </a:rPr>
+                        <a:t>A</a:t>
+                      </a:r>
+                    </a:p>
+                  </a:txBody>
+                  <a:tcPr marL="0" marR="0" marT="0" marB="0" anchor="ctr"/>
+                </a:tc>
+                <a:tc>
+                  <a:txBody>
+                    <a:bodyPr/>
+                    <a:lstStyle/>
+                    <a:p>
+                      <a:pPr algn="ctr"/>
+                      <a:r>
+                        <a:rPr lang="en-MY" sz="1000" dirty="0">
+                          <a:solidFill>
+                            <a:schemeClr val="accent6">
+                              <a:lumMod val="75000"/>
+                            </a:schemeClr>
+                          </a:solidFill>
+                          <a:latin typeface="Arial Black" panose="020B0A04020102020204" pitchFamily="34" charset="0"/>
+                        </a:rPr>
+                        <a:t>B</a:t>
+                      </a:r>
+                    </a:p>
+                  </a:txBody>
+                  <a:tcPr marL="0" marR="0" marT="0" marB="0" anchor="ctr"/>
+                </a:tc>
+                <a:tc>
+                  <a:txBody>
+                    <a:bodyPr/>
+                    <a:lstStyle/>
+                    <a:p>
+                      <a:pPr marL="0" marR="0" lvl="0" indent="0" algn="ctr" defTabSz="914400" rtl="0" eaLnBrk="1" fontAlgn="auto" latinLnBrk="0" hangingPunct="1">
+                        <a:lnSpc>
+                          <a:spcPct val="100000"/>
+                        </a:lnSpc>
+                        <a:spcBef>
+                          <a:spcPts val="0"/>
+                        </a:spcBef>
+                        <a:spcAft>
+                          <a:spcPts val="0"/>
+                        </a:spcAft>
+                        <a:buClrTx/>
+                        <a:buSzTx/>
+                        <a:buFontTx/>
+                        <a:buNone/>
+                        <a:tabLst/>
+                        <a:defRPr/>
+                      </a:pPr>
+                      <a:r>
+                        <a:rPr lang="en-MY" sz="600" b="0" i="1" dirty="0">
+                          <a:solidFill>
+                            <a:srgbClr val="FF0000"/>
+                          </a:solidFill>
+                          <a:latin typeface="Aptos Narrow" panose="020B0004020202020204" pitchFamily="34" charset="0"/>
+                        </a:rPr>
+                        <a:t>offside</a:t>
+                      </a:r>
+                    </a:p>
+                  </a:txBody>
+                  <a:tcPr marL="0" marR="0" marT="0" marB="0" anchor="ctr"/>
+                </a:tc>
+                <a:tc>
+                  <a:txBody>
+                    <a:bodyPr/>
+                    <a:lstStyle/>
+                    <a:p>
+                      <a:pPr marL="0" marR="0" lvl="0" indent="0" algn="ctr" defTabSz="914400" rtl="0" eaLnBrk="1" fontAlgn="auto" latinLnBrk="0" hangingPunct="1">
+                        <a:lnSpc>
+                          <a:spcPct val="100000"/>
+                        </a:lnSpc>
+                        <a:spcBef>
+                          <a:spcPts val="0"/>
+                        </a:spcBef>
+                        <a:spcAft>
+                          <a:spcPts val="0"/>
+                        </a:spcAft>
+                        <a:buClrTx/>
+                        <a:buSzTx/>
+                        <a:buFontTx/>
+                        <a:buNone/>
+                        <a:tabLst/>
+                        <a:defRPr/>
+                      </a:pPr>
+                      <a:r>
+                        <a:rPr lang="en-MY" sz="600" b="0" i="1" dirty="0">
+                          <a:solidFill>
+                            <a:srgbClr val="FF0000"/>
+                          </a:solidFill>
+                          <a:latin typeface="Aptos Narrow" panose="020B0004020202020204" pitchFamily="34" charset="0"/>
+                        </a:rPr>
+                        <a:t>offside</a:t>
+                      </a:r>
+                    </a:p>
+                  </a:txBody>
+                  <a:tcPr marL="0" marR="0" marT="0" marB="0" anchor="ctr"/>
+                </a:tc>
+                <a:tc>
+                  <a:txBody>
+                    <a:bodyPr/>
+                    <a:lstStyle/>
+                    <a:p>
+                      <a:pPr algn="ctr"/>
+                      <a:r>
+                        <a:rPr lang="en-MY" sz="600" b="0" i="1" dirty="0">
+                          <a:solidFill>
+                            <a:srgbClr val="FF0000"/>
+                          </a:solidFill>
+                          <a:latin typeface="Aptos Narrow" panose="020B0004020202020204" pitchFamily="34" charset="0"/>
+                        </a:rPr>
+                        <a:t>offside</a:t>
+                      </a:r>
+                      <a:endParaRPr lang="en-MY" sz="600" dirty="0">
+                        <a:solidFill>
+                          <a:srgbClr val="FF0000"/>
+                        </a:solidFill>
+                        <a:latin typeface="Arial Black" panose="020B0A04020102020204" pitchFamily="34" charset="0"/>
+                      </a:endParaRPr>
+                    </a:p>
+                  </a:txBody>
+                  <a:tcPr marL="0" marR="0" marT="0" marB="0" anchor="ctr"/>
+                </a:tc>
+                <a:extLst>
+                  <a:ext uri="{0D108BD9-81ED-4DB2-BD59-A6C34878D82A}">
+                    <a16:rowId xmlns:a16="http://schemas.microsoft.com/office/drawing/2014/main" val="3707019487"/>
+                  </a:ext>
+                </a:extLst>
+              </a:tr>
+              <a:tr h="182182">
+                <a:tc>
+                  <a:txBody>
+                    <a:bodyPr/>
+                    <a:lstStyle/>
+                    <a:p>
+                      <a:pPr algn="ctr"/>
+                      <a:r>
+                        <a:rPr lang="en-MY" sz="1000" b="1" dirty="0">
+                          <a:solidFill>
+                            <a:schemeClr val="tx1"/>
+                          </a:solidFill>
+                          <a:latin typeface="Aptos Narrow" panose="020B0004020202020204" pitchFamily="34" charset="0"/>
+                        </a:rPr>
+                        <a:t>GA</a:t>
+                      </a:r>
+                    </a:p>
+                  </a:txBody>
+                  <a:tcPr marL="0" marR="0" marT="0" marB="0" anchor="ctr">
+                    <a:solidFill>
+                      <a:schemeClr val="accent2">
+                        <a:lumMod val="40000"/>
+                        <a:lumOff val="60000"/>
+                      </a:schemeClr>
+                    </a:solidFill>
+                  </a:tcPr>
+                </a:tc>
+                <a:tc>
+                  <a:txBody>
+                    <a:bodyPr/>
+                    <a:lstStyle/>
+                    <a:p>
+                      <a:pPr algn="ctr"/>
+                      <a:r>
+                        <a:rPr lang="en-MY" sz="1000" dirty="0">
+                          <a:solidFill>
+                            <a:schemeClr val="accent6">
+                              <a:lumMod val="75000"/>
+                            </a:schemeClr>
+                          </a:solidFill>
+                          <a:latin typeface="Arial Black" panose="020B0A04020102020204" pitchFamily="34" charset="0"/>
+                        </a:rPr>
+                        <a:t>A</a:t>
+                      </a:r>
+                    </a:p>
+                  </a:txBody>
+                  <a:tcPr marL="0" marR="0" marT="0" marB="0" anchor="ctr"/>
+                </a:tc>
+                <a:tc>
+                  <a:txBody>
+                    <a:bodyPr/>
+                    <a:lstStyle/>
+                    <a:p>
+                      <a:pPr algn="ctr"/>
+                      <a:r>
+                        <a:rPr lang="en-MY" sz="1000" dirty="0">
+                          <a:solidFill>
+                            <a:schemeClr val="accent6">
+                              <a:lumMod val="75000"/>
+                            </a:schemeClr>
+                          </a:solidFill>
+                          <a:latin typeface="Arial Black" panose="020B0A04020102020204" pitchFamily="34" charset="0"/>
+                        </a:rPr>
+                        <a:t>B</a:t>
+                      </a:r>
+                    </a:p>
+                  </a:txBody>
+                  <a:tcPr marL="0" marR="0" marT="0" marB="0" anchor="ctr"/>
+                </a:tc>
+                <a:tc>
+                  <a:txBody>
+                    <a:bodyPr/>
+                    <a:lstStyle/>
+                    <a:p>
+                      <a:pPr algn="ctr"/>
+                      <a:r>
+                        <a:rPr lang="en-MY" sz="1000" dirty="0">
+                          <a:solidFill>
+                            <a:schemeClr val="accent6">
+                              <a:lumMod val="75000"/>
+                            </a:schemeClr>
+                          </a:solidFill>
+                          <a:latin typeface="Arial Black" panose="020B0A04020102020204" pitchFamily="34" charset="0"/>
+                        </a:rPr>
+                        <a:t>C</a:t>
+                      </a:r>
+                    </a:p>
+                  </a:txBody>
+                  <a:tcPr marL="0" marR="0" marT="0" marB="0" anchor="ctr"/>
+                </a:tc>
+                <a:tc>
+                  <a:txBody>
+                    <a:bodyPr/>
+                    <a:lstStyle/>
+                    <a:p>
+                      <a:pPr algn="ctr"/>
+                      <a:r>
+                        <a:rPr lang="en-MY" sz="600" b="0" i="1" dirty="0">
+                          <a:solidFill>
+                            <a:srgbClr val="FF0000"/>
+                          </a:solidFill>
+                          <a:latin typeface="Aptos Narrow" panose="020B0004020202020204" pitchFamily="34" charset="0"/>
+                        </a:rPr>
+                        <a:t>offside</a:t>
+                      </a:r>
+                      <a:endParaRPr lang="en-MY" sz="600" dirty="0">
+                        <a:solidFill>
+                          <a:srgbClr val="FF0000"/>
+                        </a:solidFill>
+                        <a:latin typeface="Arial Black" panose="020B0A04020102020204" pitchFamily="34" charset="0"/>
+                      </a:endParaRPr>
+                    </a:p>
+                  </a:txBody>
+                  <a:tcPr marL="0" marR="0" marT="0" marB="0" anchor="ctr"/>
+                </a:tc>
+                <a:tc>
+                  <a:txBody>
+                    <a:bodyPr/>
+                    <a:lstStyle/>
+                    <a:p>
+                      <a:pPr algn="ctr"/>
+                      <a:r>
+                        <a:rPr lang="en-MY" sz="600" b="0" i="1" dirty="0">
+                          <a:solidFill>
+                            <a:srgbClr val="FF0000"/>
+                          </a:solidFill>
+                          <a:latin typeface="Aptos Narrow" panose="020B0004020202020204" pitchFamily="34" charset="0"/>
+                        </a:rPr>
+                        <a:t>offside</a:t>
+                      </a:r>
+                      <a:endParaRPr lang="en-MY" sz="600" dirty="0">
+                        <a:solidFill>
+                          <a:srgbClr val="FF0000"/>
+                        </a:solidFill>
+                        <a:latin typeface="Arial Black" panose="020B0A04020102020204" pitchFamily="34" charset="0"/>
+                      </a:endParaRPr>
+                    </a:p>
+                  </a:txBody>
+                  <a:tcPr marL="0" marR="0" marT="0" marB="0" anchor="ctr"/>
+                </a:tc>
+                <a:extLst>
+                  <a:ext uri="{0D108BD9-81ED-4DB2-BD59-A6C34878D82A}">
+                    <a16:rowId xmlns:a16="http://schemas.microsoft.com/office/drawing/2014/main" val="146523765"/>
+                  </a:ext>
+                </a:extLst>
+              </a:tr>
+              <a:tr h="182182">
+                <a:tc>
+                  <a:txBody>
+                    <a:bodyPr/>
+                    <a:lstStyle/>
+                    <a:p>
+                      <a:pPr algn="ctr"/>
+                      <a:r>
+                        <a:rPr lang="en-MY" sz="1000" b="1" dirty="0">
+                          <a:solidFill>
+                            <a:schemeClr val="tx1"/>
+                          </a:solidFill>
+                          <a:latin typeface="Aptos Narrow" panose="020B0004020202020204" pitchFamily="34" charset="0"/>
+                        </a:rPr>
+                        <a:t>WA</a:t>
+                      </a:r>
+                    </a:p>
+                  </a:txBody>
+                  <a:tcPr marL="0" marR="0" marT="0" marB="0" anchor="ctr">
+                    <a:solidFill>
+                      <a:schemeClr val="accent2">
+                        <a:lumMod val="40000"/>
+                        <a:lumOff val="60000"/>
+                      </a:schemeClr>
+                    </a:solidFill>
+                  </a:tcPr>
+                </a:tc>
+                <a:tc>
+                  <a:txBody>
+                    <a:bodyPr/>
+                    <a:lstStyle/>
+                    <a:p>
+                      <a:pPr algn="ctr"/>
+                      <a:r>
+                        <a:rPr lang="en-MY" sz="600" b="0" i="1" dirty="0">
+                          <a:solidFill>
+                            <a:srgbClr val="FF0000"/>
+                          </a:solidFill>
+                          <a:latin typeface="Aptos Narrow" panose="020B0004020202020204" pitchFamily="34" charset="0"/>
+                        </a:rPr>
+                        <a:t>offside</a:t>
+                      </a:r>
+                    </a:p>
+                  </a:txBody>
+                  <a:tcPr marL="0" marR="0" marT="0" marB="0" anchor="ctr"/>
+                </a:tc>
+                <a:tc>
+                  <a:txBody>
+                    <a:bodyPr/>
+                    <a:lstStyle/>
+                    <a:p>
+                      <a:pPr algn="ctr"/>
+                      <a:r>
+                        <a:rPr lang="en-MY" sz="1000" dirty="0">
+                          <a:solidFill>
+                            <a:schemeClr val="accent6">
+                              <a:lumMod val="75000"/>
+                            </a:schemeClr>
+                          </a:solidFill>
+                          <a:latin typeface="Arial Black" panose="020B0A04020102020204" pitchFamily="34" charset="0"/>
+                        </a:rPr>
+                        <a:t>B</a:t>
+                      </a:r>
+                    </a:p>
+                  </a:txBody>
+                  <a:tcPr marL="0" marR="0" marT="0" marB="0" anchor="ctr"/>
+                </a:tc>
+                <a:tc>
+                  <a:txBody>
+                    <a:bodyPr/>
+                    <a:lstStyle/>
+                    <a:p>
+                      <a:pPr algn="ctr"/>
+                      <a:r>
+                        <a:rPr lang="en-MY" sz="1000" dirty="0">
+                          <a:solidFill>
+                            <a:schemeClr val="accent6">
+                              <a:lumMod val="75000"/>
+                            </a:schemeClr>
+                          </a:solidFill>
+                          <a:latin typeface="Arial Black" panose="020B0A04020102020204" pitchFamily="34" charset="0"/>
+                        </a:rPr>
+                        <a:t>C</a:t>
+                      </a:r>
+                    </a:p>
+                  </a:txBody>
+                  <a:tcPr marL="0" marR="0" marT="0" marB="0" anchor="ctr"/>
+                </a:tc>
+                <a:tc>
+                  <a:txBody>
+                    <a:bodyPr/>
+                    <a:lstStyle/>
+                    <a:p>
+                      <a:pPr algn="ctr"/>
+                      <a:r>
+                        <a:rPr lang="en-MY" sz="600" b="0" i="1" dirty="0">
+                          <a:solidFill>
+                            <a:srgbClr val="FF0000"/>
+                          </a:solidFill>
+                          <a:latin typeface="Aptos Narrow" panose="020B0004020202020204" pitchFamily="34" charset="0"/>
+                        </a:rPr>
+                        <a:t>offside</a:t>
+                      </a:r>
+                      <a:endParaRPr lang="en-MY" sz="600" dirty="0">
+                        <a:solidFill>
+                          <a:srgbClr val="FF0000"/>
+                        </a:solidFill>
+                        <a:latin typeface="Arial Black" panose="020B0A04020102020204" pitchFamily="34" charset="0"/>
+                      </a:endParaRPr>
+                    </a:p>
+                  </a:txBody>
+                  <a:tcPr marL="0" marR="0" marT="0" marB="0" anchor="ctr"/>
+                </a:tc>
+                <a:tc>
+                  <a:txBody>
+                    <a:bodyPr/>
+                    <a:lstStyle/>
+                    <a:p>
+                      <a:pPr algn="ctr"/>
+                      <a:r>
+                        <a:rPr lang="en-MY" sz="600" b="0" i="1" dirty="0">
+                          <a:solidFill>
+                            <a:srgbClr val="FF0000"/>
+                          </a:solidFill>
+                          <a:latin typeface="Aptos Narrow" panose="020B0004020202020204" pitchFamily="34" charset="0"/>
+                        </a:rPr>
+                        <a:t>offside</a:t>
+                      </a:r>
+                      <a:endParaRPr lang="en-MY" sz="600" dirty="0">
+                        <a:solidFill>
+                          <a:srgbClr val="FF0000"/>
+                        </a:solidFill>
+                        <a:latin typeface="Arial Black" panose="020B0A04020102020204" pitchFamily="34" charset="0"/>
+                      </a:endParaRPr>
+                    </a:p>
+                  </a:txBody>
+                  <a:tcPr marL="0" marR="0" marT="0" marB="0" anchor="ctr"/>
+                </a:tc>
+                <a:extLst>
+                  <a:ext uri="{0D108BD9-81ED-4DB2-BD59-A6C34878D82A}">
+                    <a16:rowId xmlns:a16="http://schemas.microsoft.com/office/drawing/2014/main" val="4141001796"/>
+                  </a:ext>
+                </a:extLst>
+              </a:tr>
+              <a:tr h="182182">
+                <a:tc>
+                  <a:txBody>
+                    <a:bodyPr/>
+                    <a:lstStyle/>
+                    <a:p>
+                      <a:pPr algn="ctr"/>
+                      <a:r>
+                        <a:rPr lang="en-MY" sz="1000" b="1" dirty="0">
+                          <a:solidFill>
+                            <a:schemeClr val="tx1"/>
+                          </a:solidFill>
+                          <a:latin typeface="Aptos Narrow" panose="020B0004020202020204" pitchFamily="34" charset="0"/>
+                        </a:rPr>
+                        <a:t>C</a:t>
+                      </a:r>
+                    </a:p>
+                  </a:txBody>
+                  <a:tcPr marL="0" marR="0" marT="0" marB="0" anchor="ctr">
+                    <a:solidFill>
+                      <a:schemeClr val="accent2">
+                        <a:lumMod val="40000"/>
+                        <a:lumOff val="60000"/>
+                      </a:schemeClr>
+                    </a:solidFill>
+                  </a:tcPr>
+                </a:tc>
+                <a:tc>
+                  <a:txBody>
+                    <a:bodyPr/>
+                    <a:lstStyle/>
+                    <a:p>
+                      <a:pPr marL="0" marR="0" lvl="0" indent="0" algn="ctr" defTabSz="914400" rtl="0" eaLnBrk="1" fontAlgn="auto" latinLnBrk="0" hangingPunct="1">
+                        <a:lnSpc>
+                          <a:spcPct val="100000"/>
+                        </a:lnSpc>
+                        <a:spcBef>
+                          <a:spcPts val="0"/>
+                        </a:spcBef>
+                        <a:spcAft>
+                          <a:spcPts val="0"/>
+                        </a:spcAft>
+                        <a:buClrTx/>
+                        <a:buSzTx/>
+                        <a:buFontTx/>
+                        <a:buNone/>
+                        <a:tabLst/>
+                        <a:defRPr/>
+                      </a:pPr>
+                      <a:r>
+                        <a:rPr lang="en-MY" sz="600" b="0" i="1" dirty="0">
+                          <a:solidFill>
+                            <a:srgbClr val="FF0000"/>
+                          </a:solidFill>
+                          <a:latin typeface="Aptos Narrow" panose="020B0004020202020204" pitchFamily="34" charset="0"/>
+                        </a:rPr>
+                        <a:t>offside</a:t>
+                      </a:r>
+                    </a:p>
+                  </a:txBody>
+                  <a:tcPr marL="0" marR="0" marT="0" marB="0" anchor="ctr"/>
+                </a:tc>
+                <a:tc>
+                  <a:txBody>
+                    <a:bodyPr/>
+                    <a:lstStyle/>
+                    <a:p>
+                      <a:pPr algn="ctr"/>
+                      <a:r>
+                        <a:rPr lang="en-MY" sz="1000" dirty="0">
+                          <a:solidFill>
+                            <a:schemeClr val="accent6">
+                              <a:lumMod val="75000"/>
+                            </a:schemeClr>
+                          </a:solidFill>
+                          <a:latin typeface="Arial Black" panose="020B0A04020102020204" pitchFamily="34" charset="0"/>
+                        </a:rPr>
+                        <a:t>B</a:t>
+                      </a:r>
+                    </a:p>
+                  </a:txBody>
+                  <a:tcPr marL="0" marR="0" marT="0" marB="0" anchor="ctr"/>
+                </a:tc>
+                <a:tc>
+                  <a:txBody>
+                    <a:bodyPr/>
+                    <a:lstStyle/>
+                    <a:p>
+                      <a:pPr algn="ctr"/>
+                      <a:r>
+                        <a:rPr lang="en-MY" sz="1000" dirty="0">
+                          <a:solidFill>
+                            <a:schemeClr val="accent6">
+                              <a:lumMod val="75000"/>
+                            </a:schemeClr>
+                          </a:solidFill>
+                          <a:latin typeface="Arial Black" panose="020B0A04020102020204" pitchFamily="34" charset="0"/>
+                        </a:rPr>
+                        <a:t>C</a:t>
+                      </a:r>
+                    </a:p>
+                  </a:txBody>
+                  <a:tcPr marL="0" marR="0" marT="0" marB="0" anchor="ctr"/>
+                </a:tc>
+                <a:tc>
+                  <a:txBody>
+                    <a:bodyPr/>
+                    <a:lstStyle/>
+                    <a:p>
+                      <a:pPr algn="ctr"/>
+                      <a:r>
+                        <a:rPr lang="en-MY" sz="1000" dirty="0">
+                          <a:solidFill>
+                            <a:schemeClr val="accent6">
+                              <a:lumMod val="75000"/>
+                            </a:schemeClr>
+                          </a:solidFill>
+                          <a:latin typeface="Arial Black" panose="020B0A04020102020204" pitchFamily="34" charset="0"/>
+                        </a:rPr>
+                        <a:t>D</a:t>
+                      </a:r>
+                    </a:p>
+                  </a:txBody>
+                  <a:tcPr marL="0" marR="0" marT="0" marB="0" anchor="ctr"/>
+                </a:tc>
+                <a:tc>
+                  <a:txBody>
+                    <a:bodyPr/>
+                    <a:lstStyle/>
+                    <a:p>
+                      <a:pPr algn="ctr"/>
+                      <a:r>
+                        <a:rPr lang="en-MY" sz="600" b="0" i="1" dirty="0">
+                          <a:solidFill>
+                            <a:srgbClr val="FF0000"/>
+                          </a:solidFill>
+                          <a:latin typeface="Aptos Narrow" panose="020B0004020202020204" pitchFamily="34" charset="0"/>
+                        </a:rPr>
+                        <a:t>offside</a:t>
+                      </a:r>
+                      <a:endParaRPr lang="en-MY" sz="600" dirty="0">
+                        <a:solidFill>
+                          <a:srgbClr val="FF0000"/>
+                        </a:solidFill>
+                        <a:latin typeface="Arial Black" panose="020B0A04020102020204" pitchFamily="34" charset="0"/>
+                      </a:endParaRPr>
+                    </a:p>
+                  </a:txBody>
+                  <a:tcPr marL="0" marR="0" marT="0" marB="0" anchor="ctr"/>
+                </a:tc>
+                <a:extLst>
+                  <a:ext uri="{0D108BD9-81ED-4DB2-BD59-A6C34878D82A}">
+                    <a16:rowId xmlns:a16="http://schemas.microsoft.com/office/drawing/2014/main" val="810300416"/>
+                  </a:ext>
+                </a:extLst>
+              </a:tr>
+              <a:tr h="182182">
+                <a:tc>
+                  <a:txBody>
+                    <a:bodyPr/>
+                    <a:lstStyle/>
+                    <a:p>
+                      <a:pPr algn="ctr"/>
+                      <a:r>
+                        <a:rPr lang="en-MY" sz="1000" b="1" dirty="0">
+                          <a:solidFill>
+                            <a:schemeClr val="tx1"/>
+                          </a:solidFill>
+                          <a:latin typeface="Aptos Narrow" panose="020B0004020202020204" pitchFamily="34" charset="0"/>
+                        </a:rPr>
+                        <a:t>WD</a:t>
+                      </a:r>
+                    </a:p>
+                  </a:txBody>
+                  <a:tcPr marL="0" marR="0" marT="0" marB="0" anchor="ctr">
+                    <a:solidFill>
+                      <a:schemeClr val="accent2">
+                        <a:lumMod val="40000"/>
+                        <a:lumOff val="60000"/>
+                      </a:schemeClr>
+                    </a:solidFill>
+                  </a:tcPr>
+                </a:tc>
+                <a:tc>
+                  <a:txBody>
+                    <a:bodyPr/>
+                    <a:lstStyle/>
+                    <a:p>
+                      <a:pPr marL="0" marR="0" lvl="0" indent="0" algn="ctr" defTabSz="914400" rtl="0" eaLnBrk="1" fontAlgn="auto" latinLnBrk="0" hangingPunct="1">
+                        <a:lnSpc>
+                          <a:spcPct val="100000"/>
+                        </a:lnSpc>
+                        <a:spcBef>
+                          <a:spcPts val="0"/>
+                        </a:spcBef>
+                        <a:spcAft>
+                          <a:spcPts val="0"/>
+                        </a:spcAft>
+                        <a:buClrTx/>
+                        <a:buSzTx/>
+                        <a:buFontTx/>
+                        <a:buNone/>
+                        <a:tabLst/>
+                        <a:defRPr/>
+                      </a:pPr>
+                      <a:r>
+                        <a:rPr lang="en-MY" sz="600" b="0" i="1" dirty="0">
+                          <a:solidFill>
+                            <a:srgbClr val="FF0000"/>
+                          </a:solidFill>
+                          <a:latin typeface="Aptos Narrow" panose="020B0004020202020204" pitchFamily="34" charset="0"/>
+                        </a:rPr>
+                        <a:t>offside</a:t>
+                      </a:r>
+                    </a:p>
+                  </a:txBody>
+                  <a:tcPr marL="0" marR="0" marT="0" marB="0" anchor="ctr"/>
+                </a:tc>
+                <a:tc>
+                  <a:txBody>
+                    <a:bodyPr/>
+                    <a:lstStyle/>
+                    <a:p>
+                      <a:pPr marL="0" marR="0" lvl="0" indent="0" algn="ctr" defTabSz="914400" rtl="0" eaLnBrk="1" fontAlgn="auto" latinLnBrk="0" hangingPunct="1">
+                        <a:lnSpc>
+                          <a:spcPct val="100000"/>
+                        </a:lnSpc>
+                        <a:spcBef>
+                          <a:spcPts val="0"/>
+                        </a:spcBef>
+                        <a:spcAft>
+                          <a:spcPts val="0"/>
+                        </a:spcAft>
+                        <a:buClrTx/>
+                        <a:buSzTx/>
+                        <a:buFontTx/>
+                        <a:buNone/>
+                        <a:tabLst/>
+                        <a:defRPr/>
+                      </a:pPr>
+                      <a:r>
+                        <a:rPr lang="en-MY" sz="600" b="0" i="1" dirty="0">
+                          <a:solidFill>
+                            <a:srgbClr val="FF0000"/>
+                          </a:solidFill>
+                          <a:latin typeface="Aptos Narrow" panose="020B0004020202020204" pitchFamily="34" charset="0"/>
+                        </a:rPr>
+                        <a:t>offside</a:t>
+                      </a:r>
+                    </a:p>
+                  </a:txBody>
+                  <a:tcPr marL="0" marR="0" marT="0" marB="0" anchor="ctr"/>
+                </a:tc>
+                <a:tc>
+                  <a:txBody>
+                    <a:bodyPr/>
+                    <a:lstStyle/>
+                    <a:p>
+                      <a:pPr algn="ctr"/>
+                      <a:r>
+                        <a:rPr lang="en-MY" sz="1000" dirty="0">
+                          <a:solidFill>
+                            <a:schemeClr val="accent6">
+                              <a:lumMod val="75000"/>
+                            </a:schemeClr>
+                          </a:solidFill>
+                          <a:latin typeface="Arial Black" panose="020B0A04020102020204" pitchFamily="34" charset="0"/>
+                        </a:rPr>
+                        <a:t>C</a:t>
+                      </a:r>
+                    </a:p>
+                  </a:txBody>
+                  <a:tcPr marL="0" marR="0" marT="0" marB="0" anchor="ctr"/>
+                </a:tc>
+                <a:tc>
+                  <a:txBody>
+                    <a:bodyPr/>
+                    <a:lstStyle/>
+                    <a:p>
+                      <a:pPr algn="ctr"/>
+                      <a:r>
+                        <a:rPr lang="en-MY" sz="1000" dirty="0">
+                          <a:solidFill>
+                            <a:schemeClr val="accent6">
+                              <a:lumMod val="75000"/>
+                            </a:schemeClr>
+                          </a:solidFill>
+                          <a:latin typeface="Arial Black" panose="020B0A04020102020204" pitchFamily="34" charset="0"/>
+                        </a:rPr>
+                        <a:t>D</a:t>
+                      </a:r>
+                    </a:p>
+                  </a:txBody>
+                  <a:tcPr marL="0" marR="0" marT="0" marB="0" anchor="ctr"/>
+                </a:tc>
+                <a:tc>
+                  <a:txBody>
+                    <a:bodyPr/>
+                    <a:lstStyle/>
+                    <a:p>
+                      <a:pPr algn="ctr"/>
+                      <a:r>
+                        <a:rPr lang="en-MY" sz="600" b="0" i="1" dirty="0">
+                          <a:solidFill>
+                            <a:srgbClr val="FF0000"/>
+                          </a:solidFill>
+                          <a:latin typeface="Aptos Narrow" panose="020B0004020202020204" pitchFamily="34" charset="0"/>
+                        </a:rPr>
+                        <a:t>offside</a:t>
+                      </a:r>
+                      <a:endParaRPr lang="en-MY" sz="600" dirty="0">
+                        <a:solidFill>
+                          <a:srgbClr val="FF0000"/>
+                        </a:solidFill>
+                        <a:latin typeface="Arial Black" panose="020B0A04020102020204" pitchFamily="34" charset="0"/>
+                      </a:endParaRPr>
+                    </a:p>
+                  </a:txBody>
+                  <a:tcPr marL="0" marR="0" marT="0" marB="0" anchor="ctr"/>
+                </a:tc>
+                <a:extLst>
+                  <a:ext uri="{0D108BD9-81ED-4DB2-BD59-A6C34878D82A}">
+                    <a16:rowId xmlns:a16="http://schemas.microsoft.com/office/drawing/2014/main" val="4154161530"/>
+                  </a:ext>
+                </a:extLst>
+              </a:tr>
+              <a:tr h="182182">
+                <a:tc>
+                  <a:txBody>
+                    <a:bodyPr/>
+                    <a:lstStyle/>
+                    <a:p>
+                      <a:pPr algn="ctr"/>
+                      <a:r>
+                        <a:rPr lang="en-MY" sz="1000" b="1" dirty="0">
+                          <a:solidFill>
+                            <a:schemeClr val="tx1"/>
+                          </a:solidFill>
+                          <a:latin typeface="Aptos Narrow" panose="020B0004020202020204" pitchFamily="34" charset="0"/>
+                        </a:rPr>
+                        <a:t>GD</a:t>
+                      </a:r>
+                    </a:p>
+                  </a:txBody>
+                  <a:tcPr marL="0" marR="0" marT="0" marB="0" anchor="ctr">
+                    <a:solidFill>
+                      <a:schemeClr val="accent2">
+                        <a:lumMod val="40000"/>
+                        <a:lumOff val="60000"/>
+                      </a:schemeClr>
+                    </a:solidFill>
+                  </a:tcPr>
+                </a:tc>
+                <a:tc>
+                  <a:txBody>
+                    <a:bodyPr/>
+                    <a:lstStyle/>
+                    <a:p>
+                      <a:pPr marL="0" marR="0" lvl="0" indent="0" algn="ctr" defTabSz="914400" rtl="0" eaLnBrk="1" fontAlgn="auto" latinLnBrk="0" hangingPunct="1">
+                        <a:lnSpc>
+                          <a:spcPct val="100000"/>
+                        </a:lnSpc>
+                        <a:spcBef>
+                          <a:spcPts val="0"/>
+                        </a:spcBef>
+                        <a:spcAft>
+                          <a:spcPts val="0"/>
+                        </a:spcAft>
+                        <a:buClrTx/>
+                        <a:buSzTx/>
+                        <a:buFontTx/>
+                        <a:buNone/>
+                        <a:tabLst/>
+                        <a:defRPr/>
+                      </a:pPr>
+                      <a:r>
+                        <a:rPr lang="en-MY" sz="600" b="0" i="1" dirty="0">
+                          <a:solidFill>
+                            <a:srgbClr val="FF0000"/>
+                          </a:solidFill>
+                          <a:latin typeface="Aptos Narrow" panose="020B0004020202020204" pitchFamily="34" charset="0"/>
+                        </a:rPr>
+                        <a:t>offside</a:t>
+                      </a:r>
+                    </a:p>
+                  </a:txBody>
+                  <a:tcPr marL="0" marR="0" marT="0" marB="0" anchor="ctr"/>
+                </a:tc>
+                <a:tc>
+                  <a:txBody>
+                    <a:bodyPr/>
+                    <a:lstStyle/>
+                    <a:p>
+                      <a:pPr marL="0" marR="0" lvl="0" indent="0" algn="ctr" defTabSz="914400" rtl="0" eaLnBrk="1" fontAlgn="auto" latinLnBrk="0" hangingPunct="1">
+                        <a:lnSpc>
+                          <a:spcPct val="100000"/>
+                        </a:lnSpc>
+                        <a:spcBef>
+                          <a:spcPts val="0"/>
+                        </a:spcBef>
+                        <a:spcAft>
+                          <a:spcPts val="0"/>
+                        </a:spcAft>
+                        <a:buClrTx/>
+                        <a:buSzTx/>
+                        <a:buFontTx/>
+                        <a:buNone/>
+                        <a:tabLst/>
+                        <a:defRPr/>
+                      </a:pPr>
+                      <a:r>
+                        <a:rPr lang="en-MY" sz="600" b="0" i="1" dirty="0">
+                          <a:solidFill>
+                            <a:srgbClr val="FF0000"/>
+                          </a:solidFill>
+                          <a:latin typeface="Aptos Narrow" panose="020B0004020202020204" pitchFamily="34" charset="0"/>
+                        </a:rPr>
+                        <a:t>offside</a:t>
+                      </a:r>
+                    </a:p>
+                  </a:txBody>
+                  <a:tcPr marL="0" marR="0" marT="0" marB="0" anchor="ctr"/>
+                </a:tc>
+                <a:tc>
+                  <a:txBody>
+                    <a:bodyPr/>
+                    <a:lstStyle/>
+                    <a:p>
+                      <a:pPr algn="ctr"/>
+                      <a:r>
+                        <a:rPr lang="en-MY" sz="1000" dirty="0">
+                          <a:solidFill>
+                            <a:schemeClr val="accent6">
+                              <a:lumMod val="75000"/>
+                            </a:schemeClr>
+                          </a:solidFill>
+                          <a:latin typeface="Arial Black" panose="020B0A04020102020204" pitchFamily="34" charset="0"/>
+                        </a:rPr>
+                        <a:t>C</a:t>
+                      </a:r>
+                    </a:p>
+                  </a:txBody>
+                  <a:tcPr marL="0" marR="0" marT="0" marB="0" anchor="ctr"/>
+                </a:tc>
+                <a:tc>
+                  <a:txBody>
+                    <a:bodyPr/>
+                    <a:lstStyle/>
+                    <a:p>
+                      <a:pPr algn="ctr"/>
+                      <a:r>
+                        <a:rPr lang="en-MY" sz="1000" dirty="0">
+                          <a:solidFill>
+                            <a:schemeClr val="accent6">
+                              <a:lumMod val="75000"/>
+                            </a:schemeClr>
+                          </a:solidFill>
+                          <a:latin typeface="Arial Black" panose="020B0A04020102020204" pitchFamily="34" charset="0"/>
+                        </a:rPr>
+                        <a:t>D</a:t>
+                      </a:r>
+                    </a:p>
+                  </a:txBody>
+                  <a:tcPr marL="0" marR="0" marT="0" marB="0" anchor="ctr"/>
+                </a:tc>
+                <a:tc>
+                  <a:txBody>
+                    <a:bodyPr/>
+                    <a:lstStyle/>
+                    <a:p>
+                      <a:pPr algn="ctr"/>
+                      <a:r>
+                        <a:rPr lang="en-MY" sz="1000" dirty="0">
+                          <a:solidFill>
+                            <a:schemeClr val="accent6">
+                              <a:lumMod val="75000"/>
+                            </a:schemeClr>
+                          </a:solidFill>
+                          <a:latin typeface="Arial Black" panose="020B0A04020102020204" pitchFamily="34" charset="0"/>
+                        </a:rPr>
+                        <a:t>E</a:t>
+                      </a:r>
+                    </a:p>
+                  </a:txBody>
+                  <a:tcPr marL="0" marR="0" marT="0" marB="0" anchor="ctr"/>
+                </a:tc>
+                <a:extLst>
+                  <a:ext uri="{0D108BD9-81ED-4DB2-BD59-A6C34878D82A}">
+                    <a16:rowId xmlns:a16="http://schemas.microsoft.com/office/drawing/2014/main" val="2478837805"/>
+                  </a:ext>
+                </a:extLst>
+              </a:tr>
+              <a:tr h="182182">
+                <a:tc>
+                  <a:txBody>
+                    <a:bodyPr/>
+                    <a:lstStyle/>
+                    <a:p>
+                      <a:pPr algn="ctr"/>
+                      <a:r>
+                        <a:rPr lang="en-MY" sz="1000" b="1" dirty="0">
+                          <a:solidFill>
+                            <a:schemeClr val="tx1"/>
+                          </a:solidFill>
+                          <a:latin typeface="Aptos Narrow" panose="020B0004020202020204" pitchFamily="34" charset="0"/>
+                        </a:rPr>
+                        <a:t>GK</a:t>
+                      </a:r>
+                    </a:p>
+                  </a:txBody>
+                  <a:tcPr marL="0" marR="0" marT="0" marB="0" anchor="ctr">
+                    <a:solidFill>
+                      <a:schemeClr val="accent2">
+                        <a:lumMod val="40000"/>
+                        <a:lumOff val="60000"/>
+                      </a:schemeClr>
+                    </a:solidFill>
+                  </a:tcPr>
+                </a:tc>
+                <a:tc>
+                  <a:txBody>
+                    <a:bodyPr/>
+                    <a:lstStyle/>
+                    <a:p>
+                      <a:pPr marL="0" marR="0" lvl="0" indent="0" algn="ctr" defTabSz="914400" rtl="0" eaLnBrk="1" fontAlgn="auto" latinLnBrk="0" hangingPunct="1">
+                        <a:lnSpc>
+                          <a:spcPct val="100000"/>
+                        </a:lnSpc>
+                        <a:spcBef>
+                          <a:spcPts val="0"/>
+                        </a:spcBef>
+                        <a:spcAft>
+                          <a:spcPts val="0"/>
+                        </a:spcAft>
+                        <a:buClrTx/>
+                        <a:buSzTx/>
+                        <a:buFontTx/>
+                        <a:buNone/>
+                        <a:tabLst/>
+                        <a:defRPr/>
+                      </a:pPr>
+                      <a:r>
+                        <a:rPr lang="en-MY" sz="600" b="0" i="1" dirty="0">
+                          <a:solidFill>
+                            <a:srgbClr val="FF0000"/>
+                          </a:solidFill>
+                          <a:latin typeface="Aptos Narrow" panose="020B0004020202020204" pitchFamily="34" charset="0"/>
+                        </a:rPr>
+                        <a:t>offside</a:t>
+                      </a:r>
+                    </a:p>
+                  </a:txBody>
+                  <a:tcPr marL="0" marR="0" marT="0" marB="0" anchor="ctr"/>
+                </a:tc>
+                <a:tc>
+                  <a:txBody>
+                    <a:bodyPr/>
+                    <a:lstStyle/>
+                    <a:p>
+                      <a:pPr marL="0" marR="0" lvl="0" indent="0" algn="ctr" defTabSz="914400" rtl="0" eaLnBrk="1" fontAlgn="auto" latinLnBrk="0" hangingPunct="1">
+                        <a:lnSpc>
+                          <a:spcPct val="100000"/>
+                        </a:lnSpc>
+                        <a:spcBef>
+                          <a:spcPts val="0"/>
+                        </a:spcBef>
+                        <a:spcAft>
+                          <a:spcPts val="0"/>
+                        </a:spcAft>
+                        <a:buClrTx/>
+                        <a:buSzTx/>
+                        <a:buFontTx/>
+                        <a:buNone/>
+                        <a:tabLst/>
+                        <a:defRPr/>
+                      </a:pPr>
+                      <a:r>
+                        <a:rPr lang="en-MY" sz="600" b="0" i="1" dirty="0">
+                          <a:solidFill>
+                            <a:srgbClr val="FF0000"/>
+                          </a:solidFill>
+                          <a:latin typeface="Aptos Narrow" panose="020B0004020202020204" pitchFamily="34" charset="0"/>
+                        </a:rPr>
+                        <a:t>offside</a:t>
+                      </a:r>
+                    </a:p>
+                  </a:txBody>
+                  <a:tcPr marL="0" marR="0" marT="0" marB="0" anchor="ctr"/>
+                </a:tc>
+                <a:tc>
+                  <a:txBody>
+                    <a:bodyPr/>
+                    <a:lstStyle/>
+                    <a:p>
+                      <a:pPr marL="0" marR="0" lvl="0" indent="0" algn="ctr" defTabSz="914400" rtl="0" eaLnBrk="1" fontAlgn="auto" latinLnBrk="0" hangingPunct="1">
+                        <a:lnSpc>
+                          <a:spcPct val="100000"/>
+                        </a:lnSpc>
+                        <a:spcBef>
+                          <a:spcPts val="0"/>
+                        </a:spcBef>
+                        <a:spcAft>
+                          <a:spcPts val="0"/>
+                        </a:spcAft>
+                        <a:buClrTx/>
+                        <a:buSzTx/>
+                        <a:buFontTx/>
+                        <a:buNone/>
+                        <a:tabLst/>
+                        <a:defRPr/>
+                      </a:pPr>
+                      <a:r>
+                        <a:rPr lang="en-MY" sz="600" b="0" i="1" dirty="0">
+                          <a:solidFill>
+                            <a:srgbClr val="FF0000"/>
+                          </a:solidFill>
+                          <a:latin typeface="Aptos Narrow" panose="020B0004020202020204" pitchFamily="34" charset="0"/>
+                        </a:rPr>
+                        <a:t>offside</a:t>
+                      </a:r>
+                    </a:p>
+                  </a:txBody>
+                  <a:tcPr marL="0" marR="0" marT="0" marB="0" anchor="ctr"/>
+                </a:tc>
+                <a:tc>
+                  <a:txBody>
+                    <a:bodyPr/>
+                    <a:lstStyle/>
+                    <a:p>
+                      <a:pPr algn="ctr"/>
+                      <a:r>
+                        <a:rPr lang="en-MY" sz="1000" dirty="0">
+                          <a:solidFill>
+                            <a:schemeClr val="accent6">
+                              <a:lumMod val="75000"/>
+                            </a:schemeClr>
+                          </a:solidFill>
+                          <a:latin typeface="Arial Black" panose="020B0A04020102020204" pitchFamily="34" charset="0"/>
+                        </a:rPr>
+                        <a:t>D</a:t>
+                      </a:r>
+                    </a:p>
+                  </a:txBody>
+                  <a:tcPr marL="0" marR="0" marT="0" marB="0" anchor="ctr"/>
+                </a:tc>
+                <a:tc>
+                  <a:txBody>
+                    <a:bodyPr/>
+                    <a:lstStyle/>
+                    <a:p>
+                      <a:pPr algn="ctr"/>
+                      <a:r>
+                        <a:rPr lang="en-MY" sz="1000" dirty="0">
+                          <a:solidFill>
+                            <a:schemeClr val="accent6">
+                              <a:lumMod val="75000"/>
+                            </a:schemeClr>
+                          </a:solidFill>
+                          <a:latin typeface="Arial Black" panose="020B0A04020102020204" pitchFamily="34" charset="0"/>
+                        </a:rPr>
+                        <a:t>E</a:t>
+                      </a:r>
+                    </a:p>
+                  </a:txBody>
+                  <a:tcPr marL="0" marR="0" marT="0" marB="0" anchor="ctr"/>
+                </a:tc>
+                <a:extLst>
+                  <a:ext uri="{0D108BD9-81ED-4DB2-BD59-A6C34878D82A}">
+                    <a16:rowId xmlns:a16="http://schemas.microsoft.com/office/drawing/2014/main" val="1294468614"/>
+                  </a:ext>
+                </a:extLst>
+              </a:tr>
+            </a:tbl>
+          </a:graphicData>
+        </a:graphic>
+      </p:graphicFrame>
+      <p:sp>
+        <p:nvSpPr>
+          <p:cNvPr id="35" name="Oval 34">
+            <a:extLst>
+              <a:ext uri="{FF2B5EF4-FFF2-40B4-BE49-F238E27FC236}">
+                <a16:creationId xmlns:a16="http://schemas.microsoft.com/office/drawing/2014/main" id="{ACA33353-399F-88BD-56DB-4BB6CD0600F4}"/>
+              </a:ext>
+            </a:extLst>
+          </p:cNvPr>
+          <p:cNvSpPr/>
+          <p:nvPr/>
+        </p:nvSpPr>
+        <p:spPr>
+          <a:xfrm>
+            <a:off x="7367931" y="1426708"/>
+            <a:ext cx="108000" cy="108000"/>
+          </a:xfrm>
+          <a:prstGeom prst="ellipse">
+            <a:avLst/>
+          </a:prstGeom>
+          <a:solidFill>
+            <a:schemeClr val="bg1"/>
+          </a:solidFill>
+          <a:ln>
+            <a:solidFill>
+              <a:srgbClr val="EC7C30"/>
+            </a:solidFill>
+          </a:ln>
+        </p:spPr>
+        <p:style>
+          <a:lnRef idx="2">
+            <a:schemeClr val="accent1">
+              <a:shade val="15000"/>
+            </a:schemeClr>
+          </a:lnRef>
+          <a:fillRef idx="1">
+            <a:schemeClr val="accent1"/>
+          </a:fillRef>
+          <a:effectRef idx="0">
+            <a:schemeClr val="accent1"/>
+          </a:effectRef>
+          <a:fontRef idx="minor">
+            <a:schemeClr val="lt1"/>
+          </a:fontRef>
+        </p:style>
+        <p:txBody>
+          <a:bodyPr rtlCol="0" anchor="ctr"/>
+          <a:lstStyle/>
+          <a:p>
+            <a:pPr algn="ctr"/>
+            <a:endParaRPr lang="en-MY"/>
+          </a:p>
+        </p:txBody>
+      </p:sp>
+      <p:pic>
+        <p:nvPicPr>
+          <p:cNvPr id="37" name="Picture 36">
+            <a:extLst>
+              <a:ext uri="{FF2B5EF4-FFF2-40B4-BE49-F238E27FC236}">
+                <a16:creationId xmlns:a16="http://schemas.microsoft.com/office/drawing/2014/main" id="{DC81A3FF-1DC2-09D7-0263-155B5F6A3B19}"/>
+              </a:ext>
+            </a:extLst>
+          </p:cNvPr>
+          <p:cNvPicPr>
+            <a:picLocks noChangeAspect="1"/>
+          </p:cNvPicPr>
+          <p:nvPr/>
+        </p:nvPicPr>
+        <p:blipFill rotWithShape="1">
+          <a:blip r:embed="rId2"/>
+          <a:srcRect l="56" r="56"/>
+          <a:stretch/>
+        </p:blipFill>
+        <p:spPr>
+          <a:xfrm>
+            <a:off x="626343" y="2670911"/>
+            <a:ext cx="1188000" cy="900000"/>
+          </a:xfrm>
+          <a:prstGeom prst="roundRect">
+            <a:avLst>
+              <a:gd name="adj" fmla="val 37119"/>
+            </a:avLst>
+          </a:prstGeom>
+        </p:spPr>
+      </p:pic>
+      <p:pic>
+        <p:nvPicPr>
+          <p:cNvPr id="38" name="Picture 37">
+            <a:extLst>
+              <a:ext uri="{FF2B5EF4-FFF2-40B4-BE49-F238E27FC236}">
+                <a16:creationId xmlns:a16="http://schemas.microsoft.com/office/drawing/2014/main" id="{24D4DAF3-9238-A9DC-8BEB-8D503FFD5ECC}"/>
+              </a:ext>
+            </a:extLst>
+          </p:cNvPr>
+          <p:cNvPicPr>
+            <a:picLocks noChangeAspect="1"/>
+          </p:cNvPicPr>
+          <p:nvPr/>
+        </p:nvPicPr>
+        <p:blipFill>
+          <a:blip r:embed="rId3"/>
+          <a:stretch>
+            <a:fillRect/>
+          </a:stretch>
+        </p:blipFill>
+        <p:spPr>
+          <a:xfrm>
+            <a:off x="3593378" y="2651341"/>
+            <a:ext cx="1200000" cy="900000"/>
+          </a:xfrm>
+          <a:prstGeom prst="roundRect">
+            <a:avLst>
+              <a:gd name="adj" fmla="val 44319"/>
+            </a:avLst>
+          </a:prstGeom>
+        </p:spPr>
+      </p:pic>
+      <p:pic>
+        <p:nvPicPr>
+          <p:cNvPr id="39" name="Picture 38">
+            <a:extLst>
+              <a:ext uri="{FF2B5EF4-FFF2-40B4-BE49-F238E27FC236}">
+                <a16:creationId xmlns:a16="http://schemas.microsoft.com/office/drawing/2014/main" id="{94107507-016E-B8C6-F8FC-35D45C47065D}"/>
+              </a:ext>
+            </a:extLst>
+          </p:cNvPr>
+          <p:cNvPicPr>
+            <a:picLocks noChangeAspect="1"/>
+          </p:cNvPicPr>
+          <p:nvPr/>
+        </p:nvPicPr>
+        <p:blipFill>
+          <a:blip r:embed="rId4"/>
+          <a:stretch>
+            <a:fillRect/>
+          </a:stretch>
+        </p:blipFill>
+        <p:spPr>
+          <a:xfrm>
+            <a:off x="2138413" y="2670911"/>
+            <a:ext cx="1200000" cy="900000"/>
+          </a:xfrm>
+          <a:prstGeom prst="roundRect">
+            <a:avLst>
+              <a:gd name="adj" fmla="val 44000"/>
+            </a:avLst>
+          </a:prstGeom>
+        </p:spPr>
+      </p:pic>
+      <p:sp>
+        <p:nvSpPr>
+          <p:cNvPr id="40" name="Oval 39">
+            <a:extLst>
+              <a:ext uri="{FF2B5EF4-FFF2-40B4-BE49-F238E27FC236}">
+                <a16:creationId xmlns:a16="http://schemas.microsoft.com/office/drawing/2014/main" id="{ADC291D4-3CE3-E5AB-A189-030002E8DB54}"/>
+              </a:ext>
+            </a:extLst>
+          </p:cNvPr>
+          <p:cNvSpPr/>
+          <p:nvPr/>
+        </p:nvSpPr>
+        <p:spPr>
+          <a:xfrm>
+            <a:off x="1063585" y="2488891"/>
+            <a:ext cx="288000" cy="288000"/>
+          </a:xfrm>
+          <a:prstGeom prst="ellipse">
+            <a:avLst/>
+          </a:prstGeom>
+        </p:spPr>
+        <p:style>
+          <a:lnRef idx="2">
+            <a:schemeClr val="dk1">
+              <a:shade val="15000"/>
+            </a:schemeClr>
+          </a:lnRef>
+          <a:fillRef idx="1">
+            <a:schemeClr val="dk1"/>
+          </a:fillRef>
+          <a:effectRef idx="0">
+            <a:schemeClr val="dk1"/>
+          </a:effectRef>
+          <a:fontRef idx="minor">
+            <a:schemeClr val="lt1"/>
+          </a:fontRef>
+        </p:style>
+        <p:txBody>
+          <a:bodyPr lIns="0" tIns="0" rIns="0" bIns="0" rtlCol="0" anchor="ctr"/>
+          <a:lstStyle/>
+          <a:p>
+            <a:pPr algn="ctr"/>
+            <a:r>
+              <a:rPr lang="en-MY" dirty="0"/>
+              <a:t>1</a:t>
+            </a:r>
+          </a:p>
+        </p:txBody>
+      </p:sp>
+      <p:sp>
+        <p:nvSpPr>
+          <p:cNvPr id="41" name="Oval 40">
+            <a:extLst>
+              <a:ext uri="{FF2B5EF4-FFF2-40B4-BE49-F238E27FC236}">
+                <a16:creationId xmlns:a16="http://schemas.microsoft.com/office/drawing/2014/main" id="{E47497AE-5B50-B491-4EB9-ADBB1692F4F9}"/>
+              </a:ext>
+            </a:extLst>
+          </p:cNvPr>
+          <p:cNvSpPr/>
+          <p:nvPr/>
+        </p:nvSpPr>
+        <p:spPr>
+          <a:xfrm>
+            <a:off x="2575899" y="2488891"/>
+            <a:ext cx="288000" cy="288000"/>
+          </a:xfrm>
+          <a:prstGeom prst="ellipse">
+            <a:avLst/>
+          </a:prstGeom>
+        </p:spPr>
+        <p:style>
+          <a:lnRef idx="2">
+            <a:schemeClr val="dk1">
+              <a:shade val="15000"/>
+            </a:schemeClr>
+          </a:lnRef>
+          <a:fillRef idx="1">
+            <a:schemeClr val="dk1"/>
+          </a:fillRef>
+          <a:effectRef idx="0">
+            <a:schemeClr val="dk1"/>
+          </a:effectRef>
+          <a:fontRef idx="minor">
+            <a:schemeClr val="lt1"/>
+          </a:fontRef>
+        </p:style>
+        <p:txBody>
+          <a:bodyPr lIns="0" tIns="0" rIns="0" bIns="0" rtlCol="0" anchor="ctr"/>
+          <a:lstStyle/>
+          <a:p>
+            <a:pPr algn="ctr"/>
+            <a:r>
+              <a:rPr lang="en-MY" dirty="0"/>
+              <a:t>2</a:t>
+            </a:r>
+          </a:p>
+        </p:txBody>
+      </p:sp>
+      <p:sp>
+        <p:nvSpPr>
+          <p:cNvPr id="42" name="Oval 41">
+            <a:extLst>
+              <a:ext uri="{FF2B5EF4-FFF2-40B4-BE49-F238E27FC236}">
+                <a16:creationId xmlns:a16="http://schemas.microsoft.com/office/drawing/2014/main" id="{72AE2DDF-FD05-CBB1-E0D2-9E683A3B0FEC}"/>
+              </a:ext>
+            </a:extLst>
+          </p:cNvPr>
+          <p:cNvSpPr/>
+          <p:nvPr/>
+        </p:nvSpPr>
+        <p:spPr>
+          <a:xfrm>
+            <a:off x="4018291" y="2484036"/>
+            <a:ext cx="288000" cy="288000"/>
+          </a:xfrm>
+          <a:prstGeom prst="ellipse">
+            <a:avLst/>
+          </a:prstGeom>
+        </p:spPr>
+        <p:style>
+          <a:lnRef idx="2">
+            <a:schemeClr val="dk1">
+              <a:shade val="15000"/>
+            </a:schemeClr>
+          </a:lnRef>
+          <a:fillRef idx="1">
+            <a:schemeClr val="dk1"/>
+          </a:fillRef>
+          <a:effectRef idx="0">
+            <a:schemeClr val="dk1"/>
+          </a:effectRef>
+          <a:fontRef idx="minor">
+            <a:schemeClr val="lt1"/>
+          </a:fontRef>
+        </p:style>
+        <p:txBody>
+          <a:bodyPr lIns="0" tIns="0" rIns="0" bIns="0" rtlCol="0" anchor="ctr"/>
+          <a:lstStyle/>
+          <a:p>
+            <a:pPr algn="ctr"/>
+            <a:r>
+              <a:rPr lang="en-MY" dirty="0"/>
+              <a:t>3</a:t>
+            </a:r>
+          </a:p>
+        </p:txBody>
+      </p:sp>
+      <p:graphicFrame>
+        <p:nvGraphicFramePr>
+          <p:cNvPr id="43" name="Table 42">
+            <a:extLst>
+              <a:ext uri="{FF2B5EF4-FFF2-40B4-BE49-F238E27FC236}">
+                <a16:creationId xmlns:a16="http://schemas.microsoft.com/office/drawing/2014/main" id="{D88CC13A-A828-DA9C-37BF-66C58BDE9F0D}"/>
+              </a:ext>
+            </a:extLst>
+          </p:cNvPr>
+          <p:cNvGraphicFramePr>
+            <a:graphicFrameLocks noGrp="1"/>
+          </p:cNvGraphicFramePr>
+          <p:nvPr>
+            <p:extLst>
+              <p:ext uri="{D42A27DB-BD31-4B8C-83A1-F6EECF244321}">
+                <p14:modId xmlns:p14="http://schemas.microsoft.com/office/powerpoint/2010/main" val="161424536"/>
+              </p:ext>
+            </p:extLst>
+          </p:nvPr>
+        </p:nvGraphicFramePr>
+        <p:xfrm>
+          <a:off x="847489" y="1781530"/>
+          <a:ext cx="3964984" cy="472440"/>
+        </p:xfrm>
+        <a:graphic>
+          <a:graphicData uri="http://schemas.openxmlformats.org/drawingml/2006/table">
+            <a:tbl>
+              <a:tblPr firstRow="1" bandRow="1">
+                <a:tableStyleId>{8A107856-5554-42FB-B03E-39F5DBC370BA}</a:tableStyleId>
+              </a:tblPr>
+              <a:tblGrid>
+                <a:gridCol w="991246">
+                  <a:extLst>
+                    <a:ext uri="{9D8B030D-6E8A-4147-A177-3AD203B41FA5}">
+                      <a16:colId xmlns:a16="http://schemas.microsoft.com/office/drawing/2014/main" val="3862931014"/>
+                    </a:ext>
+                  </a:extLst>
+                </a:gridCol>
+                <a:gridCol w="991246">
+                  <a:extLst>
+                    <a:ext uri="{9D8B030D-6E8A-4147-A177-3AD203B41FA5}">
+                      <a16:colId xmlns:a16="http://schemas.microsoft.com/office/drawing/2014/main" val="2696430992"/>
+                    </a:ext>
+                  </a:extLst>
+                </a:gridCol>
+                <a:gridCol w="991246">
+                  <a:extLst>
+                    <a:ext uri="{9D8B030D-6E8A-4147-A177-3AD203B41FA5}">
+                      <a16:colId xmlns:a16="http://schemas.microsoft.com/office/drawing/2014/main" val="2010556103"/>
+                    </a:ext>
+                  </a:extLst>
+                </a:gridCol>
+                <a:gridCol w="991246">
+                  <a:extLst>
+                    <a:ext uri="{9D8B030D-6E8A-4147-A177-3AD203B41FA5}">
+                      <a16:colId xmlns:a16="http://schemas.microsoft.com/office/drawing/2014/main" val="317182068"/>
+                    </a:ext>
+                  </a:extLst>
+                </a:gridCol>
+              </a:tblGrid>
+              <a:tr h="222145">
+                <a:tc rowSpan="2">
+                  <a:txBody>
+                    <a:bodyPr/>
+                    <a:lstStyle/>
+                    <a:p>
+                      <a:pPr algn="ctr"/>
+                      <a:r>
+                        <a:rPr lang="en-MY" sz="1100" b="0" dirty="0">
+                          <a:latin typeface="Aptos Narrow" panose="020B0004020202020204" pitchFamily="34" charset="0"/>
+                        </a:rPr>
+                        <a:t>Extra time, tie score</a:t>
+                      </a:r>
+                    </a:p>
+                  </a:txBody>
+                  <a:tcPr marL="45720" marR="45720" anchor="ctr"/>
+                </a:tc>
+                <a:tc>
+                  <a:txBody>
+                    <a:bodyPr/>
+                    <a:lstStyle/>
+                    <a:p>
+                      <a:pPr algn="ctr"/>
+                      <a:r>
+                        <a:rPr lang="en-MY" sz="1100" b="1" dirty="0">
+                          <a:latin typeface="Aptos Narrow" panose="020B0004020202020204" pitchFamily="34" charset="0"/>
+                        </a:rPr>
+                        <a:t>1</a:t>
+                      </a:r>
+                      <a:r>
+                        <a:rPr lang="en-MY" sz="1100" b="1" baseline="30000" dirty="0">
+                          <a:latin typeface="Aptos Narrow" panose="020B0004020202020204" pitchFamily="34" charset="0"/>
+                        </a:rPr>
+                        <a:t>st</a:t>
+                      </a:r>
+                      <a:r>
+                        <a:rPr lang="en-MY" sz="1100" b="0" dirty="0">
+                          <a:latin typeface="Aptos Narrow" panose="020B0004020202020204" pitchFamily="34" charset="0"/>
+                        </a:rPr>
+                        <a:t> Quarter</a:t>
+                      </a:r>
+                    </a:p>
+                  </a:txBody>
+                  <a:tcPr marL="45720" marR="45720" anchor="ctr"/>
+                </a:tc>
+                <a:tc>
+                  <a:txBody>
+                    <a:bodyPr/>
+                    <a:lstStyle/>
+                    <a:p>
+                      <a:pPr algn="ctr"/>
+                      <a:r>
+                        <a:rPr lang="en-MY" sz="1100" b="0" dirty="0">
+                          <a:latin typeface="Aptos Narrow" panose="020B0004020202020204" pitchFamily="34" charset="0"/>
+                        </a:rPr>
+                        <a:t>Interval</a:t>
+                      </a:r>
+                    </a:p>
+                  </a:txBody>
+                  <a:tcPr marL="45720" marR="45720" anchor="ctr"/>
+                </a:tc>
+                <a:tc>
+                  <a:txBody>
+                    <a:bodyPr/>
+                    <a:lstStyle/>
+                    <a:p>
+                      <a:pPr algn="ctr"/>
+                      <a:r>
+                        <a:rPr lang="en-MY" sz="1100" b="1" dirty="0">
+                          <a:latin typeface="Aptos Narrow" panose="020B0004020202020204" pitchFamily="34" charset="0"/>
+                        </a:rPr>
+                        <a:t>2</a:t>
+                      </a:r>
+                      <a:r>
+                        <a:rPr lang="en-MY" sz="1100" b="1" baseline="30000" dirty="0">
+                          <a:latin typeface="Aptos Narrow" panose="020B0004020202020204" pitchFamily="34" charset="0"/>
+                        </a:rPr>
+                        <a:t>nd</a:t>
+                      </a:r>
+                      <a:r>
+                        <a:rPr lang="en-MY" sz="1100" b="0" dirty="0">
+                          <a:latin typeface="Aptos Narrow" panose="020B0004020202020204" pitchFamily="34" charset="0"/>
+                        </a:rPr>
+                        <a:t> Quarter</a:t>
+                      </a:r>
+                    </a:p>
+                  </a:txBody>
+                  <a:tcPr marL="45720" marR="45720" anchor="ctr"/>
+                </a:tc>
+                <a:extLst>
+                  <a:ext uri="{0D108BD9-81ED-4DB2-BD59-A6C34878D82A}">
+                    <a16:rowId xmlns:a16="http://schemas.microsoft.com/office/drawing/2014/main" val="575923786"/>
+                  </a:ext>
+                </a:extLst>
+              </a:tr>
+              <a:tr h="185120">
+                <a:tc vMerge="1">
+                  <a:txBody>
+                    <a:bodyPr/>
+                    <a:lstStyle/>
+                    <a:p>
+                      <a:pPr algn="ctr"/>
+                      <a:endParaRPr lang="en-MY" sz="900" b="0" dirty="0">
+                        <a:latin typeface="Aptos Narrow" panose="020B0004020202020204" pitchFamily="34" charset="0"/>
+                      </a:endParaRPr>
+                    </a:p>
+                  </a:txBody>
+                  <a:tcPr marL="45720" marR="45720" anchor="ctr"/>
+                </a:tc>
+                <a:tc>
+                  <a:txBody>
+                    <a:bodyPr/>
+                    <a:lstStyle/>
+                    <a:p>
+                      <a:pPr algn="ctr"/>
+                      <a:r>
+                        <a:rPr lang="en-MY" sz="800" b="0" dirty="0">
+                          <a:latin typeface="Aptos Narrow" panose="020B0004020202020204" pitchFamily="34" charset="0"/>
+                        </a:rPr>
+                        <a:t>7min</a:t>
+                      </a:r>
+                    </a:p>
+                  </a:txBody>
+                  <a:tcPr marL="45720" marR="45720" anchor="ctr"/>
+                </a:tc>
+                <a:tc>
+                  <a:txBody>
+                    <a:bodyPr/>
+                    <a:lstStyle/>
+                    <a:p>
+                      <a:pPr algn="ctr"/>
+                      <a:r>
+                        <a:rPr lang="en-MY" sz="800" b="0" dirty="0">
+                          <a:latin typeface="Aptos Narrow" panose="020B0004020202020204" pitchFamily="34" charset="0"/>
+                        </a:rPr>
+                        <a:t>1min</a:t>
+                      </a:r>
+                    </a:p>
+                  </a:txBody>
+                  <a:tcPr marL="45720" marR="45720" anchor="ctr"/>
+                </a:tc>
+                <a:tc>
+                  <a:txBody>
+                    <a:bodyPr/>
+                    <a:lstStyle/>
+                    <a:p>
+                      <a:pPr algn="ctr"/>
+                      <a:r>
+                        <a:rPr lang="en-MY" sz="800" b="0" dirty="0">
+                          <a:latin typeface="Aptos Narrow" panose="020B0004020202020204" pitchFamily="34" charset="0"/>
+                        </a:rPr>
+                        <a:t>7min</a:t>
+                      </a:r>
+                    </a:p>
+                  </a:txBody>
+                  <a:tcPr marL="45720" marR="45720" anchor="ctr"/>
+                </a:tc>
+                <a:extLst>
+                  <a:ext uri="{0D108BD9-81ED-4DB2-BD59-A6C34878D82A}">
+                    <a16:rowId xmlns:a16="http://schemas.microsoft.com/office/drawing/2014/main" val="2314297241"/>
+                  </a:ext>
+                </a:extLst>
+              </a:tr>
+            </a:tbl>
+          </a:graphicData>
+        </a:graphic>
+      </p:graphicFrame>
+      <p:sp>
+        <p:nvSpPr>
+          <p:cNvPr id="44" name="TextBox 43">
+            <a:extLst>
+              <a:ext uri="{FF2B5EF4-FFF2-40B4-BE49-F238E27FC236}">
+                <a16:creationId xmlns:a16="http://schemas.microsoft.com/office/drawing/2014/main" id="{4DB5A210-8E0A-5FE7-02EC-D98D4036FE49}"/>
+              </a:ext>
+            </a:extLst>
+          </p:cNvPr>
+          <p:cNvSpPr txBox="1"/>
+          <p:nvPr/>
+        </p:nvSpPr>
+        <p:spPr>
+          <a:xfrm>
+            <a:off x="251031" y="261685"/>
+            <a:ext cx="2370392" cy="369332"/>
+          </a:xfrm>
+          <a:prstGeom prst="rect">
+            <a:avLst/>
+          </a:prstGeom>
+          <a:noFill/>
+        </p:spPr>
+        <p:txBody>
+          <a:bodyPr wrap="none" rtlCol="0">
+            <a:spAutoFit/>
+          </a:bodyPr>
+          <a:lstStyle/>
+          <a:p>
+            <a:r>
+              <a:rPr lang="en-MY" dirty="0"/>
+              <a:t>Standard Netball Rules </a:t>
+            </a:r>
+          </a:p>
+        </p:txBody>
+      </p:sp>
+    </p:spTree>
+    <p:extLst>
+      <p:ext uri="{BB962C8B-B14F-4D97-AF65-F5344CB8AC3E}">
+        <p14:creationId xmlns:p14="http://schemas.microsoft.com/office/powerpoint/2010/main" val="2888662065"/>
+      </p:ext>
+    </p:extLst>
+  </p:cSld>
+  <p:clrMapOvr>
+    <a:masterClrMapping/>
+  </p:clrMapOvr>
 </p:sld>
 </file>
 
 <file path=ppt/theme/theme1.xml><?xml version="1.0" encoding="utf-8"?>
 <a:theme xmlns:a="http://schemas.openxmlformats.org/drawingml/2006/main" name="Office Theme">
   <a:themeElements>
-    <a:clrScheme name="Office">
+    <a:clrScheme name="Office Theme">
       <a:dk1>
         <a:sysClr val="windowText" lastClr="000000"/>
       </a:dk1>
@@ -5766,7 +11150,7 @@
         <a:srgbClr val="E7E6E6"/>
       </a:lt2>
       <a:accent1>
-        <a:srgbClr val="5B9BD5"/>
+        <a:srgbClr val="4472C4"/>
       </a:accent1>
       <a:accent2>
         <a:srgbClr val="ED7D31"/>
@@ -5778,7 +11162,7 @@
         <a:srgbClr val="FFC000"/>
       </a:accent4>
       <a:accent5>
-        <a:srgbClr val="4472C4"/>
+        <a:srgbClr val="5B9BD5"/>
       </a:accent5>
       <a:accent6>
         <a:srgbClr val="70AD47"/>
@@ -5790,14 +11174,14 @@
         <a:srgbClr val="954F72"/>
       </a:folHlink>
     </a:clrScheme>
-    <a:fontScheme name="Office">
+    <a:fontScheme name="Office Theme">
       <a:majorFont>
         <a:latin typeface="Calibri Light" panose="020F0302020204030204"/>
         <a:ea typeface=""/>
         <a:cs typeface=""/>
-        <a:font script="Jpan" typeface="ＭＳ Ｐゴシック"/>
+        <a:font script="Jpan" typeface="游ゴシック Light"/>
         <a:font script="Hang" typeface="맑은 고딕"/>
-        <a:font script="Hans" typeface="宋体"/>
+        <a:font script="Hans" typeface="等线 Light"/>
         <a:font script="Hant" typeface="新細明體"/>
         <a:font script="Arab" typeface="Times New Roman"/>
         <a:font script="Hebr" typeface="Times New Roman"/>
@@ -5830,9 +11214,9 @@
         <a:latin typeface="Calibri" panose="020F0502020204030204"/>
         <a:ea typeface=""/>
         <a:cs typeface=""/>
-        <a:font script="Jpan" typeface="ＭＳ Ｐゴシック"/>
+        <a:font script="Jpan" typeface="游ゴシック"/>
         <a:font script="Hang" typeface="맑은 고딕"/>
-        <a:font script="Hans" typeface="宋体"/>
+        <a:font script="Hans" typeface="等线"/>
         <a:font script="Hant" typeface="新細明體"/>
         <a:font script="Arab" typeface="Arial"/>
         <a:font script="Hebr" typeface="Arial"/>
@@ -5862,7 +11246,7 @@
         <a:font script="Geor" typeface="Sylfaen"/>
       </a:minorFont>
     </a:fontScheme>
-    <a:fmtScheme name="Office">
+    <a:fmtScheme name="Office Theme">
       <a:fillStyleLst>
         <a:solidFill>
           <a:schemeClr val="phClr"/>
@@ -6004,7 +11388,7 @@
   <a:extraClrSchemeLst/>
   <a:extLst>
     <a:ext uri="{05A4C25C-085E-4340-85A3-A5531E510DB2}">
-      <thm15:themeFamily xmlns:thm15="http://schemas.microsoft.com/office/thememl/2012/main" name="Office Theme" id="{62F939B6-93AF-4DB8-9C6B-D6C7DFDC589F}" vid="{4A3C46E8-61CC-4603-A589-7422A47A8E4A}"/>
+      <thm15:themeFamily xmlns:thm15="http://schemas.microsoft.com/office/thememl/2012/main" name="Office 2013 - 2022 Theme" id="{62F939B6-93AF-4DB8-9C6B-D6C7DFDC589F}" vid="{4A3C46E8-61CC-4603-A589-7422A47A8E4A}"/>
     </a:ext>
   </a:extLst>
 </a:theme>

--- a/netball.pptx
+++ b/netball.pptx
@@ -4,6 +4,9 @@
   <p:sldMasterIdLst>
     <p:sldMasterId id="2147483660" r:id="rId1"/>
   </p:sldMasterIdLst>
+  <p:notesMasterIdLst>
+    <p:notesMasterId r:id="rId4"/>
+  </p:notesMasterIdLst>
   <p:sldIdLst>
     <p:sldId id="257" r:id="rId2"/>
     <p:sldId id="258" r:id="rId3"/>
@@ -111,6 +114,2866 @@
     </p:ext>
   </p:extLst>
 </p:presentation>
+</file>
+
+<file path=ppt/diagrams/colors1.xml><?xml version="1.0" encoding="utf-8"?>
+<dgm:colorsDef xmlns:dgm="http://schemas.openxmlformats.org/drawingml/2006/diagram" xmlns:a="http://schemas.openxmlformats.org/drawingml/2006/main" uniqueId="urn:microsoft.com/office/officeart/2005/8/colors/accent1_2">
+  <dgm:title val=""/>
+  <dgm:desc val=""/>
+  <dgm:catLst>
+    <dgm:cat type="accent1" pri="11200"/>
+  </dgm:catLst>
+  <dgm:styleLbl name="node0">
+    <dgm:fillClrLst meth="repeat">
+      <a:schemeClr val="accent1"/>
+    </dgm:fillClrLst>
+    <dgm:linClrLst meth="repeat">
+      <a:schemeClr val="lt1"/>
+    </dgm:linClrLst>
+    <dgm:effectClrLst/>
+    <dgm:txLinClrLst/>
+    <dgm:txFillClrLst/>
+    <dgm:txEffectClrLst/>
+  </dgm:styleLbl>
+  <dgm:styleLbl name="alignNode1">
+    <dgm:fillClrLst meth="repeat">
+      <a:schemeClr val="accent1"/>
+    </dgm:fillClrLst>
+    <dgm:linClrLst meth="repeat">
+      <a:schemeClr val="accent1"/>
+    </dgm:linClrLst>
+    <dgm:effectClrLst/>
+    <dgm:txLinClrLst/>
+    <dgm:txFillClrLst/>
+    <dgm:txEffectClrLst/>
+  </dgm:styleLbl>
+  <dgm:styleLbl name="node1">
+    <dgm:fillClrLst meth="repeat">
+      <a:schemeClr val="accent1"/>
+    </dgm:fillClrLst>
+    <dgm:linClrLst meth="repeat">
+      <a:schemeClr val="lt1"/>
+    </dgm:linClrLst>
+    <dgm:effectClrLst/>
+    <dgm:txLinClrLst/>
+    <dgm:txFillClrLst/>
+    <dgm:txEffectClrLst/>
+  </dgm:styleLbl>
+  <dgm:styleLbl name="lnNode1">
+    <dgm:fillClrLst meth="repeat">
+      <a:schemeClr val="accent1"/>
+    </dgm:fillClrLst>
+    <dgm:linClrLst meth="repeat">
+      <a:schemeClr val="lt1"/>
+    </dgm:linClrLst>
+    <dgm:effectClrLst/>
+    <dgm:txLinClrLst/>
+    <dgm:txFillClrLst/>
+    <dgm:txEffectClrLst/>
+  </dgm:styleLbl>
+  <dgm:styleLbl name="vennNode1">
+    <dgm:fillClrLst meth="repeat">
+      <a:schemeClr val="accent1">
+        <a:alpha val="50000"/>
+      </a:schemeClr>
+    </dgm:fillClrLst>
+    <dgm:linClrLst meth="repeat">
+      <a:schemeClr val="lt1"/>
+    </dgm:linClrLst>
+    <dgm:effectClrLst/>
+    <dgm:txLinClrLst/>
+    <dgm:txFillClrLst/>
+    <dgm:txEffectClrLst/>
+  </dgm:styleLbl>
+  <dgm:styleLbl name="node2">
+    <dgm:fillClrLst meth="repeat">
+      <a:schemeClr val="accent1"/>
+    </dgm:fillClrLst>
+    <dgm:linClrLst meth="repeat">
+      <a:schemeClr val="lt1"/>
+    </dgm:linClrLst>
+    <dgm:effectClrLst/>
+    <dgm:txLinClrLst/>
+    <dgm:txFillClrLst/>
+    <dgm:txEffectClrLst/>
+  </dgm:styleLbl>
+  <dgm:styleLbl name="node3">
+    <dgm:fillClrLst meth="repeat">
+      <a:schemeClr val="accent1"/>
+    </dgm:fillClrLst>
+    <dgm:linClrLst meth="repeat">
+      <a:schemeClr val="lt1"/>
+    </dgm:linClrLst>
+    <dgm:effectClrLst/>
+    <dgm:txLinClrLst/>
+    <dgm:txFillClrLst/>
+    <dgm:txEffectClrLst/>
+  </dgm:styleLbl>
+  <dgm:styleLbl name="node4">
+    <dgm:fillClrLst meth="repeat">
+      <a:schemeClr val="accent1"/>
+    </dgm:fillClrLst>
+    <dgm:linClrLst meth="repeat">
+      <a:schemeClr val="lt1"/>
+    </dgm:linClrLst>
+    <dgm:effectClrLst/>
+    <dgm:txLinClrLst/>
+    <dgm:txFillClrLst/>
+    <dgm:txEffectClrLst/>
+  </dgm:styleLbl>
+  <dgm:styleLbl name="fgImgPlace1">
+    <dgm:fillClrLst meth="repeat">
+      <a:schemeClr val="accent1">
+        <a:tint val="50000"/>
+      </a:schemeClr>
+    </dgm:fillClrLst>
+    <dgm:linClrLst meth="repeat">
+      <a:schemeClr val="lt1"/>
+    </dgm:linClrLst>
+    <dgm:effectClrLst/>
+    <dgm:txLinClrLst/>
+    <dgm:txFillClrLst meth="repeat">
+      <a:schemeClr val="lt1"/>
+    </dgm:txFillClrLst>
+    <dgm:txEffectClrLst/>
+  </dgm:styleLbl>
+  <dgm:styleLbl name="alignImgPlace1">
+    <dgm:fillClrLst meth="repeat">
+      <a:schemeClr val="accent1">
+        <a:tint val="50000"/>
+      </a:schemeClr>
+    </dgm:fillClrLst>
+    <dgm:linClrLst meth="repeat">
+      <a:schemeClr val="lt1"/>
+    </dgm:linClrLst>
+    <dgm:effectClrLst/>
+    <dgm:txLinClrLst/>
+    <dgm:txFillClrLst meth="repeat">
+      <a:schemeClr val="lt1"/>
+    </dgm:txFillClrLst>
+    <dgm:txEffectClrLst/>
+  </dgm:styleLbl>
+  <dgm:styleLbl name="bgImgPlace1">
+    <dgm:fillClrLst meth="repeat">
+      <a:schemeClr val="accent1">
+        <a:tint val="50000"/>
+      </a:schemeClr>
+    </dgm:fillClrLst>
+    <dgm:linClrLst meth="repeat">
+      <a:schemeClr val="lt1"/>
+    </dgm:linClrLst>
+    <dgm:effectClrLst/>
+    <dgm:txLinClrLst/>
+    <dgm:txFillClrLst meth="repeat">
+      <a:schemeClr val="lt1"/>
+    </dgm:txFillClrLst>
+    <dgm:txEffectClrLst/>
+  </dgm:styleLbl>
+  <dgm:styleLbl name="sibTrans2D1">
+    <dgm:fillClrLst meth="repeat">
+      <a:schemeClr val="accent1">
+        <a:tint val="60000"/>
+      </a:schemeClr>
+    </dgm:fillClrLst>
+    <dgm:linClrLst meth="repeat">
+      <a:schemeClr val="accent1">
+        <a:tint val="60000"/>
+      </a:schemeClr>
+    </dgm:linClrLst>
+    <dgm:effectClrLst/>
+    <dgm:txLinClrLst/>
+    <dgm:txFillClrLst/>
+    <dgm:txEffectClrLst/>
+  </dgm:styleLbl>
+  <dgm:styleLbl name="fgSibTrans2D1">
+    <dgm:fillClrLst meth="repeat">
+      <a:schemeClr val="accent1">
+        <a:tint val="60000"/>
+      </a:schemeClr>
+    </dgm:fillClrLst>
+    <dgm:linClrLst meth="repeat">
+      <a:schemeClr val="accent1">
+        <a:tint val="60000"/>
+      </a:schemeClr>
+    </dgm:linClrLst>
+    <dgm:effectClrLst/>
+    <dgm:txLinClrLst/>
+    <dgm:txFillClrLst/>
+    <dgm:txEffectClrLst/>
+  </dgm:styleLbl>
+  <dgm:styleLbl name="bgSibTrans2D1">
+    <dgm:fillClrLst meth="repeat">
+      <a:schemeClr val="accent1">
+        <a:tint val="60000"/>
+      </a:schemeClr>
+    </dgm:fillClrLst>
+    <dgm:linClrLst meth="repeat">
+      <a:schemeClr val="accent1">
+        <a:tint val="60000"/>
+      </a:schemeClr>
+    </dgm:linClrLst>
+    <dgm:effectClrLst/>
+    <dgm:txLinClrLst/>
+    <dgm:txFillClrLst/>
+    <dgm:txEffectClrLst/>
+  </dgm:styleLbl>
+  <dgm:styleLbl name="sibTrans1D1">
+    <dgm:fillClrLst meth="repeat">
+      <a:schemeClr val="accent1"/>
+    </dgm:fillClrLst>
+    <dgm:linClrLst meth="repeat">
+      <a:schemeClr val="accent1"/>
+    </dgm:linClrLst>
+    <dgm:effectClrLst/>
+    <dgm:txLinClrLst/>
+    <dgm:txFillClrLst meth="repeat">
+      <a:schemeClr val="tx1"/>
+    </dgm:txFillClrLst>
+    <dgm:txEffectClrLst/>
+  </dgm:styleLbl>
+  <dgm:styleLbl name="callout">
+    <dgm:fillClrLst meth="repeat">
+      <a:schemeClr val="accent1"/>
+    </dgm:fillClrLst>
+    <dgm:linClrLst meth="repeat">
+      <a:schemeClr val="accent1">
+        <a:tint val="50000"/>
+      </a:schemeClr>
+    </dgm:linClrLst>
+    <dgm:effectClrLst/>
+    <dgm:txLinClrLst/>
+    <dgm:txFillClrLst meth="repeat">
+      <a:schemeClr val="tx1"/>
+    </dgm:txFillClrLst>
+    <dgm:txEffectClrLst/>
+  </dgm:styleLbl>
+  <dgm:styleLbl name="asst0">
+    <dgm:fillClrLst meth="repeat">
+      <a:schemeClr val="accent1"/>
+    </dgm:fillClrLst>
+    <dgm:linClrLst meth="repeat">
+      <a:schemeClr val="lt1"/>
+    </dgm:linClrLst>
+    <dgm:effectClrLst/>
+    <dgm:txLinClrLst/>
+    <dgm:txFillClrLst/>
+    <dgm:txEffectClrLst/>
+  </dgm:styleLbl>
+  <dgm:styleLbl name="asst1">
+    <dgm:fillClrLst meth="repeat">
+      <a:schemeClr val="accent1"/>
+    </dgm:fillClrLst>
+    <dgm:linClrLst meth="repeat">
+      <a:schemeClr val="lt1"/>
+    </dgm:linClrLst>
+    <dgm:effectClrLst/>
+    <dgm:txLinClrLst/>
+    <dgm:txFillClrLst/>
+    <dgm:txEffectClrLst/>
+  </dgm:styleLbl>
+  <dgm:styleLbl name="asst2">
+    <dgm:fillClrLst meth="repeat">
+      <a:schemeClr val="accent1"/>
+    </dgm:fillClrLst>
+    <dgm:linClrLst meth="repeat">
+      <a:schemeClr val="lt1"/>
+    </dgm:linClrLst>
+    <dgm:effectClrLst/>
+    <dgm:txLinClrLst/>
+    <dgm:txFillClrLst/>
+    <dgm:txEffectClrLst/>
+  </dgm:styleLbl>
+  <dgm:styleLbl name="asst3">
+    <dgm:fillClrLst meth="repeat">
+      <a:schemeClr val="accent1"/>
+    </dgm:fillClrLst>
+    <dgm:linClrLst meth="repeat">
+      <a:schemeClr val="lt1"/>
+    </dgm:linClrLst>
+    <dgm:effectClrLst/>
+    <dgm:txLinClrLst/>
+    <dgm:txFillClrLst/>
+    <dgm:txEffectClrLst/>
+  </dgm:styleLbl>
+  <dgm:styleLbl name="asst4">
+    <dgm:fillClrLst meth="repeat">
+      <a:schemeClr val="accent1"/>
+    </dgm:fillClrLst>
+    <dgm:linClrLst meth="repeat">
+      <a:schemeClr val="lt1"/>
+    </dgm:linClrLst>
+    <dgm:effectClrLst/>
+    <dgm:txLinClrLst/>
+    <dgm:txFillClrLst/>
+    <dgm:txEffectClrLst/>
+  </dgm:styleLbl>
+  <dgm:styleLbl name="parChTrans2D1">
+    <dgm:fillClrLst meth="repeat">
+      <a:schemeClr val="accent1">
+        <a:tint val="60000"/>
+      </a:schemeClr>
+    </dgm:fillClrLst>
+    <dgm:linClrLst meth="repeat">
+      <a:schemeClr val="accent1">
+        <a:tint val="60000"/>
+      </a:schemeClr>
+    </dgm:linClrLst>
+    <dgm:effectClrLst/>
+    <dgm:txLinClrLst/>
+    <dgm:txFillClrLst meth="repeat">
+      <a:schemeClr val="lt1"/>
+    </dgm:txFillClrLst>
+    <dgm:txEffectClrLst/>
+  </dgm:styleLbl>
+  <dgm:styleLbl name="parChTrans2D2">
+    <dgm:fillClrLst meth="repeat">
+      <a:schemeClr val="accent1"/>
+    </dgm:fillClrLst>
+    <dgm:linClrLst meth="repeat">
+      <a:schemeClr val="accent1"/>
+    </dgm:linClrLst>
+    <dgm:effectClrLst/>
+    <dgm:txLinClrLst/>
+    <dgm:txFillClrLst meth="repeat">
+      <a:schemeClr val="lt1"/>
+    </dgm:txFillClrLst>
+    <dgm:txEffectClrLst/>
+  </dgm:styleLbl>
+  <dgm:styleLbl name="parChTrans2D3">
+    <dgm:fillClrLst meth="repeat">
+      <a:schemeClr val="accent1"/>
+    </dgm:fillClrLst>
+    <dgm:linClrLst meth="repeat">
+      <a:schemeClr val="accent1"/>
+    </dgm:linClrLst>
+    <dgm:effectClrLst/>
+    <dgm:txLinClrLst/>
+    <dgm:txFillClrLst meth="repeat">
+      <a:schemeClr val="lt1"/>
+    </dgm:txFillClrLst>
+    <dgm:txEffectClrLst/>
+  </dgm:styleLbl>
+  <dgm:styleLbl name="parChTrans2D4">
+    <dgm:fillClrLst meth="repeat">
+      <a:schemeClr val="accent1"/>
+    </dgm:fillClrLst>
+    <dgm:linClrLst meth="repeat">
+      <a:schemeClr val="accent1"/>
+    </dgm:linClrLst>
+    <dgm:effectClrLst/>
+    <dgm:txLinClrLst/>
+    <dgm:txFillClrLst meth="repeat">
+      <a:schemeClr val="lt1"/>
+    </dgm:txFillClrLst>
+    <dgm:txEffectClrLst/>
+  </dgm:styleLbl>
+  <dgm:styleLbl name="parChTrans1D1">
+    <dgm:fillClrLst meth="repeat">
+      <a:schemeClr val="accent1"/>
+    </dgm:fillClrLst>
+    <dgm:linClrLst meth="repeat">
+      <a:schemeClr val="accent1">
+        <a:shade val="60000"/>
+      </a:schemeClr>
+    </dgm:linClrLst>
+    <dgm:effectClrLst/>
+    <dgm:txLinClrLst/>
+    <dgm:txFillClrLst meth="repeat">
+      <a:schemeClr val="tx1"/>
+    </dgm:txFillClrLst>
+    <dgm:txEffectClrLst/>
+  </dgm:styleLbl>
+  <dgm:styleLbl name="parChTrans1D2">
+    <dgm:fillClrLst meth="repeat">
+      <a:schemeClr val="accent1"/>
+    </dgm:fillClrLst>
+    <dgm:linClrLst meth="repeat">
+      <a:schemeClr val="accent1">
+        <a:shade val="60000"/>
+      </a:schemeClr>
+    </dgm:linClrLst>
+    <dgm:effectClrLst/>
+    <dgm:txLinClrLst/>
+    <dgm:txFillClrLst meth="repeat">
+      <a:schemeClr val="tx1"/>
+    </dgm:txFillClrLst>
+    <dgm:txEffectClrLst/>
+  </dgm:styleLbl>
+  <dgm:styleLbl name="parChTrans1D3">
+    <dgm:fillClrLst meth="repeat">
+      <a:schemeClr val="accent1"/>
+    </dgm:fillClrLst>
+    <dgm:linClrLst meth="repeat">
+      <a:schemeClr val="accent1">
+        <a:shade val="80000"/>
+      </a:schemeClr>
+    </dgm:linClrLst>
+    <dgm:effectClrLst/>
+    <dgm:txLinClrLst/>
+    <dgm:txFillClrLst meth="repeat">
+      <a:schemeClr val="tx1"/>
+    </dgm:txFillClrLst>
+    <dgm:txEffectClrLst/>
+  </dgm:styleLbl>
+  <dgm:styleLbl name="parChTrans1D4">
+    <dgm:fillClrLst meth="repeat">
+      <a:schemeClr val="accent1"/>
+    </dgm:fillClrLst>
+    <dgm:linClrLst meth="repeat">
+      <a:schemeClr val="accent1">
+        <a:shade val="80000"/>
+      </a:schemeClr>
+    </dgm:linClrLst>
+    <dgm:effectClrLst/>
+    <dgm:txLinClrLst/>
+    <dgm:txFillClrLst meth="repeat">
+      <a:schemeClr val="tx1"/>
+    </dgm:txFillClrLst>
+    <dgm:txEffectClrLst/>
+  </dgm:styleLbl>
+  <dgm:styleLbl name="fgAcc1">
+    <dgm:fillClrLst meth="repeat">
+      <a:schemeClr val="lt1">
+        <a:alpha val="90000"/>
+      </a:schemeClr>
+    </dgm:fillClrLst>
+    <dgm:linClrLst meth="repeat">
+      <a:schemeClr val="accent1"/>
+    </dgm:linClrLst>
+    <dgm:effectClrLst/>
+    <dgm:txLinClrLst/>
+    <dgm:txFillClrLst meth="repeat">
+      <a:schemeClr val="dk1"/>
+    </dgm:txFillClrLst>
+    <dgm:txEffectClrLst/>
+  </dgm:styleLbl>
+  <dgm:styleLbl name="conFgAcc1">
+    <dgm:fillClrLst meth="repeat">
+      <a:schemeClr val="lt1">
+        <a:alpha val="90000"/>
+      </a:schemeClr>
+    </dgm:fillClrLst>
+    <dgm:linClrLst meth="repeat">
+      <a:schemeClr val="accent1"/>
+    </dgm:linClrLst>
+    <dgm:effectClrLst/>
+    <dgm:txLinClrLst/>
+    <dgm:txFillClrLst meth="repeat">
+      <a:schemeClr val="dk1"/>
+    </dgm:txFillClrLst>
+    <dgm:txEffectClrLst/>
+  </dgm:styleLbl>
+  <dgm:styleLbl name="alignAcc1">
+    <dgm:fillClrLst meth="repeat">
+      <a:schemeClr val="lt1">
+        <a:alpha val="90000"/>
+      </a:schemeClr>
+    </dgm:fillClrLst>
+    <dgm:linClrLst meth="repeat">
+      <a:schemeClr val="accent1"/>
+    </dgm:linClrLst>
+    <dgm:effectClrLst/>
+    <dgm:txLinClrLst/>
+    <dgm:txFillClrLst meth="repeat">
+      <a:schemeClr val="dk1"/>
+    </dgm:txFillClrLst>
+    <dgm:txEffectClrLst/>
+  </dgm:styleLbl>
+  <dgm:styleLbl name="trAlignAcc1">
+    <dgm:fillClrLst meth="repeat">
+      <a:schemeClr val="lt1">
+        <a:alpha val="40000"/>
+      </a:schemeClr>
+    </dgm:fillClrLst>
+    <dgm:linClrLst meth="repeat">
+      <a:schemeClr val="accent1"/>
+    </dgm:linClrLst>
+    <dgm:effectClrLst/>
+    <dgm:txLinClrLst/>
+    <dgm:txFillClrLst meth="repeat">
+      <a:schemeClr val="dk1"/>
+    </dgm:txFillClrLst>
+    <dgm:txEffectClrLst/>
+  </dgm:styleLbl>
+  <dgm:styleLbl name="bgAcc1">
+    <dgm:fillClrLst meth="repeat">
+      <a:schemeClr val="lt1">
+        <a:alpha val="90000"/>
+      </a:schemeClr>
+    </dgm:fillClrLst>
+    <dgm:linClrLst meth="repeat">
+      <a:schemeClr val="accent1"/>
+    </dgm:linClrLst>
+    <dgm:effectClrLst/>
+    <dgm:txLinClrLst/>
+    <dgm:txFillClrLst meth="repeat">
+      <a:schemeClr val="dk1"/>
+    </dgm:txFillClrLst>
+    <dgm:txEffectClrLst/>
+  </dgm:styleLbl>
+  <dgm:styleLbl name="solidFgAcc1">
+    <dgm:fillClrLst meth="repeat">
+      <a:schemeClr val="lt1"/>
+    </dgm:fillClrLst>
+    <dgm:linClrLst meth="repeat">
+      <a:schemeClr val="accent1"/>
+    </dgm:linClrLst>
+    <dgm:effectClrLst/>
+    <dgm:txLinClrLst/>
+    <dgm:txFillClrLst meth="repeat">
+      <a:schemeClr val="dk1"/>
+    </dgm:txFillClrLst>
+    <dgm:txEffectClrLst/>
+  </dgm:styleLbl>
+  <dgm:styleLbl name="solidAlignAcc1">
+    <dgm:fillClrLst meth="repeat">
+      <a:schemeClr val="lt1"/>
+    </dgm:fillClrLst>
+    <dgm:linClrLst meth="repeat">
+      <a:schemeClr val="accent1"/>
+    </dgm:linClrLst>
+    <dgm:effectClrLst/>
+    <dgm:txLinClrLst/>
+    <dgm:txFillClrLst meth="repeat">
+      <a:schemeClr val="dk1"/>
+    </dgm:txFillClrLst>
+    <dgm:txEffectClrLst/>
+  </dgm:styleLbl>
+  <dgm:styleLbl name="solidBgAcc1">
+    <dgm:fillClrLst meth="repeat">
+      <a:schemeClr val="lt1"/>
+    </dgm:fillClrLst>
+    <dgm:linClrLst meth="repeat">
+      <a:schemeClr val="accent1"/>
+    </dgm:linClrLst>
+    <dgm:effectClrLst/>
+    <dgm:txLinClrLst/>
+    <dgm:txFillClrLst meth="repeat">
+      <a:schemeClr val="dk1"/>
+    </dgm:txFillClrLst>
+    <dgm:txEffectClrLst/>
+  </dgm:styleLbl>
+  <dgm:styleLbl name="fgAccFollowNode1">
+    <dgm:fillClrLst meth="repeat">
+      <a:schemeClr val="accent1">
+        <a:alpha val="90000"/>
+        <a:tint val="40000"/>
+      </a:schemeClr>
+    </dgm:fillClrLst>
+    <dgm:linClrLst meth="repeat">
+      <a:schemeClr val="accent1">
+        <a:alpha val="90000"/>
+        <a:tint val="40000"/>
+      </a:schemeClr>
+    </dgm:linClrLst>
+    <dgm:effectClrLst/>
+    <dgm:txLinClrLst/>
+    <dgm:txFillClrLst meth="repeat">
+      <a:schemeClr val="dk1"/>
+    </dgm:txFillClrLst>
+    <dgm:txEffectClrLst/>
+  </dgm:styleLbl>
+  <dgm:styleLbl name="alignAccFollowNode1">
+    <dgm:fillClrLst meth="repeat">
+      <a:schemeClr val="accent1">
+        <a:alpha val="90000"/>
+        <a:tint val="40000"/>
+      </a:schemeClr>
+    </dgm:fillClrLst>
+    <dgm:linClrLst meth="repeat">
+      <a:schemeClr val="accent1">
+        <a:alpha val="90000"/>
+        <a:tint val="40000"/>
+      </a:schemeClr>
+    </dgm:linClrLst>
+    <dgm:effectClrLst/>
+    <dgm:txLinClrLst/>
+    <dgm:txFillClrLst meth="repeat">
+      <a:schemeClr val="dk1"/>
+    </dgm:txFillClrLst>
+    <dgm:txEffectClrLst/>
+  </dgm:styleLbl>
+  <dgm:styleLbl name="bgAccFollowNode1">
+    <dgm:fillClrLst meth="repeat">
+      <a:schemeClr val="accent1">
+        <a:alpha val="90000"/>
+        <a:tint val="40000"/>
+      </a:schemeClr>
+    </dgm:fillClrLst>
+    <dgm:linClrLst meth="repeat">
+      <a:schemeClr val="accent1">
+        <a:alpha val="90000"/>
+        <a:tint val="40000"/>
+      </a:schemeClr>
+    </dgm:linClrLst>
+    <dgm:effectClrLst/>
+    <dgm:txLinClrLst/>
+    <dgm:txFillClrLst meth="repeat">
+      <a:schemeClr val="dk1"/>
+    </dgm:txFillClrLst>
+    <dgm:txEffectClrLst/>
+  </dgm:styleLbl>
+  <dgm:styleLbl name="fgAcc0">
+    <dgm:fillClrLst meth="repeat">
+      <a:schemeClr val="lt1">
+        <a:alpha val="90000"/>
+      </a:schemeClr>
+    </dgm:fillClrLst>
+    <dgm:linClrLst meth="repeat">
+      <a:schemeClr val="accent1"/>
+    </dgm:linClrLst>
+    <dgm:effectClrLst/>
+    <dgm:txLinClrLst/>
+    <dgm:txFillClrLst meth="repeat">
+      <a:schemeClr val="dk1"/>
+    </dgm:txFillClrLst>
+    <dgm:txEffectClrLst/>
+  </dgm:styleLbl>
+  <dgm:styleLbl name="fgAcc2">
+    <dgm:fillClrLst meth="repeat">
+      <a:schemeClr val="lt1">
+        <a:alpha val="90000"/>
+      </a:schemeClr>
+    </dgm:fillClrLst>
+    <dgm:linClrLst meth="repeat">
+      <a:schemeClr val="accent1"/>
+    </dgm:linClrLst>
+    <dgm:effectClrLst/>
+    <dgm:txLinClrLst/>
+    <dgm:txFillClrLst meth="repeat">
+      <a:schemeClr val="dk1"/>
+    </dgm:txFillClrLst>
+    <dgm:txEffectClrLst/>
+  </dgm:styleLbl>
+  <dgm:styleLbl name="fgAcc3">
+    <dgm:fillClrLst meth="repeat">
+      <a:schemeClr val="lt1">
+        <a:alpha val="90000"/>
+      </a:schemeClr>
+    </dgm:fillClrLst>
+    <dgm:linClrLst meth="repeat">
+      <a:schemeClr val="accent1"/>
+    </dgm:linClrLst>
+    <dgm:effectClrLst/>
+    <dgm:txLinClrLst/>
+    <dgm:txFillClrLst meth="repeat">
+      <a:schemeClr val="dk1"/>
+    </dgm:txFillClrLst>
+    <dgm:txEffectClrLst/>
+  </dgm:styleLbl>
+  <dgm:styleLbl name="fgAcc4">
+    <dgm:fillClrLst meth="repeat">
+      <a:schemeClr val="lt1">
+        <a:alpha val="90000"/>
+      </a:schemeClr>
+    </dgm:fillClrLst>
+    <dgm:linClrLst meth="repeat">
+      <a:schemeClr val="accent1"/>
+    </dgm:linClrLst>
+    <dgm:effectClrLst/>
+    <dgm:txLinClrLst/>
+    <dgm:txFillClrLst meth="repeat">
+      <a:schemeClr val="dk1"/>
+    </dgm:txFillClrLst>
+    <dgm:txEffectClrLst/>
+  </dgm:styleLbl>
+  <dgm:styleLbl name="bgShp">
+    <dgm:fillClrLst meth="repeat">
+      <a:schemeClr val="accent1">
+        <a:tint val="40000"/>
+      </a:schemeClr>
+    </dgm:fillClrLst>
+    <dgm:linClrLst meth="repeat">
+      <a:schemeClr val="accent1"/>
+    </dgm:linClrLst>
+    <dgm:effectClrLst/>
+    <dgm:txLinClrLst/>
+    <dgm:txFillClrLst meth="repeat">
+      <a:schemeClr val="dk1"/>
+    </dgm:txFillClrLst>
+    <dgm:txEffectClrLst/>
+  </dgm:styleLbl>
+  <dgm:styleLbl name="dkBgShp">
+    <dgm:fillClrLst meth="repeat">
+      <a:schemeClr val="accent1">
+        <a:shade val="80000"/>
+      </a:schemeClr>
+    </dgm:fillClrLst>
+    <dgm:linClrLst meth="repeat">
+      <a:schemeClr val="accent1"/>
+    </dgm:linClrLst>
+    <dgm:effectClrLst/>
+    <dgm:txLinClrLst/>
+    <dgm:txFillClrLst meth="repeat">
+      <a:schemeClr val="lt1"/>
+    </dgm:txFillClrLst>
+    <dgm:txEffectClrLst/>
+  </dgm:styleLbl>
+  <dgm:styleLbl name="trBgShp">
+    <dgm:fillClrLst meth="repeat">
+      <a:schemeClr val="accent1">
+        <a:tint val="50000"/>
+        <a:alpha val="40000"/>
+      </a:schemeClr>
+    </dgm:fillClrLst>
+    <dgm:linClrLst meth="repeat">
+      <a:schemeClr val="accent1"/>
+    </dgm:linClrLst>
+    <dgm:effectClrLst/>
+    <dgm:txLinClrLst/>
+    <dgm:txFillClrLst meth="repeat">
+      <a:schemeClr val="lt1"/>
+    </dgm:txFillClrLst>
+    <dgm:txEffectClrLst/>
+  </dgm:styleLbl>
+  <dgm:styleLbl name="fgShp">
+    <dgm:fillClrLst meth="repeat">
+      <a:schemeClr val="accent1">
+        <a:tint val="60000"/>
+      </a:schemeClr>
+    </dgm:fillClrLst>
+    <dgm:linClrLst meth="repeat">
+      <a:schemeClr val="lt1"/>
+    </dgm:linClrLst>
+    <dgm:effectClrLst/>
+    <dgm:txLinClrLst/>
+    <dgm:txFillClrLst meth="repeat">
+      <a:schemeClr val="dk1"/>
+    </dgm:txFillClrLst>
+    <dgm:txEffectClrLst/>
+  </dgm:styleLbl>
+  <dgm:styleLbl name="revTx">
+    <dgm:fillClrLst meth="repeat">
+      <a:schemeClr val="lt1">
+        <a:alpha val="0"/>
+      </a:schemeClr>
+    </dgm:fillClrLst>
+    <dgm:linClrLst meth="repeat">
+      <a:schemeClr val="dk1">
+        <a:alpha val="0"/>
+      </a:schemeClr>
+    </dgm:linClrLst>
+    <dgm:effectClrLst/>
+    <dgm:txLinClrLst/>
+    <dgm:txFillClrLst meth="repeat">
+      <a:schemeClr val="tx1"/>
+    </dgm:txFillClrLst>
+    <dgm:txEffectClrLst/>
+  </dgm:styleLbl>
+</dgm:colorsDef>
+</file>
+
+<file path=ppt/diagrams/data1.xml><?xml version="1.0" encoding="utf-8"?>
+<dgm:dataModel xmlns:dgm="http://schemas.openxmlformats.org/drawingml/2006/diagram" xmlns:a="http://schemas.openxmlformats.org/drawingml/2006/main">
+  <dgm:ptLst>
+    <dgm:pt modelId="{D6763CB9-1771-4C39-9B07-F73DC6336DB3}" type="doc">
+      <dgm:prSet loTypeId="urn:microsoft.com/office/officeart/2009/3/layout/PlusandMinus" loCatId="relationship" qsTypeId="urn:microsoft.com/office/officeart/2005/8/quickstyle/simple1" qsCatId="simple" csTypeId="urn:microsoft.com/office/officeart/2005/8/colors/accent1_2" csCatId="accent1" phldr="1"/>
+      <dgm:spPr/>
+      <dgm:t>
+        <a:bodyPr/>
+        <a:lstStyle/>
+        <a:p>
+          <a:endParaRPr lang="en-MY"/>
+        </a:p>
+      </dgm:t>
+    </dgm:pt>
+    <dgm:pt modelId="{A17285CC-77C0-4298-993D-2B9C4EC55348}">
+      <dgm:prSet phldrT="[Text]"/>
+      <dgm:spPr/>
+      <dgm:t>
+        <a:bodyPr/>
+        <a:lstStyle/>
+        <a:p>
+          <a:pPr algn="ctr"/>
+          <a:r>
+            <a:rPr lang="en-MY" b="1" dirty="0">
+              <a:solidFill>
+                <a:schemeClr val="bg1"/>
+              </a:solidFill>
+            </a:rPr>
+            <a:t>COMPETENT</a:t>
+          </a:r>
+        </a:p>
+      </dgm:t>
+    </dgm:pt>
+    <dgm:pt modelId="{732213BA-1E99-45EA-8B49-95C245906820}" type="parTrans" cxnId="{6EFC415B-0A81-4252-A4CA-9561E58F8C9E}">
+      <dgm:prSet/>
+      <dgm:spPr/>
+      <dgm:t>
+        <a:bodyPr/>
+        <a:lstStyle/>
+        <a:p>
+          <a:endParaRPr lang="en-MY"/>
+        </a:p>
+      </dgm:t>
+    </dgm:pt>
+    <dgm:pt modelId="{8A35B251-4F29-47E5-9BDD-4D990D9E9FAF}" type="sibTrans" cxnId="{6EFC415B-0A81-4252-A4CA-9561E58F8C9E}">
+      <dgm:prSet/>
+      <dgm:spPr/>
+      <dgm:t>
+        <a:bodyPr/>
+        <a:lstStyle/>
+        <a:p>
+          <a:endParaRPr lang="en-MY"/>
+        </a:p>
+      </dgm:t>
+    </dgm:pt>
+    <dgm:pt modelId="{1BF0016B-2019-4FFB-A663-0570DE968EB5}">
+      <dgm:prSet phldrT="[Text]"/>
+      <dgm:spPr/>
+      <dgm:t>
+        <a:bodyPr/>
+        <a:lstStyle/>
+        <a:p>
+          <a:pPr algn="ctr"/>
+          <a:r>
+            <a:rPr lang="en-MY" b="1" dirty="0">
+              <a:solidFill>
+                <a:schemeClr val="bg1"/>
+              </a:solidFill>
+            </a:rPr>
+            <a:t>INCOMPETENT</a:t>
+          </a:r>
+        </a:p>
+      </dgm:t>
+    </dgm:pt>
+    <dgm:pt modelId="{70F7F85D-B3DB-4BA6-B97F-D95D23DDFCE2}" type="parTrans" cxnId="{0272EB47-F706-4E58-BED3-AC427A8377D4}">
+      <dgm:prSet/>
+      <dgm:spPr/>
+      <dgm:t>
+        <a:bodyPr/>
+        <a:lstStyle/>
+        <a:p>
+          <a:endParaRPr lang="en-MY"/>
+        </a:p>
+      </dgm:t>
+    </dgm:pt>
+    <dgm:pt modelId="{B734D186-568A-4FC2-8A3F-19EE54503AA7}" type="sibTrans" cxnId="{0272EB47-F706-4E58-BED3-AC427A8377D4}">
+      <dgm:prSet/>
+      <dgm:spPr/>
+      <dgm:t>
+        <a:bodyPr/>
+        <a:lstStyle/>
+        <a:p>
+          <a:endParaRPr lang="en-MY"/>
+        </a:p>
+      </dgm:t>
+    </dgm:pt>
+    <dgm:pt modelId="{289C7642-9F9C-4729-8CF7-0BAFD6C8E665}" type="pres">
+      <dgm:prSet presAssocID="{D6763CB9-1771-4C39-9B07-F73DC6336DB3}" presName="Name0" presStyleCnt="0">
+        <dgm:presLayoutVars>
+          <dgm:chMax val="2"/>
+          <dgm:chPref val="2"/>
+          <dgm:dir val="rev"/>
+          <dgm:animOne/>
+          <dgm:resizeHandles val="exact"/>
+        </dgm:presLayoutVars>
+      </dgm:prSet>
+      <dgm:spPr/>
+    </dgm:pt>
+    <dgm:pt modelId="{3DE3E0C6-4B21-46C4-AADC-D5DCB25AB32E}" type="pres">
+      <dgm:prSet presAssocID="{D6763CB9-1771-4C39-9B07-F73DC6336DB3}" presName="Background" presStyleLbl="bgImgPlace1" presStyleIdx="0" presStyleCnt="1" custScaleY="32124" custLinFactNeighborX="-538" custLinFactNeighborY="-29567"/>
+      <dgm:spPr>
+        <a:gradFill rotWithShape="0">
+          <a:gsLst>
+            <a:gs pos="25000">
+              <a:srgbClr val="CF4543"/>
+            </a:gs>
+            <a:gs pos="85000">
+              <a:srgbClr val="4472C4"/>
+            </a:gs>
+          </a:gsLst>
+          <a:lin ang="0" scaled="1"/>
+        </a:gradFill>
+      </dgm:spPr>
+    </dgm:pt>
+    <dgm:pt modelId="{559390D7-F7E3-4B31-9333-C56EDE7FD3D5}" type="pres">
+      <dgm:prSet presAssocID="{D6763CB9-1771-4C39-9B07-F73DC6336DB3}" presName="ParentText1" presStyleLbl="revTx" presStyleIdx="0" presStyleCnt="2">
+        <dgm:presLayoutVars>
+          <dgm:chMax val="0"/>
+          <dgm:chPref val="0"/>
+          <dgm:bulletEnabled val="1"/>
+        </dgm:presLayoutVars>
+      </dgm:prSet>
+      <dgm:spPr/>
+    </dgm:pt>
+    <dgm:pt modelId="{21DAB0C8-3149-4542-A1C9-F90944AFE4E9}" type="pres">
+      <dgm:prSet presAssocID="{D6763CB9-1771-4C39-9B07-F73DC6336DB3}" presName="ParentText2" presStyleLbl="revTx" presStyleIdx="1" presStyleCnt="2">
+        <dgm:presLayoutVars>
+          <dgm:chMax val="0"/>
+          <dgm:chPref val="0"/>
+          <dgm:bulletEnabled val="1"/>
+        </dgm:presLayoutVars>
+      </dgm:prSet>
+      <dgm:spPr/>
+    </dgm:pt>
+    <dgm:pt modelId="{71FEE98C-407A-434F-B83A-77CA729CAE1D}" type="pres">
+      <dgm:prSet presAssocID="{D6763CB9-1771-4C39-9B07-F73DC6336DB3}" presName="Plus" presStyleLbl="alignNode1" presStyleIdx="0" presStyleCnt="2" custLinFactY="8148" custLinFactNeighborX="-11153" custLinFactNeighborY="100000"/>
+      <dgm:spPr>
+        <a:solidFill>
+          <a:srgbClr val="4472C4"/>
+        </a:solidFill>
+        <a:ln w="12700">
+          <a:solidFill>
+            <a:schemeClr val="bg1"/>
+          </a:solidFill>
+        </a:ln>
+      </dgm:spPr>
+    </dgm:pt>
+    <dgm:pt modelId="{DD9EDF89-B788-419B-BDE5-FD62E4866939}" type="pres">
+      <dgm:prSet presAssocID="{D6763CB9-1771-4C39-9B07-F73DC6336DB3}" presName="Minus" presStyleLbl="alignNode1" presStyleIdx="1" presStyleCnt="2" custLinFactY="115029" custLinFactNeighborX="-12066" custLinFactNeighborY="200000"/>
+      <dgm:spPr>
+        <a:solidFill>
+          <a:srgbClr val="CF4543"/>
+        </a:solidFill>
+        <a:ln>
+          <a:solidFill>
+            <a:schemeClr val="bg1"/>
+          </a:solidFill>
+        </a:ln>
+      </dgm:spPr>
+    </dgm:pt>
+    <dgm:pt modelId="{973DCEEC-E43E-44F2-8135-03E40A576B15}" type="pres">
+      <dgm:prSet presAssocID="{D6763CB9-1771-4C39-9B07-F73DC6336DB3}" presName="Divider" presStyleLbl="parChTrans1D1" presStyleIdx="0" presStyleCnt="1" custFlipVert="1" custFlipHor="1" custScaleX="2000000" custScaleY="21175" custLinFactX="-1300000" custLinFactNeighborX="-1357323" custLinFactNeighborY="-39154"/>
+      <dgm:spPr>
+        <a:ln>
+          <a:noFill/>
+        </a:ln>
+      </dgm:spPr>
+    </dgm:pt>
+  </dgm:ptLst>
+  <dgm:cxnLst>
+    <dgm:cxn modelId="{5084A41F-F92C-484F-A10B-7205F0BBF8DD}" type="presOf" srcId="{1BF0016B-2019-4FFB-A663-0570DE968EB5}" destId="{21DAB0C8-3149-4542-A1C9-F90944AFE4E9}" srcOrd="0" destOrd="0" presId="urn:microsoft.com/office/officeart/2009/3/layout/PlusandMinus"/>
+    <dgm:cxn modelId="{84C00B40-32A0-4227-B8D5-54BA363C1786}" type="presOf" srcId="{D6763CB9-1771-4C39-9B07-F73DC6336DB3}" destId="{289C7642-9F9C-4729-8CF7-0BAFD6C8E665}" srcOrd="0" destOrd="0" presId="urn:microsoft.com/office/officeart/2009/3/layout/PlusandMinus"/>
+    <dgm:cxn modelId="{6EFC415B-0A81-4252-A4CA-9561E58F8C9E}" srcId="{D6763CB9-1771-4C39-9B07-F73DC6336DB3}" destId="{A17285CC-77C0-4298-993D-2B9C4EC55348}" srcOrd="0" destOrd="0" parTransId="{732213BA-1E99-45EA-8B49-95C245906820}" sibTransId="{8A35B251-4F29-47E5-9BDD-4D990D9E9FAF}"/>
+    <dgm:cxn modelId="{8C69CA44-4919-4320-97C1-E8D0DFE23BAA}" type="presOf" srcId="{A17285CC-77C0-4298-993D-2B9C4EC55348}" destId="{559390D7-F7E3-4B31-9333-C56EDE7FD3D5}" srcOrd="0" destOrd="0" presId="urn:microsoft.com/office/officeart/2009/3/layout/PlusandMinus"/>
+    <dgm:cxn modelId="{0272EB47-F706-4E58-BED3-AC427A8377D4}" srcId="{D6763CB9-1771-4C39-9B07-F73DC6336DB3}" destId="{1BF0016B-2019-4FFB-A663-0570DE968EB5}" srcOrd="1" destOrd="0" parTransId="{70F7F85D-B3DB-4BA6-B97F-D95D23DDFCE2}" sibTransId="{B734D186-568A-4FC2-8A3F-19EE54503AA7}"/>
+    <dgm:cxn modelId="{108B507E-C063-49DC-B4AC-AA3F01BA6EAF}" type="presParOf" srcId="{289C7642-9F9C-4729-8CF7-0BAFD6C8E665}" destId="{3DE3E0C6-4B21-46C4-AADC-D5DCB25AB32E}" srcOrd="0" destOrd="0" presId="urn:microsoft.com/office/officeart/2009/3/layout/PlusandMinus"/>
+    <dgm:cxn modelId="{D3F1A6DA-1A25-48F8-8088-A928FED8D92E}" type="presParOf" srcId="{289C7642-9F9C-4729-8CF7-0BAFD6C8E665}" destId="{559390D7-F7E3-4B31-9333-C56EDE7FD3D5}" srcOrd="1" destOrd="0" presId="urn:microsoft.com/office/officeart/2009/3/layout/PlusandMinus"/>
+    <dgm:cxn modelId="{2EA99C6B-6477-459F-B45D-7A5157C25B92}" type="presParOf" srcId="{289C7642-9F9C-4729-8CF7-0BAFD6C8E665}" destId="{21DAB0C8-3149-4542-A1C9-F90944AFE4E9}" srcOrd="2" destOrd="0" presId="urn:microsoft.com/office/officeart/2009/3/layout/PlusandMinus"/>
+    <dgm:cxn modelId="{FBE5FBA8-6717-4C65-BE6D-4B783A8E3DA2}" type="presParOf" srcId="{289C7642-9F9C-4729-8CF7-0BAFD6C8E665}" destId="{71FEE98C-407A-434F-B83A-77CA729CAE1D}" srcOrd="3" destOrd="0" presId="urn:microsoft.com/office/officeart/2009/3/layout/PlusandMinus"/>
+    <dgm:cxn modelId="{77A6D36D-C582-44A4-A205-8BFCF0600BBA}" type="presParOf" srcId="{289C7642-9F9C-4729-8CF7-0BAFD6C8E665}" destId="{DD9EDF89-B788-419B-BDE5-FD62E4866939}" srcOrd="4" destOrd="0" presId="urn:microsoft.com/office/officeart/2009/3/layout/PlusandMinus"/>
+    <dgm:cxn modelId="{3A5B85DB-0457-4C92-9D47-65C6E3EE5208}" type="presParOf" srcId="{289C7642-9F9C-4729-8CF7-0BAFD6C8E665}" destId="{973DCEEC-E43E-44F2-8135-03E40A576B15}" srcOrd="5" destOrd="0" presId="urn:microsoft.com/office/officeart/2009/3/layout/PlusandMinus"/>
+  </dgm:cxnLst>
+  <dgm:bg/>
+  <dgm:whole/>
+  <dgm:extLst>
+    <a:ext uri="http://schemas.microsoft.com/office/drawing/2008/diagram">
+      <dsp:dataModelExt xmlns:dsp="http://schemas.microsoft.com/office/drawing/2008/diagram" relId="rId9" minVer="http://schemas.openxmlformats.org/drawingml/2006/diagram"/>
+    </a:ext>
+  </dgm:extLst>
+</dgm:dataModel>
+</file>
+
+<file path=ppt/diagrams/drawing1.xml><?xml version="1.0" encoding="utf-8"?>
+<dsp:drawing xmlns:dgm="http://schemas.openxmlformats.org/drawingml/2006/diagram" xmlns:dsp="http://schemas.microsoft.com/office/drawing/2008/diagram" xmlns:a="http://schemas.openxmlformats.org/drawingml/2006/main">
+  <dsp:spTree>
+    <dsp:nvGrpSpPr>
+      <dsp:cNvPr id="0" name=""/>
+      <dsp:cNvGrpSpPr/>
+    </dsp:nvGrpSpPr>
+    <dsp:grpSpPr/>
+    <dsp:sp modelId="{3DE3E0C6-4B21-46C4-AADC-D5DCB25AB32E}">
+      <dsp:nvSpPr>
+        <dsp:cNvPr id="0" name=""/>
+        <dsp:cNvSpPr/>
+      </dsp:nvSpPr>
+      <dsp:spPr>
+        <a:xfrm>
+          <a:off x="256245" y="213054"/>
+          <a:ext cx="1542278" cy="256041"/>
+        </a:xfrm>
+        <a:prstGeom prst="rect">
+          <a:avLst/>
+        </a:prstGeom>
+        <a:gradFill rotWithShape="0">
+          <a:gsLst>
+            <a:gs pos="25000">
+              <a:srgbClr val="CF4543"/>
+            </a:gs>
+            <a:gs pos="85000">
+              <a:srgbClr val="4472C4"/>
+            </a:gs>
+          </a:gsLst>
+          <a:lin ang="0" scaled="1"/>
+        </a:gradFill>
+        <a:ln w="12700" cap="flat" cmpd="sng" algn="ctr">
+          <a:solidFill>
+            <a:schemeClr val="lt1">
+              <a:hueOff val="0"/>
+              <a:satOff val="0"/>
+              <a:lumOff val="0"/>
+              <a:alphaOff val="0"/>
+            </a:schemeClr>
+          </a:solidFill>
+          <a:prstDash val="solid"/>
+          <a:miter lim="800000"/>
+        </a:ln>
+        <a:effectLst/>
+      </dsp:spPr>
+      <dsp:style>
+        <a:lnRef idx="2">
+          <a:scrgbClr r="0" g="0" b="0"/>
+        </a:lnRef>
+        <a:fillRef idx="1">
+          <a:scrgbClr r="0" g="0" b="0"/>
+        </a:fillRef>
+        <a:effectRef idx="0">
+          <a:scrgbClr r="0" g="0" b="0"/>
+        </a:effectRef>
+        <a:fontRef idx="minor"/>
+      </dsp:style>
+    </dsp:sp>
+    <dsp:sp modelId="{559390D7-F7E3-4B31-9333-C56EDE7FD3D5}">
+      <dsp:nvSpPr>
+        <dsp:cNvPr id="0" name=""/>
+        <dsp:cNvSpPr/>
+      </dsp:nvSpPr>
+      <dsp:spPr>
+        <a:xfrm>
+          <a:off x="1044545" y="271431"/>
+          <a:ext cx="716184" cy="681858"/>
+        </a:xfrm>
+        <a:prstGeom prst="rect">
+          <a:avLst/>
+        </a:prstGeom>
+        <a:noFill/>
+        <a:ln>
+          <a:noFill/>
+        </a:ln>
+        <a:effectLst/>
+      </dsp:spPr>
+      <dsp:style>
+        <a:lnRef idx="0">
+          <a:scrgbClr r="0" g="0" b="0"/>
+        </a:lnRef>
+        <a:fillRef idx="0">
+          <a:scrgbClr r="0" g="0" b="0"/>
+        </a:fillRef>
+        <a:effectRef idx="0">
+          <a:scrgbClr r="0" g="0" b="0"/>
+        </a:effectRef>
+        <a:fontRef idx="minor"/>
+      </dsp:style>
+      <dsp:txBody>
+        <a:bodyPr spcFirstLastPara="0" vert="horz" wrap="square" lIns="15240" tIns="15240" rIns="15240" bIns="15240" numCol="1" spcCol="1270" anchor="t" anchorCtr="0">
+          <a:noAutofit/>
+        </a:bodyPr>
+        <a:lstStyle/>
+        <a:p>
+          <a:pPr marL="0" lvl="0" indent="0" algn="ctr" defTabSz="355600">
+            <a:lnSpc>
+              <a:spcPct val="90000"/>
+            </a:lnSpc>
+            <a:spcBef>
+              <a:spcPct val="0"/>
+            </a:spcBef>
+            <a:spcAft>
+              <a:spcPct val="35000"/>
+            </a:spcAft>
+            <a:buNone/>
+          </a:pPr>
+          <a:r>
+            <a:rPr lang="en-MY" sz="800" b="1" kern="1200" dirty="0">
+              <a:solidFill>
+                <a:schemeClr val="bg1"/>
+              </a:solidFill>
+            </a:rPr>
+            <a:t>COMPETENT</a:t>
+          </a:r>
+        </a:p>
+      </dsp:txBody>
+      <dsp:txXfrm>
+        <a:off x="1044545" y="271431"/>
+        <a:ext cx="716184" cy="681858"/>
+      </dsp:txXfrm>
+    </dsp:sp>
+    <dsp:sp modelId="{21DAB0C8-3149-4542-A1C9-F90944AFE4E9}">
+      <dsp:nvSpPr>
+        <dsp:cNvPr id="0" name=""/>
+        <dsp:cNvSpPr/>
+      </dsp:nvSpPr>
+      <dsp:spPr>
+        <a:xfrm>
+          <a:off x="312406" y="271431"/>
+          <a:ext cx="716184" cy="681858"/>
+        </a:xfrm>
+        <a:prstGeom prst="rect">
+          <a:avLst/>
+        </a:prstGeom>
+        <a:noFill/>
+        <a:ln>
+          <a:noFill/>
+        </a:ln>
+        <a:effectLst/>
+      </dsp:spPr>
+      <dsp:style>
+        <a:lnRef idx="0">
+          <a:scrgbClr r="0" g="0" b="0"/>
+        </a:lnRef>
+        <a:fillRef idx="0">
+          <a:scrgbClr r="0" g="0" b="0"/>
+        </a:fillRef>
+        <a:effectRef idx="0">
+          <a:scrgbClr r="0" g="0" b="0"/>
+        </a:effectRef>
+        <a:fontRef idx="minor"/>
+      </dsp:style>
+      <dsp:txBody>
+        <a:bodyPr spcFirstLastPara="0" vert="horz" wrap="square" lIns="15240" tIns="15240" rIns="15240" bIns="15240" numCol="1" spcCol="1270" anchor="t" anchorCtr="0">
+          <a:noAutofit/>
+        </a:bodyPr>
+        <a:lstStyle/>
+        <a:p>
+          <a:pPr marL="0" lvl="0" indent="0" algn="ctr" defTabSz="355600">
+            <a:lnSpc>
+              <a:spcPct val="90000"/>
+            </a:lnSpc>
+            <a:spcBef>
+              <a:spcPct val="0"/>
+            </a:spcBef>
+            <a:spcAft>
+              <a:spcPct val="35000"/>
+            </a:spcAft>
+            <a:buNone/>
+          </a:pPr>
+          <a:r>
+            <a:rPr lang="en-MY" sz="800" b="1" kern="1200" dirty="0">
+              <a:solidFill>
+                <a:schemeClr val="bg1"/>
+              </a:solidFill>
+            </a:rPr>
+            <a:t>INCOMPETENT</a:t>
+          </a:r>
+        </a:p>
+      </dsp:txBody>
+      <dsp:txXfrm>
+        <a:off x="312406" y="271431"/>
+        <a:ext cx="716184" cy="681858"/>
+      </dsp:txXfrm>
+    </dsp:sp>
+    <dsp:sp modelId="{71FEE98C-407A-434F-B83A-77CA729CAE1D}">
+      <dsp:nvSpPr>
+        <dsp:cNvPr id="0" name=""/>
+        <dsp:cNvSpPr/>
+      </dsp:nvSpPr>
+      <dsp:spPr>
+        <a:xfrm>
+          <a:off x="1631390" y="344630"/>
+          <a:ext cx="301364" cy="301364"/>
+        </a:xfrm>
+        <a:prstGeom prst="plus">
+          <a:avLst>
+            <a:gd name="adj" fmla="val 32810"/>
+          </a:avLst>
+        </a:prstGeom>
+        <a:solidFill>
+          <a:srgbClr val="4472C4"/>
+        </a:solidFill>
+        <a:ln w="12700" cap="flat" cmpd="sng" algn="ctr">
+          <a:solidFill>
+            <a:schemeClr val="bg1"/>
+          </a:solidFill>
+          <a:prstDash val="solid"/>
+          <a:miter lim="800000"/>
+        </a:ln>
+        <a:effectLst/>
+      </dsp:spPr>
+      <dsp:style>
+        <a:lnRef idx="2">
+          <a:scrgbClr r="0" g="0" b="0"/>
+        </a:lnRef>
+        <a:fillRef idx="1">
+          <a:scrgbClr r="0" g="0" b="0"/>
+        </a:fillRef>
+        <a:effectRef idx="0">
+          <a:scrgbClr r="0" g="0" b="0"/>
+        </a:effectRef>
+        <a:fontRef idx="minor">
+          <a:schemeClr val="lt1"/>
+        </a:fontRef>
+      </dsp:style>
+    </dsp:sp>
+    <dsp:sp modelId="{DD9EDF89-B788-419B-BDE5-FD62E4866939}">
+      <dsp:nvSpPr>
+        <dsp:cNvPr id="0" name=""/>
+        <dsp:cNvSpPr/>
+      </dsp:nvSpPr>
+      <dsp:spPr>
+        <a:xfrm>
+          <a:off x="159409" y="433297"/>
+          <a:ext cx="283637" cy="97200"/>
+        </a:xfrm>
+        <a:prstGeom prst="rect">
+          <a:avLst/>
+        </a:prstGeom>
+        <a:solidFill>
+          <a:srgbClr val="CF4543"/>
+        </a:solidFill>
+        <a:ln w="12700" cap="flat" cmpd="sng" algn="ctr">
+          <a:solidFill>
+            <a:schemeClr val="bg1"/>
+          </a:solidFill>
+          <a:prstDash val="solid"/>
+          <a:miter lim="800000"/>
+        </a:ln>
+        <a:effectLst/>
+      </dsp:spPr>
+      <dsp:style>
+        <a:lnRef idx="2">
+          <a:scrgbClr r="0" g="0" b="0"/>
+        </a:lnRef>
+        <a:fillRef idx="1">
+          <a:scrgbClr r="0" g="0" b="0"/>
+        </a:fillRef>
+        <a:effectRef idx="0">
+          <a:scrgbClr r="0" g="0" b="0"/>
+        </a:effectRef>
+        <a:fontRef idx="minor">
+          <a:schemeClr val="lt1"/>
+        </a:fontRef>
+      </dsp:style>
+    </dsp:sp>
+    <dsp:sp modelId="{973DCEEC-E43E-44F2-8135-03E40A576B15}">
+      <dsp:nvSpPr>
+        <dsp:cNvPr id="0" name=""/>
+        <dsp:cNvSpPr/>
+      </dsp:nvSpPr>
+      <dsp:spPr>
+        <a:xfrm flipH="1" flipV="1">
+          <a:off x="1029109" y="274572"/>
+          <a:ext cx="3545" cy="137900"/>
+        </a:xfrm>
+        <a:prstGeom prst="line">
+          <a:avLst/>
+        </a:prstGeom>
+        <a:noFill/>
+        <a:ln w="12700" cap="flat" cmpd="sng" algn="ctr">
+          <a:noFill/>
+          <a:prstDash val="solid"/>
+          <a:miter lim="800000"/>
+        </a:ln>
+        <a:effectLst/>
+      </dsp:spPr>
+      <dsp:style>
+        <a:lnRef idx="2">
+          <a:scrgbClr r="0" g="0" b="0"/>
+        </a:lnRef>
+        <a:fillRef idx="0">
+          <a:scrgbClr r="0" g="0" b="0"/>
+        </a:fillRef>
+        <a:effectRef idx="0">
+          <a:scrgbClr r="0" g="0" b="0"/>
+        </a:effectRef>
+        <a:fontRef idx="minor"/>
+      </dsp:style>
+    </dsp:sp>
+  </dsp:spTree>
+</dsp:drawing>
+</file>
+
+<file path=ppt/diagrams/layout1.xml><?xml version="1.0" encoding="utf-8"?>
+<dgm:layoutDef xmlns:dgm="http://schemas.openxmlformats.org/drawingml/2006/diagram" xmlns:a="http://schemas.openxmlformats.org/drawingml/2006/main" uniqueId="urn:microsoft.com/office/officeart/2009/3/layout/PlusandMinus">
+  <dgm:title val=""/>
+  <dgm:desc val=""/>
+  <dgm:catLst>
+    <dgm:cat type="relationship" pri="3600"/>
+  </dgm:catLst>
+  <dgm:sampData>
+    <dgm:dataModel>
+      <dgm:ptLst>
+        <dgm:pt modelId="0" type="doc"/>
+        <dgm:pt modelId="10">
+          <dgm:prSet phldr="1"/>
+        </dgm:pt>
+        <dgm:pt modelId="20">
+          <dgm:prSet phldr="1"/>
+        </dgm:pt>
+      </dgm:ptLst>
+      <dgm:cxnLst>
+        <dgm:cxn modelId="30" srcId="0" destId="10" srcOrd="0" destOrd="0"/>
+        <dgm:cxn modelId="40" srcId="0" destId="20" srcOrd="1" destOrd="0"/>
+      </dgm:cxnLst>
+      <dgm:bg/>
+      <dgm:whole/>
+    </dgm:dataModel>
+  </dgm:sampData>
+  <dgm:styleData>
+    <dgm:dataModel>
+      <dgm:ptLst>
+        <dgm:pt modelId="0" type="doc"/>
+        <dgm:pt modelId="10">
+          <dgm:prSet phldr="1"/>
+        </dgm:pt>
+        <dgm:pt modelId="20">
+          <dgm:prSet phldr="1"/>
+        </dgm:pt>
+      </dgm:ptLst>
+      <dgm:cxnLst>
+        <dgm:cxn modelId="30" srcId="0" destId="10" srcOrd="0" destOrd="0"/>
+        <dgm:cxn modelId="40" srcId="0" destId="20" srcOrd="1" destOrd="0"/>
+      </dgm:cxnLst>
+      <dgm:bg/>
+      <dgm:whole/>
+    </dgm:dataModel>
+  </dgm:styleData>
+  <dgm:clrData>
+    <dgm:dataModel>
+      <dgm:ptLst>
+        <dgm:pt modelId="0" type="doc"/>
+        <dgm:pt modelId="10">
+          <dgm:prSet phldr="1"/>
+        </dgm:pt>
+        <dgm:pt modelId="20">
+          <dgm:prSet phldr="1"/>
+        </dgm:pt>
+      </dgm:ptLst>
+      <dgm:cxnLst>
+        <dgm:cxn modelId="30" srcId="0" destId="10" srcOrd="0" destOrd="0"/>
+        <dgm:cxn modelId="40" srcId="0" destId="20" srcOrd="1" destOrd="0"/>
+      </dgm:cxnLst>
+      <dgm:bg/>
+      <dgm:whole/>
+    </dgm:dataModel>
+  </dgm:clrData>
+  <dgm:layoutNode name="Name0">
+    <dgm:varLst>
+      <dgm:chMax val="2"/>
+      <dgm:chPref val="2"/>
+      <dgm:dir/>
+      <dgm:animOne/>
+      <dgm:resizeHandles val="exact"/>
+    </dgm:varLst>
+    <dgm:alg type="composite">
+      <dgm:param type="ar" val="1.8238"/>
+    </dgm:alg>
+    <dgm:shape xmlns:r="http://schemas.openxmlformats.org/officeDocument/2006/relationships" r:blip="">
+      <dgm:adjLst/>
+    </dgm:shape>
+    <dgm:choose name="Name1">
+      <dgm:if name="Name2" func="var" arg="dir" op="equ" val="norm">
+        <dgm:constrLst>
+          <dgm:constr type="primFontSz" for="des" ptType="node" op="equ" val="65"/>
+          <dgm:constr type="l" for="ch" forName="Background" refType="w" fact="0.09"/>
+          <dgm:constr type="t" for="ch" forName="Background" refType="h" fact="0.1641"/>
+          <dgm:constr type="w" for="ch" forName="Background" refType="w" fact="0.87"/>
+          <dgm:constr type="h" for="ch" forName="Background" refType="h" fact="0.82"/>
+          <dgm:constr type="l" for="ch" forName="ParentText1" refType="w" fact="0.116"/>
+          <dgm:constr type="t" for="ch" forName="ParentText1" refType="h" fact="0.26"/>
+          <dgm:constr type="w" for="ch" forName="ParentText1" refType="w" fact="0.404"/>
+          <dgm:constr type="h" for="ch" forName="ParentText1" refType="h" fact="0.7015"/>
+          <dgm:constr type="l" for="ch" forName="ParentText2" refType="w" fact="0.529"/>
+          <dgm:constr type="t" for="ch" forName="ParentText2" refType="h" fact="0.26"/>
+          <dgm:constr type="w" for="ch" forName="ParentText2" refType="w" fact="0.404"/>
+          <dgm:constr type="h" for="ch" forName="ParentText2" refType="h" fact="0.7015"/>
+          <dgm:constr type="l" for="ch" forName="Plus" refType="w" fact="0"/>
+          <dgm:constr type="t" for="ch" forName="Plus" refType="h" fact="0"/>
+          <dgm:constr type="w" for="ch" forName="Plus" refType="w" fact="0.17"/>
+          <dgm:constr type="h" for="ch" forName="Plus" refType="w" refFor="ch" refForName="Plus"/>
+          <dgm:constr type="l" for="ch" forName="Minus" refType="w" fact="0.84"/>
+          <dgm:constr type="t" for="ch" forName="Minus" refType="h" fact="0.1115"/>
+          <dgm:constr type="w" for="ch" forName="Minus" refType="w" fact="0.16"/>
+          <dgm:constr type="h" for="ch" forName="Minus" refType="h" fact="0.1"/>
+          <dgm:constr type="l" for="ch" forName="Divider" refType="w" fact="0.525"/>
+          <dgm:constr type="t" for="ch" forName="Divider" refType="h" fact="0.2615"/>
+          <dgm:constr type="w" for="ch" forName="Divider" refType="w" fact="0.0001"/>
+          <dgm:constr type="h" for="ch" forName="Divider" refType="h" fact="0.67"/>
+        </dgm:constrLst>
+      </dgm:if>
+      <dgm:else name="Name3">
+        <dgm:constrLst>
+          <dgm:constr type="primFontSz" for="des" ptType="node" op="equ" val="65"/>
+          <dgm:constr type="r" for="ch" forName="Background" refType="w" fact="-0.09"/>
+          <dgm:constr type="t" for="ch" forName="Background" refType="h" fact="0.1641"/>
+          <dgm:constr type="w" for="ch" forName="Background" refType="w" fact="0.87"/>
+          <dgm:constr type="h" for="ch" forName="Background" refType="h" fact="0.82"/>
+          <dgm:constr type="r" for="ch" forName="ParentText1" refType="w" fact="-0.116"/>
+          <dgm:constr type="t" for="ch" forName="ParentText1" refType="h" fact="0.26"/>
+          <dgm:constr type="w" for="ch" forName="ParentText1" refType="w" fact="0.404"/>
+          <dgm:constr type="h" for="ch" forName="ParentText1" refType="h" fact="0.7015"/>
+          <dgm:constr type="r" for="ch" forName="ParentText2" refType="w" fact="-0.529"/>
+          <dgm:constr type="t" for="ch" forName="ParentText2" refType="h" fact="0.26"/>
+          <dgm:constr type="w" for="ch" forName="ParentText2" refType="w" fact="0.404"/>
+          <dgm:constr type="h" for="ch" forName="ParentText2" refType="h" fact="0.7015"/>
+          <dgm:constr type="r" for="ch" forName="Plus" refType="w" fact="0"/>
+          <dgm:constr type="t" for="ch" forName="Plus" refType="h" fact="0"/>
+          <dgm:constr type="w" for="ch" forName="Plus" refType="w" fact="0.17"/>
+          <dgm:constr type="h" for="ch" forName="Plus" refType="w" refFor="ch" refForName="Plus"/>
+          <dgm:constr type="r" for="ch" forName="Minus" refType="w" fact="-0.84"/>
+          <dgm:constr type="t" for="ch" forName="Minus" refType="h" fact="0.1115"/>
+          <dgm:constr type="w" for="ch" forName="Minus" refType="w" fact="0.16"/>
+          <dgm:constr type="h" for="ch" forName="Minus" refType="h" fact="0.1"/>
+          <dgm:constr type="r" for="ch" forName="Divider" refType="w" fact="-0.525"/>
+          <dgm:constr type="t" for="ch" forName="Divider" refType="h" fact="0.2615"/>
+          <dgm:constr type="w" for="ch" forName="Divider" refType="w" fact="0.0001"/>
+          <dgm:constr type="h" for="ch" forName="Divider" refType="h" fact="0.67"/>
+        </dgm:constrLst>
+      </dgm:else>
+    </dgm:choose>
+    <dgm:layoutNode name="Background" styleLbl="bgImgPlace1">
+      <dgm:alg type="sp"/>
+      <dgm:shape xmlns:r="http://schemas.openxmlformats.org/officeDocument/2006/relationships" type="rect" r:blip="">
+        <dgm:adjLst/>
+      </dgm:shape>
+      <dgm:presOf/>
+    </dgm:layoutNode>
+    <dgm:layoutNode name="ParentText1" styleLbl="revTx">
+      <dgm:varLst>
+        <dgm:chMax val="0"/>
+        <dgm:chPref val="0"/>
+        <dgm:bulletEnabled val="1"/>
+      </dgm:varLst>
+      <dgm:alg type="tx">
+        <dgm:param type="parTxLTRAlign" val="l"/>
+        <dgm:param type="txAnchorVert" val="t"/>
+      </dgm:alg>
+      <dgm:shape xmlns:r="http://schemas.openxmlformats.org/officeDocument/2006/relationships" type="rect" r:blip="">
+        <dgm:adjLst/>
+      </dgm:shape>
+      <dgm:presOf axis="ch desOrSelf" ptType="node node" st="1 1" cnt="1 0"/>
+      <dgm:constrLst>
+        <dgm:constr type="lMarg" refType="primFontSz" fact="0.15"/>
+        <dgm:constr type="rMarg" refType="primFontSz" fact="0.15"/>
+        <dgm:constr type="tMarg" refType="primFontSz" fact="0.15"/>
+        <dgm:constr type="bMarg" refType="primFontSz" fact="0.15"/>
+      </dgm:constrLst>
+      <dgm:ruleLst>
+        <dgm:rule type="primFontSz" val="5" fact="NaN" max="NaN"/>
+      </dgm:ruleLst>
+    </dgm:layoutNode>
+    <dgm:layoutNode name="ParentText2" styleLbl="revTx">
+      <dgm:varLst>
+        <dgm:chMax val="0"/>
+        <dgm:chPref val="0"/>
+        <dgm:bulletEnabled val="1"/>
+      </dgm:varLst>
+      <dgm:alg type="tx">
+        <dgm:param type="parTxLTRAlign" val="l"/>
+        <dgm:param type="txAnchorVert" val="t"/>
+      </dgm:alg>
+      <dgm:shape xmlns:r="http://schemas.openxmlformats.org/officeDocument/2006/relationships" type="rect" r:blip="">
+        <dgm:adjLst/>
+      </dgm:shape>
+      <dgm:presOf axis="ch desOrSelf" ptType="node node" st="2 1" cnt="1 0"/>
+      <dgm:constrLst>
+        <dgm:constr type="lMarg" refType="primFontSz" fact="0.15"/>
+        <dgm:constr type="rMarg" refType="primFontSz" fact="0.15"/>
+        <dgm:constr type="tMarg" refType="primFontSz" fact="0.15"/>
+        <dgm:constr type="bMarg" refType="primFontSz" fact="0.15"/>
+      </dgm:constrLst>
+      <dgm:ruleLst>
+        <dgm:rule type="primFontSz" val="5" fact="NaN" max="NaN"/>
+      </dgm:ruleLst>
+    </dgm:layoutNode>
+    <dgm:layoutNode name="Plus" styleLbl="alignNode1">
+      <dgm:alg type="sp"/>
+      <dgm:shape xmlns:r="http://schemas.openxmlformats.org/officeDocument/2006/relationships" type="plus" r:blip="">
+        <dgm:adjLst>
+          <dgm:adj idx="1" val="0.3281"/>
+        </dgm:adjLst>
+      </dgm:shape>
+      <dgm:presOf/>
+    </dgm:layoutNode>
+    <dgm:layoutNode name="Minus" styleLbl="alignNode1">
+      <dgm:alg type="sp"/>
+      <dgm:shape xmlns:r="http://schemas.openxmlformats.org/officeDocument/2006/relationships" type="rect" r:blip="">
+        <dgm:adjLst/>
+      </dgm:shape>
+      <dgm:presOf/>
+    </dgm:layoutNode>
+    <dgm:layoutNode name="Divider" styleLbl="parChTrans1D1">
+      <dgm:alg type="sp"/>
+      <dgm:shape xmlns:r="http://schemas.openxmlformats.org/officeDocument/2006/relationships" type="line" r:blip="">
+        <dgm:adjLst/>
+      </dgm:shape>
+      <dgm:presOf/>
+    </dgm:layoutNode>
+  </dgm:layoutNode>
+</dgm:layoutDef>
+</file>
+
+<file path=ppt/diagrams/quickStyle1.xml><?xml version="1.0" encoding="utf-8"?>
+<dgm:styleDef xmlns:dgm="http://schemas.openxmlformats.org/drawingml/2006/diagram" xmlns:a="http://schemas.openxmlformats.org/drawingml/2006/main" uniqueId="urn:microsoft.com/office/officeart/2005/8/quickstyle/simple1">
+  <dgm:title val=""/>
+  <dgm:desc val=""/>
+  <dgm:catLst>
+    <dgm:cat type="simple" pri="10100"/>
+  </dgm:catLst>
+  <dgm:scene3d>
+    <a:camera prst="orthographicFront"/>
+    <a:lightRig rig="threePt" dir="t"/>
+  </dgm:scene3d>
+  <dgm:styleLbl name="node0">
+    <dgm:scene3d>
+      <a:camera prst="orthographicFront"/>
+      <a:lightRig rig="threePt" dir="t"/>
+    </dgm:scene3d>
+    <dgm:sp3d/>
+    <dgm:txPr/>
+    <dgm:style>
+      <a:lnRef idx="2">
+        <a:scrgbClr r="0" g="0" b="0"/>
+      </a:lnRef>
+      <a:fillRef idx="1">
+        <a:scrgbClr r="0" g="0" b="0"/>
+      </a:fillRef>
+      <a:effectRef idx="0">
+        <a:scrgbClr r="0" g="0" b="0"/>
+      </a:effectRef>
+      <a:fontRef idx="minor">
+        <a:schemeClr val="lt1"/>
+      </a:fontRef>
+    </dgm:style>
+  </dgm:styleLbl>
+  <dgm:styleLbl name="lnNode1">
+    <dgm:scene3d>
+      <a:camera prst="orthographicFront"/>
+      <a:lightRig rig="threePt" dir="t"/>
+    </dgm:scene3d>
+    <dgm:sp3d/>
+    <dgm:txPr/>
+    <dgm:style>
+      <a:lnRef idx="2">
+        <a:scrgbClr r="0" g="0" b="0"/>
+      </a:lnRef>
+      <a:fillRef idx="1">
+        <a:scrgbClr r="0" g="0" b="0"/>
+      </a:fillRef>
+      <a:effectRef idx="0">
+        <a:scrgbClr r="0" g="0" b="0"/>
+      </a:effectRef>
+      <a:fontRef idx="minor">
+        <a:schemeClr val="lt1"/>
+      </a:fontRef>
+    </dgm:style>
+  </dgm:styleLbl>
+  <dgm:styleLbl name="vennNode1">
+    <dgm:scene3d>
+      <a:camera prst="orthographicFront"/>
+      <a:lightRig rig="threePt" dir="t"/>
+    </dgm:scene3d>
+    <dgm:sp3d/>
+    <dgm:txPr/>
+    <dgm:style>
+      <a:lnRef idx="2">
+        <a:scrgbClr r="0" g="0" b="0"/>
+      </a:lnRef>
+      <a:fillRef idx="1">
+        <a:scrgbClr r="0" g="0" b="0"/>
+      </a:fillRef>
+      <a:effectRef idx="0">
+        <a:scrgbClr r="0" g="0" b="0"/>
+      </a:effectRef>
+      <a:fontRef idx="minor">
+        <a:schemeClr val="tx1"/>
+      </a:fontRef>
+    </dgm:style>
+  </dgm:styleLbl>
+  <dgm:styleLbl name="alignNode1">
+    <dgm:scene3d>
+      <a:camera prst="orthographicFront"/>
+      <a:lightRig rig="threePt" dir="t"/>
+    </dgm:scene3d>
+    <dgm:sp3d/>
+    <dgm:txPr/>
+    <dgm:style>
+      <a:lnRef idx="2">
+        <a:scrgbClr r="0" g="0" b="0"/>
+      </a:lnRef>
+      <a:fillRef idx="1">
+        <a:scrgbClr r="0" g="0" b="0"/>
+      </a:fillRef>
+      <a:effectRef idx="0">
+        <a:scrgbClr r="0" g="0" b="0"/>
+      </a:effectRef>
+      <a:fontRef idx="minor">
+        <a:schemeClr val="lt1"/>
+      </a:fontRef>
+    </dgm:style>
+  </dgm:styleLbl>
+  <dgm:styleLbl name="node1">
+    <dgm:scene3d>
+      <a:camera prst="orthographicFront"/>
+      <a:lightRig rig="threePt" dir="t"/>
+    </dgm:scene3d>
+    <dgm:sp3d/>
+    <dgm:txPr/>
+    <dgm:style>
+      <a:lnRef idx="2">
+        <a:scrgbClr r="0" g="0" b="0"/>
+      </a:lnRef>
+      <a:fillRef idx="1">
+        <a:scrgbClr r="0" g="0" b="0"/>
+      </a:fillRef>
+      <a:effectRef idx="0">
+        <a:scrgbClr r="0" g="0" b="0"/>
+      </a:effectRef>
+      <a:fontRef idx="minor">
+        <a:schemeClr val="lt1"/>
+      </a:fontRef>
+    </dgm:style>
+  </dgm:styleLbl>
+  <dgm:styleLbl name="node2">
+    <dgm:scene3d>
+      <a:camera prst="orthographicFront"/>
+      <a:lightRig rig="threePt" dir="t"/>
+    </dgm:scene3d>
+    <dgm:sp3d/>
+    <dgm:txPr/>
+    <dgm:style>
+      <a:lnRef idx="2">
+        <a:scrgbClr r="0" g="0" b="0"/>
+      </a:lnRef>
+      <a:fillRef idx="1">
+        <a:scrgbClr r="0" g="0" b="0"/>
+      </a:fillRef>
+      <a:effectRef idx="0">
+        <a:scrgbClr r="0" g="0" b="0"/>
+      </a:effectRef>
+      <a:fontRef idx="minor">
+        <a:schemeClr val="lt1"/>
+      </a:fontRef>
+    </dgm:style>
+  </dgm:styleLbl>
+  <dgm:styleLbl name="node3">
+    <dgm:scene3d>
+      <a:camera prst="orthographicFront"/>
+      <a:lightRig rig="threePt" dir="t"/>
+    </dgm:scene3d>
+    <dgm:sp3d/>
+    <dgm:txPr/>
+    <dgm:style>
+      <a:lnRef idx="2">
+        <a:scrgbClr r="0" g="0" b="0"/>
+      </a:lnRef>
+      <a:fillRef idx="1">
+        <a:scrgbClr r="0" g="0" b="0"/>
+      </a:fillRef>
+      <a:effectRef idx="0">
+        <a:scrgbClr r="0" g="0" b="0"/>
+      </a:effectRef>
+      <a:fontRef idx="minor">
+        <a:schemeClr val="lt1"/>
+      </a:fontRef>
+    </dgm:style>
+  </dgm:styleLbl>
+  <dgm:styleLbl name="node4">
+    <dgm:scene3d>
+      <a:camera prst="orthographicFront"/>
+      <a:lightRig rig="threePt" dir="t"/>
+    </dgm:scene3d>
+    <dgm:sp3d/>
+    <dgm:txPr/>
+    <dgm:style>
+      <a:lnRef idx="2">
+        <a:scrgbClr r="0" g="0" b="0"/>
+      </a:lnRef>
+      <a:fillRef idx="1">
+        <a:scrgbClr r="0" g="0" b="0"/>
+      </a:fillRef>
+      <a:effectRef idx="0">
+        <a:scrgbClr r="0" g="0" b="0"/>
+      </a:effectRef>
+      <a:fontRef idx="minor">
+        <a:schemeClr val="lt1"/>
+      </a:fontRef>
+    </dgm:style>
+  </dgm:styleLbl>
+  <dgm:styleLbl name="fgImgPlace1">
+    <dgm:scene3d>
+      <a:camera prst="orthographicFront"/>
+      <a:lightRig rig="threePt" dir="t"/>
+    </dgm:scene3d>
+    <dgm:sp3d/>
+    <dgm:txPr/>
+    <dgm:style>
+      <a:lnRef idx="2">
+        <a:scrgbClr r="0" g="0" b="0"/>
+      </a:lnRef>
+      <a:fillRef idx="1">
+        <a:scrgbClr r="0" g="0" b="0"/>
+      </a:fillRef>
+      <a:effectRef idx="0">
+        <a:scrgbClr r="0" g="0" b="0"/>
+      </a:effectRef>
+      <a:fontRef idx="minor"/>
+    </dgm:style>
+  </dgm:styleLbl>
+  <dgm:styleLbl name="alignImgPlace1">
+    <dgm:scene3d>
+      <a:camera prst="orthographicFront"/>
+      <a:lightRig rig="threePt" dir="t"/>
+    </dgm:scene3d>
+    <dgm:sp3d/>
+    <dgm:txPr/>
+    <dgm:style>
+      <a:lnRef idx="2">
+        <a:scrgbClr r="0" g="0" b="0"/>
+      </a:lnRef>
+      <a:fillRef idx="1">
+        <a:scrgbClr r="0" g="0" b="0"/>
+      </a:fillRef>
+      <a:effectRef idx="0">
+        <a:scrgbClr r="0" g="0" b="0"/>
+      </a:effectRef>
+      <a:fontRef idx="minor"/>
+    </dgm:style>
+  </dgm:styleLbl>
+  <dgm:styleLbl name="bgImgPlace1">
+    <dgm:scene3d>
+      <a:camera prst="orthographicFront"/>
+      <a:lightRig rig="threePt" dir="t"/>
+    </dgm:scene3d>
+    <dgm:sp3d/>
+    <dgm:txPr/>
+    <dgm:style>
+      <a:lnRef idx="2">
+        <a:scrgbClr r="0" g="0" b="0"/>
+      </a:lnRef>
+      <a:fillRef idx="1">
+        <a:scrgbClr r="0" g="0" b="0"/>
+      </a:fillRef>
+      <a:effectRef idx="0">
+        <a:scrgbClr r="0" g="0" b="0"/>
+      </a:effectRef>
+      <a:fontRef idx="minor"/>
+    </dgm:style>
+  </dgm:styleLbl>
+  <dgm:styleLbl name="sibTrans2D1">
+    <dgm:scene3d>
+      <a:camera prst="orthographicFront"/>
+      <a:lightRig rig="threePt" dir="t"/>
+    </dgm:scene3d>
+    <dgm:sp3d/>
+    <dgm:txPr/>
+    <dgm:style>
+      <a:lnRef idx="0">
+        <a:scrgbClr r="0" g="0" b="0"/>
+      </a:lnRef>
+      <a:fillRef idx="1">
+        <a:scrgbClr r="0" g="0" b="0"/>
+      </a:fillRef>
+      <a:effectRef idx="0">
+        <a:scrgbClr r="0" g="0" b="0"/>
+      </a:effectRef>
+      <a:fontRef idx="minor">
+        <a:schemeClr val="lt1"/>
+      </a:fontRef>
+    </dgm:style>
+  </dgm:styleLbl>
+  <dgm:styleLbl name="fgSibTrans2D1">
+    <dgm:scene3d>
+      <a:camera prst="orthographicFront"/>
+      <a:lightRig rig="threePt" dir="t"/>
+    </dgm:scene3d>
+    <dgm:sp3d/>
+    <dgm:txPr/>
+    <dgm:style>
+      <a:lnRef idx="0">
+        <a:scrgbClr r="0" g="0" b="0"/>
+      </a:lnRef>
+      <a:fillRef idx="1">
+        <a:scrgbClr r="0" g="0" b="0"/>
+      </a:fillRef>
+      <a:effectRef idx="0">
+        <a:scrgbClr r="0" g="0" b="0"/>
+      </a:effectRef>
+      <a:fontRef idx="minor">
+        <a:schemeClr val="lt1"/>
+      </a:fontRef>
+    </dgm:style>
+  </dgm:styleLbl>
+  <dgm:styleLbl name="bgSibTrans2D1">
+    <dgm:scene3d>
+      <a:camera prst="orthographicFront"/>
+      <a:lightRig rig="threePt" dir="t"/>
+    </dgm:scene3d>
+    <dgm:sp3d/>
+    <dgm:txPr/>
+    <dgm:style>
+      <a:lnRef idx="0">
+        <a:scrgbClr r="0" g="0" b="0"/>
+      </a:lnRef>
+      <a:fillRef idx="1">
+        <a:scrgbClr r="0" g="0" b="0"/>
+      </a:fillRef>
+      <a:effectRef idx="0">
+        <a:scrgbClr r="0" g="0" b="0"/>
+      </a:effectRef>
+      <a:fontRef idx="minor">
+        <a:schemeClr val="lt1"/>
+      </a:fontRef>
+    </dgm:style>
+  </dgm:styleLbl>
+  <dgm:styleLbl name="sibTrans1D1">
+    <dgm:scene3d>
+      <a:camera prst="orthographicFront"/>
+      <a:lightRig rig="threePt" dir="t"/>
+    </dgm:scene3d>
+    <dgm:sp3d/>
+    <dgm:txPr/>
+    <dgm:style>
+      <a:lnRef idx="1">
+        <a:scrgbClr r="0" g="0" b="0"/>
+      </a:lnRef>
+      <a:fillRef idx="0">
+        <a:scrgbClr r="0" g="0" b="0"/>
+      </a:fillRef>
+      <a:effectRef idx="0">
+        <a:scrgbClr r="0" g="0" b="0"/>
+      </a:effectRef>
+      <a:fontRef idx="minor"/>
+    </dgm:style>
+  </dgm:styleLbl>
+  <dgm:styleLbl name="callout">
+    <dgm:scene3d>
+      <a:camera prst="orthographicFront"/>
+      <a:lightRig rig="threePt" dir="t"/>
+    </dgm:scene3d>
+    <dgm:sp3d/>
+    <dgm:txPr/>
+    <dgm:style>
+      <a:lnRef idx="2">
+        <a:scrgbClr r="0" g="0" b="0"/>
+      </a:lnRef>
+      <a:fillRef idx="1">
+        <a:scrgbClr r="0" g="0" b="0"/>
+      </a:fillRef>
+      <a:effectRef idx="0">
+        <a:scrgbClr r="0" g="0" b="0"/>
+      </a:effectRef>
+      <a:fontRef idx="minor"/>
+    </dgm:style>
+  </dgm:styleLbl>
+  <dgm:styleLbl name="asst0">
+    <dgm:scene3d>
+      <a:camera prst="orthographicFront"/>
+      <a:lightRig rig="threePt" dir="t"/>
+    </dgm:scene3d>
+    <dgm:sp3d/>
+    <dgm:txPr/>
+    <dgm:style>
+      <a:lnRef idx="2">
+        <a:scrgbClr r="0" g="0" b="0"/>
+      </a:lnRef>
+      <a:fillRef idx="1">
+        <a:scrgbClr r="0" g="0" b="0"/>
+      </a:fillRef>
+      <a:effectRef idx="0">
+        <a:scrgbClr r="0" g="0" b="0"/>
+      </a:effectRef>
+      <a:fontRef idx="minor">
+        <a:schemeClr val="lt1"/>
+      </a:fontRef>
+    </dgm:style>
+  </dgm:styleLbl>
+  <dgm:styleLbl name="asst1">
+    <dgm:scene3d>
+      <a:camera prst="orthographicFront"/>
+      <a:lightRig rig="threePt" dir="t"/>
+    </dgm:scene3d>
+    <dgm:sp3d/>
+    <dgm:txPr/>
+    <dgm:style>
+      <a:lnRef idx="2">
+        <a:scrgbClr r="0" g="0" b="0"/>
+      </a:lnRef>
+      <a:fillRef idx="1">
+        <a:scrgbClr r="0" g="0" b="0"/>
+      </a:fillRef>
+      <a:effectRef idx="0">
+        <a:scrgbClr r="0" g="0" b="0"/>
+      </a:effectRef>
+      <a:fontRef idx="minor">
+        <a:schemeClr val="lt1"/>
+      </a:fontRef>
+    </dgm:style>
+  </dgm:styleLbl>
+  <dgm:styleLbl name="asst2">
+    <dgm:scene3d>
+      <a:camera prst="orthographicFront"/>
+      <a:lightRig rig="threePt" dir="t"/>
+    </dgm:scene3d>
+    <dgm:sp3d/>
+    <dgm:txPr/>
+    <dgm:style>
+      <a:lnRef idx="2">
+        <a:scrgbClr r="0" g="0" b="0"/>
+      </a:lnRef>
+      <a:fillRef idx="1">
+        <a:scrgbClr r="0" g="0" b="0"/>
+      </a:fillRef>
+      <a:effectRef idx="0">
+        <a:scrgbClr r="0" g="0" b="0"/>
+      </a:effectRef>
+      <a:fontRef idx="minor">
+        <a:schemeClr val="lt1"/>
+      </a:fontRef>
+    </dgm:style>
+  </dgm:styleLbl>
+  <dgm:styleLbl name="asst3">
+    <dgm:scene3d>
+      <a:camera prst="orthographicFront"/>
+      <a:lightRig rig="threePt" dir="t"/>
+    </dgm:scene3d>
+    <dgm:sp3d/>
+    <dgm:txPr/>
+    <dgm:style>
+      <a:lnRef idx="2">
+        <a:scrgbClr r="0" g="0" b="0"/>
+      </a:lnRef>
+      <a:fillRef idx="1">
+        <a:scrgbClr r="0" g="0" b="0"/>
+      </a:fillRef>
+      <a:effectRef idx="0">
+        <a:scrgbClr r="0" g="0" b="0"/>
+      </a:effectRef>
+      <a:fontRef idx="minor">
+        <a:schemeClr val="lt1"/>
+      </a:fontRef>
+    </dgm:style>
+  </dgm:styleLbl>
+  <dgm:styleLbl name="asst4">
+    <dgm:scene3d>
+      <a:camera prst="orthographicFront"/>
+      <a:lightRig rig="threePt" dir="t"/>
+    </dgm:scene3d>
+    <dgm:sp3d/>
+    <dgm:txPr/>
+    <dgm:style>
+      <a:lnRef idx="2">
+        <a:scrgbClr r="0" g="0" b="0"/>
+      </a:lnRef>
+      <a:fillRef idx="1">
+        <a:scrgbClr r="0" g="0" b="0"/>
+      </a:fillRef>
+      <a:effectRef idx="0">
+        <a:scrgbClr r="0" g="0" b="0"/>
+      </a:effectRef>
+      <a:fontRef idx="minor">
+        <a:schemeClr val="lt1"/>
+      </a:fontRef>
+    </dgm:style>
+  </dgm:styleLbl>
+  <dgm:styleLbl name="parChTrans2D1">
+    <dgm:scene3d>
+      <a:camera prst="orthographicFront"/>
+      <a:lightRig rig="threePt" dir="t"/>
+    </dgm:scene3d>
+    <dgm:sp3d/>
+    <dgm:txPr/>
+    <dgm:style>
+      <a:lnRef idx="2">
+        <a:scrgbClr r="0" g="0" b="0"/>
+      </a:lnRef>
+      <a:fillRef idx="1">
+        <a:scrgbClr r="0" g="0" b="0"/>
+      </a:fillRef>
+      <a:effectRef idx="0">
+        <a:scrgbClr r="0" g="0" b="0"/>
+      </a:effectRef>
+      <a:fontRef idx="minor">
+        <a:schemeClr val="lt1"/>
+      </a:fontRef>
+    </dgm:style>
+  </dgm:styleLbl>
+  <dgm:styleLbl name="parChTrans2D2">
+    <dgm:scene3d>
+      <a:camera prst="orthographicFront"/>
+      <a:lightRig rig="threePt" dir="t"/>
+    </dgm:scene3d>
+    <dgm:sp3d/>
+    <dgm:txPr/>
+    <dgm:style>
+      <a:lnRef idx="2">
+        <a:scrgbClr r="0" g="0" b="0"/>
+      </a:lnRef>
+      <a:fillRef idx="1">
+        <a:scrgbClr r="0" g="0" b="0"/>
+      </a:fillRef>
+      <a:effectRef idx="0">
+        <a:scrgbClr r="0" g="0" b="0"/>
+      </a:effectRef>
+      <a:fontRef idx="minor">
+        <a:schemeClr val="lt1"/>
+      </a:fontRef>
+    </dgm:style>
+  </dgm:styleLbl>
+  <dgm:styleLbl name="parChTrans2D3">
+    <dgm:scene3d>
+      <a:camera prst="orthographicFront"/>
+      <a:lightRig rig="threePt" dir="t"/>
+    </dgm:scene3d>
+    <dgm:sp3d/>
+    <dgm:txPr/>
+    <dgm:style>
+      <a:lnRef idx="2">
+        <a:scrgbClr r="0" g="0" b="0"/>
+      </a:lnRef>
+      <a:fillRef idx="1">
+        <a:scrgbClr r="0" g="0" b="0"/>
+      </a:fillRef>
+      <a:effectRef idx="0">
+        <a:scrgbClr r="0" g="0" b="0"/>
+      </a:effectRef>
+      <a:fontRef idx="minor">
+        <a:schemeClr val="lt1"/>
+      </a:fontRef>
+    </dgm:style>
+  </dgm:styleLbl>
+  <dgm:styleLbl name="parChTrans2D4">
+    <dgm:scene3d>
+      <a:camera prst="orthographicFront"/>
+      <a:lightRig rig="threePt" dir="t"/>
+    </dgm:scene3d>
+    <dgm:sp3d/>
+    <dgm:txPr/>
+    <dgm:style>
+      <a:lnRef idx="2">
+        <a:scrgbClr r="0" g="0" b="0"/>
+      </a:lnRef>
+      <a:fillRef idx="1">
+        <a:scrgbClr r="0" g="0" b="0"/>
+      </a:fillRef>
+      <a:effectRef idx="0">
+        <a:scrgbClr r="0" g="0" b="0"/>
+      </a:effectRef>
+      <a:fontRef idx="minor">
+        <a:schemeClr val="lt1"/>
+      </a:fontRef>
+    </dgm:style>
+  </dgm:styleLbl>
+  <dgm:styleLbl name="parChTrans1D1">
+    <dgm:scene3d>
+      <a:camera prst="orthographicFront"/>
+      <a:lightRig rig="threePt" dir="t"/>
+    </dgm:scene3d>
+    <dgm:sp3d/>
+    <dgm:txPr/>
+    <dgm:style>
+      <a:lnRef idx="2">
+        <a:scrgbClr r="0" g="0" b="0"/>
+      </a:lnRef>
+      <a:fillRef idx="0">
+        <a:scrgbClr r="0" g="0" b="0"/>
+      </a:fillRef>
+      <a:effectRef idx="0">
+        <a:scrgbClr r="0" g="0" b="0"/>
+      </a:effectRef>
+      <a:fontRef idx="minor"/>
+    </dgm:style>
+  </dgm:styleLbl>
+  <dgm:styleLbl name="parChTrans1D2">
+    <dgm:scene3d>
+      <a:camera prst="orthographicFront"/>
+      <a:lightRig rig="threePt" dir="t"/>
+    </dgm:scene3d>
+    <dgm:sp3d/>
+    <dgm:txPr/>
+    <dgm:style>
+      <a:lnRef idx="2">
+        <a:scrgbClr r="0" g="0" b="0"/>
+      </a:lnRef>
+      <a:fillRef idx="0">
+        <a:scrgbClr r="0" g="0" b="0"/>
+      </a:fillRef>
+      <a:effectRef idx="0">
+        <a:scrgbClr r="0" g="0" b="0"/>
+      </a:effectRef>
+      <a:fontRef idx="minor"/>
+    </dgm:style>
+  </dgm:styleLbl>
+  <dgm:styleLbl name="parChTrans1D3">
+    <dgm:scene3d>
+      <a:camera prst="orthographicFront"/>
+      <a:lightRig rig="threePt" dir="t"/>
+    </dgm:scene3d>
+    <dgm:sp3d/>
+    <dgm:txPr/>
+    <dgm:style>
+      <a:lnRef idx="2">
+        <a:scrgbClr r="0" g="0" b="0"/>
+      </a:lnRef>
+      <a:fillRef idx="0">
+        <a:scrgbClr r="0" g="0" b="0"/>
+      </a:fillRef>
+      <a:effectRef idx="0">
+        <a:scrgbClr r="0" g="0" b="0"/>
+      </a:effectRef>
+      <a:fontRef idx="minor"/>
+    </dgm:style>
+  </dgm:styleLbl>
+  <dgm:styleLbl name="parChTrans1D4">
+    <dgm:scene3d>
+      <a:camera prst="orthographicFront"/>
+      <a:lightRig rig="threePt" dir="t"/>
+    </dgm:scene3d>
+    <dgm:sp3d/>
+    <dgm:txPr/>
+    <dgm:style>
+      <a:lnRef idx="2">
+        <a:scrgbClr r="0" g="0" b="0"/>
+      </a:lnRef>
+      <a:fillRef idx="0">
+        <a:scrgbClr r="0" g="0" b="0"/>
+      </a:fillRef>
+      <a:effectRef idx="0">
+        <a:scrgbClr r="0" g="0" b="0"/>
+      </a:effectRef>
+      <a:fontRef idx="minor"/>
+    </dgm:style>
+  </dgm:styleLbl>
+  <dgm:styleLbl name="fgAcc1">
+    <dgm:scene3d>
+      <a:camera prst="orthographicFront"/>
+      <a:lightRig rig="threePt" dir="t"/>
+    </dgm:scene3d>
+    <dgm:sp3d/>
+    <dgm:txPr/>
+    <dgm:style>
+      <a:lnRef idx="2">
+        <a:scrgbClr r="0" g="0" b="0"/>
+      </a:lnRef>
+      <a:fillRef idx="1">
+        <a:scrgbClr r="0" g="0" b="0"/>
+      </a:fillRef>
+      <a:effectRef idx="0">
+        <a:scrgbClr r="0" g="0" b="0"/>
+      </a:effectRef>
+      <a:fontRef idx="minor"/>
+    </dgm:style>
+  </dgm:styleLbl>
+  <dgm:styleLbl name="conFgAcc1">
+    <dgm:scene3d>
+      <a:camera prst="orthographicFront"/>
+      <a:lightRig rig="threePt" dir="t"/>
+    </dgm:scene3d>
+    <dgm:sp3d/>
+    <dgm:txPr/>
+    <dgm:style>
+      <a:lnRef idx="2">
+        <a:scrgbClr r="0" g="0" b="0"/>
+      </a:lnRef>
+      <a:fillRef idx="1">
+        <a:scrgbClr r="0" g="0" b="0"/>
+      </a:fillRef>
+      <a:effectRef idx="0">
+        <a:scrgbClr r="0" g="0" b="0"/>
+      </a:effectRef>
+      <a:fontRef idx="minor"/>
+    </dgm:style>
+  </dgm:styleLbl>
+  <dgm:styleLbl name="alignAcc1">
+    <dgm:scene3d>
+      <a:camera prst="orthographicFront"/>
+      <a:lightRig rig="threePt" dir="t"/>
+    </dgm:scene3d>
+    <dgm:sp3d/>
+    <dgm:txPr/>
+    <dgm:style>
+      <a:lnRef idx="2">
+        <a:scrgbClr r="0" g="0" b="0"/>
+      </a:lnRef>
+      <a:fillRef idx="1">
+        <a:scrgbClr r="0" g="0" b="0"/>
+      </a:fillRef>
+      <a:effectRef idx="0">
+        <a:scrgbClr r="0" g="0" b="0"/>
+      </a:effectRef>
+      <a:fontRef idx="minor"/>
+    </dgm:style>
+  </dgm:styleLbl>
+  <dgm:styleLbl name="trAlignAcc1">
+    <dgm:scene3d>
+      <a:camera prst="orthographicFront"/>
+      <a:lightRig rig="threePt" dir="t"/>
+    </dgm:scene3d>
+    <dgm:sp3d/>
+    <dgm:txPr/>
+    <dgm:style>
+      <a:lnRef idx="1">
+        <a:scrgbClr r="0" g="0" b="0"/>
+      </a:lnRef>
+      <a:fillRef idx="1">
+        <a:scrgbClr r="0" g="0" b="0"/>
+      </a:fillRef>
+      <a:effectRef idx="0">
+        <a:scrgbClr r="0" g="0" b="0"/>
+      </a:effectRef>
+      <a:fontRef idx="minor"/>
+    </dgm:style>
+  </dgm:styleLbl>
+  <dgm:styleLbl name="bgAcc1">
+    <dgm:scene3d>
+      <a:camera prst="orthographicFront"/>
+      <a:lightRig rig="threePt" dir="t"/>
+    </dgm:scene3d>
+    <dgm:sp3d/>
+    <dgm:txPr/>
+    <dgm:style>
+      <a:lnRef idx="2">
+        <a:scrgbClr r="0" g="0" b="0"/>
+      </a:lnRef>
+      <a:fillRef idx="1">
+        <a:scrgbClr r="0" g="0" b="0"/>
+      </a:fillRef>
+      <a:effectRef idx="0">
+        <a:scrgbClr r="0" g="0" b="0"/>
+      </a:effectRef>
+      <a:fontRef idx="minor"/>
+    </dgm:style>
+  </dgm:styleLbl>
+  <dgm:styleLbl name="solidFgAcc1">
+    <dgm:scene3d>
+      <a:camera prst="orthographicFront"/>
+      <a:lightRig rig="threePt" dir="t"/>
+    </dgm:scene3d>
+    <dgm:sp3d/>
+    <dgm:txPr/>
+    <dgm:style>
+      <a:lnRef idx="2">
+        <a:scrgbClr r="0" g="0" b="0"/>
+      </a:lnRef>
+      <a:fillRef idx="1">
+        <a:scrgbClr r="0" g="0" b="0"/>
+      </a:fillRef>
+      <a:effectRef idx="0">
+        <a:scrgbClr r="0" g="0" b="0"/>
+      </a:effectRef>
+      <a:fontRef idx="minor"/>
+    </dgm:style>
+  </dgm:styleLbl>
+  <dgm:styleLbl name="solidAlignAcc1">
+    <dgm:scene3d>
+      <a:camera prst="orthographicFront"/>
+      <a:lightRig rig="threePt" dir="t"/>
+    </dgm:scene3d>
+    <dgm:sp3d/>
+    <dgm:txPr/>
+    <dgm:style>
+      <a:lnRef idx="2">
+        <a:scrgbClr r="0" g="0" b="0"/>
+      </a:lnRef>
+      <a:fillRef idx="1">
+        <a:scrgbClr r="0" g="0" b="0"/>
+      </a:fillRef>
+      <a:effectRef idx="0">
+        <a:scrgbClr r="0" g="0" b="0"/>
+      </a:effectRef>
+      <a:fontRef idx="minor"/>
+    </dgm:style>
+  </dgm:styleLbl>
+  <dgm:styleLbl name="solidBgAcc1">
+    <dgm:scene3d>
+      <a:camera prst="orthographicFront"/>
+      <a:lightRig rig="threePt" dir="t"/>
+    </dgm:scene3d>
+    <dgm:sp3d/>
+    <dgm:txPr/>
+    <dgm:style>
+      <a:lnRef idx="2">
+        <a:scrgbClr r="0" g="0" b="0"/>
+      </a:lnRef>
+      <a:fillRef idx="1">
+        <a:scrgbClr r="0" g="0" b="0"/>
+      </a:fillRef>
+      <a:effectRef idx="0">
+        <a:scrgbClr r="0" g="0" b="0"/>
+      </a:effectRef>
+      <a:fontRef idx="minor"/>
+    </dgm:style>
+  </dgm:styleLbl>
+  <dgm:styleLbl name="fgAccFollowNode1">
+    <dgm:scene3d>
+      <a:camera prst="orthographicFront"/>
+      <a:lightRig rig="threePt" dir="t"/>
+    </dgm:scene3d>
+    <dgm:sp3d/>
+    <dgm:txPr/>
+    <dgm:style>
+      <a:lnRef idx="2">
+        <a:scrgbClr r="0" g="0" b="0"/>
+      </a:lnRef>
+      <a:fillRef idx="1">
+        <a:scrgbClr r="0" g="0" b="0"/>
+      </a:fillRef>
+      <a:effectRef idx="0">
+        <a:scrgbClr r="0" g="0" b="0"/>
+      </a:effectRef>
+      <a:fontRef idx="minor"/>
+    </dgm:style>
+  </dgm:styleLbl>
+  <dgm:styleLbl name="alignAccFollowNode1">
+    <dgm:scene3d>
+      <a:camera prst="orthographicFront"/>
+      <a:lightRig rig="threePt" dir="t"/>
+    </dgm:scene3d>
+    <dgm:sp3d/>
+    <dgm:txPr/>
+    <dgm:style>
+      <a:lnRef idx="2">
+        <a:scrgbClr r="0" g="0" b="0"/>
+      </a:lnRef>
+      <a:fillRef idx="1">
+        <a:scrgbClr r="0" g="0" b="0"/>
+      </a:fillRef>
+      <a:effectRef idx="0">
+        <a:scrgbClr r="0" g="0" b="0"/>
+      </a:effectRef>
+      <a:fontRef idx="minor"/>
+    </dgm:style>
+  </dgm:styleLbl>
+  <dgm:styleLbl name="bgAccFollowNode1">
+    <dgm:scene3d>
+      <a:camera prst="orthographicFront"/>
+      <a:lightRig rig="threePt" dir="t"/>
+    </dgm:scene3d>
+    <dgm:sp3d/>
+    <dgm:txPr/>
+    <dgm:style>
+      <a:lnRef idx="2">
+        <a:scrgbClr r="0" g="0" b="0"/>
+      </a:lnRef>
+      <a:fillRef idx="1">
+        <a:scrgbClr r="0" g="0" b="0"/>
+      </a:fillRef>
+      <a:effectRef idx="0">
+        <a:scrgbClr r="0" g="0" b="0"/>
+      </a:effectRef>
+      <a:fontRef idx="minor"/>
+    </dgm:style>
+  </dgm:styleLbl>
+  <dgm:styleLbl name="fgAcc0">
+    <dgm:scene3d>
+      <a:camera prst="orthographicFront"/>
+      <a:lightRig rig="threePt" dir="t"/>
+    </dgm:scene3d>
+    <dgm:sp3d/>
+    <dgm:txPr/>
+    <dgm:style>
+      <a:lnRef idx="2">
+        <a:scrgbClr r="0" g="0" b="0"/>
+      </a:lnRef>
+      <a:fillRef idx="1">
+        <a:scrgbClr r="0" g="0" b="0"/>
+      </a:fillRef>
+      <a:effectRef idx="0">
+        <a:scrgbClr r="0" g="0" b="0"/>
+      </a:effectRef>
+      <a:fontRef idx="minor"/>
+    </dgm:style>
+  </dgm:styleLbl>
+  <dgm:styleLbl name="fgAcc2">
+    <dgm:scene3d>
+      <a:camera prst="orthographicFront"/>
+      <a:lightRig rig="threePt" dir="t"/>
+    </dgm:scene3d>
+    <dgm:sp3d/>
+    <dgm:txPr/>
+    <dgm:style>
+      <a:lnRef idx="2">
+        <a:scrgbClr r="0" g="0" b="0"/>
+      </a:lnRef>
+      <a:fillRef idx="1">
+        <a:scrgbClr r="0" g="0" b="0"/>
+      </a:fillRef>
+      <a:effectRef idx="0">
+        <a:scrgbClr r="0" g="0" b="0"/>
+      </a:effectRef>
+      <a:fontRef idx="minor"/>
+    </dgm:style>
+  </dgm:styleLbl>
+  <dgm:styleLbl name="fgAcc3">
+    <dgm:scene3d>
+      <a:camera prst="orthographicFront"/>
+      <a:lightRig rig="threePt" dir="t"/>
+    </dgm:scene3d>
+    <dgm:sp3d/>
+    <dgm:txPr/>
+    <dgm:style>
+      <a:lnRef idx="2">
+        <a:scrgbClr r="0" g="0" b="0"/>
+      </a:lnRef>
+      <a:fillRef idx="1">
+        <a:scrgbClr r="0" g="0" b="0"/>
+      </a:fillRef>
+      <a:effectRef idx="0">
+        <a:scrgbClr r="0" g="0" b="0"/>
+      </a:effectRef>
+      <a:fontRef idx="minor"/>
+    </dgm:style>
+  </dgm:styleLbl>
+  <dgm:styleLbl name="fgAcc4">
+    <dgm:scene3d>
+      <a:camera prst="orthographicFront"/>
+      <a:lightRig rig="threePt" dir="t"/>
+    </dgm:scene3d>
+    <dgm:sp3d/>
+    <dgm:txPr/>
+    <dgm:style>
+      <a:lnRef idx="2">
+        <a:scrgbClr r="0" g="0" b="0"/>
+      </a:lnRef>
+      <a:fillRef idx="1">
+        <a:scrgbClr r="0" g="0" b="0"/>
+      </a:fillRef>
+      <a:effectRef idx="0">
+        <a:scrgbClr r="0" g="0" b="0"/>
+      </a:effectRef>
+      <a:fontRef idx="minor"/>
+    </dgm:style>
+  </dgm:styleLbl>
+  <dgm:styleLbl name="bgShp">
+    <dgm:scene3d>
+      <a:camera prst="orthographicFront"/>
+      <a:lightRig rig="threePt" dir="t"/>
+    </dgm:scene3d>
+    <dgm:sp3d/>
+    <dgm:txPr/>
+    <dgm:style>
+      <a:lnRef idx="0">
+        <a:scrgbClr r="0" g="0" b="0"/>
+      </a:lnRef>
+      <a:fillRef idx="1">
+        <a:scrgbClr r="0" g="0" b="0"/>
+      </a:fillRef>
+      <a:effectRef idx="0">
+        <a:scrgbClr r="0" g="0" b="0"/>
+      </a:effectRef>
+      <a:fontRef idx="minor"/>
+    </dgm:style>
+  </dgm:styleLbl>
+  <dgm:styleLbl name="dkBgShp">
+    <dgm:scene3d>
+      <a:camera prst="orthographicFront"/>
+      <a:lightRig rig="threePt" dir="t"/>
+    </dgm:scene3d>
+    <dgm:sp3d/>
+    <dgm:txPr/>
+    <dgm:style>
+      <a:lnRef idx="0">
+        <a:scrgbClr r="0" g="0" b="0"/>
+      </a:lnRef>
+      <a:fillRef idx="1">
+        <a:scrgbClr r="0" g="0" b="0"/>
+      </a:fillRef>
+      <a:effectRef idx="0">
+        <a:scrgbClr r="0" g="0" b="0"/>
+      </a:effectRef>
+      <a:fontRef idx="minor"/>
+    </dgm:style>
+  </dgm:styleLbl>
+  <dgm:styleLbl name="trBgShp">
+    <dgm:scene3d>
+      <a:camera prst="orthographicFront"/>
+      <a:lightRig rig="threePt" dir="t"/>
+    </dgm:scene3d>
+    <dgm:sp3d/>
+    <dgm:txPr/>
+    <dgm:style>
+      <a:lnRef idx="0">
+        <a:scrgbClr r="0" g="0" b="0"/>
+      </a:lnRef>
+      <a:fillRef idx="1">
+        <a:scrgbClr r="0" g="0" b="0"/>
+      </a:fillRef>
+      <a:effectRef idx="0">
+        <a:scrgbClr r="0" g="0" b="0"/>
+      </a:effectRef>
+      <a:fontRef idx="minor"/>
+    </dgm:style>
+  </dgm:styleLbl>
+  <dgm:styleLbl name="fgShp">
+    <dgm:scene3d>
+      <a:camera prst="orthographicFront"/>
+      <a:lightRig rig="threePt" dir="t"/>
+    </dgm:scene3d>
+    <dgm:sp3d/>
+    <dgm:txPr/>
+    <dgm:style>
+      <a:lnRef idx="2">
+        <a:scrgbClr r="0" g="0" b="0"/>
+      </a:lnRef>
+      <a:fillRef idx="1">
+        <a:scrgbClr r="0" g="0" b="0"/>
+      </a:fillRef>
+      <a:effectRef idx="0">
+        <a:scrgbClr r="0" g="0" b="0"/>
+      </a:effectRef>
+      <a:fontRef idx="minor"/>
+    </dgm:style>
+  </dgm:styleLbl>
+  <dgm:styleLbl name="revTx">
+    <dgm:scene3d>
+      <a:camera prst="orthographicFront"/>
+      <a:lightRig rig="threePt" dir="t"/>
+    </dgm:scene3d>
+    <dgm:sp3d/>
+    <dgm:txPr/>
+    <dgm:style>
+      <a:lnRef idx="0">
+        <a:scrgbClr r="0" g="0" b="0"/>
+      </a:lnRef>
+      <a:fillRef idx="0">
+        <a:scrgbClr r="0" g="0" b="0"/>
+      </a:fillRef>
+      <a:effectRef idx="0">
+        <a:scrgbClr r="0" g="0" b="0"/>
+      </a:effectRef>
+      <a:fontRef idx="minor"/>
+    </dgm:style>
+  </dgm:styleLbl>
+</dgm:styleDef>
+</file>
+
+<file path=ppt/notesMasters/notesMaster1.xml><?xml version="1.0" encoding="utf-8"?>
+<p:notesMaster xmlns:a="http://schemas.openxmlformats.org/drawingml/2006/main" xmlns:r="http://schemas.openxmlformats.org/officeDocument/2006/relationships" xmlns:p="http://schemas.openxmlformats.org/presentationml/2006/main">
+  <p:cSld>
+    <p:bg>
+      <p:bgRef idx="1001">
+        <a:schemeClr val="bg1"/>
+      </p:bgRef>
+    </p:bg>
+    <p:spTree>
+      <p:nvGrpSpPr>
+        <p:cNvPr id="1" name=""/>
+        <p:cNvGrpSpPr/>
+        <p:nvPr/>
+      </p:nvGrpSpPr>
+      <p:grpSpPr>
+        <a:xfrm>
+          <a:off x="0" y="0"/>
+          <a:ext cx="0" cy="0"/>
+          <a:chOff x="0" y="0"/>
+          <a:chExt cx="0" cy="0"/>
+        </a:xfrm>
+      </p:grpSpPr>
+      <p:sp>
+        <p:nvSpPr>
+          <p:cNvPr id="2" name="Header Placeholder 1"/>
+          <p:cNvSpPr>
+            <a:spLocks noGrp="1"/>
+          </p:cNvSpPr>
+          <p:nvPr>
+            <p:ph type="hdr" sz="quarter"/>
+          </p:nvPr>
+        </p:nvSpPr>
+        <p:spPr>
+          <a:xfrm>
+            <a:off x="0" y="0"/>
+            <a:ext cx="4341813" cy="346075"/>
+          </a:xfrm>
+          <a:prstGeom prst="rect">
+            <a:avLst/>
+          </a:prstGeom>
+        </p:spPr>
+        <p:txBody>
+          <a:bodyPr vert="horz" lIns="91440" tIns="45720" rIns="91440" bIns="45720" rtlCol="0"/>
+          <a:lstStyle>
+            <a:lvl1pPr algn="l">
+              <a:defRPr sz="1200"/>
+            </a:lvl1pPr>
+          </a:lstStyle>
+          <a:p>
+            <a:endParaRPr lang="en-MY"/>
+          </a:p>
+        </p:txBody>
+      </p:sp>
+      <p:sp>
+        <p:nvSpPr>
+          <p:cNvPr id="3" name="Date Placeholder 2"/>
+          <p:cNvSpPr>
+            <a:spLocks noGrp="1"/>
+          </p:cNvSpPr>
+          <p:nvPr>
+            <p:ph type="dt" idx="1"/>
+          </p:nvPr>
+        </p:nvSpPr>
+        <p:spPr>
+          <a:xfrm>
+            <a:off x="5675313" y="0"/>
+            <a:ext cx="4343400" cy="346075"/>
+          </a:xfrm>
+          <a:prstGeom prst="rect">
+            <a:avLst/>
+          </a:prstGeom>
+        </p:spPr>
+        <p:txBody>
+          <a:bodyPr vert="horz" lIns="91440" tIns="45720" rIns="91440" bIns="45720" rtlCol="0"/>
+          <a:lstStyle>
+            <a:lvl1pPr algn="r">
+              <a:defRPr sz="1200"/>
+            </a:lvl1pPr>
+          </a:lstStyle>
+          <a:p>
+            <a:fld id="{C50D6D08-0A42-4F2E-A0B8-78450D159086}" type="datetimeFigureOut">
+              <a:rPr lang="en-MY" smtClean="0"/>
+              <a:t>10/5/2024</a:t>
+            </a:fld>
+            <a:endParaRPr lang="en-MY"/>
+          </a:p>
+        </p:txBody>
+      </p:sp>
+      <p:sp>
+        <p:nvSpPr>
+          <p:cNvPr id="4" name="Slide Image Placeholder 3"/>
+          <p:cNvSpPr>
+            <a:spLocks noGrp="1" noRot="1" noChangeAspect="1"/>
+          </p:cNvSpPr>
+          <p:nvPr>
+            <p:ph type="sldImg" idx="2"/>
+          </p:nvPr>
+        </p:nvSpPr>
+        <p:spPr>
+          <a:xfrm>
+            <a:off x="3330575" y="860425"/>
+            <a:ext cx="3359150" cy="2325688"/>
+          </a:xfrm>
+          <a:prstGeom prst="rect">
+            <a:avLst/>
+          </a:prstGeom>
+          <a:noFill/>
+          <a:ln w="12700">
+            <a:solidFill>
+              <a:prstClr val="black"/>
+            </a:solidFill>
+          </a:ln>
+        </p:spPr>
+        <p:txBody>
+          <a:bodyPr vert="horz" lIns="91440" tIns="45720" rIns="91440" bIns="45720" rtlCol="0" anchor="ctr"/>
+          <a:lstStyle/>
+          <a:p>
+            <a:endParaRPr lang="en-MY"/>
+          </a:p>
+        </p:txBody>
+      </p:sp>
+      <p:sp>
+        <p:nvSpPr>
+          <p:cNvPr id="5" name="Notes Placeholder 4"/>
+          <p:cNvSpPr>
+            <a:spLocks noGrp="1"/>
+          </p:cNvSpPr>
+          <p:nvPr>
+            <p:ph type="body" sz="quarter" idx="3"/>
+          </p:nvPr>
+        </p:nvSpPr>
+        <p:spPr>
+          <a:xfrm>
+            <a:off x="1001713" y="3314700"/>
+            <a:ext cx="8016875" cy="2713038"/>
+          </a:xfrm>
+          <a:prstGeom prst="rect">
+            <a:avLst/>
+          </a:prstGeom>
+        </p:spPr>
+        <p:txBody>
+          <a:bodyPr vert="horz" lIns="91440" tIns="45720" rIns="91440" bIns="45720" rtlCol="0"/>
+          <a:lstStyle/>
+          <a:p>
+            <a:pPr lvl="0"/>
+            <a:r>
+              <a:rPr lang="en-US"/>
+              <a:t>Click to edit Master text styles</a:t>
+            </a:r>
+          </a:p>
+          <a:p>
+            <a:pPr lvl="1"/>
+            <a:r>
+              <a:rPr lang="en-US"/>
+              <a:t>Second level</a:t>
+            </a:r>
+          </a:p>
+          <a:p>
+            <a:pPr lvl="2"/>
+            <a:r>
+              <a:rPr lang="en-US"/>
+              <a:t>Third level</a:t>
+            </a:r>
+          </a:p>
+          <a:p>
+            <a:pPr lvl="3"/>
+            <a:r>
+              <a:rPr lang="en-US"/>
+              <a:t>Fourth level</a:t>
+            </a:r>
+          </a:p>
+          <a:p>
+            <a:pPr lvl="4"/>
+            <a:r>
+              <a:rPr lang="en-US"/>
+              <a:t>Fifth level</a:t>
+            </a:r>
+            <a:endParaRPr lang="en-MY"/>
+          </a:p>
+        </p:txBody>
+      </p:sp>
+      <p:sp>
+        <p:nvSpPr>
+          <p:cNvPr id="6" name="Footer Placeholder 5"/>
+          <p:cNvSpPr>
+            <a:spLocks noGrp="1"/>
+          </p:cNvSpPr>
+          <p:nvPr>
+            <p:ph type="ftr" sz="quarter" idx="4"/>
+          </p:nvPr>
+        </p:nvSpPr>
+        <p:spPr>
+          <a:xfrm>
+            <a:off x="0" y="6542088"/>
+            <a:ext cx="4341813" cy="346075"/>
+          </a:xfrm>
+          <a:prstGeom prst="rect">
+            <a:avLst/>
+          </a:prstGeom>
+        </p:spPr>
+        <p:txBody>
+          <a:bodyPr vert="horz" lIns="91440" tIns="45720" rIns="91440" bIns="45720" rtlCol="0" anchor="b"/>
+          <a:lstStyle>
+            <a:lvl1pPr algn="l">
+              <a:defRPr sz="1200"/>
+            </a:lvl1pPr>
+          </a:lstStyle>
+          <a:p>
+            <a:endParaRPr lang="en-MY"/>
+          </a:p>
+        </p:txBody>
+      </p:sp>
+      <p:sp>
+        <p:nvSpPr>
+          <p:cNvPr id="7" name="Slide Number Placeholder 6"/>
+          <p:cNvSpPr>
+            <a:spLocks noGrp="1"/>
+          </p:cNvSpPr>
+          <p:nvPr>
+            <p:ph type="sldNum" sz="quarter" idx="5"/>
+          </p:nvPr>
+        </p:nvSpPr>
+        <p:spPr>
+          <a:xfrm>
+            <a:off x="5675313" y="6542088"/>
+            <a:ext cx="4343400" cy="346075"/>
+          </a:xfrm>
+          <a:prstGeom prst="rect">
+            <a:avLst/>
+          </a:prstGeom>
+        </p:spPr>
+        <p:txBody>
+          <a:bodyPr vert="horz" lIns="91440" tIns="45720" rIns="91440" bIns="45720" rtlCol="0" anchor="b"/>
+          <a:lstStyle>
+            <a:lvl1pPr algn="r">
+              <a:defRPr sz="1200"/>
+            </a:lvl1pPr>
+          </a:lstStyle>
+          <a:p>
+            <a:fld id="{0A2F5646-BBF8-4CC2-9FC0-717FCE8D29AB}" type="slidenum">
+              <a:rPr lang="en-MY" smtClean="0"/>
+              <a:t>‹#›</a:t>
+            </a:fld>
+            <a:endParaRPr lang="en-MY"/>
+          </a:p>
+        </p:txBody>
+      </p:sp>
+    </p:spTree>
+    <p:extLst>
+      <p:ext uri="{BB962C8B-B14F-4D97-AF65-F5344CB8AC3E}">
+        <p14:creationId xmlns:p14="http://schemas.microsoft.com/office/powerpoint/2010/main" val="2146695848"/>
+      </p:ext>
+    </p:extLst>
+  </p:cSld>
+  <p:clrMap bg1="lt1" tx1="dk1" bg2="lt2" tx2="dk2" accent1="accent1" accent2="accent2" accent3="accent3" accent4="accent4" accent5="accent5" accent6="accent6" hlink="hlink" folHlink="folHlink"/>
+  <p:notesStyle>
+    <a:lvl1pPr marL="0" algn="l" defTabSz="914400" rtl="0" eaLnBrk="1" latinLnBrk="0" hangingPunct="1">
+      <a:defRPr sz="1200" kern="1200">
+        <a:solidFill>
+          <a:schemeClr val="tx1"/>
+        </a:solidFill>
+        <a:latin typeface="+mn-lt"/>
+        <a:ea typeface="+mn-ea"/>
+        <a:cs typeface="+mn-cs"/>
+      </a:defRPr>
+    </a:lvl1pPr>
+    <a:lvl2pPr marL="457200" algn="l" defTabSz="914400" rtl="0" eaLnBrk="1" latinLnBrk="0" hangingPunct="1">
+      <a:defRPr sz="1200" kern="1200">
+        <a:solidFill>
+          <a:schemeClr val="tx1"/>
+        </a:solidFill>
+        <a:latin typeface="+mn-lt"/>
+        <a:ea typeface="+mn-ea"/>
+        <a:cs typeface="+mn-cs"/>
+      </a:defRPr>
+    </a:lvl2pPr>
+    <a:lvl3pPr marL="914400" algn="l" defTabSz="914400" rtl="0" eaLnBrk="1" latinLnBrk="0" hangingPunct="1">
+      <a:defRPr sz="1200" kern="1200">
+        <a:solidFill>
+          <a:schemeClr val="tx1"/>
+        </a:solidFill>
+        <a:latin typeface="+mn-lt"/>
+        <a:ea typeface="+mn-ea"/>
+        <a:cs typeface="+mn-cs"/>
+      </a:defRPr>
+    </a:lvl3pPr>
+    <a:lvl4pPr marL="1371600" algn="l" defTabSz="914400" rtl="0" eaLnBrk="1" latinLnBrk="0" hangingPunct="1">
+      <a:defRPr sz="1200" kern="1200">
+        <a:solidFill>
+          <a:schemeClr val="tx1"/>
+        </a:solidFill>
+        <a:latin typeface="+mn-lt"/>
+        <a:ea typeface="+mn-ea"/>
+        <a:cs typeface="+mn-cs"/>
+      </a:defRPr>
+    </a:lvl4pPr>
+    <a:lvl5pPr marL="1828800" algn="l" defTabSz="914400" rtl="0" eaLnBrk="1" latinLnBrk="0" hangingPunct="1">
+      <a:defRPr sz="1200" kern="1200">
+        <a:solidFill>
+          <a:schemeClr val="tx1"/>
+        </a:solidFill>
+        <a:latin typeface="+mn-lt"/>
+        <a:ea typeface="+mn-ea"/>
+        <a:cs typeface="+mn-cs"/>
+      </a:defRPr>
+    </a:lvl5pPr>
+    <a:lvl6pPr marL="2286000" algn="l" defTabSz="914400" rtl="0" eaLnBrk="1" latinLnBrk="0" hangingPunct="1">
+      <a:defRPr sz="1200" kern="1200">
+        <a:solidFill>
+          <a:schemeClr val="tx1"/>
+        </a:solidFill>
+        <a:latin typeface="+mn-lt"/>
+        <a:ea typeface="+mn-ea"/>
+        <a:cs typeface="+mn-cs"/>
+      </a:defRPr>
+    </a:lvl6pPr>
+    <a:lvl7pPr marL="2743200" algn="l" defTabSz="914400" rtl="0" eaLnBrk="1" latinLnBrk="0" hangingPunct="1">
+      <a:defRPr sz="1200" kern="1200">
+        <a:solidFill>
+          <a:schemeClr val="tx1"/>
+        </a:solidFill>
+        <a:latin typeface="+mn-lt"/>
+        <a:ea typeface="+mn-ea"/>
+        <a:cs typeface="+mn-cs"/>
+      </a:defRPr>
+    </a:lvl7pPr>
+    <a:lvl8pPr marL="3200400" algn="l" defTabSz="914400" rtl="0" eaLnBrk="1" latinLnBrk="0" hangingPunct="1">
+      <a:defRPr sz="1200" kern="1200">
+        <a:solidFill>
+          <a:schemeClr val="tx1"/>
+        </a:solidFill>
+        <a:latin typeface="+mn-lt"/>
+        <a:ea typeface="+mn-ea"/>
+        <a:cs typeface="+mn-cs"/>
+      </a:defRPr>
+    </a:lvl8pPr>
+    <a:lvl9pPr marL="3657600" algn="l" defTabSz="914400" rtl="0" eaLnBrk="1" latinLnBrk="0" hangingPunct="1">
+      <a:defRPr sz="1200" kern="1200">
+        <a:solidFill>
+          <a:schemeClr val="tx1"/>
+        </a:solidFill>
+        <a:latin typeface="+mn-lt"/>
+        <a:ea typeface="+mn-ea"/>
+        <a:cs typeface="+mn-cs"/>
+      </a:defRPr>
+    </a:lvl9pPr>
+  </p:notesStyle>
+</p:notesMaster>
 </file>
 
 <file path=ppt/slideLayouts/slideLayout1.xml><?xml version="1.0" encoding="utf-8"?>
@@ -244,7 +3107,7 @@
           <a:p>
             <a:fld id="{5AF8E0B7-2DDD-4FA9-BD61-70046F1FBC9B}" type="datetimeFigureOut">
               <a:rPr lang="en-US" smtClean="0"/>
-              <a:t>5/9/2024</a:t>
+              <a:t>5/10/2024</a:t>
             </a:fld>
             <a:endParaRPr lang="en-US"/>
           </a:p>
@@ -414,7 +3277,7 @@
           <a:p>
             <a:fld id="{5AF8E0B7-2DDD-4FA9-BD61-70046F1FBC9B}" type="datetimeFigureOut">
               <a:rPr lang="en-US" smtClean="0"/>
-              <a:t>5/9/2024</a:t>
+              <a:t>5/10/2024</a:t>
             </a:fld>
             <a:endParaRPr lang="en-US"/>
           </a:p>
@@ -594,7 +3457,7 @@
           <a:p>
             <a:fld id="{5AF8E0B7-2DDD-4FA9-BD61-70046F1FBC9B}" type="datetimeFigureOut">
               <a:rPr lang="en-US" smtClean="0"/>
-              <a:t>5/9/2024</a:t>
+              <a:t>5/10/2024</a:t>
             </a:fld>
             <a:endParaRPr lang="en-US"/>
           </a:p>
@@ -764,7 +3627,7 @@
           <a:p>
             <a:fld id="{5AF8E0B7-2DDD-4FA9-BD61-70046F1FBC9B}" type="datetimeFigureOut">
               <a:rPr lang="en-US" smtClean="0"/>
-              <a:t>5/9/2024</a:t>
+              <a:t>5/10/2024</a:t>
             </a:fld>
             <a:endParaRPr lang="en-US"/>
           </a:p>
@@ -1008,7 +3871,7 @@
           <a:p>
             <a:fld id="{5AF8E0B7-2DDD-4FA9-BD61-70046F1FBC9B}" type="datetimeFigureOut">
               <a:rPr lang="en-US" smtClean="0"/>
-              <a:t>5/9/2024</a:t>
+              <a:t>5/10/2024</a:t>
             </a:fld>
             <a:endParaRPr lang="en-US"/>
           </a:p>
@@ -1240,7 +4103,7 @@
           <a:p>
             <a:fld id="{5AF8E0B7-2DDD-4FA9-BD61-70046F1FBC9B}" type="datetimeFigureOut">
               <a:rPr lang="en-US" smtClean="0"/>
-              <a:t>5/9/2024</a:t>
+              <a:t>5/10/2024</a:t>
             </a:fld>
             <a:endParaRPr lang="en-US"/>
           </a:p>
@@ -1607,7 +4470,7 @@
           <a:p>
             <a:fld id="{5AF8E0B7-2DDD-4FA9-BD61-70046F1FBC9B}" type="datetimeFigureOut">
               <a:rPr lang="en-US" smtClean="0"/>
-              <a:t>5/9/2024</a:t>
+              <a:t>5/10/2024</a:t>
             </a:fld>
             <a:endParaRPr lang="en-US"/>
           </a:p>
@@ -1725,7 +4588,7 @@
           <a:p>
             <a:fld id="{5AF8E0B7-2DDD-4FA9-BD61-70046F1FBC9B}" type="datetimeFigureOut">
               <a:rPr lang="en-US" smtClean="0"/>
-              <a:t>5/9/2024</a:t>
+              <a:t>5/10/2024</a:t>
             </a:fld>
             <a:endParaRPr lang="en-US"/>
           </a:p>
@@ -1820,7 +4683,7 @@
           <a:p>
             <a:fld id="{5AF8E0B7-2DDD-4FA9-BD61-70046F1FBC9B}" type="datetimeFigureOut">
               <a:rPr lang="en-US" smtClean="0"/>
-              <a:t>5/9/2024</a:t>
+              <a:t>5/10/2024</a:t>
             </a:fld>
             <a:endParaRPr lang="en-US"/>
           </a:p>
@@ -2097,7 +4960,7 @@
           <a:p>
             <a:fld id="{5AF8E0B7-2DDD-4FA9-BD61-70046F1FBC9B}" type="datetimeFigureOut">
               <a:rPr lang="en-US" smtClean="0"/>
-              <a:t>5/9/2024</a:t>
+              <a:t>5/10/2024</a:t>
             </a:fld>
             <a:endParaRPr lang="en-US"/>
           </a:p>
@@ -2354,7 +5217,7 @@
           <a:p>
             <a:fld id="{5AF8E0B7-2DDD-4FA9-BD61-70046F1FBC9B}" type="datetimeFigureOut">
               <a:rPr lang="en-US" smtClean="0"/>
-              <a:t>5/9/2024</a:t>
+              <a:t>5/10/2024</a:t>
             </a:fld>
             <a:endParaRPr lang="en-US"/>
           </a:p>
@@ -2567,7 +5430,7 @@
           <a:p>
             <a:fld id="{5AF8E0B7-2DDD-4FA9-BD61-70046F1FBC9B}" type="datetimeFigureOut">
               <a:rPr lang="en-US" smtClean="0"/>
-              <a:t>5/9/2024</a:t>
+              <a:t>5/10/2024</a:t>
             </a:fld>
             <a:endParaRPr lang="en-US"/>
           </a:p>
@@ -2974,37 +5837,37 @@
       </p:grpSpPr>
       <p:graphicFrame>
         <p:nvGraphicFramePr>
-          <p:cNvPr id="165" name="Table 164"/>
+          <p:cNvPr id="221" name="Table 220"/>
           <p:cNvGraphicFramePr>
             <a:graphicFrameLocks noGrp="1"/>
           </p:cNvGraphicFramePr>
           <p:nvPr>
             <p:extLst>
               <p:ext uri="{D42A27DB-BD31-4B8C-83A1-F6EECF244321}">
-                <p14:modId xmlns:p14="http://schemas.microsoft.com/office/powerpoint/2010/main" val="2531845852"/>
+                <p14:modId xmlns:p14="http://schemas.microsoft.com/office/powerpoint/2010/main" val="3179733631"/>
               </p:ext>
             </p:extLst>
           </p:nvPr>
         </p:nvGraphicFramePr>
         <p:xfrm>
-          <a:off x="266150" y="550931"/>
-          <a:ext cx="4838439" cy="3376266"/>
+          <a:off x="6606615" y="4402960"/>
+          <a:ext cx="2868207" cy="1653207"/>
         </p:xfrm>
         <a:graphic>
           <a:graphicData uri="http://schemas.openxmlformats.org/drawingml/2006/table">
             <a:tbl>
               <a:tblPr bandRow="1">
-                <a:tableStyleId>{B301B821-A1FF-4177-AEE7-76D212191A09}</a:tableStyleId>
+                <a:tableStyleId>{00A15C55-8517-42AA-B614-E9B94910E393}</a:tableStyleId>
               </a:tblPr>
               <a:tblGrid>
-                <a:gridCol w="980903">
+                <a:gridCol w="2094473">
                   <a:extLst>
                     <a:ext uri="{9D8B030D-6E8A-4147-A177-3AD203B41FA5}">
                       <a16:colId xmlns:a16="http://schemas.microsoft.com/office/drawing/2014/main" val="20000"/>
                     </a:ext>
                   </a:extLst>
                 </a:gridCol>
-                <a:gridCol w="3857536">
+                <a:gridCol w="773734">
                   <a:extLst>
                     <a:ext uri="{9D8B030D-6E8A-4147-A177-3AD203B41FA5}">
                       <a16:colId xmlns:a16="http://schemas.microsoft.com/office/drawing/2014/main" val="20001"/>
@@ -3012,29 +5875,75 @@
                   </a:extLst>
                 </a:gridCol>
               </a:tblGrid>
-              <a:tr h="562711">
-                <a:tc>
-                  <a:txBody>
-                    <a:bodyPr/>
-                    <a:lstStyle/>
-                    <a:p>
+              <a:tr h="274107">
+                <a:tc>
+                  <a:txBody>
+                    <a:bodyPr/>
+                    <a:lstStyle/>
+                    <a:p>
+                      <a:endParaRPr lang="en-US" sz="1000" dirty="0"/>
+                    </a:p>
+                  </a:txBody>
+                  <a:tcPr>
+                    <a:lnL w="9525" cap="flat" cmpd="sng" algn="ctr">
+                      <a:solidFill>
+                        <a:schemeClr val="tx1"/>
+                      </a:solidFill>
+                      <a:prstDash val="solid"/>
+                      <a:round/>
+                      <a:headEnd type="none" w="med" len="med"/>
+                      <a:tailEnd type="none" w="med" len="med"/>
+                    </a:lnL>
+                    <a:lnT w="9525" cap="flat" cmpd="sng" algn="ctr">
+                      <a:solidFill>
+                        <a:schemeClr val="tx1"/>
+                      </a:solidFill>
+                      <a:prstDash val="solid"/>
+                      <a:round/>
+                      <a:headEnd type="none" w="med" len="med"/>
+                      <a:tailEnd type="none" w="med" len="med"/>
+                    </a:lnT>
+                  </a:tcPr>
+                </a:tc>
+                <a:tc>
+                  <a:txBody>
+                    <a:bodyPr/>
+                    <a:lstStyle/>
+                    <a:p>
+                      <a:pPr algn="r"/>
                       <a:r>
-                        <a:rPr lang="en-US" sz="1000" dirty="0"/>
-                        <a:t>Tournament</a:t>
+                        <a:rPr lang="en-US" sz="1000" dirty="0">
+                          <a:solidFill>
+                            <a:schemeClr val="accent2">
+                              <a:lumMod val="75000"/>
+                            </a:schemeClr>
+                          </a:solidFill>
+                          <a:latin typeface="Aptos" panose="020B0004020202020204" pitchFamily="34" charset="0"/>
+                        </a:rPr>
+                        <a:t>Catching</a:t>
                       </a:r>
                     </a:p>
                   </a:txBody>
-                  <a:tcPr/>
-                </a:tc>
-                <a:tc>
-                  <a:txBody>
-                    <a:bodyPr/>
-                    <a:lstStyle/>
-                    <a:p>
-                      <a:endParaRPr lang="en-US" sz="1000" dirty="0"/>
-                    </a:p>
-                  </a:txBody>
-                  <a:tcPr/>
+                  <a:tcPr anchor="ctr">
+                    <a:lnR w="9525" cap="flat" cmpd="sng" algn="ctr">
+                      <a:solidFill>
+                        <a:schemeClr val="tx1"/>
+                      </a:solidFill>
+                      <a:prstDash val="solid"/>
+                      <a:round/>
+                      <a:headEnd type="none" w="med" len="med"/>
+                      <a:tailEnd type="none" w="med" len="med"/>
+                    </a:lnR>
+                    <a:lnT w="9525" cap="flat" cmpd="sng" algn="ctr">
+                      <a:solidFill>
+                        <a:schemeClr val="tx1"/>
+                      </a:solidFill>
+                      <a:prstDash val="solid"/>
+                      <a:round/>
+                      <a:headEnd type="none" w="med" len="med"/>
+                      <a:tailEnd type="none" w="med" len="med"/>
+                    </a:lnT>
+                  </a:tcPr>
                 </a:tc>
                 <a:extLst>
                   <a:ext uri="{0D108BD9-81ED-4DB2-BD59-A6C34878D82A}">
@@ -3042,29 +5951,64 @@
                   </a:ext>
                 </a:extLst>
               </a:tr>
-              <a:tr h="562711">
-                <a:tc>
-                  <a:txBody>
-                    <a:bodyPr/>
-                    <a:lstStyle/>
-                    <a:p>
+              <a:tr h="282672">
+                <a:tc>
+                  <a:txBody>
+                    <a:bodyPr/>
+                    <a:lstStyle/>
+                    <a:p>
+                      <a:endParaRPr lang="en-US" sz="1000" kern="1200" dirty="0">
+                        <a:solidFill>
+                          <a:schemeClr val="dk1"/>
+                        </a:solidFill>
+                        <a:latin typeface="+mn-lt"/>
+                        <a:ea typeface="+mn-ea"/>
+                        <a:cs typeface="+mn-cs"/>
+                      </a:endParaRPr>
+                    </a:p>
+                  </a:txBody>
+                  <a:tcPr>
+                    <a:lnL w="9525" cap="flat" cmpd="sng" algn="ctr">
+                      <a:solidFill>
+                        <a:schemeClr val="tx1"/>
+                      </a:solidFill>
+                      <a:prstDash val="solid"/>
+                      <a:round/>
+                      <a:headEnd type="none" w="med" len="med"/>
+                      <a:tailEnd type="none" w="med" len="med"/>
+                    </a:lnL>
+                  </a:tcPr>
+                </a:tc>
+                <a:tc>
+                  <a:txBody>
+                    <a:bodyPr/>
+                    <a:lstStyle/>
+                    <a:p>
+                      <a:pPr algn="r"/>
                       <a:r>
-                        <a:rPr lang="en-US" sz="1000" dirty="0"/>
-                        <a:t>Teamwork</a:t>
+                        <a:rPr lang="en-US" sz="1000" dirty="0">
+                          <a:solidFill>
+                            <a:schemeClr val="accent2">
+                              <a:lumMod val="75000"/>
+                            </a:schemeClr>
+                          </a:solidFill>
+                          <a:latin typeface="Aptos" panose="020B0004020202020204" pitchFamily="34" charset="0"/>
+                        </a:rPr>
+                        <a:t>Shooting</a:t>
                       </a:r>
                     </a:p>
                   </a:txBody>
-                  <a:tcPr/>
-                </a:tc>
-                <a:tc>
-                  <a:txBody>
-                    <a:bodyPr/>
-                    <a:lstStyle/>
-                    <a:p>
-                      <a:endParaRPr lang="en-US" sz="1000" dirty="0"/>
-                    </a:p>
-                  </a:txBody>
-                  <a:tcPr/>
+                  <a:tcPr anchor="ctr">
+                    <a:lnR w="9525" cap="flat" cmpd="sng" algn="ctr">
+                      <a:solidFill>
+                        <a:schemeClr val="tx1"/>
+                      </a:solidFill>
+                      <a:prstDash val="solid"/>
+                      <a:round/>
+                      <a:headEnd type="none" w="med" len="med"/>
+                      <a:tailEnd type="none" w="med" len="med"/>
+                    </a:lnR>
+                  </a:tcPr>
                 </a:tc>
                 <a:extLst>
                   <a:ext uri="{0D108BD9-81ED-4DB2-BD59-A6C34878D82A}">
@@ -3072,29 +6016,57 @@
                   </a:ext>
                 </a:extLst>
               </a:tr>
-              <a:tr h="562711">
-                <a:tc>
-                  <a:txBody>
-                    <a:bodyPr/>
-                    <a:lstStyle/>
-                    <a:p>
+              <a:tr h="274107">
+                <a:tc>
+                  <a:txBody>
+                    <a:bodyPr/>
+                    <a:lstStyle/>
+                    <a:p>
+                      <a:endParaRPr lang="en-US" sz="1000" dirty="0"/>
+                    </a:p>
+                  </a:txBody>
+                  <a:tcPr>
+                    <a:lnL w="9525" cap="flat" cmpd="sng" algn="ctr">
+                      <a:solidFill>
+                        <a:schemeClr val="tx1"/>
+                      </a:solidFill>
+                      <a:prstDash val="solid"/>
+                      <a:round/>
+                      <a:headEnd type="none" w="med" len="med"/>
+                      <a:tailEnd type="none" w="med" len="med"/>
+                    </a:lnL>
+                  </a:tcPr>
+                </a:tc>
+                <a:tc>
+                  <a:txBody>
+                    <a:bodyPr/>
+                    <a:lstStyle/>
+                    <a:p>
+                      <a:pPr algn="r"/>
                       <a:r>
-                        <a:rPr lang="en-US" sz="1000" dirty="0"/>
-                        <a:t>Win</a:t>
+                        <a:rPr lang="en-US" sz="1000" dirty="0">
+                          <a:solidFill>
+                            <a:schemeClr val="accent2">
+                              <a:lumMod val="75000"/>
+                            </a:schemeClr>
+                          </a:solidFill>
+                          <a:latin typeface="Aptos" panose="020B0004020202020204" pitchFamily="34" charset="0"/>
+                        </a:rPr>
+                        <a:t>Passing</a:t>
                       </a:r>
                     </a:p>
                   </a:txBody>
-                  <a:tcPr/>
-                </a:tc>
-                <a:tc>
-                  <a:txBody>
-                    <a:bodyPr/>
-                    <a:lstStyle/>
-                    <a:p>
-                      <a:endParaRPr lang="en-US" sz="1000" dirty="0"/>
-                    </a:p>
-                  </a:txBody>
-                  <a:tcPr/>
+                  <a:tcPr anchor="ctr">
+                    <a:lnR w="9525" cap="flat" cmpd="sng" algn="ctr">
+                      <a:solidFill>
+                        <a:schemeClr val="tx1"/>
+                      </a:solidFill>
+                      <a:prstDash val="solid"/>
+                      <a:round/>
+                      <a:headEnd type="none" w="med" len="med"/>
+                      <a:tailEnd type="none" w="med" len="med"/>
+                    </a:lnR>
+                  </a:tcPr>
                 </a:tc>
                 <a:extLst>
                   <a:ext uri="{0D108BD9-81ED-4DB2-BD59-A6C34878D82A}">
@@ -3102,29 +6074,57 @@
                   </a:ext>
                 </a:extLst>
               </a:tr>
-              <a:tr h="562711">
-                <a:tc>
-                  <a:txBody>
-                    <a:bodyPr/>
-                    <a:lstStyle/>
-                    <a:p>
+              <a:tr h="274107">
+                <a:tc>
+                  <a:txBody>
+                    <a:bodyPr/>
+                    <a:lstStyle/>
+                    <a:p>
+                      <a:endParaRPr lang="en-US" sz="1000" dirty="0"/>
+                    </a:p>
+                  </a:txBody>
+                  <a:tcPr>
+                    <a:lnL w="9525" cap="flat" cmpd="sng" algn="ctr">
+                      <a:solidFill>
+                        <a:schemeClr val="tx1"/>
+                      </a:solidFill>
+                      <a:prstDash val="solid"/>
+                      <a:round/>
+                      <a:headEnd type="none" w="med" len="med"/>
+                      <a:tailEnd type="none" w="med" len="med"/>
+                    </a:lnL>
+                  </a:tcPr>
+                </a:tc>
+                <a:tc>
+                  <a:txBody>
+                    <a:bodyPr/>
+                    <a:lstStyle/>
+                    <a:p>
+                      <a:pPr algn="r"/>
                       <a:r>
-                        <a:rPr lang="en-US" sz="1000" dirty="0"/>
-                        <a:t>Leading</a:t>
+                        <a:rPr lang="en-US" sz="1000" dirty="0">
+                          <a:solidFill>
+                            <a:schemeClr val="accent2">
+                              <a:lumMod val="75000"/>
+                            </a:schemeClr>
+                          </a:solidFill>
+                          <a:latin typeface="Aptos" panose="020B0004020202020204" pitchFamily="34" charset="0"/>
+                        </a:rPr>
+                        <a:t>Footwork</a:t>
                       </a:r>
                     </a:p>
                   </a:txBody>
-                  <a:tcPr/>
-                </a:tc>
-                <a:tc>
-                  <a:txBody>
-                    <a:bodyPr/>
-                    <a:lstStyle/>
-                    <a:p>
-                      <a:endParaRPr lang="en-US" sz="1000" dirty="0"/>
-                    </a:p>
-                  </a:txBody>
-                  <a:tcPr/>
+                  <a:tcPr anchor="ctr">
+                    <a:lnR w="9525" cap="flat" cmpd="sng" algn="ctr">
+                      <a:solidFill>
+                        <a:schemeClr val="tx1"/>
+                      </a:solidFill>
+                      <a:prstDash val="solid"/>
+                      <a:round/>
+                      <a:headEnd type="none" w="med" len="med"/>
+                      <a:tailEnd type="none" w="med" len="med"/>
+                    </a:lnR>
+                  </a:tcPr>
                 </a:tc>
                 <a:extLst>
                   <a:ext uri="{0D108BD9-81ED-4DB2-BD59-A6C34878D82A}">
@@ -3132,29 +6132,57 @@
                   </a:ext>
                 </a:extLst>
               </a:tr>
-              <a:tr h="562711">
-                <a:tc>
-                  <a:txBody>
-                    <a:bodyPr/>
-                    <a:lstStyle/>
-                    <a:p>
+              <a:tr h="274107">
+                <a:tc>
+                  <a:txBody>
+                    <a:bodyPr/>
+                    <a:lstStyle/>
+                    <a:p>
+                      <a:endParaRPr lang="en-US" sz="1000" dirty="0"/>
+                    </a:p>
+                  </a:txBody>
+                  <a:tcPr>
+                    <a:lnL w="9525" cap="flat" cmpd="sng" algn="ctr">
+                      <a:solidFill>
+                        <a:schemeClr val="tx1"/>
+                      </a:solidFill>
+                      <a:prstDash val="solid"/>
+                      <a:round/>
+                      <a:headEnd type="none" w="med" len="med"/>
+                      <a:tailEnd type="none" w="med" len="med"/>
+                    </a:lnL>
+                  </a:tcPr>
+                </a:tc>
+                <a:tc>
+                  <a:txBody>
+                    <a:bodyPr/>
+                    <a:lstStyle/>
+                    <a:p>
+                      <a:pPr algn="r"/>
                       <a:r>
-                        <a:rPr lang="en-US" sz="1000" dirty="0"/>
-                        <a:t>Game</a:t>
+                        <a:rPr lang="en-US" sz="1000" dirty="0">
+                          <a:solidFill>
+                            <a:schemeClr val="accent2">
+                              <a:lumMod val="75000"/>
+                            </a:schemeClr>
+                          </a:solidFill>
+                          <a:latin typeface="Aptos" panose="020B0004020202020204" pitchFamily="34" charset="0"/>
+                        </a:rPr>
+                        <a:t>Marking</a:t>
                       </a:r>
                     </a:p>
                   </a:txBody>
-                  <a:tcPr/>
-                </a:tc>
-                <a:tc>
-                  <a:txBody>
-                    <a:bodyPr/>
-                    <a:lstStyle/>
-                    <a:p>
-                      <a:endParaRPr lang="en-US" sz="1000" dirty="0"/>
-                    </a:p>
-                  </a:txBody>
-                  <a:tcPr/>
+                  <a:tcPr anchor="ctr">
+                    <a:lnR w="9525" cap="flat" cmpd="sng" algn="ctr">
+                      <a:solidFill>
+                        <a:schemeClr val="tx1"/>
+                      </a:solidFill>
+                      <a:prstDash val="solid"/>
+                      <a:round/>
+                      <a:headEnd type="none" w="med" len="med"/>
+                      <a:tailEnd type="none" w="med" len="med"/>
+                    </a:lnR>
+                  </a:tcPr>
                 </a:tc>
                 <a:extLst>
                   <a:ext uri="{0D108BD9-81ED-4DB2-BD59-A6C34878D82A}">
@@ -3162,7 +6190,7 @@
                   </a:ext>
                 </a:extLst>
               </a:tr>
-              <a:tr h="562711">
+              <a:tr h="274107">
                 <a:tc>
                   <a:txBody>
                     <a:bodyPr/>
@@ -3171,17 +6199,66 @@
                       <a:endParaRPr lang="en-US" sz="1000" dirty="0"/>
                     </a:p>
                   </a:txBody>
-                  <a:tcPr/>
-                </a:tc>
-                <a:tc>
-                  <a:txBody>
-                    <a:bodyPr/>
-                    <a:lstStyle/>
-                    <a:p>
-                      <a:endParaRPr lang="en-US" sz="1000" dirty="0"/>
-                    </a:p>
-                  </a:txBody>
-                  <a:tcPr/>
+                  <a:tcPr>
+                    <a:lnL w="9525" cap="flat" cmpd="sng" algn="ctr">
+                      <a:solidFill>
+                        <a:schemeClr val="tx1"/>
+                      </a:solidFill>
+                      <a:prstDash val="solid"/>
+                      <a:round/>
+                      <a:headEnd type="none" w="med" len="med"/>
+                      <a:tailEnd type="none" w="med" len="med"/>
+                    </a:lnL>
+                    <a:lnB w="9525" cap="flat" cmpd="sng" algn="ctr">
+                      <a:solidFill>
+                        <a:schemeClr val="tx1"/>
+                      </a:solidFill>
+                      <a:prstDash val="solid"/>
+                      <a:round/>
+                      <a:headEnd type="none" w="med" len="med"/>
+                      <a:tailEnd type="none" w="med" len="med"/>
+                    </a:lnB>
+                  </a:tcPr>
+                </a:tc>
+                <a:tc>
+                  <a:txBody>
+                    <a:bodyPr/>
+                    <a:lstStyle/>
+                    <a:p>
+                      <a:pPr algn="r"/>
+                      <a:r>
+                        <a:rPr lang="en-US" sz="1000" dirty="0">
+                          <a:solidFill>
+                            <a:schemeClr val="accent2">
+                              <a:lumMod val="75000"/>
+                            </a:schemeClr>
+                          </a:solidFill>
+                          <a:latin typeface="Aptos" panose="020B0004020202020204" pitchFamily="34" charset="0"/>
+                        </a:rPr>
+                        <a:t>Dodging</a:t>
+                      </a:r>
+                    </a:p>
+                  </a:txBody>
+                  <a:tcPr anchor="ctr">
+                    <a:lnR w="9525" cap="flat" cmpd="sng" algn="ctr">
+                      <a:solidFill>
+                        <a:schemeClr val="tx1"/>
+                      </a:solidFill>
+                      <a:prstDash val="solid"/>
+                      <a:round/>
+                      <a:headEnd type="none" w="med" len="med"/>
+                      <a:tailEnd type="none" w="med" len="med"/>
+                    </a:lnR>
+                    <a:lnB w="9525" cap="flat" cmpd="sng" algn="ctr">
+                      <a:solidFill>
+                        <a:schemeClr val="tx1"/>
+                      </a:solidFill>
+                      <a:prstDash val="solid"/>
+                      <a:round/>
+                      <a:headEnd type="none" w="med" len="med"/>
+                      <a:tailEnd type="none" w="med" len="med"/>
+                    </a:lnB>
+                  </a:tcPr>
                 </a:tc>
                 <a:extLst>
                   <a:ext uri="{0D108BD9-81ED-4DB2-BD59-A6C34878D82A}">
@@ -3195,37 +6272,37 @@
       </p:graphicFrame>
       <p:graphicFrame>
         <p:nvGraphicFramePr>
-          <p:cNvPr id="221" name="Table 220"/>
+          <p:cNvPr id="165" name="Table 164"/>
           <p:cNvGraphicFramePr>
             <a:graphicFrameLocks noGrp="1"/>
           </p:cNvGraphicFramePr>
           <p:nvPr>
             <p:extLst>
               <p:ext uri="{D42A27DB-BD31-4B8C-83A1-F6EECF244321}">
-                <p14:modId xmlns:p14="http://schemas.microsoft.com/office/powerpoint/2010/main" val="3366360871"/>
+                <p14:modId xmlns:p14="http://schemas.microsoft.com/office/powerpoint/2010/main" val="3534069915"/>
               </p:ext>
             </p:extLst>
           </p:nvPr>
         </p:nvGraphicFramePr>
         <p:xfrm>
-          <a:off x="5386065" y="4495758"/>
-          <a:ext cx="4188458" cy="1960361"/>
+          <a:off x="481080" y="565362"/>
+          <a:ext cx="4470936" cy="2914506"/>
         </p:xfrm>
         <a:graphic>
           <a:graphicData uri="http://schemas.openxmlformats.org/drawingml/2006/table">
             <a:tbl>
               <a:tblPr bandRow="1">
-                <a:tableStyleId>{00A15C55-8517-42AA-B614-E9B94910E393}</a:tableStyleId>
+                <a:tableStyleId>{073A0DAA-6AF3-43AB-8588-CEC1D06C72B9}</a:tableStyleId>
               </a:tblPr>
               <a:tblGrid>
-                <a:gridCol w="3472084">
+                <a:gridCol w="1097689">
                   <a:extLst>
                     <a:ext uri="{9D8B030D-6E8A-4147-A177-3AD203B41FA5}">
                       <a16:colId xmlns:a16="http://schemas.microsoft.com/office/drawing/2014/main" val="20000"/>
                     </a:ext>
                   </a:extLst>
                 </a:gridCol>
-                <a:gridCol w="716374">
+                <a:gridCol w="3373247">
                   <a:extLst>
                     <a:ext uri="{9D8B030D-6E8A-4147-A177-3AD203B41FA5}">
                       <a16:colId xmlns:a16="http://schemas.microsoft.com/office/drawing/2014/main" val="20001"/>
@@ -3233,7 +6310,41 @@
                   </a:extLst>
                 </a:gridCol>
               </a:tblGrid>
-              <a:tr h="325034">
+              <a:tr h="416358">
+                <a:tc>
+                  <a:txBody>
+                    <a:bodyPr/>
+                    <a:lstStyle/>
+                    <a:p>
+                      <a:r>
+                        <a:rPr lang="en-US" sz="1100" dirty="0">
+                          <a:latin typeface="Aptos" panose="020B0004020202020204" pitchFamily="34" charset="0"/>
+                        </a:rPr>
+                        <a:t>Tournament</a:t>
+                      </a:r>
+                    </a:p>
+                  </a:txBody>
+                  <a:tcPr anchor="ctr">
+                    <a:lnL w="9525" cap="flat" cmpd="sng" algn="ctr">
+                      <a:solidFill>
+                        <a:schemeClr val="tx1"/>
+                      </a:solidFill>
+                      <a:prstDash val="solid"/>
+                      <a:round/>
+                      <a:headEnd type="none" w="med" len="med"/>
+                      <a:tailEnd type="none" w="med" len="med"/>
+                    </a:lnL>
+                    <a:lnT w="9525" cap="flat" cmpd="sng" algn="ctr">
+                      <a:solidFill>
+                        <a:schemeClr val="tx1"/>
+                      </a:solidFill>
+                      <a:prstDash val="solid"/>
+                      <a:round/>
+                      <a:headEnd type="none" w="med" len="med"/>
+                      <a:tailEnd type="none" w="med" len="med"/>
+                    </a:lnT>
+                  </a:tcPr>
+                </a:tc>
                 <a:tc>
                   <a:txBody>
                     <a:bodyPr/>
@@ -3242,26 +6353,26 @@
                       <a:endParaRPr lang="en-US" sz="1000" dirty="0"/>
                     </a:p>
                   </a:txBody>
-                  <a:tcPr/>
-                </a:tc>
-                <a:tc>
-                  <a:txBody>
-                    <a:bodyPr/>
-                    <a:lstStyle/>
-                    <a:p>
-                      <a:r>
-                        <a:rPr lang="en-US" sz="1000" dirty="0">
-                          <a:solidFill>
-                            <a:schemeClr val="accent2">
-                              <a:lumMod val="75000"/>
-                            </a:schemeClr>
-                          </a:solidFill>
-                        </a:rPr>
-                        <a:t>Catching</a:t>
-                      </a:r>
-                    </a:p>
-                  </a:txBody>
-                  <a:tcPr/>
+                  <a:tcPr>
+                    <a:lnR w="9525" cap="flat" cmpd="sng" algn="ctr">
+                      <a:solidFill>
+                        <a:schemeClr val="tx1"/>
+                      </a:solidFill>
+                      <a:prstDash val="solid"/>
+                      <a:round/>
+                      <a:headEnd type="none" w="med" len="med"/>
+                      <a:tailEnd type="none" w="med" len="med"/>
+                    </a:lnR>
+                    <a:lnT w="9525" cap="flat" cmpd="sng" algn="ctr">
+                      <a:solidFill>
+                        <a:schemeClr val="tx1"/>
+                      </a:solidFill>
+                      <a:prstDash val="solid"/>
+                      <a:round/>
+                      <a:headEnd type="none" w="med" len="med"/>
+                      <a:tailEnd type="none" w="med" len="med"/>
+                    </a:lnT>
+                  </a:tcPr>
                 </a:tc>
                 <a:extLst>
                   <a:ext uri="{0D108BD9-81ED-4DB2-BD59-A6C34878D82A}">
@@ -3269,42 +6380,51 @@
                   </a:ext>
                 </a:extLst>
               </a:tr>
-              <a:tr h="335191">
-                <a:tc>
-                  <a:txBody>
-                    <a:bodyPr/>
-                    <a:lstStyle/>
-                    <a:p>
-                      <a:endParaRPr lang="en-US" sz="1000" kern="1200" dirty="0">
-                        <a:solidFill>
-                          <a:schemeClr val="dk1"/>
-                        </a:solidFill>
-                        <a:latin typeface="+mn-lt"/>
-                        <a:ea typeface="+mn-ea"/>
-                        <a:cs typeface="+mn-cs"/>
-                      </a:endParaRPr>
-                    </a:p>
-                  </a:txBody>
-                  <a:tcPr/>
-                </a:tc>
+              <a:tr h="416358">
                 <a:tc>
                   <a:txBody>
                     <a:bodyPr/>
                     <a:lstStyle/>
                     <a:p>
                       <a:r>
-                        <a:rPr lang="en-US" sz="1000" dirty="0">
-                          <a:solidFill>
-                            <a:schemeClr val="accent2">
-                              <a:lumMod val="75000"/>
-                            </a:schemeClr>
-                          </a:solidFill>
+                        <a:rPr lang="en-US" sz="1100" dirty="0">
+                          <a:latin typeface="Aptos" panose="020B0004020202020204" pitchFamily="34" charset="0"/>
                         </a:rPr>
-                        <a:t>Shooting</a:t>
+                        <a:t>Teamwork</a:t>
                       </a:r>
                     </a:p>
                   </a:txBody>
-                  <a:tcPr/>
+                  <a:tcPr anchor="ctr">
+                    <a:lnL w="9525" cap="flat" cmpd="sng" algn="ctr">
+                      <a:solidFill>
+                        <a:schemeClr val="tx1"/>
+                      </a:solidFill>
+                      <a:prstDash val="solid"/>
+                      <a:round/>
+                      <a:headEnd type="none" w="med" len="med"/>
+                      <a:tailEnd type="none" w="med" len="med"/>
+                    </a:lnL>
+                  </a:tcPr>
+                </a:tc>
+                <a:tc>
+                  <a:txBody>
+                    <a:bodyPr/>
+                    <a:lstStyle/>
+                    <a:p>
+                      <a:endParaRPr lang="en-US" sz="1000" dirty="0"/>
+                    </a:p>
+                  </a:txBody>
+                  <a:tcPr>
+                    <a:lnR w="9525" cap="flat" cmpd="sng" algn="ctr">
+                      <a:solidFill>
+                        <a:schemeClr val="tx1"/>
+                      </a:solidFill>
+                      <a:prstDash val="solid"/>
+                      <a:round/>
+                      <a:headEnd type="none" w="med" len="med"/>
+                      <a:tailEnd type="none" w="med" len="med"/>
+                    </a:lnR>
+                  </a:tcPr>
                 </a:tc>
                 <a:extLst>
                   <a:ext uri="{0D108BD9-81ED-4DB2-BD59-A6C34878D82A}">
@@ -3312,7 +6432,32 @@
                   </a:ext>
                 </a:extLst>
               </a:tr>
-              <a:tr h="325034">
+              <a:tr h="416358">
+                <a:tc>
+                  <a:txBody>
+                    <a:bodyPr/>
+                    <a:lstStyle/>
+                    <a:p>
+                      <a:r>
+                        <a:rPr lang="en-US" sz="1100" dirty="0">
+                          <a:latin typeface="Aptos" panose="020B0004020202020204" pitchFamily="34" charset="0"/>
+                        </a:rPr>
+                        <a:t>Leading</a:t>
+                      </a:r>
+                    </a:p>
+                  </a:txBody>
+                  <a:tcPr anchor="ctr">
+                    <a:lnL w="9525" cap="flat" cmpd="sng" algn="ctr">
+                      <a:solidFill>
+                        <a:schemeClr val="tx1"/>
+                      </a:solidFill>
+                      <a:prstDash val="solid"/>
+                      <a:round/>
+                      <a:headEnd type="none" w="med" len="med"/>
+                      <a:tailEnd type="none" w="med" len="med"/>
+                    </a:lnL>
+                  </a:tcPr>
+                </a:tc>
                 <a:tc>
                   <a:txBody>
                     <a:bodyPr/>
@@ -3321,26 +6466,17 @@
                       <a:endParaRPr lang="en-US" sz="1000" dirty="0"/>
                     </a:p>
                   </a:txBody>
-                  <a:tcPr/>
-                </a:tc>
-                <a:tc>
-                  <a:txBody>
-                    <a:bodyPr/>
-                    <a:lstStyle/>
-                    <a:p>
-                      <a:r>
-                        <a:rPr lang="en-US" sz="1000" dirty="0">
-                          <a:solidFill>
-                            <a:schemeClr val="accent2">
-                              <a:lumMod val="75000"/>
-                            </a:schemeClr>
-                          </a:solidFill>
-                        </a:rPr>
-                        <a:t>Passing</a:t>
-                      </a:r>
-                    </a:p>
-                  </a:txBody>
-                  <a:tcPr/>
+                  <a:tcPr>
+                    <a:lnR w="9525" cap="flat" cmpd="sng" algn="ctr">
+                      <a:solidFill>
+                        <a:schemeClr val="tx1"/>
+                      </a:solidFill>
+                      <a:prstDash val="solid"/>
+                      <a:round/>
+                      <a:headEnd type="none" w="med" len="med"/>
+                      <a:tailEnd type="none" w="med" len="med"/>
+                    </a:lnR>
+                  </a:tcPr>
                 </a:tc>
                 <a:extLst>
                   <a:ext uri="{0D108BD9-81ED-4DB2-BD59-A6C34878D82A}">
@@ -3348,7 +6484,32 @@
                   </a:ext>
                 </a:extLst>
               </a:tr>
-              <a:tr h="325034">
+              <a:tr h="416358">
+                <a:tc>
+                  <a:txBody>
+                    <a:bodyPr/>
+                    <a:lstStyle/>
+                    <a:p>
+                      <a:r>
+                        <a:rPr lang="en-US" sz="1100" dirty="0">
+                          <a:latin typeface="Aptos" panose="020B0004020202020204" pitchFamily="34" charset="0"/>
+                        </a:rPr>
+                        <a:t>Win</a:t>
+                      </a:r>
+                    </a:p>
+                  </a:txBody>
+                  <a:tcPr anchor="ctr">
+                    <a:lnL w="9525" cap="flat" cmpd="sng" algn="ctr">
+                      <a:solidFill>
+                        <a:schemeClr val="tx1"/>
+                      </a:solidFill>
+                      <a:prstDash val="solid"/>
+                      <a:round/>
+                      <a:headEnd type="none" w="med" len="med"/>
+                      <a:tailEnd type="none" w="med" len="med"/>
+                    </a:lnL>
+                  </a:tcPr>
+                </a:tc>
                 <a:tc>
                   <a:txBody>
                     <a:bodyPr/>
@@ -3357,26 +6518,17 @@
                       <a:endParaRPr lang="en-US" sz="1000" dirty="0"/>
                     </a:p>
                   </a:txBody>
-                  <a:tcPr/>
-                </a:tc>
-                <a:tc>
-                  <a:txBody>
-                    <a:bodyPr/>
-                    <a:lstStyle/>
-                    <a:p>
-                      <a:r>
-                        <a:rPr lang="en-US" sz="1000" dirty="0">
-                          <a:solidFill>
-                            <a:schemeClr val="accent2">
-                              <a:lumMod val="75000"/>
-                            </a:schemeClr>
-                          </a:solidFill>
-                        </a:rPr>
-                        <a:t>Footwork</a:t>
-                      </a:r>
-                    </a:p>
-                  </a:txBody>
-                  <a:tcPr/>
+                  <a:tcPr>
+                    <a:lnR w="9525" cap="flat" cmpd="sng" algn="ctr">
+                      <a:solidFill>
+                        <a:schemeClr val="tx1"/>
+                      </a:solidFill>
+                      <a:prstDash val="solid"/>
+                      <a:round/>
+                      <a:headEnd type="none" w="med" len="med"/>
+                      <a:tailEnd type="none" w="med" len="med"/>
+                    </a:lnR>
+                  </a:tcPr>
                 </a:tc>
                 <a:extLst>
                   <a:ext uri="{0D108BD9-81ED-4DB2-BD59-A6C34878D82A}">
@@ -3384,7 +6536,32 @@
                   </a:ext>
                 </a:extLst>
               </a:tr>
-              <a:tr h="325034">
+              <a:tr h="416358">
+                <a:tc>
+                  <a:txBody>
+                    <a:bodyPr/>
+                    <a:lstStyle/>
+                    <a:p>
+                      <a:r>
+                        <a:rPr lang="en-US" sz="1100" dirty="0">
+                          <a:latin typeface="Aptos" panose="020B0004020202020204" pitchFamily="34" charset="0"/>
+                        </a:rPr>
+                        <a:t>Game</a:t>
+                      </a:r>
+                    </a:p>
+                  </a:txBody>
+                  <a:tcPr anchor="ctr">
+                    <a:lnL w="9525" cap="flat" cmpd="sng" algn="ctr">
+                      <a:solidFill>
+                        <a:schemeClr val="tx1"/>
+                      </a:solidFill>
+                      <a:prstDash val="solid"/>
+                      <a:round/>
+                      <a:headEnd type="none" w="med" len="med"/>
+                      <a:tailEnd type="none" w="med" len="med"/>
+                    </a:lnL>
+                  </a:tcPr>
+                </a:tc>
                 <a:tc>
                   <a:txBody>
                     <a:bodyPr/>
@@ -3393,26 +6570,17 @@
                       <a:endParaRPr lang="en-US" sz="1000" dirty="0"/>
                     </a:p>
                   </a:txBody>
-                  <a:tcPr/>
-                </a:tc>
-                <a:tc>
-                  <a:txBody>
-                    <a:bodyPr/>
-                    <a:lstStyle/>
-                    <a:p>
-                      <a:r>
-                        <a:rPr lang="en-US" sz="1000" dirty="0">
-                          <a:solidFill>
-                            <a:schemeClr val="accent2">
-                              <a:lumMod val="75000"/>
-                            </a:schemeClr>
-                          </a:solidFill>
-                        </a:rPr>
-                        <a:t>Marking</a:t>
-                      </a:r>
-                    </a:p>
-                  </a:txBody>
-                  <a:tcPr/>
+                  <a:tcPr>
+                    <a:lnR w="9525" cap="flat" cmpd="sng" algn="ctr">
+                      <a:solidFill>
+                        <a:schemeClr val="tx1"/>
+                      </a:solidFill>
+                      <a:prstDash val="solid"/>
+                      <a:round/>
+                      <a:headEnd type="none" w="med" len="med"/>
+                      <a:tailEnd type="none" w="med" len="med"/>
+                    </a:lnR>
+                  </a:tcPr>
                 </a:tc>
                 <a:extLst>
                   <a:ext uri="{0D108BD9-81ED-4DB2-BD59-A6C34878D82A}">
@@ -3420,7 +6588,7 @@
                   </a:ext>
                 </a:extLst>
               </a:tr>
-              <a:tr h="325034">
+              <a:tr h="416358">
                 <a:tc>
                   <a:txBody>
                     <a:bodyPr/>
@@ -3429,30 +6597,106 @@
                       <a:endParaRPr lang="en-US" sz="1000" dirty="0"/>
                     </a:p>
                   </a:txBody>
-                  <a:tcPr/>
-                </a:tc>
-                <a:tc>
-                  <a:txBody>
-                    <a:bodyPr/>
-                    <a:lstStyle/>
-                    <a:p>
-                      <a:r>
-                        <a:rPr lang="en-US" sz="1000" dirty="0">
-                          <a:solidFill>
-                            <a:schemeClr val="accent2">
-                              <a:lumMod val="75000"/>
-                            </a:schemeClr>
-                          </a:solidFill>
-                        </a:rPr>
-                        <a:t>Dodging</a:t>
-                      </a:r>
-                    </a:p>
-                  </a:txBody>
-                  <a:tcPr/>
+                  <a:tcPr anchor="ctr">
+                    <a:lnL w="9525" cap="flat" cmpd="sng" algn="ctr">
+                      <a:solidFill>
+                        <a:schemeClr val="tx1"/>
+                      </a:solidFill>
+                      <a:prstDash val="solid"/>
+                      <a:round/>
+                      <a:headEnd type="none" w="med" len="med"/>
+                      <a:tailEnd type="none" w="med" len="med"/>
+                    </a:lnL>
+                  </a:tcPr>
+                </a:tc>
+                <a:tc>
+                  <a:txBody>
+                    <a:bodyPr/>
+                    <a:lstStyle/>
+                    <a:p>
+                      <a:endParaRPr lang="en-US" sz="1000" dirty="0"/>
+                    </a:p>
+                  </a:txBody>
+                  <a:tcPr>
+                    <a:lnR w="9525" cap="flat" cmpd="sng" algn="ctr">
+                      <a:solidFill>
+                        <a:schemeClr val="tx1"/>
+                      </a:solidFill>
+                      <a:prstDash val="solid"/>
+                      <a:round/>
+                      <a:headEnd type="none" w="med" len="med"/>
+                      <a:tailEnd type="none" w="med" len="med"/>
+                    </a:lnR>
+                  </a:tcPr>
                 </a:tc>
                 <a:extLst>
                   <a:ext uri="{0D108BD9-81ED-4DB2-BD59-A6C34878D82A}">
                     <a16:rowId xmlns:a16="http://schemas.microsoft.com/office/drawing/2014/main" val="10005"/>
+                  </a:ext>
+                </a:extLst>
+              </a:tr>
+              <a:tr h="416358">
+                <a:tc>
+                  <a:txBody>
+                    <a:bodyPr/>
+                    <a:lstStyle/>
+                    <a:p>
+                      <a:endParaRPr lang="en-US" sz="1000" dirty="0"/>
+                    </a:p>
+                  </a:txBody>
+                  <a:tcPr anchor="ctr">
+                    <a:lnL w="9525" cap="flat" cmpd="sng" algn="ctr">
+                      <a:solidFill>
+                        <a:schemeClr val="tx1"/>
+                      </a:solidFill>
+                      <a:prstDash val="solid"/>
+                      <a:round/>
+                      <a:headEnd type="none" w="med" len="med"/>
+                      <a:tailEnd type="none" w="med" len="med"/>
+                    </a:lnL>
+                    <a:lnB w="9525" cap="flat" cmpd="sng" algn="ctr">
+                      <a:solidFill>
+                        <a:schemeClr val="tx1"/>
+                      </a:solidFill>
+                      <a:prstDash val="solid"/>
+                      <a:round/>
+                      <a:headEnd type="none" w="med" len="med"/>
+                      <a:tailEnd type="none" w="med" len="med"/>
+                    </a:lnB>
+                  </a:tcPr>
+                </a:tc>
+                <a:tc>
+                  <a:txBody>
+                    <a:bodyPr/>
+                    <a:lstStyle/>
+                    <a:p>
+                      <a:endParaRPr lang="en-US" sz="1000" dirty="0"/>
+                    </a:p>
+                  </a:txBody>
+                  <a:tcPr>
+                    <a:lnR w="9525" cap="flat" cmpd="sng" algn="ctr">
+                      <a:solidFill>
+                        <a:schemeClr val="tx1"/>
+                      </a:solidFill>
+                      <a:prstDash val="solid"/>
+                      <a:round/>
+                      <a:headEnd type="none" w="med" len="med"/>
+                      <a:tailEnd type="none" w="med" len="med"/>
+                    </a:lnR>
+                    <a:lnB w="9525" cap="flat" cmpd="sng" algn="ctr">
+                      <a:solidFill>
+                        <a:schemeClr val="tx1"/>
+                      </a:solidFill>
+                      <a:prstDash val="solid"/>
+                      <a:round/>
+                      <a:headEnd type="none" w="med" len="med"/>
+                      <a:tailEnd type="none" w="med" len="med"/>
+                    </a:lnB>
+                  </a:tcPr>
+                </a:tc>
+                <a:extLst>
+                  <a:ext uri="{0D108BD9-81ED-4DB2-BD59-A6C34878D82A}">
+                    <a16:rowId xmlns:a16="http://schemas.microsoft.com/office/drawing/2014/main" val="3150603294"/>
                   </a:ext>
                 </a:extLst>
               </a:tr>
@@ -3462,226 +6706,20 @@
       </p:graphicFrame>
       <p:sp>
         <p:nvSpPr>
-          <p:cNvPr id="232" name="Pie 231"/>
+          <p:cNvPr id="19" name="Oval 18">
+            <a:extLst>
+              <a:ext uri="{FF2B5EF4-FFF2-40B4-BE49-F238E27FC236}">
+                <a16:creationId xmlns:a16="http://schemas.microsoft.com/office/drawing/2014/main" id="{924A6693-1B60-D2CA-16C5-4CA582842B3E}"/>
+              </a:ext>
+            </a:extLst>
+          </p:cNvPr>
           <p:cNvSpPr/>
           <p:nvPr/>
         </p:nvSpPr>
         <p:spPr>
           <a:xfrm>
-            <a:off x="1964842" y="540328"/>
-            <a:ext cx="5989320" cy="5989320"/>
-          </a:xfrm>
-          <a:prstGeom prst="pie">
-            <a:avLst>
-              <a:gd name="adj1" fmla="val 2715841"/>
-              <a:gd name="adj2" fmla="val 5400571"/>
-            </a:avLst>
-          </a:prstGeom>
-          <a:solidFill>
-            <a:schemeClr val="tx1"/>
-          </a:solidFill>
-          <a:ln>
-            <a:noFill/>
-          </a:ln>
-        </p:spPr>
-        <p:style>
-          <a:lnRef idx="2">
-            <a:schemeClr val="accent1">
-              <a:shade val="50000"/>
-            </a:schemeClr>
-          </a:lnRef>
-          <a:fillRef idx="1">
-            <a:schemeClr val="accent1"/>
-          </a:fillRef>
-          <a:effectRef idx="0">
-            <a:schemeClr val="accent1"/>
-          </a:effectRef>
-          <a:fontRef idx="minor">
-            <a:schemeClr val="lt1"/>
-          </a:fontRef>
-        </p:style>
-        <p:txBody>
-          <a:bodyPr rtlCol="0" anchor="ctr"/>
-          <a:lstStyle/>
-          <a:p>
-            <a:pPr algn="ctr"/>
-            <a:endParaRPr lang="en-US">
-              <a:solidFill>
-                <a:schemeClr val="tx1"/>
-              </a:solidFill>
-            </a:endParaRPr>
-          </a:p>
-        </p:txBody>
-      </p:sp>
-      <p:sp>
-        <p:nvSpPr>
-          <p:cNvPr id="173" name="Pie 172"/>
-          <p:cNvSpPr/>
-          <p:nvPr/>
-        </p:nvSpPr>
-        <p:spPr>
-          <a:xfrm>
-            <a:off x="1965960" y="540328"/>
-            <a:ext cx="5989320" cy="5989320"/>
-          </a:xfrm>
-          <a:prstGeom prst="pie">
-            <a:avLst>
-              <a:gd name="adj1" fmla="val 7001866"/>
-              <a:gd name="adj2" fmla="val 14730241"/>
-            </a:avLst>
-          </a:prstGeom>
-          <a:solidFill>
-            <a:schemeClr val="tx1"/>
-          </a:solidFill>
-          <a:ln>
-            <a:noFill/>
-          </a:ln>
-        </p:spPr>
-        <p:style>
-          <a:lnRef idx="2">
-            <a:schemeClr val="accent1">
-              <a:shade val="50000"/>
-            </a:schemeClr>
-          </a:lnRef>
-          <a:fillRef idx="1">
-            <a:schemeClr val="accent1"/>
-          </a:fillRef>
-          <a:effectRef idx="0">
-            <a:schemeClr val="accent1"/>
-          </a:effectRef>
-          <a:fontRef idx="minor">
-            <a:schemeClr val="lt1"/>
-          </a:fontRef>
-        </p:style>
-        <p:txBody>
-          <a:bodyPr rtlCol="0" anchor="ctr"/>
-          <a:lstStyle/>
-          <a:p>
-            <a:pPr algn="ctr"/>
-            <a:endParaRPr lang="en-US">
-              <a:solidFill>
-                <a:schemeClr val="tx1"/>
-              </a:solidFill>
-            </a:endParaRPr>
-          </a:p>
-        </p:txBody>
-      </p:sp>
-      <p:sp>
-        <p:nvSpPr>
-          <p:cNvPr id="234" name="Pie 233"/>
-          <p:cNvSpPr/>
-          <p:nvPr/>
-        </p:nvSpPr>
-        <p:spPr>
-          <a:xfrm>
-            <a:off x="1965960" y="540328"/>
-            <a:ext cx="5989320" cy="5989320"/>
-          </a:xfrm>
-          <a:prstGeom prst="pie">
-            <a:avLst>
-              <a:gd name="adj1" fmla="val 16191108"/>
-              <a:gd name="adj2" fmla="val 18267428"/>
-            </a:avLst>
-          </a:prstGeom>
-          <a:solidFill>
-            <a:schemeClr val="tx1"/>
-          </a:solidFill>
-          <a:ln>
-            <a:noFill/>
-          </a:ln>
-        </p:spPr>
-        <p:style>
-          <a:lnRef idx="2">
-            <a:schemeClr val="accent1">
-              <a:shade val="50000"/>
-            </a:schemeClr>
-          </a:lnRef>
-          <a:fillRef idx="1">
-            <a:schemeClr val="accent1"/>
-          </a:fillRef>
-          <a:effectRef idx="0">
-            <a:schemeClr val="accent1"/>
-          </a:effectRef>
-          <a:fontRef idx="minor">
-            <a:schemeClr val="lt1"/>
-          </a:fontRef>
-        </p:style>
-        <p:txBody>
-          <a:bodyPr rtlCol="0" anchor="ctr"/>
-          <a:lstStyle/>
-          <a:p>
-            <a:pPr algn="ctr"/>
-            <a:endParaRPr lang="en-US">
-              <a:solidFill>
-                <a:schemeClr val="tx1"/>
-              </a:solidFill>
-            </a:endParaRPr>
-          </a:p>
-        </p:txBody>
-      </p:sp>
-      <p:sp>
-        <p:nvSpPr>
-          <p:cNvPr id="233" name="Pie 232"/>
-          <p:cNvSpPr/>
-          <p:nvPr/>
-        </p:nvSpPr>
-        <p:spPr>
-          <a:xfrm>
-            <a:off x="1965960" y="540328"/>
-            <a:ext cx="5989320" cy="5989320"/>
-          </a:xfrm>
-          <a:prstGeom prst="pie">
-            <a:avLst>
-              <a:gd name="adj1" fmla="val 20097032"/>
-              <a:gd name="adj2" fmla="val 1278788"/>
-            </a:avLst>
-          </a:prstGeom>
-          <a:solidFill>
-            <a:schemeClr val="tx1"/>
-          </a:solidFill>
-          <a:ln>
-            <a:noFill/>
-          </a:ln>
-        </p:spPr>
-        <p:style>
-          <a:lnRef idx="2">
-            <a:schemeClr val="accent1">
-              <a:shade val="50000"/>
-            </a:schemeClr>
-          </a:lnRef>
-          <a:fillRef idx="1">
-            <a:schemeClr val="accent1"/>
-          </a:fillRef>
-          <a:effectRef idx="0">
-            <a:schemeClr val="accent1"/>
-          </a:effectRef>
-          <a:fontRef idx="minor">
-            <a:schemeClr val="lt1"/>
-          </a:fontRef>
-        </p:style>
-        <p:txBody>
-          <a:bodyPr rtlCol="0" anchor="ctr"/>
-          <a:lstStyle/>
-          <a:p>
-            <a:pPr algn="ctr"/>
-            <a:endParaRPr lang="en-US">
-              <a:solidFill>
-                <a:schemeClr val="tx1"/>
-              </a:solidFill>
-            </a:endParaRPr>
-          </a:p>
-        </p:txBody>
-      </p:sp>
-      <p:sp>
-        <p:nvSpPr>
-          <p:cNvPr id="123" name="Oval 122"/>
-          <p:cNvSpPr/>
-          <p:nvPr/>
-        </p:nvSpPr>
-        <p:spPr>
-          <a:xfrm>
-            <a:off x="1984248" y="567760"/>
-            <a:ext cx="5943600" cy="5943600"/>
+            <a:off x="2968438" y="1545557"/>
+            <a:ext cx="3960000" cy="3960000"/>
           </a:xfrm>
           <a:prstGeom prst="ellipse">
             <a:avLst/>
@@ -3689,74 +6727,6 @@
           <a:solidFill>
             <a:schemeClr val="bg1"/>
           </a:solidFill>
-          <a:ln>
-            <a:noFill/>
-          </a:ln>
-        </p:spPr>
-        <p:style>
-          <a:lnRef idx="2">
-            <a:schemeClr val="accent1">
-              <a:shade val="50000"/>
-            </a:schemeClr>
-          </a:lnRef>
-          <a:fillRef idx="1">
-            <a:schemeClr val="accent1"/>
-          </a:fillRef>
-          <a:effectRef idx="0">
-            <a:schemeClr val="accent1"/>
-          </a:effectRef>
-          <a:fontRef idx="minor">
-            <a:schemeClr val="lt1"/>
-          </a:fontRef>
-        </p:style>
-        <p:txBody>
-          <a:bodyPr rtlCol="0" anchor="ctr"/>
-          <a:lstStyle/>
-          <a:p>
-            <a:pPr algn="ctr"/>
-            <a:endParaRPr lang="en-US" sz="1400"/>
-          </a:p>
-        </p:txBody>
-      </p:sp>
-      <p:pic>
-        <p:nvPicPr>
-          <p:cNvPr id="2053" name="Picture 2052"/>
-          <p:cNvPicPr>
-            <a:picLocks noChangeAspect="1"/>
-          </p:cNvPicPr>
-          <p:nvPr/>
-        </p:nvPicPr>
-        <p:blipFill>
-          <a:blip r:embed="rId2"/>
-          <a:stretch>
-            <a:fillRect/>
-          </a:stretch>
-        </p:blipFill>
-        <p:spPr>
-          <a:xfrm>
-            <a:off x="224196" y="4604234"/>
-            <a:ext cx="1957310" cy="1957310"/>
-          </a:xfrm>
-          <a:prstGeom prst="rect">
-            <a:avLst/>
-          </a:prstGeom>
-        </p:spPr>
-      </p:pic>
-      <p:sp>
-        <p:nvSpPr>
-          <p:cNvPr id="89" name="Oval 88"/>
-          <p:cNvSpPr/>
-          <p:nvPr/>
-        </p:nvSpPr>
-        <p:spPr>
-          <a:xfrm>
-            <a:off x="3819957" y="2377996"/>
-            <a:ext cx="2286000" cy="2286000"/>
-          </a:xfrm>
-          <a:prstGeom prst="ellipse">
-            <a:avLst/>
-          </a:prstGeom>
-          <a:noFill/>
           <a:ln>
             <a:solidFill>
               <a:schemeClr val="tx1"/>
@@ -3785,6 +6755,80 @@
           <a:p>
             <a:pPr algn="ctr"/>
             <a:endParaRPr lang="en-US" sz="1400"/>
+          </a:p>
+        </p:txBody>
+      </p:sp>
+      <p:sp>
+        <p:nvSpPr>
+          <p:cNvPr id="36" name="Partial Circle 35">
+            <a:extLst>
+              <a:ext uri="{FF2B5EF4-FFF2-40B4-BE49-F238E27FC236}">
+                <a16:creationId xmlns:a16="http://schemas.microsoft.com/office/drawing/2014/main" id="{667ED110-0C73-E1A0-F8DD-7552D557FD32}"/>
+              </a:ext>
+            </a:extLst>
+          </p:cNvPr>
+          <p:cNvSpPr/>
+          <p:nvPr/>
+        </p:nvSpPr>
+        <p:spPr>
+          <a:xfrm>
+            <a:off x="2327893" y="927474"/>
+            <a:ext cx="5220000" cy="5220000"/>
+          </a:xfrm>
+          <a:prstGeom prst="pie">
+            <a:avLst>
+              <a:gd name="adj1" fmla="val 1250408"/>
+              <a:gd name="adj2" fmla="val 2747760"/>
+            </a:avLst>
+          </a:prstGeom>
+          <a:gradFill>
+            <a:gsLst>
+              <a:gs pos="73000">
+                <a:srgbClr val="FFFFFF"/>
+              </a:gs>
+              <a:gs pos="100000">
+                <a:srgbClr val="FFE8CB">
+                  <a:alpha val="3000"/>
+                </a:srgbClr>
+              </a:gs>
+            </a:gsLst>
+            <a:path path="circle">
+              <a:fillToRect r="100000" b="100000"/>
+            </a:path>
+          </a:gradFill>
+          <a:ln>
+            <a:noFill/>
+          </a:ln>
+          <a:effectLst>
+            <a:softEdge rad="12700"/>
+          </a:effectLst>
+        </p:spPr>
+        <p:style>
+          <a:lnRef idx="2">
+            <a:schemeClr val="accent1">
+              <a:shade val="15000"/>
+            </a:schemeClr>
+          </a:lnRef>
+          <a:fillRef idx="1">
+            <a:schemeClr val="accent1"/>
+          </a:fillRef>
+          <a:effectRef idx="0">
+            <a:schemeClr val="accent1"/>
+          </a:effectRef>
+          <a:fontRef idx="minor">
+            <a:schemeClr val="lt1"/>
+          </a:fontRef>
+        </p:style>
+        <p:txBody>
+          <a:bodyPr rtlCol="0" anchor="ctr"/>
+          <a:lstStyle/>
+          <a:p>
+            <a:pPr algn="ctr"/>
+            <a:endParaRPr lang="en-MY">
+              <a:solidFill>
+                <a:schemeClr val="tx1"/>
+              </a:solidFill>
+            </a:endParaRPr>
           </a:p>
         </p:txBody>
       </p:sp>
@@ -3834,75 +6878,6 @@
           </a:p>
         </p:txBody>
       </p:sp>
-      <p:grpSp>
-        <p:nvGrpSpPr>
-          <p:cNvPr id="4" name="Group 3">
-            <a:extLst>
-              <a:ext uri="{FF2B5EF4-FFF2-40B4-BE49-F238E27FC236}">
-                <a16:creationId xmlns:a16="http://schemas.microsoft.com/office/drawing/2014/main" id="{E9B1C213-2AA0-C5FE-62DA-C0500FD61816}"/>
-              </a:ext>
-            </a:extLst>
-          </p:cNvPr>
-          <p:cNvGrpSpPr/>
-          <p:nvPr/>
-        </p:nvGrpSpPr>
-        <p:grpSpPr>
-          <a:xfrm>
-            <a:off x="7617777" y="567760"/>
-            <a:ext cx="1799999" cy="1800000"/>
-            <a:chOff x="8007925" y="4141561"/>
-            <a:chExt cx="1799999" cy="1800000"/>
-          </a:xfrm>
-        </p:grpSpPr>
-        <p:pic>
-          <p:nvPicPr>
-            <p:cNvPr id="21" name="Picture 20"/>
-            <p:cNvPicPr>
-              <a:picLocks noChangeAspect="1"/>
-            </p:cNvPicPr>
-            <p:nvPr/>
-          </p:nvPicPr>
-          <p:blipFill>
-            <a:blip r:embed="rId3"/>
-            <a:stretch>
-              <a:fillRect/>
-            </a:stretch>
-          </p:blipFill>
-          <p:spPr>
-            <a:xfrm>
-              <a:off x="8145696" y="5264268"/>
-              <a:ext cx="1662228" cy="677293"/>
-            </a:xfrm>
-            <a:prstGeom prst="rect">
-              <a:avLst/>
-            </a:prstGeom>
-          </p:spPr>
-        </p:pic>
-        <p:pic>
-          <p:nvPicPr>
-            <p:cNvPr id="23" name="Picture 22"/>
-            <p:cNvPicPr>
-              <a:picLocks noChangeAspect="1"/>
-            </p:cNvPicPr>
-            <p:nvPr/>
-          </p:nvPicPr>
-          <p:blipFill>
-            <a:blip r:embed="rId4"/>
-            <a:stretch>
-              <a:fillRect/>
-            </a:stretch>
-          </p:blipFill>
-          <p:spPr>
-            <a:xfrm rot="16200000">
-              <a:off x="7640850" y="4508636"/>
-              <a:ext cx="1489821" cy="755672"/>
-            </a:xfrm>
-            <a:prstGeom prst="rect">
-              <a:avLst/>
-            </a:prstGeom>
-          </p:spPr>
-        </p:pic>
-      </p:grpSp>
       <p:graphicFrame>
         <p:nvGraphicFramePr>
           <p:cNvPr id="2048" name="Table 2047"/>
@@ -3912,14 +6887,14 @@
           <p:nvPr>
             <p:extLst>
               <p:ext uri="{D42A27DB-BD31-4B8C-83A1-F6EECF244321}">
-                <p14:modId xmlns:p14="http://schemas.microsoft.com/office/powerpoint/2010/main" val="4015721589"/>
+                <p14:modId xmlns:p14="http://schemas.microsoft.com/office/powerpoint/2010/main" val="100183015"/>
               </p:ext>
             </p:extLst>
           </p:nvPr>
         </p:nvGraphicFramePr>
         <p:xfrm>
-          <a:off x="8123612" y="664703"/>
-          <a:ext cx="1080000" cy="1080000"/>
+          <a:off x="7633805" y="592664"/>
+          <a:ext cx="1512000" cy="1512000"/>
         </p:xfrm>
         <a:graphic>
           <a:graphicData uri="http://schemas.openxmlformats.org/drawingml/2006/table">
@@ -3928,14 +6903,14 @@
                 <a:tableStyleId>{5C22544A-7EE6-4342-B048-85BDC9FD1C3A}</a:tableStyleId>
               </a:tblPr>
               <a:tblGrid>
-                <a:gridCol w="540000">
+                <a:gridCol w="756000">
                   <a:extLst>
                     <a:ext uri="{9D8B030D-6E8A-4147-A177-3AD203B41FA5}">
                       <a16:colId xmlns:a16="http://schemas.microsoft.com/office/drawing/2014/main" val="20000"/>
                     </a:ext>
                   </a:extLst>
                 </a:gridCol>
-                <a:gridCol w="540000">
+                <a:gridCol w="756000">
                   <a:extLst>
                     <a:ext uri="{9D8B030D-6E8A-4147-A177-3AD203B41FA5}">
                       <a16:colId xmlns:a16="http://schemas.microsoft.com/office/drawing/2014/main" val="20001"/>
@@ -3943,7 +6918,7 @@
                   </a:extLst>
                 </a:gridCol>
               </a:tblGrid>
-              <a:tr h="540000">
+              <a:tr h="756000">
                 <a:tc>
                   <a:txBody>
                     <a:bodyPr/>
@@ -3954,7 +6929,7 @@
                         <a:rPr lang="en-US" sz="2400" dirty="0">
                           <a:solidFill>
                             <a:schemeClr val="bg1">
-                              <a:lumMod val="85000"/>
+                              <a:lumMod val="95000"/>
                             </a:schemeClr>
                           </a:solidFill>
                         </a:rPr>
@@ -3965,7 +6940,7 @@
                   <a:tcPr anchor="ctr">
                     <a:solidFill>
                       <a:schemeClr val="bg1">
-                        <a:lumMod val="95000"/>
+                        <a:lumMod val="75000"/>
                       </a:schemeClr>
                     </a:solidFill>
                   </a:tcPr>
@@ -3980,7 +6955,7 @@
                         <a:rPr lang="en-US" sz="2400" dirty="0">
                           <a:solidFill>
                             <a:schemeClr val="bg1">
-                              <a:lumMod val="85000"/>
+                              <a:lumMod val="95000"/>
                             </a:schemeClr>
                           </a:solidFill>
                         </a:rPr>
@@ -3991,7 +6966,7 @@
                   <a:tcPr anchor="ctr">
                     <a:solidFill>
                       <a:schemeClr val="bg1">
-                        <a:lumMod val="95000"/>
+                        <a:lumMod val="75000"/>
                       </a:schemeClr>
                     </a:solidFill>
                   </a:tcPr>
@@ -4002,7 +6977,7 @@
                   </a:ext>
                 </a:extLst>
               </a:tr>
-              <a:tr h="540000">
+              <a:tr h="756000">
                 <a:tc>
                   <a:txBody>
                     <a:bodyPr/>
@@ -4013,7 +6988,7 @@
                         <a:rPr lang="en-US" sz="2400" dirty="0">
                           <a:solidFill>
                             <a:schemeClr val="bg1">
-                              <a:lumMod val="85000"/>
+                              <a:lumMod val="95000"/>
                             </a:schemeClr>
                           </a:solidFill>
                         </a:rPr>
@@ -4024,7 +6999,7 @@
                   <a:tcPr anchor="ctr">
                     <a:solidFill>
                       <a:schemeClr val="bg1">
-                        <a:lumMod val="95000"/>
+                        <a:lumMod val="75000"/>
                       </a:schemeClr>
                     </a:solidFill>
                   </a:tcPr>
@@ -4039,7 +7014,7 @@
                         <a:rPr lang="en-US" sz="2400" dirty="0">
                           <a:solidFill>
                             <a:schemeClr val="bg1">
-                              <a:lumMod val="85000"/>
+                              <a:lumMod val="95000"/>
                             </a:schemeClr>
                           </a:solidFill>
                         </a:rPr>
@@ -4050,7 +7025,7 @@
                   <a:tcPr anchor="ctr">
                     <a:solidFill>
                       <a:schemeClr val="bg1">
-                        <a:lumMod val="95000"/>
+                        <a:lumMod val="75000"/>
                       </a:schemeClr>
                     </a:solidFill>
                   </a:tcPr>
@@ -4067,50 +7042,13 @@
       </p:graphicFrame>
       <p:sp>
         <p:nvSpPr>
-          <p:cNvPr id="2056" name="TextBox 2055"/>
-          <p:cNvSpPr txBox="1"/>
-          <p:nvPr/>
-        </p:nvSpPr>
-        <p:spPr>
-          <a:xfrm>
-            <a:off x="6011602" y="1830996"/>
-            <a:ext cx="1840081" cy="523220"/>
-          </a:xfrm>
-          <a:prstGeom prst="rect">
-            <a:avLst/>
-          </a:prstGeom>
-          <a:noFill/>
-          <a:ln>
-            <a:noFill/>
-          </a:ln>
-        </p:spPr>
-        <p:txBody>
-          <a:bodyPr wrap="square" rtlCol="0">
-            <a:spAutoFit/>
-          </a:bodyPr>
-          <a:lstStyle/>
-          <a:p>
-            <a:pPr algn="ctr"/>
-            <a:r>
-              <a:rPr lang="en-US" sz="1400" dirty="0">
-                <a:solidFill>
-                  <a:srgbClr val="645FA3"/>
-                </a:solidFill>
-              </a:rPr>
-              <a:t>Competent &amp; Conscious</a:t>
-            </a:r>
-          </a:p>
-        </p:txBody>
-      </p:sp>
-      <p:sp>
-        <p:nvSpPr>
           <p:cNvPr id="71" name="TextBox 70"/>
           <p:cNvSpPr txBox="1"/>
           <p:nvPr/>
         </p:nvSpPr>
         <p:spPr>
           <a:xfrm>
-            <a:off x="6408244" y="4678566"/>
+            <a:off x="6108079" y="4320776"/>
             <a:ext cx="1003591" cy="523220"/>
           </a:xfrm>
           <a:prstGeom prst="rect">
@@ -4135,143 +7073,9 @@
                     <a:lumMod val="75000"/>
                   </a:schemeClr>
                 </a:solidFill>
+                <a:latin typeface="Aptos Display" panose="020B0004020202020204" pitchFamily="34" charset="0"/>
               </a:rPr>
               <a:t>Individual Skills</a:t>
-            </a:r>
-          </a:p>
-        </p:txBody>
-      </p:sp>
-      <p:sp>
-        <p:nvSpPr>
-          <p:cNvPr id="72" name="TextBox 71"/>
-          <p:cNvSpPr txBox="1"/>
-          <p:nvPr/>
-        </p:nvSpPr>
-        <p:spPr>
-          <a:xfrm>
-            <a:off x="6043086" y="3185039"/>
-            <a:ext cx="965689" cy="738664"/>
-          </a:xfrm>
-          <a:prstGeom prst="rect">
-            <a:avLst/>
-          </a:prstGeom>
-          <a:noFill/>
-          <a:ln>
-            <a:noFill/>
-          </a:ln>
-        </p:spPr>
-        <p:txBody>
-          <a:bodyPr wrap="square" rtlCol="0">
-            <a:spAutoFit/>
-          </a:bodyPr>
-          <a:lstStyle/>
-          <a:p>
-            <a:pPr algn="ctr"/>
-            <a:r>
-              <a:rPr lang="en-US" sz="1400" dirty="0"/>
-              <a:t>Mistake </a:t>
-            </a:r>
-          </a:p>
-          <a:p>
-            <a:pPr algn="ctr"/>
-            <a:r>
-              <a:rPr lang="en-US" sz="1400" dirty="0"/>
-              <a:t>vs Weakness</a:t>
-            </a:r>
-          </a:p>
-        </p:txBody>
-      </p:sp>
-      <p:sp>
-        <p:nvSpPr>
-          <p:cNvPr id="73" name="TextBox 72"/>
-          <p:cNvSpPr txBox="1"/>
-          <p:nvPr/>
-        </p:nvSpPr>
-        <p:spPr>
-          <a:xfrm>
-            <a:off x="5384822" y="3132790"/>
-            <a:ext cx="682045" cy="738664"/>
-          </a:xfrm>
-          <a:prstGeom prst="rect">
-            <a:avLst/>
-          </a:prstGeom>
-          <a:noFill/>
-          <a:ln>
-            <a:noFill/>
-          </a:ln>
-        </p:spPr>
-        <p:txBody>
-          <a:bodyPr wrap="square" rtlCol="0">
-            <a:spAutoFit/>
-          </a:bodyPr>
-          <a:lstStyle/>
-          <a:p>
-            <a:pPr lvl="0" algn="ctr"/>
-            <a:r>
-              <a:rPr lang="en-US" sz="1400" dirty="0"/>
-              <a:t>Skills &amp; Tactics</a:t>
-            </a:r>
-          </a:p>
-        </p:txBody>
-      </p:sp>
-      <p:sp>
-        <p:nvSpPr>
-          <p:cNvPr id="85" name="Rectangle 84"/>
-          <p:cNvSpPr/>
-          <p:nvPr/>
-        </p:nvSpPr>
-        <p:spPr>
-          <a:xfrm>
-            <a:off x="3719237" y="3203840"/>
-            <a:ext cx="1015307" cy="667269"/>
-          </a:xfrm>
-          <a:prstGeom prst="rect">
-            <a:avLst/>
-          </a:prstGeom>
-          <a:noFill/>
-          <a:ln>
-            <a:noFill/>
-          </a:ln>
-        </p:spPr>
-        <p:style>
-          <a:lnRef idx="0">
-            <a:scrgbClr r="0" g="0" b="0"/>
-          </a:lnRef>
-          <a:fillRef idx="0">
-            <a:scrgbClr r="0" g="0" b="0"/>
-          </a:fillRef>
-          <a:effectRef idx="0">
-            <a:scrgbClr r="0" g="0" b="0"/>
-          </a:effectRef>
-          <a:fontRef idx="minor">
-            <a:schemeClr val="tx1">
-              <a:hueOff val="0"/>
-              <a:satOff val="0"/>
-              <a:lumOff val="0"/>
-              <a:alphaOff val="0"/>
-            </a:schemeClr>
-          </a:fontRef>
-        </p:style>
-        <p:txBody>
-          <a:bodyPr spcFirstLastPara="0" vert="horz" wrap="square" lIns="80010" tIns="80010" rIns="80010" bIns="80010" numCol="1" spcCol="1270" anchor="ctr" anchorCtr="0">
-            <a:noAutofit/>
-          </a:bodyPr>
-          <a:lstStyle/>
-          <a:p>
-            <a:pPr algn="ctr" defTabSz="933411">
-              <a:lnSpc>
-                <a:spcPct val="90000"/>
-              </a:lnSpc>
-              <a:spcBef>
-                <a:spcPct val="0"/>
-              </a:spcBef>
-              <a:spcAft>
-                <a:spcPct val="35000"/>
-              </a:spcAft>
-            </a:pPr>
-            <a:r>
-              <a:rPr lang="en-US" sz="1400" dirty="0"/>
-              <a:t>Game Rules</a:t>
             </a:r>
           </a:p>
         </p:txBody>
@@ -4284,7 +7088,7 @@
         </p:nvSpPr>
         <p:spPr>
           <a:xfrm>
-            <a:off x="2207951" y="2285118"/>
+            <a:off x="2907358" y="3114002"/>
             <a:ext cx="1051278" cy="387288"/>
           </a:xfrm>
           <a:prstGeom prst="rect">
@@ -4332,7 +7136,9 @@
               </a:spcAft>
             </a:pPr>
             <a:r>
-              <a:rPr lang="en-US" sz="1400" dirty="0"/>
+              <a:rPr lang="en-US" sz="1400" dirty="0">
+                <a:latin typeface="Aptos Display" panose="020B0004020202020204" pitchFamily="34" charset="0"/>
+              </a:rPr>
               <a:t>Standard Rules</a:t>
             </a:r>
           </a:p>
@@ -4346,7 +7152,7 @@
         </p:nvSpPr>
         <p:spPr>
           <a:xfrm>
-            <a:off x="1886306" y="2972877"/>
+            <a:off x="3126494" y="2440010"/>
             <a:ext cx="1290473" cy="387288"/>
           </a:xfrm>
           <a:prstGeom prst="rect">
@@ -4394,7 +7200,9 @@
               </a:spcAft>
             </a:pPr>
             <a:r>
-              <a:rPr lang="en-US" sz="1400" dirty="0"/>
+              <a:rPr lang="en-US" sz="1400" dirty="0">
+                <a:latin typeface="Aptos Display" panose="020B0004020202020204" pitchFamily="34" charset="0"/>
+              </a:rPr>
               <a:t>Tournament Rules</a:t>
             </a:r>
           </a:p>
@@ -4408,7 +7216,7 @@
         </p:nvSpPr>
         <p:spPr>
           <a:xfrm>
-            <a:off x="3222515" y="4103698"/>
+            <a:off x="3016949" y="3789784"/>
             <a:ext cx="896526" cy="387288"/>
           </a:xfrm>
           <a:prstGeom prst="rect">
@@ -4456,69 +7264,10 @@
               </a:spcAft>
             </a:pPr>
             <a:r>
-              <a:rPr lang="en-US" sz="1400" dirty="0"/>
-              <a:t>Referee</a:t>
-            </a:r>
-          </a:p>
-        </p:txBody>
-      </p:sp>
-      <p:sp>
-        <p:nvSpPr>
-          <p:cNvPr id="110" name="Rectangle 109"/>
-          <p:cNvSpPr/>
-          <p:nvPr/>
-        </p:nvSpPr>
-        <p:spPr>
-          <a:xfrm>
-            <a:off x="4584744" y="2528947"/>
-            <a:ext cx="999963" cy="632106"/>
-          </a:xfrm>
-          <a:prstGeom prst="rect">
-            <a:avLst/>
-          </a:prstGeom>
-          <a:ln>
-            <a:noFill/>
-          </a:ln>
-        </p:spPr>
-        <p:style>
-          <a:lnRef idx="0">
-            <a:scrgbClr r="0" g="0" b="0"/>
-          </a:lnRef>
-          <a:fillRef idx="0">
-            <a:scrgbClr r="0" g="0" b="0"/>
-          </a:fillRef>
-          <a:effectRef idx="0">
-            <a:scrgbClr r="0" g="0" b="0"/>
-          </a:effectRef>
-          <a:fontRef idx="minor">
-            <a:schemeClr val="tx1">
-              <a:hueOff val="0"/>
-              <a:satOff val="0"/>
-              <a:lumOff val="0"/>
-              <a:alphaOff val="0"/>
-            </a:schemeClr>
-          </a:fontRef>
-        </p:style>
-        <p:txBody>
-          <a:bodyPr spcFirstLastPara="0" vert="horz" wrap="square" lIns="80010" tIns="80010" rIns="80010" bIns="80010" numCol="1" spcCol="1270" anchor="t" anchorCtr="0">
-            <a:noAutofit/>
-          </a:bodyPr>
-          <a:lstStyle/>
-          <a:p>
-            <a:pPr algn="ctr" defTabSz="933411">
-              <a:lnSpc>
-                <a:spcPct val="90000"/>
-              </a:lnSpc>
-              <a:spcBef>
-                <a:spcPct val="0"/>
-              </a:spcBef>
-              <a:spcAft>
-                <a:spcPct val="35000"/>
-              </a:spcAft>
-            </a:pPr>
-            <a:r>
-              <a:rPr lang="en-US" sz="1400" dirty="0"/>
-              <a:t>Strategy &amp; Tactics</a:t>
+              <a:rPr lang="en-US" sz="1400" dirty="0">
+                <a:latin typeface="Aptos Display" panose="020B0004020202020204" pitchFamily="34" charset="0"/>
+              </a:rPr>
+              <a:t>Referee / Umpire</a:t>
             </a:r>
           </a:p>
         </p:txBody>
@@ -4531,8 +7280,8 @@
         </p:nvSpPr>
         <p:spPr>
           <a:xfrm>
-            <a:off x="4974321" y="733131"/>
-            <a:ext cx="1034644" cy="282385"/>
+            <a:off x="4975347" y="1764129"/>
+            <a:ext cx="851905" cy="542413"/>
           </a:xfrm>
           <a:prstGeom prst="rect">
             <a:avLst/>
@@ -4578,7 +7327,9 @@
               </a:spcAft>
             </a:pPr>
             <a:r>
-              <a:rPr lang="en-US" sz="1400" dirty="0"/>
+              <a:rPr lang="en-US" sz="1400" dirty="0">
+                <a:latin typeface="Aptos Display" panose="020B0004020202020204" pitchFamily="34" charset="0"/>
+              </a:rPr>
               <a:t>Game Plan</a:t>
             </a:r>
           </a:p>
@@ -4639,135 +7390,6 @@
       </p:sp>
       <p:sp>
         <p:nvSpPr>
-          <p:cNvPr id="106" name="Rectangle 105"/>
-          <p:cNvSpPr/>
-          <p:nvPr/>
-        </p:nvSpPr>
-        <p:spPr>
-          <a:xfrm>
-            <a:off x="3793038" y="629523"/>
-            <a:ext cx="971318" cy="310040"/>
-          </a:xfrm>
-          <a:prstGeom prst="rect">
-            <a:avLst/>
-          </a:prstGeom>
-          <a:noFill/>
-          <a:ln>
-            <a:noFill/>
-          </a:ln>
-        </p:spPr>
-        <p:style>
-          <a:lnRef idx="0">
-            <a:scrgbClr r="0" g="0" b="0"/>
-          </a:lnRef>
-          <a:fillRef idx="0">
-            <a:scrgbClr r="0" g="0" b="0"/>
-          </a:fillRef>
-          <a:effectRef idx="0">
-            <a:scrgbClr r="0" g="0" b="0"/>
-          </a:effectRef>
-          <a:fontRef idx="minor">
-            <a:schemeClr val="tx1">
-              <a:hueOff val="0"/>
-              <a:satOff val="0"/>
-              <a:lumOff val="0"/>
-              <a:alphaOff val="0"/>
-            </a:schemeClr>
-          </a:fontRef>
-        </p:style>
-        <p:txBody>
-          <a:bodyPr spcFirstLastPara="1" vert="horz" wrap="square" lIns="49530" tIns="49530" rIns="49530" bIns="49530" numCol="1" spcCol="1270" anchor="ctr" anchorCtr="0">
-            <a:noAutofit/>
-          </a:bodyPr>
-          <a:lstStyle/>
-          <a:p>
-            <a:pPr algn="ctr" defTabSz="577826">
-              <a:lnSpc>
-                <a:spcPct val="90000"/>
-              </a:lnSpc>
-              <a:spcBef>
-                <a:spcPct val="0"/>
-              </a:spcBef>
-              <a:spcAft>
-                <a:spcPct val="35000"/>
-              </a:spcAft>
-            </a:pPr>
-            <a:r>
-              <a:rPr lang="en-US" sz="1400" dirty="0">
-                <a:solidFill>
-                  <a:schemeClr val="accent1">
-                    <a:lumMod val="75000"/>
-                  </a:schemeClr>
-                </a:solidFill>
-              </a:rPr>
-              <a:t>Definition</a:t>
-            </a:r>
-          </a:p>
-        </p:txBody>
-      </p:sp>
-      <p:sp>
-        <p:nvSpPr>
-          <p:cNvPr id="122" name="Rectangle 121"/>
-          <p:cNvSpPr/>
-          <p:nvPr/>
-        </p:nvSpPr>
-        <p:spPr>
-          <a:xfrm>
-            <a:off x="4679708" y="4021664"/>
-            <a:ext cx="777719" cy="535831"/>
-          </a:xfrm>
-          <a:prstGeom prst="rect">
-            <a:avLst/>
-          </a:prstGeom>
-          <a:ln>
-            <a:noFill/>
-          </a:ln>
-        </p:spPr>
-        <p:style>
-          <a:lnRef idx="0">
-            <a:scrgbClr r="0" g="0" b="0"/>
-          </a:lnRef>
-          <a:fillRef idx="0">
-            <a:scrgbClr r="0" g="0" b="0"/>
-          </a:fillRef>
-          <a:effectRef idx="0">
-            <a:scrgbClr r="0" g="0" b="0"/>
-          </a:effectRef>
-          <a:fontRef idx="minor">
-            <a:schemeClr val="tx1">
-              <a:hueOff val="0"/>
-              <a:satOff val="0"/>
-              <a:lumOff val="0"/>
-              <a:alphaOff val="0"/>
-            </a:schemeClr>
-          </a:fontRef>
-        </p:style>
-        <p:txBody>
-          <a:bodyPr spcFirstLastPara="0" vert="horz" wrap="square" lIns="80010" tIns="80010" rIns="80010" bIns="80010" numCol="1" spcCol="1270" anchor="ctr" anchorCtr="0">
-            <a:noAutofit/>
-          </a:bodyPr>
-          <a:lstStyle/>
-          <a:p>
-            <a:pPr algn="ctr" defTabSz="933411">
-              <a:lnSpc>
-                <a:spcPct val="90000"/>
-              </a:lnSpc>
-              <a:spcBef>
-                <a:spcPct val="0"/>
-              </a:spcBef>
-              <a:spcAft>
-                <a:spcPct val="35000"/>
-              </a:spcAft>
-            </a:pPr>
-            <a:r>
-              <a:rPr lang="en-US" sz="1400" dirty="0"/>
-              <a:t>In the Zone</a:t>
-            </a:r>
-          </a:p>
-        </p:txBody>
-      </p:sp>
-      <p:sp>
-        <p:nvSpPr>
           <p:cNvPr id="117" name="Rectangle 116"/>
           <p:cNvSpPr/>
           <p:nvPr/>
@@ -4821,66 +7443,74 @@
       </p:sp>
       <p:sp>
         <p:nvSpPr>
-          <p:cNvPr id="118" name="Rectangle 117"/>
+          <p:cNvPr id="42" name="Partial Circle 41">
+            <a:extLst>
+              <a:ext uri="{FF2B5EF4-FFF2-40B4-BE49-F238E27FC236}">
+                <a16:creationId xmlns:a16="http://schemas.microsoft.com/office/drawing/2014/main" id="{E70A14CD-E329-2681-AFB1-2C8A4C2CA52D}"/>
+              </a:ext>
+            </a:extLst>
+          </p:cNvPr>
           <p:cNvSpPr/>
           <p:nvPr/>
         </p:nvSpPr>
         <p:spPr>
           <a:xfrm>
-            <a:off x="3304312" y="6283080"/>
-            <a:ext cx="1519873" cy="382304"/>
+            <a:off x="2491487" y="962392"/>
+            <a:ext cx="4932000" cy="4932000"/>
           </a:xfrm>
-          <a:prstGeom prst="rect">
-            <a:avLst/>
+          <a:prstGeom prst="pie">
+            <a:avLst>
+              <a:gd name="adj1" fmla="val 14138736"/>
+              <a:gd name="adj2" fmla="val 16182372"/>
+            </a:avLst>
           </a:prstGeom>
+          <a:gradFill flip="none" rotWithShape="1">
+            <a:gsLst>
+              <a:gs pos="23000">
+                <a:srgbClr val="E7E7E7">
+                  <a:alpha val="93000"/>
+                </a:srgbClr>
+              </a:gs>
+              <a:gs pos="36000">
+                <a:srgbClr val="FFFFFF"/>
+              </a:gs>
+            </a:gsLst>
+            <a:lin ang="3600000" scaled="0"/>
+            <a:tileRect/>
+          </a:gradFill>
           <a:ln>
             <a:noFill/>
           </a:ln>
+          <a:effectLst>
+            <a:softEdge rad="12700"/>
+          </a:effectLst>
         </p:spPr>
         <p:style>
-          <a:lnRef idx="0">
-            <a:scrgbClr r="0" g="0" b="0"/>
+          <a:lnRef idx="2">
+            <a:schemeClr val="accent1">
+              <a:shade val="15000"/>
+            </a:schemeClr>
           </a:lnRef>
-          <a:fillRef idx="0">
-            <a:scrgbClr r="0" g="0" b="0"/>
+          <a:fillRef idx="1">
+            <a:schemeClr val="accent1"/>
           </a:fillRef>
           <a:effectRef idx="0">
-            <a:scrgbClr r="0" g="0" b="0"/>
+            <a:schemeClr val="accent1"/>
           </a:effectRef>
           <a:fontRef idx="minor">
-            <a:schemeClr val="tx1">
-              <a:hueOff val="0"/>
-              <a:satOff val="0"/>
-              <a:lumOff val="0"/>
-              <a:alphaOff val="0"/>
-            </a:schemeClr>
+            <a:schemeClr val="lt1"/>
           </a:fontRef>
         </p:style>
         <p:txBody>
-          <a:bodyPr spcFirstLastPara="0" vert="horz" wrap="square" lIns="19050" tIns="19050" rIns="19050" bIns="19050" numCol="1" spcCol="1270" anchor="ctr" anchorCtr="0">
-            <a:noAutofit/>
-          </a:bodyPr>
+          <a:bodyPr rtlCol="0" anchor="ctr"/>
           <a:lstStyle/>
           <a:p>
-            <a:pPr algn="ctr" defTabSz="222241">
-              <a:lnSpc>
-                <a:spcPct val="90000"/>
-              </a:lnSpc>
-              <a:spcBef>
-                <a:spcPct val="0"/>
-              </a:spcBef>
-              <a:spcAft>
-                <a:spcPct val="35000"/>
-              </a:spcAft>
-            </a:pPr>
-            <a:r>
-              <a:rPr lang="en-US" sz="1400" dirty="0">
-                <a:solidFill>
-                  <a:srgbClr val="4A8038"/>
-                </a:solidFill>
-              </a:rPr>
-              <a:t>Confidence Level</a:t>
-            </a:r>
+            <a:pPr algn="ctr"/>
+            <a:endParaRPr lang="en-MY" u="sng" dirty="0">
+              <a:solidFill>
+                <a:schemeClr val="tx1"/>
+              </a:solidFill>
+            </a:endParaRPr>
           </a:p>
         </p:txBody>
       </p:sp>
@@ -4937,6 +7567,615 @@
           </a:fontRef>
         </p:style>
       </p:sp>
+      <p:cxnSp>
+        <p:nvCxnSpPr>
+          <p:cNvPr id="2058" name="Straight Connector 2057"/>
+          <p:cNvCxnSpPr>
+            <a:cxnSpLocks/>
+            <a:endCxn id="89" idx="0"/>
+          </p:cNvCxnSpPr>
+          <p:nvPr/>
+        </p:nvCxnSpPr>
+        <p:spPr>
+          <a:xfrm>
+            <a:off x="4950800" y="553939"/>
+            <a:ext cx="12157" cy="1824057"/>
+          </a:xfrm>
+          <a:prstGeom prst="line">
+            <a:avLst/>
+          </a:prstGeom>
+        </p:spPr>
+        <p:style>
+          <a:lnRef idx="1">
+            <a:schemeClr val="dk1"/>
+          </a:lnRef>
+          <a:fillRef idx="0">
+            <a:schemeClr val="dk1"/>
+          </a:fillRef>
+          <a:effectRef idx="0">
+            <a:schemeClr val="dk1"/>
+          </a:effectRef>
+          <a:fontRef idx="minor">
+            <a:schemeClr val="tx1"/>
+          </a:fontRef>
+        </p:style>
+      </p:cxnSp>
+      <p:cxnSp>
+        <p:nvCxnSpPr>
+          <p:cNvPr id="137" name="Straight Connector 136"/>
+          <p:cNvCxnSpPr>
+            <a:cxnSpLocks/>
+          </p:cNvCxnSpPr>
+          <p:nvPr/>
+        </p:nvCxnSpPr>
+        <p:spPr>
+          <a:xfrm flipH="1">
+            <a:off x="6001638" y="2622671"/>
+            <a:ext cx="926800" cy="418299"/>
+          </a:xfrm>
+          <a:prstGeom prst="line">
+            <a:avLst/>
+          </a:prstGeom>
+        </p:spPr>
+        <p:style>
+          <a:lnRef idx="1">
+            <a:schemeClr val="dk1"/>
+          </a:lnRef>
+          <a:fillRef idx="0">
+            <a:schemeClr val="dk1"/>
+          </a:fillRef>
+          <a:effectRef idx="0">
+            <a:schemeClr val="dk1"/>
+          </a:effectRef>
+          <a:fontRef idx="minor">
+            <a:schemeClr val="tx1"/>
+          </a:fontRef>
+        </p:style>
+      </p:cxnSp>
+      <p:cxnSp>
+        <p:nvCxnSpPr>
+          <p:cNvPr id="152" name="Straight Connector 151"/>
+          <p:cNvCxnSpPr>
+            <a:cxnSpLocks/>
+            <a:stCxn id="19" idx="4"/>
+            <a:endCxn id="89" idx="4"/>
+          </p:cNvCxnSpPr>
+          <p:nvPr/>
+        </p:nvCxnSpPr>
+        <p:spPr>
+          <a:xfrm flipV="1">
+            <a:off x="4948438" y="4663996"/>
+            <a:ext cx="14519" cy="841561"/>
+          </a:xfrm>
+          <a:prstGeom prst="line">
+            <a:avLst/>
+          </a:prstGeom>
+        </p:spPr>
+        <p:style>
+          <a:lnRef idx="1">
+            <a:schemeClr val="dk1"/>
+          </a:lnRef>
+          <a:fillRef idx="0">
+            <a:schemeClr val="dk1"/>
+          </a:fillRef>
+          <a:effectRef idx="0">
+            <a:schemeClr val="dk1"/>
+          </a:effectRef>
+          <a:fontRef idx="minor">
+            <a:schemeClr val="tx1"/>
+          </a:fontRef>
+        </p:style>
+      </p:cxnSp>
+      <p:cxnSp>
+        <p:nvCxnSpPr>
+          <p:cNvPr id="155" name="Straight Connector 154"/>
+          <p:cNvCxnSpPr>
+            <a:cxnSpLocks/>
+          </p:cNvCxnSpPr>
+          <p:nvPr/>
+        </p:nvCxnSpPr>
+        <p:spPr>
+          <a:xfrm flipH="1" flipV="1">
+            <a:off x="6001638" y="3931226"/>
+            <a:ext cx="1178068" cy="461409"/>
+          </a:xfrm>
+          <a:prstGeom prst="line">
+            <a:avLst/>
+          </a:prstGeom>
+        </p:spPr>
+        <p:style>
+          <a:lnRef idx="1">
+            <a:schemeClr val="dk1"/>
+          </a:lnRef>
+          <a:fillRef idx="0">
+            <a:schemeClr val="dk1"/>
+          </a:fillRef>
+          <a:effectRef idx="0">
+            <a:schemeClr val="dk1"/>
+          </a:effectRef>
+          <a:fontRef idx="minor">
+            <a:schemeClr val="tx1"/>
+          </a:fontRef>
+        </p:style>
+      </p:cxnSp>
+      <p:cxnSp>
+        <p:nvCxnSpPr>
+          <p:cNvPr id="156" name="Straight Connector 155"/>
+          <p:cNvCxnSpPr>
+            <a:cxnSpLocks/>
+          </p:cNvCxnSpPr>
+          <p:nvPr/>
+        </p:nvCxnSpPr>
+        <p:spPr>
+          <a:xfrm flipH="1" flipV="1">
+            <a:off x="3142225" y="2726729"/>
+            <a:ext cx="752159" cy="369210"/>
+          </a:xfrm>
+          <a:prstGeom prst="line">
+            <a:avLst/>
+          </a:prstGeom>
+        </p:spPr>
+        <p:style>
+          <a:lnRef idx="1">
+            <a:schemeClr val="dk1"/>
+          </a:lnRef>
+          <a:fillRef idx="0">
+            <a:schemeClr val="dk1"/>
+          </a:fillRef>
+          <a:effectRef idx="0">
+            <a:schemeClr val="dk1"/>
+          </a:effectRef>
+          <a:fontRef idx="minor">
+            <a:schemeClr val="tx1"/>
+          </a:fontRef>
+        </p:style>
+      </p:cxnSp>
+      <p:cxnSp>
+        <p:nvCxnSpPr>
+          <p:cNvPr id="157" name="Straight Connector 156"/>
+          <p:cNvCxnSpPr>
+            <a:cxnSpLocks/>
+          </p:cNvCxnSpPr>
+          <p:nvPr/>
+        </p:nvCxnSpPr>
+        <p:spPr>
+          <a:xfrm flipH="1">
+            <a:off x="2992666" y="3608993"/>
+            <a:ext cx="826125" cy="69337"/>
+          </a:xfrm>
+          <a:prstGeom prst="line">
+            <a:avLst/>
+          </a:prstGeom>
+        </p:spPr>
+        <p:style>
+          <a:lnRef idx="1">
+            <a:schemeClr val="dk1"/>
+          </a:lnRef>
+          <a:fillRef idx="0">
+            <a:schemeClr val="dk1"/>
+          </a:fillRef>
+          <a:effectRef idx="0">
+            <a:schemeClr val="dk1"/>
+          </a:effectRef>
+          <a:fontRef idx="minor">
+            <a:schemeClr val="tx1"/>
+          </a:fontRef>
+        </p:style>
+      </p:cxnSp>
+      <p:sp>
+        <p:nvSpPr>
+          <p:cNvPr id="18" name="Oval 17">
+            <a:extLst>
+              <a:ext uri="{FF2B5EF4-FFF2-40B4-BE49-F238E27FC236}">
+                <a16:creationId xmlns:a16="http://schemas.microsoft.com/office/drawing/2014/main" id="{999B7BB0-5A0D-EA13-AD3F-F224922B0AF4}"/>
+              </a:ext>
+            </a:extLst>
+          </p:cNvPr>
+          <p:cNvSpPr/>
+          <p:nvPr/>
+        </p:nvSpPr>
+        <p:spPr>
+          <a:xfrm>
+            <a:off x="6099453" y="1781111"/>
+            <a:ext cx="894040" cy="974720"/>
+          </a:xfrm>
+          <a:prstGeom prst="ellipse">
+            <a:avLst/>
+          </a:prstGeom>
+          <a:solidFill>
+            <a:schemeClr val="bg1"/>
+          </a:solidFill>
+          <a:ln>
+            <a:noFill/>
+          </a:ln>
+        </p:spPr>
+        <p:style>
+          <a:lnRef idx="2">
+            <a:schemeClr val="accent1">
+              <a:shade val="15000"/>
+            </a:schemeClr>
+          </a:lnRef>
+          <a:fillRef idx="1">
+            <a:schemeClr val="accent1"/>
+          </a:fillRef>
+          <a:effectRef idx="0">
+            <a:schemeClr val="accent1"/>
+          </a:effectRef>
+          <a:fontRef idx="minor">
+            <a:schemeClr val="lt1"/>
+          </a:fontRef>
+        </p:style>
+        <p:txBody>
+          <a:bodyPr rtlCol="0" anchor="ctr"/>
+          <a:lstStyle/>
+          <a:p>
+            <a:pPr algn="ctr"/>
+            <a:endParaRPr lang="en-MY"/>
+          </a:p>
+        </p:txBody>
+      </p:sp>
+      <p:sp>
+        <p:nvSpPr>
+          <p:cNvPr id="2056" name="TextBox 2055"/>
+          <p:cNvSpPr txBox="1"/>
+          <p:nvPr/>
+        </p:nvSpPr>
+        <p:spPr>
+          <a:xfrm>
+            <a:off x="6023188" y="2023975"/>
+            <a:ext cx="1113371" cy="523220"/>
+          </a:xfrm>
+          <a:prstGeom prst="rect">
+            <a:avLst/>
+          </a:prstGeom>
+          <a:noFill/>
+          <a:ln>
+            <a:noFill/>
+          </a:ln>
+        </p:spPr>
+        <p:txBody>
+          <a:bodyPr wrap="square" rtlCol="0">
+            <a:spAutoFit/>
+          </a:bodyPr>
+          <a:lstStyle/>
+          <a:p>
+            <a:pPr algn="ctr"/>
+            <a:r>
+              <a:rPr lang="en-US" sz="1400" dirty="0">
+                <a:solidFill>
+                  <a:srgbClr val="4472C4"/>
+                </a:solidFill>
+                <a:latin typeface="Aptos Display" panose="020B0004020202020204" pitchFamily="34" charset="0"/>
+              </a:rPr>
+              <a:t>Competent &amp; Conscious</a:t>
+            </a:r>
+          </a:p>
+        </p:txBody>
+      </p:sp>
+      <p:sp>
+        <p:nvSpPr>
+          <p:cNvPr id="34" name="Oval 33">
+            <a:extLst>
+              <a:ext uri="{FF2B5EF4-FFF2-40B4-BE49-F238E27FC236}">
+                <a16:creationId xmlns:a16="http://schemas.microsoft.com/office/drawing/2014/main" id="{07788313-5BE7-05B1-EE47-146EC8605347}"/>
+              </a:ext>
+            </a:extLst>
+          </p:cNvPr>
+          <p:cNvSpPr/>
+          <p:nvPr/>
+        </p:nvSpPr>
+        <p:spPr>
+          <a:xfrm>
+            <a:off x="3028614" y="4579954"/>
+            <a:ext cx="1613915" cy="1577378"/>
+          </a:xfrm>
+          <a:prstGeom prst="ellipse">
+            <a:avLst/>
+          </a:prstGeom>
+          <a:solidFill>
+            <a:schemeClr val="bg1"/>
+          </a:solidFill>
+          <a:ln>
+            <a:noFill/>
+          </a:ln>
+        </p:spPr>
+        <p:style>
+          <a:lnRef idx="2">
+            <a:schemeClr val="accent1">
+              <a:shade val="15000"/>
+            </a:schemeClr>
+          </a:lnRef>
+          <a:fillRef idx="1">
+            <a:schemeClr val="accent1"/>
+          </a:fillRef>
+          <a:effectRef idx="0">
+            <a:schemeClr val="accent1"/>
+          </a:effectRef>
+          <a:fontRef idx="minor">
+            <a:schemeClr val="lt1"/>
+          </a:fontRef>
+        </p:style>
+        <p:txBody>
+          <a:bodyPr rtlCol="0" anchor="ctr"/>
+          <a:lstStyle/>
+          <a:p>
+            <a:pPr algn="ctr"/>
+            <a:endParaRPr lang="en-MY"/>
+          </a:p>
+        </p:txBody>
+      </p:sp>
+      <p:sp>
+        <p:nvSpPr>
+          <p:cNvPr id="118" name="Rectangle 117"/>
+          <p:cNvSpPr/>
+          <p:nvPr/>
+        </p:nvSpPr>
+        <p:spPr>
+          <a:xfrm>
+            <a:off x="3341433" y="4822960"/>
+            <a:ext cx="1260473" cy="557782"/>
+          </a:xfrm>
+          <a:prstGeom prst="rect">
+            <a:avLst/>
+          </a:prstGeom>
+          <a:ln>
+            <a:noFill/>
+          </a:ln>
+        </p:spPr>
+        <p:style>
+          <a:lnRef idx="0">
+            <a:scrgbClr r="0" g="0" b="0"/>
+          </a:lnRef>
+          <a:fillRef idx="0">
+            <a:scrgbClr r="0" g="0" b="0"/>
+          </a:fillRef>
+          <a:effectRef idx="0">
+            <a:scrgbClr r="0" g="0" b="0"/>
+          </a:effectRef>
+          <a:fontRef idx="minor">
+            <a:schemeClr val="tx1">
+              <a:hueOff val="0"/>
+              <a:satOff val="0"/>
+              <a:lumOff val="0"/>
+              <a:alphaOff val="0"/>
+            </a:schemeClr>
+          </a:fontRef>
+        </p:style>
+        <p:txBody>
+          <a:bodyPr spcFirstLastPara="0" vert="horz" wrap="square" lIns="19050" tIns="19050" rIns="19050" bIns="19050" numCol="1" spcCol="1270" anchor="ctr" anchorCtr="0">
+            <a:noAutofit/>
+          </a:bodyPr>
+          <a:lstStyle/>
+          <a:p>
+            <a:pPr algn="ctr" defTabSz="222241">
+              <a:lnSpc>
+                <a:spcPct val="90000"/>
+              </a:lnSpc>
+              <a:spcBef>
+                <a:spcPct val="0"/>
+              </a:spcBef>
+              <a:spcAft>
+                <a:spcPct val="35000"/>
+              </a:spcAft>
+            </a:pPr>
+            <a:r>
+              <a:rPr lang="en-US" sz="1400" dirty="0">
+                <a:solidFill>
+                  <a:srgbClr val="4A8038"/>
+                </a:solidFill>
+                <a:latin typeface="Aptos Display" panose="020B0004020202020204" pitchFamily="34" charset="0"/>
+              </a:rPr>
+              <a:t>Confidence Level</a:t>
+            </a:r>
+          </a:p>
+        </p:txBody>
+      </p:sp>
+      <p:sp>
+        <p:nvSpPr>
+          <p:cNvPr id="106" name="Rectangle 105"/>
+          <p:cNvSpPr/>
+          <p:nvPr/>
+        </p:nvSpPr>
+        <p:spPr>
+          <a:xfrm>
+            <a:off x="3907951" y="1363732"/>
+            <a:ext cx="982656" cy="749433"/>
+          </a:xfrm>
+          <a:prstGeom prst="rect">
+            <a:avLst/>
+          </a:prstGeom>
+          <a:noFill/>
+          <a:ln>
+            <a:noFill/>
+          </a:ln>
+          <a:effectLst>
+            <a:softEdge rad="31750"/>
+          </a:effectLst>
+        </p:spPr>
+        <p:style>
+          <a:lnRef idx="0">
+            <a:scrgbClr r="0" g="0" b="0"/>
+          </a:lnRef>
+          <a:fillRef idx="0">
+            <a:scrgbClr r="0" g="0" b="0"/>
+          </a:fillRef>
+          <a:effectRef idx="0">
+            <a:scrgbClr r="0" g="0" b="0"/>
+          </a:effectRef>
+          <a:fontRef idx="minor">
+            <a:schemeClr val="tx1">
+              <a:hueOff val="0"/>
+              <a:satOff val="0"/>
+              <a:lumOff val="0"/>
+              <a:alphaOff val="0"/>
+            </a:schemeClr>
+          </a:fontRef>
+        </p:style>
+        <p:txBody>
+          <a:bodyPr spcFirstLastPara="1" vert="horz" wrap="square" lIns="49530" tIns="49530" rIns="49530" bIns="49530" numCol="1" spcCol="1270" anchor="ctr" anchorCtr="0">
+            <a:noAutofit/>
+          </a:bodyPr>
+          <a:lstStyle/>
+          <a:p>
+            <a:pPr algn="ctr" defTabSz="577826">
+              <a:lnSpc>
+                <a:spcPct val="90000"/>
+              </a:lnSpc>
+              <a:spcBef>
+                <a:spcPct val="0"/>
+              </a:spcBef>
+              <a:spcAft>
+                <a:spcPct val="35000"/>
+              </a:spcAft>
+            </a:pPr>
+            <a:r>
+              <a:rPr lang="en-US" sz="1400" dirty="0">
+                <a:solidFill>
+                  <a:schemeClr val="tx2">
+                    <a:lumMod val="75000"/>
+                  </a:schemeClr>
+                </a:solidFill>
+                <a:latin typeface="Aptos Display" panose="020B0004020202020204" pitchFamily="34" charset="0"/>
+              </a:rPr>
+              <a:t>Definition</a:t>
+            </a:r>
+          </a:p>
+        </p:txBody>
+      </p:sp>
+      <p:sp>
+        <p:nvSpPr>
+          <p:cNvPr id="89" name="Oval 88"/>
+          <p:cNvSpPr/>
+          <p:nvPr/>
+        </p:nvSpPr>
+        <p:spPr>
+          <a:xfrm>
+            <a:off x="3819957" y="2377996"/>
+            <a:ext cx="2286000" cy="2286000"/>
+          </a:xfrm>
+          <a:prstGeom prst="ellipse">
+            <a:avLst/>
+          </a:prstGeom>
+          <a:solidFill>
+            <a:schemeClr val="bg1">
+              <a:lumMod val="95000"/>
+            </a:schemeClr>
+          </a:solidFill>
+          <a:ln>
+            <a:solidFill>
+              <a:schemeClr val="tx1"/>
+            </a:solidFill>
+          </a:ln>
+        </p:spPr>
+        <p:style>
+          <a:lnRef idx="2">
+            <a:schemeClr val="accent1">
+              <a:shade val="50000"/>
+            </a:schemeClr>
+          </a:lnRef>
+          <a:fillRef idx="1">
+            <a:schemeClr val="accent1"/>
+          </a:fillRef>
+          <a:effectRef idx="0">
+            <a:schemeClr val="accent1"/>
+          </a:effectRef>
+          <a:fontRef idx="minor">
+            <a:schemeClr val="lt1"/>
+          </a:fontRef>
+        </p:style>
+        <p:txBody>
+          <a:bodyPr rtlCol="0" anchor="ctr"/>
+          <a:lstStyle/>
+          <a:p>
+            <a:pPr algn="ctr"/>
+            <a:endParaRPr lang="en-US" sz="1400"/>
+          </a:p>
+        </p:txBody>
+      </p:sp>
+      <p:sp>
+        <p:nvSpPr>
+          <p:cNvPr id="56" name="Rectangle: Top Corners Rounded 55">
+            <a:extLst>
+              <a:ext uri="{FF2B5EF4-FFF2-40B4-BE49-F238E27FC236}">
+                <a16:creationId xmlns:a16="http://schemas.microsoft.com/office/drawing/2014/main" id="{CD1F1E5A-FB81-F932-A9A7-67038E29BD3F}"/>
+              </a:ext>
+            </a:extLst>
+          </p:cNvPr>
+          <p:cNvSpPr/>
+          <p:nvPr/>
+        </p:nvSpPr>
+        <p:spPr>
+          <a:xfrm rot="5400000">
+            <a:off x="7389542" y="2504242"/>
+            <a:ext cx="1260000" cy="1980000"/>
+          </a:xfrm>
+          <a:prstGeom prst="round2SameRect">
+            <a:avLst/>
+          </a:prstGeom>
+        </p:spPr>
+        <p:style>
+          <a:lnRef idx="2">
+            <a:schemeClr val="dk1"/>
+          </a:lnRef>
+          <a:fillRef idx="1">
+            <a:schemeClr val="lt1"/>
+          </a:fillRef>
+          <a:effectRef idx="0">
+            <a:schemeClr val="dk1"/>
+          </a:effectRef>
+          <a:fontRef idx="minor">
+            <a:schemeClr val="dk1"/>
+          </a:fontRef>
+        </p:style>
+        <p:txBody>
+          <a:bodyPr rtlCol="0" anchor="ctr"/>
+          <a:lstStyle/>
+          <a:p>
+            <a:pPr algn="ctr"/>
+            <a:endParaRPr lang="en-MY"/>
+          </a:p>
+        </p:txBody>
+      </p:sp>
+      <p:pic>
+        <p:nvPicPr>
+          <p:cNvPr id="66" name="Picture 65">
+            <a:extLst>
+              <a:ext uri="{FF2B5EF4-FFF2-40B4-BE49-F238E27FC236}">
+                <a16:creationId xmlns:a16="http://schemas.microsoft.com/office/drawing/2014/main" id="{2408237E-FB60-27D1-B529-7FF50229D9D1}"/>
+              </a:ext>
+            </a:extLst>
+          </p:cNvPr>
+          <p:cNvPicPr>
+            <a:picLocks noChangeAspect="1"/>
+          </p:cNvPicPr>
+          <p:nvPr/>
+        </p:nvPicPr>
+        <p:blipFill>
+          <a:blip r:embed="rId2">
+            <a:alphaModFix/>
+          </a:blip>
+          <a:stretch>
+            <a:fillRect/>
+          </a:stretch>
+        </p:blipFill>
+        <p:spPr>
+          <a:xfrm>
+            <a:off x="5070939" y="5018017"/>
+            <a:ext cx="1324003" cy="993003"/>
+          </a:xfrm>
+          <a:prstGeom prst="roundRect">
+            <a:avLst>
+              <a:gd name="adj" fmla="val 27398"/>
+            </a:avLst>
+          </a:prstGeom>
+          <a:ln>
+            <a:noFill/>
+          </a:ln>
+          <a:effectLst>
+            <a:softEdge rad="31750"/>
+          </a:effectLst>
+        </p:spPr>
+      </p:pic>
       <p:sp>
         <p:nvSpPr>
           <p:cNvPr id="116" name="Rectangle 115"/>
@@ -4945,7 +8184,7 @@
         </p:nvSpPr>
         <p:spPr>
           <a:xfrm>
-            <a:off x="5098968" y="4645270"/>
+            <a:off x="4922852" y="4739472"/>
             <a:ext cx="1116598" cy="412561"/>
           </a:xfrm>
           <a:prstGeom prst="rect">
@@ -4992,29 +8231,114 @@
               </a:spcAft>
             </a:pPr>
             <a:r>
-              <a:rPr lang="en-US" sz="1400" dirty="0"/>
+              <a:rPr lang="en-US" sz="1400" dirty="0">
+                <a:latin typeface="Aptos Display" panose="020B0004020202020204" pitchFamily="34" charset="0"/>
+              </a:rPr>
               <a:t>Positive mindset</a:t>
+            </a:r>
+          </a:p>
+        </p:txBody>
+      </p:sp>
+      <p:pic>
+        <p:nvPicPr>
+          <p:cNvPr id="2053" name="Picture 2052"/>
+          <p:cNvPicPr>
+            <a:picLocks noChangeAspect="1"/>
+          </p:cNvPicPr>
+          <p:nvPr/>
+        </p:nvPicPr>
+        <p:blipFill>
+          <a:blip r:embed="rId3"/>
+          <a:stretch>
+            <a:fillRect/>
+          </a:stretch>
+        </p:blipFill>
+        <p:spPr>
+          <a:xfrm>
+            <a:off x="522542" y="3901345"/>
+            <a:ext cx="2731440" cy="2731440"/>
+          </a:xfrm>
+          <a:prstGeom prst="rect">
+            <a:avLst/>
+          </a:prstGeom>
+          <a:ln>
+            <a:noFill/>
+          </a:ln>
+          <a:effectLst>
+            <a:outerShdw blurRad="292100" dist="139700" dir="7800000" algn="tl" rotWithShape="0">
+              <a:srgbClr val="333333">
+                <a:alpha val="65000"/>
+              </a:srgbClr>
+            </a:outerShdw>
+          </a:effectLst>
+        </p:spPr>
+      </p:pic>
+      <p:sp>
+        <p:nvSpPr>
+          <p:cNvPr id="72" name="TextBox 71"/>
+          <p:cNvSpPr txBox="1"/>
+          <p:nvPr/>
+        </p:nvSpPr>
+        <p:spPr>
+          <a:xfrm>
+            <a:off x="6383831" y="2934696"/>
+            <a:ext cx="973796" cy="1110086"/>
+          </a:xfrm>
+          <a:prstGeom prst="rect">
+            <a:avLst/>
+          </a:prstGeom>
+          <a:solidFill>
+            <a:schemeClr val="bg1"/>
+          </a:solidFill>
+          <a:ln>
+            <a:noFill/>
+          </a:ln>
+        </p:spPr>
+        <p:txBody>
+          <a:bodyPr wrap="square" rtlCol="0" anchor="ctr" anchorCtr="0">
+            <a:noAutofit/>
+          </a:bodyPr>
+          <a:lstStyle/>
+          <a:p>
+            <a:pPr algn="ctr"/>
+            <a:r>
+              <a:rPr lang="en-US" sz="1400" dirty="0">
+                <a:latin typeface="Aptos Display" panose="020B0004020202020204" pitchFamily="34" charset="0"/>
+              </a:rPr>
+              <a:t>Mistake </a:t>
+            </a:r>
+          </a:p>
+          <a:p>
+            <a:pPr algn="ctr"/>
+            <a:r>
+              <a:rPr lang="en-US" sz="1400" dirty="0">
+                <a:latin typeface="Aptos Display" panose="020B0004020202020204" pitchFamily="34" charset="0"/>
+              </a:rPr>
+              <a:t>vs Weakness</a:t>
             </a:r>
           </a:p>
         </p:txBody>
       </p:sp>
       <p:cxnSp>
         <p:nvCxnSpPr>
-          <p:cNvPr id="2058" name="Straight Connector 2057"/>
+          <p:cNvPr id="184" name="Straight Connector 183"/>
           <p:cNvCxnSpPr>
-            <a:stCxn id="123" idx="0"/>
-            <a:endCxn id="89" idx="0"/>
+            <a:cxnSpLocks/>
+            <a:stCxn id="56" idx="3"/>
           </p:cNvCxnSpPr>
           <p:nvPr/>
         </p:nvCxnSpPr>
         <p:spPr>
-          <a:xfrm>
-            <a:off x="4956049" y="567760"/>
-            <a:ext cx="6909" cy="1810236"/>
+          <a:xfrm flipH="1" flipV="1">
+            <a:off x="7027209" y="3479865"/>
+            <a:ext cx="1982333" cy="0"/>
           </a:xfrm>
           <a:prstGeom prst="line">
             <a:avLst/>
           </a:prstGeom>
+          <a:ln>
+            <a:prstDash val="lgDash"/>
+          </a:ln>
         </p:spPr>
         <p:style>
           <a:lnRef idx="1">
@@ -5031,22 +8355,186 @@
           </a:fontRef>
         </p:style>
       </p:cxnSp>
+      <p:sp>
+        <p:nvSpPr>
+          <p:cNvPr id="73" name="TextBox 72"/>
+          <p:cNvSpPr txBox="1"/>
+          <p:nvPr/>
+        </p:nvSpPr>
+        <p:spPr>
+          <a:xfrm>
+            <a:off x="5359926" y="3140757"/>
+            <a:ext cx="746031" cy="738664"/>
+          </a:xfrm>
+          <a:prstGeom prst="rect">
+            <a:avLst/>
+          </a:prstGeom>
+          <a:noFill/>
+          <a:ln>
+            <a:noFill/>
+          </a:ln>
+        </p:spPr>
+        <p:txBody>
+          <a:bodyPr wrap="square" rtlCol="0">
+            <a:spAutoFit/>
+          </a:bodyPr>
+          <a:lstStyle/>
+          <a:p>
+            <a:pPr lvl="0" algn="ctr"/>
+            <a:r>
+              <a:rPr lang="en-US" sz="1400" b="1" dirty="0">
+                <a:latin typeface="Aptos Display" panose="020B0004020202020204" pitchFamily="34" charset="0"/>
+              </a:rPr>
+              <a:t>Skills &amp; Tactics</a:t>
+            </a:r>
+          </a:p>
+        </p:txBody>
+      </p:sp>
+      <p:sp>
+        <p:nvSpPr>
+          <p:cNvPr id="85" name="Rectangle 84"/>
+          <p:cNvSpPr/>
+          <p:nvPr/>
+        </p:nvSpPr>
+        <p:spPr>
+          <a:xfrm>
+            <a:off x="3718262" y="3094758"/>
+            <a:ext cx="1015307" cy="667269"/>
+          </a:xfrm>
+          <a:prstGeom prst="rect">
+            <a:avLst/>
+          </a:prstGeom>
+          <a:noFill/>
+          <a:ln>
+            <a:noFill/>
+          </a:ln>
+        </p:spPr>
+        <p:style>
+          <a:lnRef idx="0">
+            <a:scrgbClr r="0" g="0" b="0"/>
+          </a:lnRef>
+          <a:fillRef idx="0">
+            <a:scrgbClr r="0" g="0" b="0"/>
+          </a:fillRef>
+          <a:effectRef idx="0">
+            <a:scrgbClr r="0" g="0" b="0"/>
+          </a:effectRef>
+          <a:fontRef idx="minor">
+            <a:schemeClr val="tx1">
+              <a:hueOff val="0"/>
+              <a:satOff val="0"/>
+              <a:lumOff val="0"/>
+              <a:alphaOff val="0"/>
+            </a:schemeClr>
+          </a:fontRef>
+        </p:style>
+        <p:txBody>
+          <a:bodyPr spcFirstLastPara="0" vert="horz" wrap="square" lIns="80010" tIns="80010" rIns="80010" bIns="80010" numCol="1" spcCol="1270" anchor="ctr" anchorCtr="0">
+            <a:noAutofit/>
+          </a:bodyPr>
+          <a:lstStyle/>
+          <a:p>
+            <a:pPr algn="ctr" defTabSz="933411">
+              <a:lnSpc>
+                <a:spcPct val="90000"/>
+              </a:lnSpc>
+              <a:spcBef>
+                <a:spcPct val="0"/>
+              </a:spcBef>
+              <a:spcAft>
+                <a:spcPct val="35000"/>
+              </a:spcAft>
+            </a:pPr>
+            <a:r>
+              <a:rPr lang="en-US" sz="1400" b="1" dirty="0">
+                <a:latin typeface="Aptos Display" panose="020B0004020202020204" pitchFamily="34" charset="0"/>
+              </a:rPr>
+              <a:t>Game Rules</a:t>
+            </a:r>
+          </a:p>
+        </p:txBody>
+      </p:sp>
+      <p:sp>
+        <p:nvSpPr>
+          <p:cNvPr id="122" name="Rectangle 121"/>
+          <p:cNvSpPr/>
+          <p:nvPr/>
+        </p:nvSpPr>
+        <p:spPr>
+          <a:xfrm>
+            <a:off x="4394459" y="4001500"/>
+            <a:ext cx="1099938" cy="535831"/>
+          </a:xfrm>
+          <a:prstGeom prst="rect">
+            <a:avLst/>
+          </a:prstGeom>
+          <a:ln>
+            <a:noFill/>
+          </a:ln>
+        </p:spPr>
+        <p:style>
+          <a:lnRef idx="0">
+            <a:scrgbClr r="0" g="0" b="0"/>
+          </a:lnRef>
+          <a:fillRef idx="0">
+            <a:scrgbClr r="0" g="0" b="0"/>
+          </a:fillRef>
+          <a:effectRef idx="0">
+            <a:scrgbClr r="0" g="0" b="0"/>
+          </a:effectRef>
+          <a:fontRef idx="minor">
+            <a:schemeClr val="tx1">
+              <a:hueOff val="0"/>
+              <a:satOff val="0"/>
+              <a:lumOff val="0"/>
+              <a:alphaOff val="0"/>
+            </a:schemeClr>
+          </a:fontRef>
+        </p:style>
+        <p:txBody>
+          <a:bodyPr spcFirstLastPara="0" vert="horz" wrap="square" lIns="80010" tIns="80010" rIns="80010" bIns="80010" numCol="1" spcCol="1270" anchor="ctr" anchorCtr="0">
+            <a:noAutofit/>
+          </a:bodyPr>
+          <a:lstStyle/>
+          <a:p>
+            <a:pPr algn="ctr" defTabSz="933411">
+              <a:lnSpc>
+                <a:spcPct val="90000"/>
+              </a:lnSpc>
+              <a:spcBef>
+                <a:spcPct val="0"/>
+              </a:spcBef>
+              <a:spcAft>
+                <a:spcPct val="35000"/>
+              </a:spcAft>
+            </a:pPr>
+            <a:r>
+              <a:rPr lang="en-US" sz="1400" b="1" dirty="0">
+                <a:latin typeface="Aptos Display" panose="020B0004020202020204" pitchFamily="34" charset="0"/>
+              </a:rPr>
+              <a:t>In the Zone</a:t>
+            </a:r>
+          </a:p>
+        </p:txBody>
+      </p:sp>
       <p:cxnSp>
         <p:nvCxnSpPr>
           <p:cNvPr id="128" name="Straight Connector 127"/>
           <p:cNvCxnSpPr>
+            <a:cxnSpLocks/>
             <a:endCxn id="166" idx="7"/>
           </p:cNvCxnSpPr>
           <p:nvPr/>
         </p:nvCxnSpPr>
         <p:spPr>
           <a:xfrm flipH="1">
-            <a:off x="5260786" y="1076078"/>
-            <a:ext cx="1411041" cy="2164101"/>
+            <a:off x="5253660" y="1835171"/>
+            <a:ext cx="1031400" cy="1397882"/>
           </a:xfrm>
           <a:prstGeom prst="line">
             <a:avLst/>
           </a:prstGeom>
+          <a:ln w="12700"/>
         </p:spPr>
         <p:style>
           <a:lnRef idx="1">
@@ -5066,49 +8554,20 @@
       <p:cxnSp>
         <p:nvCxnSpPr>
           <p:cNvPr id="132" name="Straight Connector 131"/>
-          <p:cNvCxnSpPr/>
-          <p:nvPr/>
-        </p:nvCxnSpPr>
-        <p:spPr>
-          <a:xfrm>
-            <a:off x="3691731" y="843862"/>
-            <a:ext cx="1087348" cy="2307381"/>
-          </a:xfrm>
-          <a:prstGeom prst="line">
-            <a:avLst/>
-          </a:prstGeom>
-        </p:spPr>
-        <p:style>
-          <a:lnRef idx="1">
-            <a:schemeClr val="dk1"/>
-          </a:lnRef>
-          <a:fillRef idx="0">
-            <a:schemeClr val="dk1"/>
-          </a:fillRef>
-          <a:effectRef idx="0">
-            <a:schemeClr val="dk1"/>
-          </a:effectRef>
-          <a:fontRef idx="minor">
-            <a:schemeClr val="tx1"/>
-          </a:fontRef>
-        </p:style>
-      </p:cxnSp>
-      <p:cxnSp>
-        <p:nvCxnSpPr>
-          <p:cNvPr id="137" name="Straight Connector 136"/>
           <p:cNvCxnSpPr>
             <a:cxnSpLocks/>
           </p:cNvCxnSpPr>
           <p:nvPr/>
         </p:nvCxnSpPr>
         <p:spPr>
-          <a:xfrm rot="-60000" flipH="1">
-            <a:off x="6027753" y="2299286"/>
-            <a:ext cx="1629879" cy="728608"/>
+          <a:xfrm>
+            <a:off x="3878200" y="1859918"/>
+            <a:ext cx="902606" cy="1322067"/>
           </a:xfrm>
           <a:prstGeom prst="line">
             <a:avLst/>
           </a:prstGeom>
+          <a:ln w="12700"/>
         </p:spPr>
         <p:style>
           <a:lnRef idx="1">
@@ -5129,7 +8588,8 @@
         <p:nvCxnSpPr>
           <p:cNvPr id="145" name="Straight Connector 144"/>
           <p:cNvCxnSpPr>
-            <a:stCxn id="123" idx="5"/>
+            <a:cxnSpLocks/>
+            <a:stCxn id="221" idx="1"/>
             <a:endCxn id="9" idx="5"/>
           </p:cNvCxnSpPr>
           <p:nvPr/>
@@ -5137,11 +8597,12 @@
         <p:spPr>
           <a:xfrm flipH="1" flipV="1">
             <a:off x="5251260" y="3816442"/>
-            <a:ext cx="1806168" cy="1824498"/>
+            <a:ext cx="1355355" cy="1413121"/>
           </a:xfrm>
           <a:prstGeom prst="line">
             <a:avLst/>
           </a:prstGeom>
+          <a:ln w="12700"/>
         </p:spPr>
         <p:style>
           <a:lnRef idx="1">
@@ -5161,173 +8622,20 @@
       <p:cxnSp>
         <p:nvCxnSpPr>
           <p:cNvPr id="149" name="Straight Connector 148"/>
-          <p:cNvCxnSpPr/>
-          <p:nvPr/>
-        </p:nvCxnSpPr>
-        <p:spPr>
-          <a:xfrm flipV="1">
-            <a:off x="3609885" y="3905063"/>
-            <a:ext cx="1186796" cy="2303422"/>
-          </a:xfrm>
-          <a:prstGeom prst="line">
-            <a:avLst/>
-          </a:prstGeom>
-        </p:spPr>
-        <p:style>
-          <a:lnRef idx="1">
-            <a:schemeClr val="dk1"/>
-          </a:lnRef>
-          <a:fillRef idx="0">
-            <a:schemeClr val="dk1"/>
-          </a:fillRef>
-          <a:effectRef idx="0">
-            <a:schemeClr val="dk1"/>
-          </a:effectRef>
-          <a:fontRef idx="minor">
-            <a:schemeClr val="tx1"/>
-          </a:fontRef>
-        </p:style>
-      </p:cxnSp>
-      <p:cxnSp>
-        <p:nvCxnSpPr>
-          <p:cNvPr id="152" name="Straight Connector 151"/>
           <p:cNvCxnSpPr>
-            <a:stCxn id="123" idx="4"/>
-            <a:endCxn id="89" idx="4"/>
+            <a:cxnSpLocks/>
           </p:cNvCxnSpPr>
           <p:nvPr/>
         </p:nvCxnSpPr>
         <p:spPr>
           <a:xfrm flipV="1">
-            <a:off x="4956049" y="4663996"/>
-            <a:ext cx="6909" cy="1847364"/>
+            <a:off x="3247109" y="3717303"/>
+            <a:ext cx="1362259" cy="800313"/>
           </a:xfrm>
           <a:prstGeom prst="line">
             <a:avLst/>
           </a:prstGeom>
-        </p:spPr>
-        <p:style>
-          <a:lnRef idx="1">
-            <a:schemeClr val="dk1"/>
-          </a:lnRef>
-          <a:fillRef idx="0">
-            <a:schemeClr val="dk1"/>
-          </a:fillRef>
-          <a:effectRef idx="0">
-            <a:schemeClr val="dk1"/>
-          </a:effectRef>
-          <a:fontRef idx="minor">
-            <a:schemeClr val="tx1"/>
-          </a:fontRef>
-        </p:style>
-      </p:cxnSp>
-      <p:cxnSp>
-        <p:nvCxnSpPr>
-          <p:cNvPr id="155" name="Straight Connector 154"/>
-          <p:cNvCxnSpPr/>
-          <p:nvPr/>
-        </p:nvCxnSpPr>
-        <p:spPr>
-          <a:xfrm flipH="1" flipV="1">
-            <a:off x="6050158" y="3865745"/>
-            <a:ext cx="1666066" cy="750879"/>
-          </a:xfrm>
-          <a:prstGeom prst="line">
-            <a:avLst/>
-          </a:prstGeom>
-        </p:spPr>
-        <p:style>
-          <a:lnRef idx="1">
-            <a:schemeClr val="dk1"/>
-          </a:lnRef>
-          <a:fillRef idx="0">
-            <a:schemeClr val="dk1"/>
-          </a:fillRef>
-          <a:effectRef idx="0">
-            <a:schemeClr val="dk1"/>
-          </a:effectRef>
-          <a:fontRef idx="minor">
-            <a:schemeClr val="tx1"/>
-          </a:fontRef>
-        </p:style>
-      </p:cxnSp>
-      <p:cxnSp>
-        <p:nvCxnSpPr>
-          <p:cNvPr id="156" name="Straight Connector 155"/>
-          <p:cNvCxnSpPr/>
-          <p:nvPr/>
-        </p:nvCxnSpPr>
-        <p:spPr>
-          <a:xfrm flipH="1" flipV="1">
-            <a:off x="2102756" y="2716137"/>
-            <a:ext cx="1740541" cy="543661"/>
-          </a:xfrm>
-          <a:prstGeom prst="line">
-            <a:avLst/>
-          </a:prstGeom>
-        </p:spPr>
-        <p:style>
-          <a:lnRef idx="1">
-            <a:schemeClr val="dk1"/>
-          </a:lnRef>
-          <a:fillRef idx="0">
-            <a:schemeClr val="dk1"/>
-          </a:fillRef>
-          <a:effectRef idx="0">
-            <a:schemeClr val="dk1"/>
-          </a:effectRef>
-          <a:fontRef idx="minor">
-            <a:schemeClr val="tx1"/>
-          </a:fontRef>
-        </p:style>
-      </p:cxnSp>
-      <p:cxnSp>
-        <p:nvCxnSpPr>
-          <p:cNvPr id="157" name="Straight Connector 156"/>
-          <p:cNvCxnSpPr/>
-          <p:nvPr/>
-        </p:nvCxnSpPr>
-        <p:spPr>
-          <a:xfrm flipH="1">
-            <a:off x="2170272" y="3871108"/>
-            <a:ext cx="1673025" cy="771615"/>
-          </a:xfrm>
-          <a:prstGeom prst="line">
-            <a:avLst/>
-          </a:prstGeom>
-        </p:spPr>
-        <p:style>
-          <a:lnRef idx="1">
-            <a:schemeClr val="dk1"/>
-          </a:lnRef>
-          <a:fillRef idx="0">
-            <a:schemeClr val="dk1"/>
-          </a:fillRef>
-          <a:effectRef idx="0">
-            <a:schemeClr val="dk1"/>
-          </a:effectRef>
-          <a:fontRef idx="minor">
-            <a:schemeClr val="tx1"/>
-          </a:fontRef>
-        </p:style>
-      </p:cxnSp>
-      <p:cxnSp>
-        <p:nvCxnSpPr>
-          <p:cNvPr id="184" name="Straight Connector 183"/>
-          <p:cNvCxnSpPr/>
-          <p:nvPr/>
-        </p:nvCxnSpPr>
-        <p:spPr>
-          <a:xfrm flipH="1" flipV="1">
-            <a:off x="6726827" y="3585306"/>
-            <a:ext cx="1201580" cy="1092"/>
-          </a:xfrm>
-          <a:prstGeom prst="line">
-            <a:avLst/>
-          </a:prstGeom>
-          <a:ln>
-            <a:prstDash val="lgDash"/>
-          </a:ln>
+          <a:ln w="12700"/>
         </p:spPr>
         <p:style>
           <a:lnRef idx="1">
@@ -5353,16 +8661,201 @@
           <p:nvPr/>
         </p:nvPicPr>
         <p:blipFill rotWithShape="1">
-          <a:blip r:embed="rId5"/>
+          <a:blip r:embed="rId4"/>
           <a:srcRect l="8472" t="8056" r="8472" b="8889"/>
           <a:stretch/>
         </p:blipFill>
         <p:spPr>
           <a:xfrm>
-            <a:off x="4558345" y="3119658"/>
+            <a:off x="4551220" y="3112533"/>
             <a:ext cx="822960" cy="822960"/>
           </a:xfrm>
           <a:prstGeom prst="ellipse">
+            <a:avLst/>
+          </a:prstGeom>
+        </p:spPr>
+      </p:pic>
+      <p:sp>
+        <p:nvSpPr>
+          <p:cNvPr id="110" name="Rectangle 109"/>
+          <p:cNvSpPr/>
+          <p:nvPr/>
+        </p:nvSpPr>
+        <p:spPr>
+          <a:xfrm>
+            <a:off x="4459178" y="2478958"/>
+            <a:ext cx="999963" cy="632106"/>
+          </a:xfrm>
+          <a:prstGeom prst="rect">
+            <a:avLst/>
+          </a:prstGeom>
+          <a:ln>
+            <a:noFill/>
+          </a:ln>
+        </p:spPr>
+        <p:style>
+          <a:lnRef idx="0">
+            <a:scrgbClr r="0" g="0" b="0"/>
+          </a:lnRef>
+          <a:fillRef idx="0">
+            <a:scrgbClr r="0" g="0" b="0"/>
+          </a:fillRef>
+          <a:effectRef idx="0">
+            <a:scrgbClr r="0" g="0" b="0"/>
+          </a:effectRef>
+          <a:fontRef idx="minor">
+            <a:schemeClr val="tx1">
+              <a:hueOff val="0"/>
+              <a:satOff val="0"/>
+              <a:lumOff val="0"/>
+              <a:alphaOff val="0"/>
+            </a:schemeClr>
+          </a:fontRef>
+        </p:style>
+        <p:txBody>
+          <a:bodyPr spcFirstLastPara="0" vert="horz" wrap="square" lIns="80010" tIns="80010" rIns="80010" bIns="80010" numCol="1" spcCol="1270" anchor="t" anchorCtr="0">
+            <a:noAutofit/>
+          </a:bodyPr>
+          <a:lstStyle/>
+          <a:p>
+            <a:pPr algn="ctr" defTabSz="933411">
+              <a:lnSpc>
+                <a:spcPct val="90000"/>
+              </a:lnSpc>
+              <a:spcBef>
+                <a:spcPct val="0"/>
+              </a:spcBef>
+              <a:spcAft>
+                <a:spcPct val="35000"/>
+              </a:spcAft>
+            </a:pPr>
+            <a:r>
+              <a:rPr lang="en-US" sz="1400" b="1" dirty="0">
+                <a:latin typeface="Aptos Display" panose="020B0004020202020204" pitchFamily="34" charset="0"/>
+              </a:rPr>
+              <a:t>Strategy &amp; Tactics</a:t>
+            </a:r>
+          </a:p>
+        </p:txBody>
+      </p:sp>
+      <p:sp>
+        <p:nvSpPr>
+          <p:cNvPr id="99" name="Rectangle 98">
+            <a:extLst>
+              <a:ext uri="{FF2B5EF4-FFF2-40B4-BE49-F238E27FC236}">
+                <a16:creationId xmlns:a16="http://schemas.microsoft.com/office/drawing/2014/main" id="{0E00F4C1-596B-F2D0-33A9-4DF1A12DACBC}"/>
+              </a:ext>
+            </a:extLst>
+          </p:cNvPr>
+          <p:cNvSpPr/>
+          <p:nvPr/>
+        </p:nvSpPr>
+        <p:spPr>
+          <a:xfrm>
+            <a:off x="2090958" y="5034643"/>
+            <a:ext cx="884345" cy="584775"/>
+          </a:xfrm>
+          <a:prstGeom prst="rect">
+            <a:avLst/>
+          </a:prstGeom>
+          <a:noFill/>
+        </p:spPr>
+        <p:txBody>
+          <a:bodyPr wrap="none" lIns="91440" tIns="45720" rIns="91440" bIns="45720">
+            <a:spAutoFit/>
+          </a:bodyPr>
+          <a:lstStyle/>
+          <a:p>
+            <a:pPr algn="ctr"/>
+            <a:r>
+              <a:rPr lang="en-US" sz="3200" b="1" cap="none" spc="0" dirty="0">
+                <a:ln w="12700" cmpd="sng">
+                  <a:solidFill>
+                    <a:schemeClr val="accent4"/>
+                  </a:solidFill>
+                  <a:prstDash val="solid"/>
+                </a:ln>
+                <a:gradFill>
+                  <a:gsLst>
+                    <a:gs pos="0">
+                      <a:schemeClr val="accent4"/>
+                    </a:gs>
+                    <a:gs pos="4000">
+                      <a:schemeClr val="accent4">
+                        <a:lumMod val="60000"/>
+                        <a:lumOff val="40000"/>
+                      </a:schemeClr>
+                    </a:gs>
+                    <a:gs pos="87000">
+                      <a:schemeClr val="accent4">
+                        <a:lumMod val="20000"/>
+                        <a:lumOff val="80000"/>
+                      </a:schemeClr>
+                    </a:gs>
+                  </a:gsLst>
+                  <a:lin ang="5400000"/>
+                </a:gradFill>
+                <a:effectLst/>
+              </a:rPr>
+              <a:t>Low</a:t>
+            </a:r>
+          </a:p>
+        </p:txBody>
+      </p:sp>
+      <p:graphicFrame>
+        <p:nvGraphicFramePr>
+          <p:cNvPr id="100" name="Diagram 99">
+            <a:extLst>
+              <a:ext uri="{FF2B5EF4-FFF2-40B4-BE49-F238E27FC236}">
+                <a16:creationId xmlns:a16="http://schemas.microsoft.com/office/drawing/2014/main" id="{D6FD48EC-49BD-F467-3DD4-5BFBB2E027C3}"/>
+              </a:ext>
+            </a:extLst>
+          </p:cNvPr>
+          <p:cNvGraphicFramePr/>
+          <p:nvPr>
+            <p:extLst>
+              <p:ext uri="{D42A27DB-BD31-4B8C-83A1-F6EECF244321}">
+                <p14:modId xmlns:p14="http://schemas.microsoft.com/office/powerpoint/2010/main" val="3907597291"/>
+              </p:ext>
+            </p:extLst>
+          </p:nvPr>
+        </p:nvGraphicFramePr>
+        <p:xfrm>
+          <a:off x="7348546" y="1957258"/>
+          <a:ext cx="2160000" cy="972000"/>
+        </p:xfrm>
+        <a:graphic>
+          <a:graphicData uri="http://schemas.openxmlformats.org/drawingml/2006/diagram">
+            <dgm:relIds xmlns:dgm="http://schemas.openxmlformats.org/drawingml/2006/diagram" xmlns:r="http://schemas.openxmlformats.org/officeDocument/2006/relationships" r:dm="rId5" r:lo="rId6" r:qs="rId7" r:cs="rId8"/>
+          </a:graphicData>
+        </a:graphic>
+      </p:graphicFrame>
+      <p:pic>
+        <p:nvPicPr>
+          <p:cNvPr id="102" name="Picture 101">
+            <a:extLst>
+              <a:ext uri="{FF2B5EF4-FFF2-40B4-BE49-F238E27FC236}">
+                <a16:creationId xmlns:a16="http://schemas.microsoft.com/office/drawing/2014/main" id="{1D02ACA8-B2C4-2265-BF82-78CBDA84A4AA}"/>
+              </a:ext>
+            </a:extLst>
+          </p:cNvPr>
+          <p:cNvPicPr>
+            <a:picLocks noChangeAspect="1"/>
+          </p:cNvPicPr>
+          <p:nvPr/>
+        </p:nvPicPr>
+        <p:blipFill>
+          <a:blip r:embed="rId10"/>
+          <a:stretch>
+            <a:fillRect/>
+          </a:stretch>
+        </p:blipFill>
+        <p:spPr>
+          <a:xfrm rot="16200000">
+            <a:off x="6517260" y="855353"/>
+            <a:ext cx="2158171" cy="969348"/>
+          </a:xfrm>
+          <a:prstGeom prst="rect">
             <a:avLst/>
           </a:prstGeom>
         </p:spPr>
@@ -5383,6 +8876,16 @@
 <file path=ppt/slides/slide2.xml><?xml version="1.0" encoding="utf-8"?>
 <p:sld xmlns:a="http://schemas.openxmlformats.org/drawingml/2006/main" xmlns:r="http://schemas.openxmlformats.org/officeDocument/2006/relationships" xmlns:p="http://schemas.openxmlformats.org/presentationml/2006/main">
   <p:cSld>
+    <p:bg>
+      <p:bgPr>
+        <a:solidFill>
+          <a:schemeClr val="bg1">
+            <a:lumMod val="95000"/>
+          </a:schemeClr>
+        </a:solidFill>
+        <a:effectLst/>
+      </p:bgPr>
+    </p:bg>
     <p:spTree>
       <p:nvGrpSpPr>
         <p:cNvPr id="1" name=""/>
@@ -5397,6 +8900,38 @@
           <a:chExt cx="0" cy="0"/>
         </a:xfrm>
       </p:grpSpPr>
+      <p:pic>
+        <p:nvPicPr>
+          <p:cNvPr id="46" name="Picture 45">
+            <a:extLst>
+              <a:ext uri="{FF2B5EF4-FFF2-40B4-BE49-F238E27FC236}">
+                <a16:creationId xmlns:a16="http://schemas.microsoft.com/office/drawing/2014/main" id="{4B77E212-282A-63F5-46D1-E75C54428250}"/>
+              </a:ext>
+            </a:extLst>
+          </p:cNvPr>
+          <p:cNvPicPr>
+            <a:picLocks noChangeAspect="1"/>
+          </p:cNvPicPr>
+          <p:nvPr/>
+        </p:nvPicPr>
+        <p:blipFill>
+          <a:blip r:embed="rId2"/>
+          <a:stretch>
+            <a:fillRect/>
+          </a:stretch>
+        </p:blipFill>
+        <p:spPr>
+          <a:xfrm>
+            <a:off x="626342" y="2859976"/>
+            <a:ext cx="1174913" cy="900000"/>
+          </a:xfrm>
+          <a:prstGeom prst="roundRect">
+            <a:avLst>
+              <a:gd name="adj" fmla="val 44000"/>
+            </a:avLst>
+          </a:prstGeom>
+        </p:spPr>
+      </p:pic>
       <p:graphicFrame>
         <p:nvGraphicFramePr>
           <p:cNvPr id="34" name="Table 33">
@@ -5412,14 +8947,14 @@
           <p:nvPr>
             <p:extLst>
               <p:ext uri="{D42A27DB-BD31-4B8C-83A1-F6EECF244321}">
-                <p14:modId xmlns:p14="http://schemas.microsoft.com/office/powerpoint/2010/main" val="348658646"/>
+                <p14:modId xmlns:p14="http://schemas.microsoft.com/office/powerpoint/2010/main" val="920590857"/>
               </p:ext>
             </p:extLst>
           </p:nvPr>
         </p:nvGraphicFramePr>
         <p:xfrm>
-          <a:off x="628289" y="3820666"/>
-          <a:ext cx="8649421" cy="2810129"/>
+          <a:off x="628289" y="3943391"/>
+          <a:ext cx="8649421" cy="2590800"/>
         </p:xfrm>
         <a:graphic>
           <a:graphicData uri="http://schemas.openxmlformats.org/drawingml/2006/table">
@@ -5464,7 +8999,7 @@
                   </a:extLst>
                 </a:gridCol>
               </a:tblGrid>
-              <a:tr h="236947">
+              <a:tr h="238159">
                 <a:tc>
                   <a:txBody>
                     <a:bodyPr/>
@@ -5612,7 +9147,7 @@
                   </a:ext>
                 </a:extLst>
               </a:tr>
-              <a:tr h="236947">
+              <a:tr h="154284">
                 <a:tc>
                   <a:txBody>
                     <a:bodyPr/>
@@ -5620,7 +9155,7 @@
                     <a:p>
                       <a:pPr algn="ctr"/>
                       <a:r>
-                        <a:rPr lang="en-MY" sz="800" dirty="0"/>
+                        <a:rPr lang="en-MY" sz="700" dirty="0"/>
                         <a:t>Hands</a:t>
                       </a:r>
                     </a:p>
@@ -5641,12 +9176,16 @@
                     <a:p>
                       <a:pPr algn="ctr"/>
                       <a:r>
-                        <a:rPr lang="en-MY" sz="800" dirty="0"/>
+                        <a:rPr lang="en-MY" sz="700" dirty="0"/>
                         <a:t>Short Nails</a:t>
                       </a:r>
                     </a:p>
                   </a:txBody>
-                  <a:tcPr anchor="ctr"/>
+                  <a:tcPr anchor="ctr">
+                    <a:solidFill>
+                      <a:schemeClr val="bg1"/>
+                    </a:solidFill>
+                  </a:tcPr>
                 </a:tc>
                 <a:tc>
                   <a:txBody>
@@ -5655,10 +9194,9 @@
                     <a:p>
                       <a:pPr algn="ctr"/>
                       <a:r>
-                        <a:rPr lang="en-MY" sz="800" dirty="0" err="1"/>
-                        <a:t>Jewelery</a:t>
+                        <a:rPr lang="en-MY" sz="700" dirty="0"/>
+                        <a:t>Jewellery</a:t>
                       </a:r>
-                      <a:endParaRPr lang="en-MY" sz="800" dirty="0"/>
                     </a:p>
                   </a:txBody>
                   <a:tcPr anchor="ctr">
@@ -5671,6 +9209,9 @@
                       <a:headEnd type="none" w="med" len="med"/>
                       <a:tailEnd type="none" w="med" len="med"/>
                     </a:lnR>
+                    <a:solidFill>
+                      <a:schemeClr val="bg1"/>
+                    </a:solidFill>
                   </a:tcPr>
                 </a:tc>
                 <a:tc gridSpan="2">
@@ -5680,7 +9221,7 @@
                     <a:p>
                       <a:pPr algn="ctr"/>
                       <a:r>
-                        <a:rPr lang="en-MY" sz="800" dirty="0"/>
+                        <a:rPr lang="en-MY" sz="700" dirty="0"/>
                         <a:t>Penalty</a:t>
                       </a:r>
                     </a:p>
@@ -5746,7 +9287,7 @@
                   </a:ext>
                 </a:extLst>
               </a:tr>
-              <a:tr h="236947">
+              <a:tr h="154284">
                 <a:tc>
                   <a:txBody>
                     <a:bodyPr/>
@@ -5754,7 +9295,7 @@
                     <a:p>
                       <a:pPr algn="ctr"/>
                       <a:r>
-                        <a:rPr lang="en-MY" sz="800" dirty="0"/>
+                        <a:rPr lang="en-MY" sz="700" dirty="0"/>
                         <a:t>Score</a:t>
                       </a:r>
                     </a:p>
@@ -5775,12 +9316,16 @@
                     <a:p>
                       <a:pPr algn="ctr"/>
                       <a:r>
-                        <a:rPr lang="en-MY" sz="800" dirty="0"/>
+                        <a:rPr lang="en-MY" sz="700" dirty="0"/>
                         <a:t>GS or GA</a:t>
                       </a:r>
                     </a:p>
                   </a:txBody>
-                  <a:tcPr anchor="ctr"/>
+                  <a:tcPr anchor="ctr">
+                    <a:solidFill>
+                      <a:schemeClr val="bg1"/>
+                    </a:solidFill>
+                  </a:tcPr>
                 </a:tc>
                 <a:tc>
                   <a:txBody>
@@ -5789,12 +9334,16 @@
                     <a:p>
                       <a:pPr algn="ctr"/>
                       <a:r>
-                        <a:rPr lang="en-MY" sz="800" dirty="0"/>
+                        <a:rPr lang="en-MY" sz="700" dirty="0"/>
                         <a:t>All other positions</a:t>
                       </a:r>
                     </a:p>
                   </a:txBody>
-                  <a:tcPr anchor="ctr"/>
+                  <a:tcPr anchor="ctr">
+                    <a:solidFill>
+                      <a:schemeClr val="bg1"/>
+                    </a:solidFill>
+                  </a:tcPr>
                 </a:tc>
                 <a:tc>
                   <a:txBody>
@@ -5803,7 +9352,7 @@
                     <a:p>
                       <a:pPr algn="ctr"/>
                       <a:r>
-                        <a:rPr lang="en-MY" sz="800" dirty="0"/>
+                        <a:rPr lang="en-MY" sz="700" dirty="0"/>
                         <a:t>Free pass</a:t>
                       </a:r>
                     </a:p>
@@ -5833,7 +9382,7 @@
                     <a:p>
                       <a:pPr algn="ctr"/>
                       <a:r>
-                        <a:rPr lang="en-MY" sz="800" dirty="0"/>
+                        <a:rPr lang="en-MY" sz="700" dirty="0"/>
                         <a:t>Penalty Throw</a:t>
                       </a:r>
                     </a:p>
@@ -5862,7 +9411,7 @@
                   </a:ext>
                 </a:extLst>
               </a:tr>
-              <a:tr h="236947">
+              <a:tr h="198466">
                 <a:tc>
                   <a:txBody>
                     <a:bodyPr/>
@@ -5870,16 +9419,16 @@
                     <a:p>
                       <a:pPr algn="ctr"/>
                       <a:r>
-                        <a:rPr lang="en-MY" sz="800" dirty="0"/>
-                        <a:t>Ball Handling </a:t>
+                        <a:rPr lang="en-MY" sz="700" dirty="0"/>
+                        <a:t>Ball Handling   </a:t>
                       </a:r>
                       <a:r>
-                        <a:rPr lang="en-MY" sz="1100" dirty="0">
+                        <a:rPr lang="en-MY" sz="1400" dirty="0">
                           <a:sym typeface="Wingdings" panose="05000000000000000000" pitchFamily="2" charset="2"/>
                         </a:rPr>
                         <a:t></a:t>
                       </a:r>
-                      <a:endParaRPr lang="en-MY" sz="800" dirty="0"/>
+                      <a:endParaRPr lang="en-MY" sz="700" dirty="0"/>
                     </a:p>
                   </a:txBody>
                   <a:tcPr anchor="ctr">
@@ -5914,13 +9463,17 @@
                         <a:defRPr/>
                       </a:pPr>
                       <a:r>
-                        <a:rPr lang="en-US" sz="800" dirty="0"/>
+                        <a:rPr lang="en-US" sz="700" dirty="0"/>
                         <a:t>Only pivot with the foot you land on first</a:t>
                       </a:r>
-                      <a:endParaRPr lang="en-MY" sz="800" dirty="0"/>
-                    </a:p>
-                  </a:txBody>
-                  <a:tcPr anchor="ctr"/>
+                      <a:endParaRPr lang="en-MY" sz="700" dirty="0"/>
+                    </a:p>
+                  </a:txBody>
+                  <a:tcPr anchor="ctr">
+                    <a:solidFill>
+                      <a:schemeClr val="bg1"/>
+                    </a:solidFill>
+                  </a:tcPr>
                 </a:tc>
                 <a:tc>
                   <a:txBody>
@@ -5929,12 +9482,16 @@
                     <a:p>
                       <a:pPr algn="ctr"/>
                       <a:r>
-                        <a:rPr lang="en-MY" sz="800" dirty="0"/>
+                        <a:rPr lang="en-MY" sz="700" dirty="0"/>
                         <a:t>Travel with ball</a:t>
                       </a:r>
                     </a:p>
                   </a:txBody>
-                  <a:tcPr anchor="ctr"/>
+                  <a:tcPr anchor="ctr">
+                    <a:solidFill>
+                      <a:schemeClr val="bg1"/>
+                    </a:solidFill>
+                  </a:tcPr>
                 </a:tc>
                 <a:tc>
                   <a:txBody>
@@ -5959,12 +9516,16 @@
                         <a:defRPr/>
                       </a:pPr>
                       <a:r>
-                        <a:rPr lang="en-MY" sz="800" dirty="0"/>
+                        <a:rPr lang="en-MY" sz="700" dirty="0"/>
                         <a:t>Opponent gets free pass </a:t>
                       </a:r>
                     </a:p>
                   </a:txBody>
-                  <a:tcPr anchor="ctr"/>
+                  <a:tcPr anchor="ctr">
+                    <a:solidFill>
+                      <a:schemeClr val="bg1"/>
+                    </a:solidFill>
+                  </a:tcPr>
                 </a:tc>
                 <a:tc>
                   <a:txBody>
@@ -5972,10 +9533,14 @@
                     <a:lstStyle/>
                     <a:p>
                       <a:pPr algn="ctr"/>
-                      <a:endParaRPr lang="en-MY" sz="800"/>
-                    </a:p>
-                  </a:txBody>
-                  <a:tcPr anchor="ctr"/>
+                      <a:endParaRPr lang="en-MY" sz="700"/>
+                    </a:p>
+                  </a:txBody>
+                  <a:tcPr anchor="ctr">
+                    <a:solidFill>
+                      <a:schemeClr val="bg1"/>
+                    </a:solidFill>
+                  </a:tcPr>
                 </a:tc>
                 <a:extLst>
                   <a:ext uri="{0D108BD9-81ED-4DB2-BD59-A6C34878D82A}">
@@ -5983,7 +9548,7 @@
                   </a:ext>
                 </a:extLst>
               </a:tr>
-              <a:tr h="236947">
+              <a:tr h="163734">
                 <a:tc>
                   <a:txBody>
                     <a:bodyPr/>
@@ -5991,18 +9556,18 @@
                     <a:p>
                       <a:pPr algn="ctr"/>
                       <a:r>
-                        <a:rPr lang="en-MY" sz="800" dirty="0">
+                        <a:rPr lang="en-MY" sz="700" dirty="0">
                           <a:sym typeface="Wingdings" panose="05000000000000000000" pitchFamily="2" charset="2"/>
                         </a:rPr>
-                        <a:t>Ball Holding </a:t>
+                        <a:t>Ball Holding   </a:t>
                       </a:r>
                       <a:r>
-                        <a:rPr lang="en-MY" sz="1100" dirty="0">
+                        <a:rPr lang="en-MY" sz="1400" dirty="0">
                           <a:sym typeface="Wingdings" panose="05000000000000000000" pitchFamily="2" charset="2"/>
                         </a:rPr>
                         <a:t></a:t>
                       </a:r>
-                      <a:endParaRPr lang="en-MY" sz="800" dirty="0"/>
+                      <a:endParaRPr lang="en-MY" sz="700" dirty="0"/>
                     </a:p>
                   </a:txBody>
                   <a:tcPr anchor="ctr">
@@ -6021,12 +9586,16 @@
                     <a:p>
                       <a:pPr algn="ctr"/>
                       <a:r>
-                        <a:rPr lang="en-MY" sz="800" dirty="0"/>
+                        <a:rPr lang="en-MY" sz="700" dirty="0"/>
                         <a:t>3 seconds max</a:t>
                       </a:r>
                     </a:p>
                   </a:txBody>
-                  <a:tcPr anchor="ctr"/>
+                  <a:tcPr anchor="ctr">
+                    <a:solidFill>
+                      <a:schemeClr val="bg1"/>
+                    </a:solidFill>
+                  </a:tcPr>
                 </a:tc>
                 <a:tc>
                   <a:txBody>
@@ -6035,12 +9604,16 @@
                     <a:p>
                       <a:pPr algn="ctr"/>
                       <a:r>
-                        <a:rPr lang="en-MY" sz="800" dirty="0"/>
+                        <a:rPr lang="en-MY" sz="700" dirty="0"/>
                         <a:t>More than 3 seconds</a:t>
                       </a:r>
                     </a:p>
                   </a:txBody>
-                  <a:tcPr anchor="ctr"/>
+                  <a:tcPr anchor="ctr">
+                    <a:solidFill>
+                      <a:schemeClr val="bg1"/>
+                    </a:solidFill>
+                  </a:tcPr>
                 </a:tc>
                 <a:tc>
                   <a:txBody>
@@ -6065,12 +9638,16 @@
                         <a:defRPr/>
                       </a:pPr>
                       <a:r>
-                        <a:rPr lang="en-MY" sz="800" dirty="0"/>
+                        <a:rPr lang="en-MY" sz="700" dirty="0"/>
                         <a:t>Opponent gets free pass </a:t>
                       </a:r>
                     </a:p>
                   </a:txBody>
-                  <a:tcPr anchor="ctr"/>
+                  <a:tcPr anchor="ctr">
+                    <a:solidFill>
+                      <a:schemeClr val="bg1"/>
+                    </a:solidFill>
+                  </a:tcPr>
                 </a:tc>
                 <a:tc>
                   <a:txBody>
@@ -6078,10 +9655,14 @@
                     <a:lstStyle/>
                     <a:p>
                       <a:pPr algn="ctr"/>
-                      <a:endParaRPr lang="en-MY" sz="800" dirty="0"/>
-                    </a:p>
-                  </a:txBody>
-                  <a:tcPr anchor="ctr"/>
+                      <a:endParaRPr lang="en-MY" sz="700" dirty="0"/>
+                    </a:p>
+                  </a:txBody>
+                  <a:tcPr anchor="ctr">
+                    <a:solidFill>
+                      <a:schemeClr val="bg1"/>
+                    </a:solidFill>
+                  </a:tcPr>
                 </a:tc>
                 <a:extLst>
                   <a:ext uri="{0D108BD9-81ED-4DB2-BD59-A6C34878D82A}">
@@ -6089,7 +9670,7 @@
                   </a:ext>
                 </a:extLst>
               </a:tr>
-              <a:tr h="236947">
+              <a:tr h="163734">
                 <a:tc>
                   <a:txBody>
                     <a:bodyPr/>
@@ -6097,18 +9678,18 @@
                     <a:p>
                       <a:pPr algn="ctr"/>
                       <a:r>
-                        <a:rPr lang="en-MY" sz="800" dirty="0">
+                        <a:rPr lang="en-MY" sz="700" dirty="0">
                           <a:sym typeface="Wingdings" panose="05000000000000000000" pitchFamily="2" charset="2"/>
                         </a:rPr>
-                        <a:t>Defending distance </a:t>
+                        <a:t>Defending distance   </a:t>
                       </a:r>
                       <a:r>
-                        <a:rPr lang="en-MY" sz="1100" dirty="0">
+                        <a:rPr lang="en-MY" sz="1400" dirty="0">
                           <a:sym typeface="Wingdings" panose="05000000000000000000" pitchFamily="2" charset="2"/>
                         </a:rPr>
                         <a:t></a:t>
                       </a:r>
-                      <a:endParaRPr lang="en-MY" sz="800" dirty="0"/>
+                      <a:endParaRPr lang="en-MY" sz="700" dirty="0"/>
                     </a:p>
                   </a:txBody>
                   <a:tcPr anchor="ctr">
@@ -6127,12 +9708,16 @@
                     <a:p>
                       <a:pPr algn="ctr"/>
                       <a:r>
-                        <a:rPr lang="en-MY" sz="800" dirty="0"/>
+                        <a:rPr lang="en-MY" sz="700" dirty="0"/>
                         <a:t>3 feet minimum</a:t>
                       </a:r>
                     </a:p>
                   </a:txBody>
-                  <a:tcPr anchor="ctr"/>
+                  <a:tcPr anchor="ctr">
+                    <a:solidFill>
+                      <a:schemeClr val="bg1"/>
+                    </a:solidFill>
+                  </a:tcPr>
                 </a:tc>
                 <a:tc>
                   <a:txBody>
@@ -6141,12 +9726,16 @@
                     <a:p>
                       <a:pPr algn="ctr"/>
                       <a:r>
-                        <a:rPr lang="en-MY" sz="800" dirty="0"/>
+                        <a:rPr lang="en-MY" sz="700" dirty="0"/>
                         <a:t>Less than 3 feet/1meter</a:t>
                       </a:r>
                     </a:p>
                   </a:txBody>
-                  <a:tcPr anchor="ctr"/>
+                  <a:tcPr anchor="ctr">
+                    <a:solidFill>
+                      <a:schemeClr val="bg1"/>
+                    </a:solidFill>
+                  </a:tcPr>
                 </a:tc>
                 <a:tc>
                   <a:txBody>
@@ -6171,12 +9760,16 @@
                         <a:defRPr/>
                       </a:pPr>
                       <a:r>
-                        <a:rPr lang="en-MY" sz="800" dirty="0"/>
+                        <a:rPr lang="en-MY" sz="700" dirty="0"/>
                         <a:t>Opponent gets free pass </a:t>
                       </a:r>
                     </a:p>
                   </a:txBody>
-                  <a:tcPr anchor="ctr"/>
+                  <a:tcPr anchor="ctr">
+                    <a:solidFill>
+                      <a:schemeClr val="bg1"/>
+                    </a:solidFill>
+                  </a:tcPr>
                 </a:tc>
                 <a:tc>
                   <a:txBody>
@@ -6184,10 +9777,14 @@
                     <a:lstStyle/>
                     <a:p>
                       <a:pPr algn="ctr"/>
-                      <a:endParaRPr lang="en-MY" sz="800" dirty="0"/>
-                    </a:p>
-                  </a:txBody>
-                  <a:tcPr anchor="ctr"/>
+                      <a:endParaRPr lang="en-MY" sz="700" dirty="0"/>
+                    </a:p>
+                  </a:txBody>
+                  <a:tcPr anchor="ctr">
+                    <a:solidFill>
+                      <a:schemeClr val="bg1"/>
+                    </a:solidFill>
+                  </a:tcPr>
                 </a:tc>
                 <a:extLst>
                   <a:ext uri="{0D108BD9-81ED-4DB2-BD59-A6C34878D82A}">
@@ -6195,7 +9792,7 @@
                   </a:ext>
                 </a:extLst>
               </a:tr>
-              <a:tr h="372345">
+              <a:tr h="242446">
                 <a:tc>
                   <a:txBody>
                     <a:bodyPr/>
@@ -6203,7 +9800,7 @@
                     <a:p>
                       <a:pPr algn="ctr"/>
                       <a:r>
-                        <a:rPr lang="en-MY" sz="800" dirty="0"/>
+                        <a:rPr lang="en-MY" sz="700" dirty="0"/>
                         <a:t>Playing Area</a:t>
                       </a:r>
                     </a:p>
@@ -6224,12 +9821,16 @@
                     <a:p>
                       <a:pPr algn="ctr"/>
                       <a:r>
-                        <a:rPr lang="en-MY" sz="800" dirty="0"/>
+                        <a:rPr lang="en-MY" sz="700" dirty="0"/>
                         <a:t>In designated playing area according to position</a:t>
                       </a:r>
                     </a:p>
                   </a:txBody>
-                  <a:tcPr anchor="ctr"/>
+                  <a:tcPr anchor="ctr">
+                    <a:solidFill>
+                      <a:schemeClr val="bg1"/>
+                    </a:solidFill>
+                  </a:tcPr>
                 </a:tc>
                 <a:tc>
                   <a:txBody>
@@ -6238,12 +9839,16 @@
                     <a:p>
                       <a:pPr algn="ctr"/>
                       <a:r>
-                        <a:rPr lang="en-MY" sz="800" dirty="0"/>
+                        <a:rPr lang="en-MY" sz="700" dirty="0"/>
                         <a:t>Offside and outside court</a:t>
                       </a:r>
                     </a:p>
                   </a:txBody>
-                  <a:tcPr anchor="ctr"/>
+                  <a:tcPr anchor="ctr">
+                    <a:solidFill>
+                      <a:schemeClr val="bg1"/>
+                    </a:solidFill>
+                  </a:tcPr>
                 </a:tc>
                 <a:tc>
                   <a:txBody>
@@ -6252,12 +9857,16 @@
                     <a:p>
                       <a:pPr algn="ctr"/>
                       <a:r>
-                        <a:rPr lang="en-MY" sz="800" dirty="0"/>
+                        <a:rPr lang="en-MY" sz="700" dirty="0"/>
                         <a:t>Opponent gets free pass </a:t>
                       </a:r>
                     </a:p>
                   </a:txBody>
-                  <a:tcPr anchor="ctr"/>
+                  <a:tcPr anchor="ctr">
+                    <a:solidFill>
+                      <a:schemeClr val="bg1"/>
+                    </a:solidFill>
+                  </a:tcPr>
                 </a:tc>
                 <a:tc>
                   <a:txBody>
@@ -6265,10 +9874,14 @@
                     <a:lstStyle/>
                     <a:p>
                       <a:pPr algn="ctr"/>
-                      <a:endParaRPr lang="en-MY" sz="800" dirty="0"/>
-                    </a:p>
-                  </a:txBody>
-                  <a:tcPr anchor="ctr"/>
+                      <a:endParaRPr lang="en-MY" sz="700" dirty="0"/>
+                    </a:p>
+                  </a:txBody>
+                  <a:tcPr anchor="ctr">
+                    <a:solidFill>
+                      <a:schemeClr val="bg1"/>
+                    </a:solidFill>
+                  </a:tcPr>
                 </a:tc>
                 <a:extLst>
                   <a:ext uri="{0D108BD9-81ED-4DB2-BD59-A6C34878D82A}">
@@ -6276,7 +9889,7 @@
                   </a:ext>
                 </a:extLst>
               </a:tr>
-              <a:tr h="372345">
+              <a:tr h="242446">
                 <a:tc>
                   <a:txBody>
                     <a:bodyPr/>
@@ -6284,14 +9897,14 @@
                     <a:p>
                       <a:pPr algn="ctr"/>
                       <a:r>
-                        <a:rPr lang="en-MY" sz="800" dirty="0"/>
+                        <a:rPr lang="en-MY" sz="700" dirty="0"/>
                         <a:t>Passing or </a:t>
                       </a:r>
                       <a:r>
-                        <a:rPr lang="en-US" sz="800" dirty="0"/>
+                        <a:rPr lang="en-US" sz="700" dirty="0"/>
                         <a:t>throwing the ball</a:t>
                       </a:r>
-                      <a:endParaRPr lang="en-MY" sz="800" dirty="0"/>
+                      <a:endParaRPr lang="en-MY" sz="700" dirty="0"/>
                     </a:p>
                   </a:txBody>
                   <a:tcPr anchor="ctr">
@@ -6310,12 +9923,16 @@
                     <a:p>
                       <a:pPr algn="ctr"/>
                       <a:r>
-                        <a:rPr lang="en-MY" sz="800" dirty="0"/>
+                        <a:rPr lang="en-MY" sz="700" dirty="0"/>
                         <a:t>ED to C or  C to AB</a:t>
                       </a:r>
                     </a:p>
                   </a:txBody>
-                  <a:tcPr anchor="ctr"/>
+                  <a:tcPr anchor="ctr">
+                    <a:solidFill>
+                      <a:schemeClr val="bg1"/>
+                    </a:solidFill>
+                  </a:tcPr>
                 </a:tc>
                 <a:tc>
                   <a:txBody>
@@ -6324,24 +9941,28 @@
                     <a:p>
                       <a:pPr algn="ctr"/>
                       <a:r>
-                        <a:rPr lang="en-US" sz="800" dirty="0"/>
-                        <a:t>Over a third of the court</a:t>
+                        <a:rPr lang="en-US" sz="700" dirty="0"/>
+                        <a:t>Over 1/3 of the court</a:t>
                       </a:r>
                     </a:p>
                     <a:p>
                       <a:pPr algn="ctr"/>
                       <a:r>
-                        <a:rPr lang="en-US" sz="800" dirty="0" err="1"/>
+                        <a:rPr lang="en-US" sz="700" dirty="0" err="1"/>
                         <a:t>Ie</a:t>
                       </a:r>
                       <a:r>
-                        <a:rPr lang="en-US" sz="800" dirty="0"/>
+                        <a:rPr lang="en-US" sz="700" dirty="0"/>
                         <a:t>. ED to AB</a:t>
                       </a:r>
-                      <a:endParaRPr lang="en-MY" sz="800" dirty="0"/>
-                    </a:p>
-                  </a:txBody>
-                  <a:tcPr anchor="ctr"/>
+                      <a:endParaRPr lang="en-MY" sz="700" dirty="0"/>
+                    </a:p>
+                  </a:txBody>
+                  <a:tcPr anchor="ctr">
+                    <a:solidFill>
+                      <a:schemeClr val="bg1"/>
+                    </a:solidFill>
+                  </a:tcPr>
                 </a:tc>
                 <a:tc>
                   <a:txBody>
@@ -6350,12 +9971,16 @@
                     <a:p>
                       <a:pPr algn="ctr"/>
                       <a:r>
-                        <a:rPr lang="en-MY" sz="800" dirty="0"/>
+                        <a:rPr lang="en-MY" sz="700" dirty="0"/>
                         <a:t>Opponent gets free pass </a:t>
                       </a:r>
                     </a:p>
                   </a:txBody>
-                  <a:tcPr anchor="ctr"/>
+                  <a:tcPr anchor="ctr">
+                    <a:solidFill>
+                      <a:schemeClr val="bg1"/>
+                    </a:solidFill>
+                  </a:tcPr>
                 </a:tc>
                 <a:tc>
                   <a:txBody>
@@ -6363,10 +9988,14 @@
                     <a:lstStyle/>
                     <a:p>
                       <a:pPr algn="ctr"/>
-                      <a:endParaRPr lang="en-MY" sz="800" dirty="0"/>
-                    </a:p>
-                  </a:txBody>
-                  <a:tcPr anchor="ctr"/>
+                      <a:endParaRPr lang="en-MY" sz="700" dirty="0"/>
+                    </a:p>
+                  </a:txBody>
+                  <a:tcPr anchor="ctr">
+                    <a:solidFill>
+                      <a:schemeClr val="bg1"/>
+                    </a:solidFill>
+                  </a:tcPr>
                 </a:tc>
                 <a:extLst>
                   <a:ext uri="{0D108BD9-81ED-4DB2-BD59-A6C34878D82A}">
@@ -6374,7 +10003,7 @@
                   </a:ext>
                 </a:extLst>
               </a:tr>
-              <a:tr h="372345">
+              <a:tr h="242446">
                 <a:tc>
                   <a:txBody>
                     <a:bodyPr/>
@@ -6382,7 +10011,7 @@
                     <a:p>
                       <a:pPr algn="ctr"/>
                       <a:r>
-                        <a:rPr lang="en-MY" sz="800" dirty="0"/>
+                        <a:rPr lang="en-MY" sz="700" dirty="0"/>
                         <a:t>Major Rule</a:t>
                       </a:r>
                     </a:p>
@@ -6403,13 +10032,17 @@
                     <a:p>
                       <a:pPr algn="ctr"/>
                       <a:r>
-                        <a:rPr lang="en-US" sz="800" dirty="0"/>
+                        <a:rPr lang="en-US" sz="700" dirty="0"/>
                         <a:t>No contact (accidental or deliberate)</a:t>
                       </a:r>
-                      <a:endParaRPr lang="en-MY" sz="800" dirty="0"/>
-                    </a:p>
-                  </a:txBody>
-                  <a:tcPr anchor="ctr"/>
+                      <a:endParaRPr lang="en-MY" sz="700" dirty="0"/>
+                    </a:p>
+                  </a:txBody>
+                  <a:tcPr anchor="ctr">
+                    <a:solidFill>
+                      <a:schemeClr val="bg1"/>
+                    </a:solidFill>
+                  </a:tcPr>
                 </a:tc>
                 <a:tc>
                   <a:txBody>
@@ -6418,13 +10051,17 @@
                     <a:p>
                       <a:pPr algn="ctr"/>
                       <a:r>
-                        <a:rPr lang="en-US" sz="800" dirty="0"/>
+                        <a:rPr lang="en-US" sz="700" dirty="0"/>
                         <a:t>Obstructing play, or intimidating your opponents</a:t>
                       </a:r>
-                      <a:endParaRPr lang="en-MY" sz="800" dirty="0"/>
-                    </a:p>
-                  </a:txBody>
-                  <a:tcPr anchor="ctr"/>
+                      <a:endParaRPr lang="en-MY" sz="700" dirty="0"/>
+                    </a:p>
+                  </a:txBody>
+                  <a:tcPr anchor="ctr">
+                    <a:solidFill>
+                      <a:schemeClr val="bg1"/>
+                    </a:solidFill>
+                  </a:tcPr>
                 </a:tc>
                 <a:tc>
                   <a:txBody>
@@ -6433,12 +10070,16 @@
                     <a:p>
                       <a:pPr algn="ctr"/>
                       <a:r>
-                        <a:rPr lang="en-MY" sz="800" dirty="0"/>
+                        <a:rPr lang="en-MY" sz="700" dirty="0"/>
                         <a:t>Opponent gets free pass and you can be sent off</a:t>
                       </a:r>
                     </a:p>
                   </a:txBody>
-                  <a:tcPr anchor="ctr"/>
+                  <a:tcPr anchor="ctr">
+                    <a:solidFill>
+                      <a:schemeClr val="bg1"/>
+                    </a:solidFill>
+                  </a:tcPr>
                 </a:tc>
                 <a:tc>
                   <a:txBody>
@@ -6447,12 +10088,16 @@
                     <a:p>
                       <a:pPr algn="ctr"/>
                       <a:r>
-                        <a:rPr lang="en-MY" sz="800" dirty="0"/>
+                        <a:rPr lang="en-MY" sz="700" dirty="0"/>
                         <a:t>Opponent gets free throw</a:t>
                       </a:r>
                     </a:p>
                   </a:txBody>
-                  <a:tcPr anchor="ctr"/>
+                  <a:tcPr anchor="ctr">
+                    <a:solidFill>
+                      <a:schemeClr val="bg1"/>
+                    </a:solidFill>
+                  </a:tcPr>
                 </a:tc>
                 <a:extLst>
                   <a:ext uri="{0D108BD9-81ED-4DB2-BD59-A6C34878D82A}">
@@ -6523,14 +10168,14 @@
           <p:nvPr>
             <p:extLst>
               <p:ext uri="{D42A27DB-BD31-4B8C-83A1-F6EECF244321}">
-                <p14:modId xmlns:p14="http://schemas.microsoft.com/office/powerpoint/2010/main" val="1025339520"/>
+                <p14:modId xmlns:p14="http://schemas.microsoft.com/office/powerpoint/2010/main" val="3749669842"/>
               </p:ext>
             </p:extLst>
           </p:nvPr>
         </p:nvGraphicFramePr>
         <p:xfrm>
-          <a:off x="847489" y="748477"/>
-          <a:ext cx="3964982" cy="899160"/>
+          <a:off x="626342" y="941362"/>
+          <a:ext cx="4308507" cy="838200"/>
         </p:xfrm>
         <a:graphic>
           <a:graphicData uri="http://schemas.openxmlformats.org/drawingml/2006/table">
@@ -6539,49 +10184,49 @@
                 <a:tableStyleId>{8A107856-5554-42FB-B03E-39F5DBC370BA}</a:tableStyleId>
               </a:tblPr>
               <a:tblGrid>
-                <a:gridCol w="566426">
+                <a:gridCol w="615501">
                   <a:extLst>
                     <a:ext uri="{9D8B030D-6E8A-4147-A177-3AD203B41FA5}">
                       <a16:colId xmlns:a16="http://schemas.microsoft.com/office/drawing/2014/main" val="2696430992"/>
                     </a:ext>
                   </a:extLst>
                 </a:gridCol>
-                <a:gridCol w="566426">
+                <a:gridCol w="615501">
                   <a:extLst>
                     <a:ext uri="{9D8B030D-6E8A-4147-A177-3AD203B41FA5}">
                       <a16:colId xmlns:a16="http://schemas.microsoft.com/office/drawing/2014/main" val="2010556103"/>
                     </a:ext>
                   </a:extLst>
                 </a:gridCol>
-                <a:gridCol w="566426">
+                <a:gridCol w="615501">
                   <a:extLst>
                     <a:ext uri="{9D8B030D-6E8A-4147-A177-3AD203B41FA5}">
                       <a16:colId xmlns:a16="http://schemas.microsoft.com/office/drawing/2014/main" val="317182068"/>
                     </a:ext>
                   </a:extLst>
                 </a:gridCol>
-                <a:gridCol w="566426">
+                <a:gridCol w="615501">
                   <a:extLst>
                     <a:ext uri="{9D8B030D-6E8A-4147-A177-3AD203B41FA5}">
                       <a16:colId xmlns:a16="http://schemas.microsoft.com/office/drawing/2014/main" val="1275349335"/>
                     </a:ext>
                   </a:extLst>
                 </a:gridCol>
-                <a:gridCol w="566426">
+                <a:gridCol w="615501">
                   <a:extLst>
                     <a:ext uri="{9D8B030D-6E8A-4147-A177-3AD203B41FA5}">
                       <a16:colId xmlns:a16="http://schemas.microsoft.com/office/drawing/2014/main" val="2229636627"/>
                     </a:ext>
                   </a:extLst>
                 </a:gridCol>
-                <a:gridCol w="566426">
+                <a:gridCol w="615501">
                   <a:extLst>
                     <a:ext uri="{9D8B030D-6E8A-4147-A177-3AD203B41FA5}">
                       <a16:colId xmlns:a16="http://schemas.microsoft.com/office/drawing/2014/main" val="2502024139"/>
                     </a:ext>
                   </a:extLst>
                 </a:gridCol>
-                <a:gridCol w="566426">
+                <a:gridCol w="615501">
                   <a:extLst>
                     <a:ext uri="{9D8B030D-6E8A-4147-A177-3AD203B41FA5}">
                       <a16:colId xmlns:a16="http://schemas.microsoft.com/office/drawing/2014/main" val="257336106"/>
@@ -6589,7 +10234,7 @@
                   </a:extLst>
                 </a:gridCol>
               </a:tblGrid>
-              <a:tr h="264886">
+              <a:tr h="243685">
                 <a:tc>
                   <a:txBody>
                     <a:bodyPr/>
@@ -6597,19 +10242,19 @@
                     <a:p>
                       <a:pPr algn="ctr"/>
                       <a:r>
-                        <a:rPr lang="en-MY" sz="1100" b="1" dirty="0">
+                        <a:rPr lang="en-MY" sz="1000" b="1" dirty="0">
                           <a:latin typeface="Aptos Narrow" panose="020B0004020202020204" pitchFamily="34" charset="0"/>
                         </a:rPr>
                         <a:t>1</a:t>
                       </a:r>
                       <a:r>
-                        <a:rPr lang="en-MY" sz="1100" b="1" baseline="30000" dirty="0">
+                        <a:rPr lang="en-MY" sz="1000" b="1" baseline="30000" dirty="0">
                           <a:latin typeface="Aptos Narrow" panose="020B0004020202020204" pitchFamily="34" charset="0"/>
                         </a:rPr>
                         <a:t>st</a:t>
                       </a:r>
                       <a:r>
-                        <a:rPr lang="en-MY" sz="1100" b="0" dirty="0">
+                        <a:rPr lang="en-MY" sz="1000" b="0" dirty="0">
                           <a:latin typeface="Aptos Narrow" panose="020B0004020202020204" pitchFamily="34" charset="0"/>
                         </a:rPr>
                         <a:t> Quarter</a:t>
@@ -6625,7 +10270,7 @@
                     <a:p>
                       <a:pPr algn="ctr"/>
                       <a:r>
-                        <a:rPr lang="en-MY" sz="1100" b="0" dirty="0">
+                        <a:rPr lang="en-MY" sz="1000" b="0" dirty="0">
                           <a:latin typeface="Aptos Narrow" panose="020B0004020202020204" pitchFamily="34" charset="0"/>
                         </a:rPr>
                         <a:t>Interval</a:t>
@@ -6641,19 +10286,19 @@
                     <a:p>
                       <a:pPr algn="ctr"/>
                       <a:r>
-                        <a:rPr lang="en-MY" sz="1100" b="1" dirty="0">
+                        <a:rPr lang="en-MY" sz="1000" b="1" dirty="0">
                           <a:latin typeface="Aptos Narrow" panose="020B0004020202020204" pitchFamily="34" charset="0"/>
                         </a:rPr>
                         <a:t>2</a:t>
                       </a:r>
                       <a:r>
-                        <a:rPr lang="en-MY" sz="1100" b="1" baseline="30000" dirty="0">
+                        <a:rPr lang="en-MY" sz="1000" b="1" baseline="30000" dirty="0">
                           <a:latin typeface="Aptos Narrow" panose="020B0004020202020204" pitchFamily="34" charset="0"/>
                         </a:rPr>
                         <a:t>nd</a:t>
                       </a:r>
                       <a:r>
-                        <a:rPr lang="en-MY" sz="1100" b="0" dirty="0">
+                        <a:rPr lang="en-MY" sz="1000" b="0" dirty="0">
                           <a:latin typeface="Aptos Narrow" panose="020B0004020202020204" pitchFamily="34" charset="0"/>
                         </a:rPr>
                         <a:t> Quarter</a:t>
@@ -6685,7 +10330,7 @@
                         <a:defRPr/>
                       </a:pPr>
                       <a:r>
-                        <a:rPr lang="en-MY" sz="1100" b="0" dirty="0">
+                        <a:rPr lang="en-MY" sz="1000" b="0" dirty="0">
                           <a:latin typeface="Aptos Narrow" panose="020B0004020202020204" pitchFamily="34" charset="0"/>
                         </a:rPr>
                         <a:t>Interval</a:t>
@@ -6701,19 +10346,19 @@
                     <a:p>
                       <a:pPr algn="ctr"/>
                       <a:r>
-                        <a:rPr lang="en-MY" sz="1100" b="1" dirty="0">
+                        <a:rPr lang="en-MY" sz="1000" b="1" dirty="0">
                           <a:latin typeface="Aptos Narrow" panose="020B0004020202020204" pitchFamily="34" charset="0"/>
                         </a:rPr>
                         <a:t>3</a:t>
                       </a:r>
                       <a:r>
-                        <a:rPr lang="en-MY" sz="1100" b="1" baseline="30000" dirty="0">
+                        <a:rPr lang="en-MY" sz="1000" b="1" baseline="30000" dirty="0">
                           <a:latin typeface="Aptos Narrow" panose="020B0004020202020204" pitchFamily="34" charset="0"/>
                         </a:rPr>
                         <a:t>rd</a:t>
                       </a:r>
                       <a:r>
-                        <a:rPr lang="en-MY" sz="1100" b="0" dirty="0">
+                        <a:rPr lang="en-MY" sz="1000" b="0" dirty="0">
                           <a:latin typeface="Aptos Narrow" panose="020B0004020202020204" pitchFamily="34" charset="0"/>
                         </a:rPr>
                         <a:t> Quarter</a:t>
@@ -6745,7 +10390,7 @@
                         <a:defRPr/>
                       </a:pPr>
                       <a:r>
-                        <a:rPr lang="en-MY" sz="1100" b="0" dirty="0">
+                        <a:rPr lang="en-MY" sz="1000" b="0" dirty="0">
                           <a:latin typeface="Aptos Narrow" panose="020B0004020202020204" pitchFamily="34" charset="0"/>
                         </a:rPr>
                         <a:t>Interval</a:t>
@@ -6761,19 +10406,19 @@
                     <a:p>
                       <a:pPr algn="ctr"/>
                       <a:r>
-                        <a:rPr lang="en-MY" sz="1100" b="1" dirty="0">
+                        <a:rPr lang="en-MY" sz="1000" b="1" dirty="0">
                           <a:latin typeface="Aptos Narrow" panose="020B0004020202020204" pitchFamily="34" charset="0"/>
                         </a:rPr>
                         <a:t>4</a:t>
                       </a:r>
                       <a:r>
-                        <a:rPr lang="en-MY" sz="1100" b="1" baseline="30000" dirty="0">
+                        <a:rPr lang="en-MY" sz="1000" b="1" baseline="30000" dirty="0">
                           <a:latin typeface="Aptos Narrow" panose="020B0004020202020204" pitchFamily="34" charset="0"/>
                         </a:rPr>
                         <a:t>th</a:t>
                       </a:r>
                       <a:r>
-                        <a:rPr lang="en-MY" sz="1100" b="0" dirty="0">
+                        <a:rPr lang="en-MY" sz="1000" b="0" dirty="0">
                           <a:latin typeface="Aptos Narrow" panose="020B0004020202020204" pitchFamily="34" charset="0"/>
                         </a:rPr>
                         <a:t> Quarter</a:t>
@@ -6788,7 +10433,7 @@
                   </a:ext>
                 </a:extLst>
               </a:tr>
-              <a:tr h="132443">
+              <a:tr h="0">
                 <a:tc>
                   <a:txBody>
                     <a:bodyPr/>
@@ -6799,7 +10444,7 @@
                         <a:rPr lang="en-MY" sz="800" b="0" dirty="0">
                           <a:latin typeface="Aptos Narrow" panose="020B0004020202020204" pitchFamily="34" charset="0"/>
                         </a:rPr>
-                        <a:t>15min</a:t>
+                        <a:t>15 min</a:t>
                       </a:r>
                     </a:p>
                   </a:txBody>
@@ -6815,7 +10460,7 @@
                         <a:rPr lang="en-MY" sz="800" b="0" dirty="0">
                           <a:latin typeface="Aptos Narrow" panose="020B0004020202020204" pitchFamily="34" charset="0"/>
                         </a:rPr>
-                        <a:t>4min</a:t>
+                        <a:t>4 min</a:t>
                       </a:r>
                     </a:p>
                   </a:txBody>
@@ -6831,7 +10476,7 @@
                         <a:rPr lang="en-MY" sz="800" b="0" dirty="0">
                           <a:latin typeface="Aptos Narrow" panose="020B0004020202020204" pitchFamily="34" charset="0"/>
                         </a:rPr>
-                        <a:t>15min</a:t>
+                        <a:t>15 min</a:t>
                       </a:r>
                     </a:p>
                   </a:txBody>
@@ -6863,7 +10508,7 @@
                         <a:rPr lang="en-MY" sz="800" b="0" dirty="0">
                           <a:latin typeface="Aptos Narrow" panose="020B0004020202020204" pitchFamily="34" charset="0"/>
                         </a:rPr>
-                        <a:t>15min</a:t>
+                        <a:t>15 min</a:t>
                       </a:r>
                     </a:p>
                   </a:txBody>
@@ -6879,7 +10524,7 @@
                         <a:rPr lang="en-MY" sz="800" b="0" dirty="0">
                           <a:latin typeface="Aptos Narrow" panose="020B0004020202020204" pitchFamily="34" charset="0"/>
                         </a:rPr>
-                        <a:t>4min</a:t>
+                        <a:t>4 min</a:t>
                       </a:r>
                     </a:p>
                   </a:txBody>
@@ -6895,7 +10540,7 @@
                         <a:rPr lang="en-MY" sz="800" b="0" dirty="0">
                           <a:latin typeface="Aptos Narrow" panose="020B0004020202020204" pitchFamily="34" charset="0"/>
                         </a:rPr>
-                        <a:t>15min</a:t>
+                        <a:t>15 min</a:t>
                       </a:r>
                     </a:p>
                   </a:txBody>
@@ -6907,7 +10552,7 @@
                   </a:ext>
                 </a:extLst>
               </a:tr>
-              <a:tr h="158931">
+              <a:tr h="149960">
                 <a:tc gridSpan="7">
                   <a:txBody>
                     <a:bodyPr/>
@@ -6915,7 +10560,7 @@
                     <a:p>
                       <a:pPr algn="ctr"/>
                       <a:r>
-                        <a:rPr lang="en-MY" sz="1100" b="0" i="1" dirty="0">
+                        <a:rPr lang="en-MY" sz="900" b="0" i="1" dirty="0">
                           <a:latin typeface="Aptos Narrow" panose="020B0004020202020204" pitchFamily="34" charset="0"/>
                         </a:rPr>
                         <a:t>Tournament rules may change standard timings</a:t>
@@ -8746,7 +12391,7 @@
         </p:nvCxnSpPr>
         <p:spPr>
           <a:xfrm>
-            <a:off x="5621931" y="402276"/>
+            <a:off x="5621931" y="460467"/>
             <a:ext cx="3600000" cy="0"/>
           </a:xfrm>
           <a:prstGeom prst="straightConnector1">
@@ -8786,14 +12431,14 @@
         </p:nvSpPr>
         <p:spPr>
           <a:xfrm>
-            <a:off x="7176511" y="271471"/>
-            <a:ext cx="490840" cy="261610"/>
+            <a:off x="7176511" y="329662"/>
+            <a:ext cx="490840" cy="216000"/>
           </a:xfrm>
           <a:prstGeom prst="rect">
             <a:avLst/>
           </a:prstGeom>
           <a:solidFill>
-            <a:schemeClr val="bg1"/>
+            <a:srgbClr val="F2F2F2"/>
           </a:solidFill>
         </p:spPr>
         <p:txBody>
@@ -8837,7 +12482,7 @@
         </p:nvCxnSpPr>
         <p:spPr>
           <a:xfrm flipV="1">
-            <a:off x="5474852" y="576844"/>
+            <a:off x="5516417" y="576844"/>
             <a:ext cx="0" cy="1800000"/>
           </a:xfrm>
           <a:prstGeom prst="straightConnector1">
@@ -8877,15 +12522,18 @@
         </p:nvSpPr>
         <p:spPr>
           <a:xfrm rot="16200000">
-            <a:off x="5229432" y="1393624"/>
-            <a:ext cx="418704" cy="261610"/>
+            <a:off x="5248192" y="1416429"/>
+            <a:ext cx="418704" cy="216000"/>
           </a:xfrm>
           <a:prstGeom prst="rect">
             <a:avLst/>
           </a:prstGeom>
           <a:solidFill>
-            <a:schemeClr val="bg1"/>
+            <a:srgbClr val="F2F2F2"/>
           </a:solidFill>
+          <a:ln>
+            <a:noFill/>
+          </a:ln>
         </p:spPr>
         <p:txBody>
           <a:bodyPr wrap="none" rtlCol="0">
@@ -8928,7 +12576,7 @@
         </p:nvCxnSpPr>
         <p:spPr>
           <a:xfrm>
-            <a:off x="6827931" y="719965"/>
+            <a:off x="6828933" y="2226322"/>
             <a:ext cx="1188000" cy="0"/>
           </a:xfrm>
           <a:prstGeom prst="straightConnector1">
@@ -8968,8 +12616,8 @@
         </p:nvSpPr>
         <p:spPr>
           <a:xfrm>
-            <a:off x="7176511" y="589160"/>
-            <a:ext cx="418704" cy="261610"/>
+            <a:off x="7248991" y="2113237"/>
+            <a:ext cx="383438" cy="216000"/>
           </a:xfrm>
           <a:prstGeom prst="rect">
             <a:avLst/>
@@ -8998,7 +12646,7 @@
                   </a:outerShdw>
                 </a:effectLst>
               </a:rPr>
-              <a:t>33ft</a:t>
+              <a:t>1/3</a:t>
             </a:r>
           </a:p>
         </p:txBody>
@@ -9019,7 +12667,7 @@
         </p:nvCxnSpPr>
         <p:spPr>
           <a:xfrm rot="5400000">
-            <a:off x="8775250" y="1449157"/>
+            <a:off x="8741998" y="1449157"/>
             <a:ext cx="1152000" cy="0"/>
           </a:xfrm>
           <a:prstGeom prst="straightConnector1">
@@ -9059,14 +12707,14 @@
         </p:nvSpPr>
         <p:spPr>
           <a:xfrm rot="5400000">
-            <a:off x="9156022" y="1292039"/>
-            <a:ext cx="418704" cy="261610"/>
+            <a:off x="9145575" y="1314844"/>
+            <a:ext cx="418704" cy="216000"/>
           </a:xfrm>
           <a:prstGeom prst="rect">
             <a:avLst/>
           </a:prstGeom>
           <a:solidFill>
-            <a:schemeClr val="bg1"/>
+            <a:srgbClr val="F2F2F2"/>
           </a:solidFill>
         </p:spPr>
         <p:txBody>
@@ -9110,7 +12758,7 @@
         </p:nvCxnSpPr>
         <p:spPr>
           <a:xfrm>
-            <a:off x="8010469" y="2213142"/>
+            <a:off x="8023849" y="2226522"/>
             <a:ext cx="1188000" cy="0"/>
           </a:xfrm>
           <a:prstGeom prst="straightConnector1">
@@ -9150,8 +12798,8 @@
         </p:nvSpPr>
         <p:spPr>
           <a:xfrm>
-            <a:off x="8359049" y="2082337"/>
-            <a:ext cx="418704" cy="261610"/>
+            <a:off x="8372429" y="2095717"/>
+            <a:ext cx="383438" cy="216000"/>
           </a:xfrm>
           <a:prstGeom prst="rect">
             <a:avLst/>
@@ -9180,7 +12828,7 @@
                   </a:outerShdw>
                 </a:effectLst>
               </a:rPr>
-              <a:t>33ft</a:t>
+              <a:t>1/3</a:t>
             </a:r>
           </a:p>
         </p:txBody>
@@ -9201,7 +12849,7 @@
         </p:nvCxnSpPr>
         <p:spPr>
           <a:xfrm>
-            <a:off x="5616469" y="2226469"/>
+            <a:off x="5625389" y="2226469"/>
             <a:ext cx="1188000" cy="0"/>
           </a:xfrm>
           <a:prstGeom prst="straightConnector1">
@@ -9241,8 +12889,8 @@
         </p:nvSpPr>
         <p:spPr>
           <a:xfrm>
-            <a:off x="5965049" y="2095664"/>
-            <a:ext cx="418704" cy="261610"/>
+            <a:off x="5973969" y="2095664"/>
+            <a:ext cx="383438" cy="216000"/>
           </a:xfrm>
           <a:prstGeom prst="rect">
             <a:avLst/>
@@ -9271,7 +12919,7 @@
                   </a:outerShdw>
                 </a:effectLst>
               </a:rPr>
-              <a:t>33ft</a:t>
+              <a:t>1/3</a:t>
             </a:r>
           </a:p>
         </p:txBody>
@@ -9291,14 +12939,14 @@
           <p:nvPr>
             <p:extLst>
               <p:ext uri="{D42A27DB-BD31-4B8C-83A1-F6EECF244321}">
-                <p14:modId xmlns:p14="http://schemas.microsoft.com/office/powerpoint/2010/main" val="1071075752"/>
+                <p14:modId xmlns:p14="http://schemas.microsoft.com/office/powerpoint/2010/main" val="1858424914"/>
               </p:ext>
             </p:extLst>
           </p:nvPr>
         </p:nvGraphicFramePr>
         <p:xfrm>
-          <a:off x="5187144" y="2438204"/>
-          <a:ext cx="4034789" cy="1457456"/>
+          <a:off x="5187144" y="2496395"/>
+          <a:ext cx="4034789" cy="1678812"/>
         </p:xfrm>
         <a:graphic>
           <a:graphicData uri="http://schemas.openxmlformats.org/drawingml/2006/table">
@@ -9350,7 +12998,7 @@
                   </a:extLst>
                 </a:gridCol>
               </a:tblGrid>
-              <a:tr h="182182">
+              <a:tr h="316850">
                 <a:tc>
                   <a:txBody>
                     <a:bodyPr/>
@@ -9371,8 +13019,8 @@
                     <a:p>
                       <a:pPr algn="ctr"/>
                       <a:r>
-                        <a:rPr lang="en-MY" sz="1000" dirty="0">
-                          <a:latin typeface="Bahnschrift SemiBold SemiConden" panose="020B0502040204020203" pitchFamily="34" charset="0"/>
+                        <a:rPr lang="en-MY" sz="1400" spc="300" dirty="0">
+                          <a:latin typeface="Aptos Display" panose="020B0004020202020204" pitchFamily="34" charset="0"/>
                         </a:rPr>
                         <a:t>Playing Areas</a:t>
                       </a:r>
@@ -9426,7 +13074,7 @@
                   </a:ext>
                 </a:extLst>
               </a:tr>
-              <a:tr h="182182">
+              <a:tr h="194566">
                 <a:tc>
                   <a:txBody>
                     <a:bodyPr/>
@@ -9518,7 +13166,7 @@
                         <a:defRPr/>
                       </a:pPr>
                       <a:r>
-                        <a:rPr lang="en-MY" sz="600" b="0" i="1" dirty="0">
+                        <a:rPr lang="en-MY" sz="700" b="0" i="1" spc="300" dirty="0">
                           <a:solidFill>
                             <a:srgbClr val="FF0000"/>
                           </a:solidFill>
@@ -9553,7 +13201,7 @@
                         <a:defRPr/>
                       </a:pPr>
                       <a:r>
-                        <a:rPr lang="en-MY" sz="600" b="0" i="1" dirty="0">
+                        <a:rPr lang="en-MY" sz="700" b="0" i="1" spc="300" dirty="0">
                           <a:solidFill>
                             <a:srgbClr val="FF0000"/>
                           </a:solidFill>
@@ -9572,7 +13220,7 @@
                     <a:p>
                       <a:pPr algn="ctr"/>
                       <a:r>
-                        <a:rPr lang="en-MY" sz="600" b="0" i="1" dirty="0">
+                        <a:rPr lang="en-MY" sz="700" b="0" i="1" spc="300" dirty="0">
                           <a:solidFill>
                             <a:srgbClr val="FF0000"/>
                           </a:solidFill>
@@ -9580,7 +13228,7 @@
                         </a:rPr>
                         <a:t>offside</a:t>
                       </a:r>
-                      <a:endParaRPr lang="en-MY" sz="600" dirty="0">
+                      <a:endParaRPr lang="en-MY" sz="700" spc="300" dirty="0">
                         <a:solidFill>
                           <a:srgbClr val="FF0000"/>
                         </a:solidFill>
@@ -9596,7 +13244,7 @@
                   </a:ext>
                 </a:extLst>
               </a:tr>
-              <a:tr h="182182">
+              <a:tr h="194566">
                 <a:tc>
                   <a:txBody>
                     <a:bodyPr/>
@@ -9693,7 +13341,7 @@
                     <a:p>
                       <a:pPr algn="ctr"/>
                       <a:r>
-                        <a:rPr lang="en-MY" sz="600" b="0" i="1" dirty="0">
+                        <a:rPr lang="en-MY" sz="700" b="0" i="1" spc="300" dirty="0">
                           <a:solidFill>
                             <a:srgbClr val="FF0000"/>
                           </a:solidFill>
@@ -9701,7 +13349,7 @@
                         </a:rPr>
                         <a:t>offside</a:t>
                       </a:r>
-                      <a:endParaRPr lang="en-MY" sz="600" dirty="0">
+                      <a:endParaRPr lang="en-MY" sz="700" spc="300" dirty="0">
                         <a:solidFill>
                           <a:srgbClr val="FF0000"/>
                         </a:solidFill>
@@ -9718,7 +13366,7 @@
                     <a:p>
                       <a:pPr algn="ctr"/>
                       <a:r>
-                        <a:rPr lang="en-MY" sz="600" b="0" i="1" dirty="0">
+                        <a:rPr lang="en-MY" sz="700" b="0" i="1" spc="300" dirty="0">
                           <a:solidFill>
                             <a:srgbClr val="FF0000"/>
                           </a:solidFill>
@@ -9726,7 +13374,7 @@
                         </a:rPr>
                         <a:t>offside</a:t>
                       </a:r>
-                      <a:endParaRPr lang="en-MY" sz="600" dirty="0">
+                      <a:endParaRPr lang="en-MY" sz="700" spc="300" dirty="0">
                         <a:solidFill>
                           <a:srgbClr val="FF0000"/>
                         </a:solidFill>
@@ -9742,7 +13390,7 @@
                   </a:ext>
                 </a:extLst>
               </a:tr>
-              <a:tr h="182182">
+              <a:tr h="194566">
                 <a:tc>
                   <a:txBody>
                     <a:bodyPr/>
@@ -9776,7 +13424,7 @@
                     <a:p>
                       <a:pPr algn="ctr"/>
                       <a:r>
-                        <a:rPr lang="en-MY" sz="600" b="0" i="1" dirty="0">
+                        <a:rPr lang="en-MY" sz="700" b="0" i="1" spc="300" dirty="0">
                           <a:solidFill>
                             <a:srgbClr val="FF0000"/>
                           </a:solidFill>
@@ -9837,7 +13485,7 @@
                     <a:p>
                       <a:pPr algn="ctr"/>
                       <a:r>
-                        <a:rPr lang="en-MY" sz="600" b="0" i="1" dirty="0">
+                        <a:rPr lang="en-MY" sz="700" b="0" i="1" spc="300" dirty="0">
                           <a:solidFill>
                             <a:srgbClr val="FF0000"/>
                           </a:solidFill>
@@ -9845,7 +13493,7 @@
                         </a:rPr>
                         <a:t>offside</a:t>
                       </a:r>
-                      <a:endParaRPr lang="en-MY" sz="600" dirty="0">
+                      <a:endParaRPr lang="en-MY" sz="700" spc="300" dirty="0">
                         <a:solidFill>
                           <a:srgbClr val="FF0000"/>
                         </a:solidFill>
@@ -9862,7 +13510,7 @@
                     <a:p>
                       <a:pPr algn="ctr"/>
                       <a:r>
-                        <a:rPr lang="en-MY" sz="600" b="0" i="1" dirty="0">
+                        <a:rPr lang="en-MY" sz="700" b="0" i="1" spc="300" dirty="0">
                           <a:solidFill>
                             <a:srgbClr val="FF0000"/>
                           </a:solidFill>
@@ -9870,7 +13518,7 @@
                         </a:rPr>
                         <a:t>offside</a:t>
                       </a:r>
-                      <a:endParaRPr lang="en-MY" sz="600" dirty="0">
+                      <a:endParaRPr lang="en-MY" sz="700" spc="300" dirty="0">
                         <a:solidFill>
                           <a:srgbClr val="FF0000"/>
                         </a:solidFill>
@@ -9886,7 +13534,7 @@
                   </a:ext>
                 </a:extLst>
               </a:tr>
-              <a:tr h="182182">
+              <a:tr h="194566">
                 <a:tc>
                   <a:txBody>
                     <a:bodyPr/>
@@ -9936,7 +13584,7 @@
                         <a:defRPr/>
                       </a:pPr>
                       <a:r>
-                        <a:rPr lang="en-MY" sz="600" b="0" i="1" dirty="0">
+                        <a:rPr lang="en-MY" sz="700" b="0" i="1" spc="300" dirty="0">
                           <a:solidFill>
                             <a:srgbClr val="FF0000"/>
                           </a:solidFill>
@@ -10018,7 +13666,7 @@
                     <a:p>
                       <a:pPr algn="ctr"/>
                       <a:r>
-                        <a:rPr lang="en-MY" sz="600" b="0" i="1" dirty="0">
+                        <a:rPr lang="en-MY" sz="700" b="0" i="1" spc="300" dirty="0">
                           <a:solidFill>
                             <a:srgbClr val="FF0000"/>
                           </a:solidFill>
@@ -10026,7 +13674,7 @@
                         </a:rPr>
                         <a:t>offside</a:t>
                       </a:r>
-                      <a:endParaRPr lang="en-MY" sz="600" dirty="0">
+                      <a:endParaRPr lang="en-MY" sz="700" spc="300" dirty="0">
                         <a:solidFill>
                           <a:srgbClr val="FF0000"/>
                         </a:solidFill>
@@ -10042,7 +13690,7 @@
                   </a:ext>
                 </a:extLst>
               </a:tr>
-              <a:tr h="182182">
+              <a:tr h="194566">
                 <a:tc>
                   <a:txBody>
                     <a:bodyPr/>
@@ -10092,7 +13740,7 @@
                         <a:defRPr/>
                       </a:pPr>
                       <a:r>
-                        <a:rPr lang="en-MY" sz="600" b="0" i="1" dirty="0">
+                        <a:rPr lang="en-MY" sz="700" b="0" i="1" spc="300" dirty="0">
                           <a:solidFill>
                             <a:srgbClr val="FF0000"/>
                           </a:solidFill>
@@ -10127,7 +13775,7 @@
                         <a:defRPr/>
                       </a:pPr>
                       <a:r>
-                        <a:rPr lang="en-MY" sz="600" b="0" i="1" dirty="0">
+                        <a:rPr lang="en-MY" sz="700" b="0" i="1" spc="300" dirty="0">
                           <a:solidFill>
                             <a:srgbClr val="FF0000"/>
                           </a:solidFill>
@@ -10188,7 +13836,7 @@
                     <a:p>
                       <a:pPr algn="ctr"/>
                       <a:r>
-                        <a:rPr lang="en-MY" sz="600" b="0" i="1" dirty="0">
+                        <a:rPr lang="en-MY" sz="700" b="0" i="1" spc="300" dirty="0">
                           <a:solidFill>
                             <a:srgbClr val="FF0000"/>
                           </a:solidFill>
@@ -10196,7 +13844,7 @@
                         </a:rPr>
                         <a:t>offside</a:t>
                       </a:r>
-                      <a:endParaRPr lang="en-MY" sz="600" dirty="0">
+                      <a:endParaRPr lang="en-MY" sz="700" spc="300" dirty="0">
                         <a:solidFill>
                           <a:srgbClr val="FF0000"/>
                         </a:solidFill>
@@ -10212,7 +13860,7 @@
                   </a:ext>
                 </a:extLst>
               </a:tr>
-              <a:tr h="182182">
+              <a:tr h="194566">
                 <a:tc>
                   <a:txBody>
                     <a:bodyPr/>
@@ -10262,7 +13910,7 @@
                         <a:defRPr/>
                       </a:pPr>
                       <a:r>
-                        <a:rPr lang="en-MY" sz="600" b="0" i="1" dirty="0">
+                        <a:rPr lang="en-MY" sz="700" b="0" i="1" spc="300" dirty="0">
                           <a:solidFill>
                             <a:srgbClr val="FF0000"/>
                           </a:solidFill>
@@ -10297,7 +13945,7 @@
                         <a:defRPr/>
                       </a:pPr>
                       <a:r>
-                        <a:rPr lang="en-MY" sz="600" b="0" i="1" dirty="0">
+                        <a:rPr lang="en-MY" sz="700" b="0" i="1" spc="300" dirty="0">
                           <a:solidFill>
                             <a:srgbClr val="FF0000"/>
                           </a:solidFill>
@@ -10378,7 +14026,7 @@
                   </a:ext>
                 </a:extLst>
               </a:tr>
-              <a:tr h="182182">
+              <a:tr h="194566">
                 <a:tc>
                   <a:txBody>
                     <a:bodyPr/>
@@ -10428,7 +14076,7 @@
                         <a:defRPr/>
                       </a:pPr>
                       <a:r>
-                        <a:rPr lang="en-MY" sz="600" b="0" i="1" dirty="0">
+                        <a:rPr lang="en-MY" sz="700" b="0" i="1" spc="300" dirty="0">
                           <a:solidFill>
                             <a:srgbClr val="FF0000"/>
                           </a:solidFill>
@@ -10463,7 +14111,7 @@
                         <a:defRPr/>
                       </a:pPr>
                       <a:r>
-                        <a:rPr lang="en-MY" sz="600" b="0" i="1" dirty="0">
+                        <a:rPr lang="en-MY" sz="700" b="0" i="1" spc="300" dirty="0">
                           <a:solidFill>
                             <a:srgbClr val="FF0000"/>
                           </a:solidFill>
@@ -10498,7 +14146,7 @@
                         <a:defRPr/>
                       </a:pPr>
                       <a:r>
-                        <a:rPr lang="en-MY" sz="600" b="0" i="1" dirty="0">
+                        <a:rPr lang="en-MY" sz="700" b="0" i="1" spc="300" dirty="0">
                           <a:solidFill>
                             <a:srgbClr val="FF0000"/>
                           </a:solidFill>
@@ -10618,37 +14266,6 @@
       </p:sp>
       <p:pic>
         <p:nvPicPr>
-          <p:cNvPr id="37" name="Picture 36">
-            <a:extLst>
-              <a:ext uri="{FF2B5EF4-FFF2-40B4-BE49-F238E27FC236}">
-                <a16:creationId xmlns:a16="http://schemas.microsoft.com/office/drawing/2014/main" id="{DC81A3FF-1DC2-09D7-0263-155B5F6A3B19}"/>
-              </a:ext>
-            </a:extLst>
-          </p:cNvPr>
-          <p:cNvPicPr>
-            <a:picLocks noChangeAspect="1"/>
-          </p:cNvPicPr>
-          <p:nvPr/>
-        </p:nvPicPr>
-        <p:blipFill rotWithShape="1">
-          <a:blip r:embed="rId2"/>
-          <a:srcRect l="56" r="56"/>
-          <a:stretch/>
-        </p:blipFill>
-        <p:spPr>
-          <a:xfrm>
-            <a:off x="626343" y="2670911"/>
-            <a:ext cx="1188000" cy="900000"/>
-          </a:xfrm>
-          <a:prstGeom prst="roundRect">
-            <a:avLst>
-              <a:gd name="adj" fmla="val 37119"/>
-            </a:avLst>
-          </a:prstGeom>
-        </p:spPr>
-      </p:pic>
-      <p:pic>
-        <p:nvPicPr>
           <p:cNvPr id="38" name="Picture 37">
             <a:extLst>
               <a:ext uri="{FF2B5EF4-FFF2-40B4-BE49-F238E27FC236}">
@@ -10669,7 +14286,7 @@
         </p:blipFill>
         <p:spPr>
           <a:xfrm>
-            <a:off x="3593378" y="2651341"/>
+            <a:off x="3593377" y="2861666"/>
             <a:ext cx="1200000" cy="900000"/>
           </a:xfrm>
           <a:prstGeom prst="roundRect">
@@ -10701,7 +14318,7 @@
         </p:blipFill>
         <p:spPr>
           <a:xfrm>
-            <a:off x="2138413" y="2670911"/>
+            <a:off x="2138412" y="2881236"/>
             <a:ext cx="1200000" cy="900000"/>
           </a:xfrm>
           <a:prstGeom prst="roundRect">
@@ -10725,7 +14342,7 @@
         </p:nvSpPr>
         <p:spPr>
           <a:xfrm>
-            <a:off x="1063585" y="2488891"/>
+            <a:off x="1063584" y="2699216"/>
             <a:ext cx="288000" cy="288000"/>
           </a:xfrm>
           <a:prstGeom prst="ellipse">
@@ -10774,7 +14391,7 @@
         </p:nvSpPr>
         <p:spPr>
           <a:xfrm>
-            <a:off x="2575899" y="2488891"/>
+            <a:off x="2575898" y="2699216"/>
             <a:ext cx="288000" cy="288000"/>
           </a:xfrm>
           <a:prstGeom prst="ellipse">
@@ -10823,7 +14440,7 @@
         </p:nvSpPr>
         <p:spPr>
           <a:xfrm>
-            <a:off x="4018291" y="2484036"/>
+            <a:off x="4018290" y="2694361"/>
             <a:ext cx="288000" cy="288000"/>
           </a:xfrm>
           <a:prstGeom prst="ellipse">
@@ -10873,14 +14490,14 @@
           <p:nvPr>
             <p:extLst>
               <p:ext uri="{D42A27DB-BD31-4B8C-83A1-F6EECF244321}">
-                <p14:modId xmlns:p14="http://schemas.microsoft.com/office/powerpoint/2010/main" val="161424536"/>
+                <p14:modId xmlns:p14="http://schemas.microsoft.com/office/powerpoint/2010/main" val="4071694465"/>
               </p:ext>
             </p:extLst>
           </p:nvPr>
         </p:nvGraphicFramePr>
         <p:xfrm>
-          <a:off x="847489" y="1781530"/>
-          <a:ext cx="3964984" cy="472440"/>
+          <a:off x="969865" y="1959384"/>
+          <a:ext cx="3964984" cy="457200"/>
         </p:xfrm>
         <a:graphic>
           <a:graphicData uri="http://schemas.openxmlformats.org/drawingml/2006/table">
@@ -10918,7 +14535,7 @@
                   </a:extLst>
                 </a:gridCol>
               </a:tblGrid>
-              <a:tr h="222145">
+              <a:tr h="136266">
                 <a:tc rowSpan="2">
                   <a:txBody>
                     <a:bodyPr/>
@@ -10926,7 +14543,7 @@
                     <a:p>
                       <a:pPr algn="ctr"/>
                       <a:r>
-                        <a:rPr lang="en-MY" sz="1100" b="0" dirty="0">
+                        <a:rPr lang="en-MY" sz="1000" b="0" dirty="0">
                           <a:latin typeface="Aptos Narrow" panose="020B0004020202020204" pitchFamily="34" charset="0"/>
                         </a:rPr>
                         <a:t>Extra time, tie score</a:t>
@@ -10942,19 +14559,19 @@
                     <a:p>
                       <a:pPr algn="ctr"/>
                       <a:r>
-                        <a:rPr lang="en-MY" sz="1100" b="1" dirty="0">
+                        <a:rPr lang="en-MY" sz="1000" b="1" dirty="0">
                           <a:latin typeface="Aptos Narrow" panose="020B0004020202020204" pitchFamily="34" charset="0"/>
                         </a:rPr>
                         <a:t>1</a:t>
                       </a:r>
                       <a:r>
-                        <a:rPr lang="en-MY" sz="1100" b="1" baseline="30000" dirty="0">
+                        <a:rPr lang="en-MY" sz="1000" b="1" baseline="30000" dirty="0">
                           <a:latin typeface="Aptos Narrow" panose="020B0004020202020204" pitchFamily="34" charset="0"/>
                         </a:rPr>
                         <a:t>st</a:t>
                       </a:r>
                       <a:r>
-                        <a:rPr lang="en-MY" sz="1100" b="0" dirty="0">
+                        <a:rPr lang="en-MY" sz="1000" b="0" dirty="0">
                           <a:latin typeface="Aptos Narrow" panose="020B0004020202020204" pitchFamily="34" charset="0"/>
                         </a:rPr>
                         <a:t> Quarter</a:t>
@@ -10970,7 +14587,7 @@
                     <a:p>
                       <a:pPr algn="ctr"/>
                       <a:r>
-                        <a:rPr lang="en-MY" sz="1100" b="0" dirty="0">
+                        <a:rPr lang="en-MY" sz="1000" b="0" dirty="0">
                           <a:latin typeface="Aptos Narrow" panose="020B0004020202020204" pitchFamily="34" charset="0"/>
                         </a:rPr>
                         <a:t>Interval</a:t>
@@ -10986,19 +14603,19 @@
                     <a:p>
                       <a:pPr algn="ctr"/>
                       <a:r>
-                        <a:rPr lang="en-MY" sz="1100" b="1" dirty="0">
+                        <a:rPr lang="en-MY" sz="1000" b="1" dirty="0">
                           <a:latin typeface="Aptos Narrow" panose="020B0004020202020204" pitchFamily="34" charset="0"/>
                         </a:rPr>
                         <a:t>2</a:t>
                       </a:r>
                       <a:r>
-                        <a:rPr lang="en-MY" sz="1100" b="1" baseline="30000" dirty="0">
+                        <a:rPr lang="en-MY" sz="1000" b="1" baseline="30000" dirty="0">
                           <a:latin typeface="Aptos Narrow" panose="020B0004020202020204" pitchFamily="34" charset="0"/>
                         </a:rPr>
                         <a:t>nd</a:t>
                       </a:r>
                       <a:r>
-                        <a:rPr lang="en-MY" sz="1100" b="0" dirty="0">
+                        <a:rPr lang="en-MY" sz="1000" b="0" dirty="0">
                           <a:latin typeface="Aptos Narrow" panose="020B0004020202020204" pitchFamily="34" charset="0"/>
                         </a:rPr>
                         <a:t> Quarter</a:t>
@@ -11013,7 +14630,7 @@
                   </a:ext>
                 </a:extLst>
               </a:tr>
-              <a:tr h="185120">
+              <a:tr h="0">
                 <a:tc vMerge="1">
                   <a:txBody>
                     <a:bodyPr/>
@@ -11037,7 +14654,7 @@
                         <a:rPr lang="en-MY" sz="800" b="0" dirty="0">
                           <a:latin typeface="Aptos Narrow" panose="020B0004020202020204" pitchFamily="34" charset="0"/>
                         </a:rPr>
-                        <a:t>7min</a:t>
+                        <a:t>7 min</a:t>
                       </a:r>
                     </a:p>
                   </a:txBody>
@@ -11053,7 +14670,7 @@
                         <a:rPr lang="en-MY" sz="800" b="0" dirty="0">
                           <a:latin typeface="Aptos Narrow" panose="020B0004020202020204" pitchFamily="34" charset="0"/>
                         </a:rPr>
-                        <a:t>1min</a:t>
+                        <a:t>1 min</a:t>
                       </a:r>
                     </a:p>
                   </a:txBody>
@@ -11069,7 +14686,7 @@
                         <a:rPr lang="en-MY" sz="800" b="0" dirty="0">
                           <a:latin typeface="Aptos Narrow" panose="020B0004020202020204" pitchFamily="34" charset="0"/>
                         </a:rPr>
-                        <a:t>7min</a:t>
+                        <a:t>7 min</a:t>
                       </a:r>
                     </a:p>
                   </a:txBody>
@@ -11099,8 +14716,8 @@
         </p:nvSpPr>
         <p:spPr>
           <a:xfrm>
-            <a:off x="251031" y="261685"/>
-            <a:ext cx="2370392" cy="369332"/>
+            <a:off x="275331" y="334490"/>
+            <a:ext cx="4677668" cy="523220"/>
           </a:xfrm>
           <a:prstGeom prst="rect">
             <a:avLst/>
@@ -11108,13 +14725,15 @@
           <a:noFill/>
         </p:spPr>
         <p:txBody>
-          <a:bodyPr wrap="none" rtlCol="0">
+          <a:bodyPr wrap="square" rtlCol="0">
             <a:spAutoFit/>
           </a:bodyPr>
           <a:lstStyle/>
           <a:p>
             <a:r>
-              <a:rPr lang="en-MY" dirty="0"/>
+              <a:rPr lang="en-MY" sz="2800" b="1" spc="300" dirty="0">
+                <a:latin typeface="Aptos Display" panose="020B0004020202020204" pitchFamily="34" charset="0"/>
+              </a:rPr>
               <a:t>Standard Netball Rules </a:t>
             </a:r>
           </a:p>
@@ -11392,4 +15011,299 @@
     </a:ext>
   </a:extLst>
 </a:theme>
+</file>
+
+<file path=ppt/theme/theme2.xml><?xml version="1.0" encoding="utf-8"?>
+<a:theme xmlns:a="http://schemas.openxmlformats.org/drawingml/2006/main" name="Office Theme">
+  <a:themeElements>
+    <a:clrScheme name="Office">
+      <a:dk1>
+        <a:sysClr val="windowText" lastClr="000000"/>
+      </a:dk1>
+      <a:lt1>
+        <a:sysClr val="window" lastClr="FFFFFF"/>
+      </a:lt1>
+      <a:dk2>
+        <a:srgbClr val="44546A"/>
+      </a:dk2>
+      <a:lt2>
+        <a:srgbClr val="E7E6E6"/>
+      </a:lt2>
+      <a:accent1>
+        <a:srgbClr val="4472C4"/>
+      </a:accent1>
+      <a:accent2>
+        <a:srgbClr val="ED7D31"/>
+      </a:accent2>
+      <a:accent3>
+        <a:srgbClr val="A5A5A5"/>
+      </a:accent3>
+      <a:accent4>
+        <a:srgbClr val="FFC000"/>
+      </a:accent4>
+      <a:accent5>
+        <a:srgbClr val="5B9BD5"/>
+      </a:accent5>
+      <a:accent6>
+        <a:srgbClr val="70AD47"/>
+      </a:accent6>
+      <a:hlink>
+        <a:srgbClr val="0563C1"/>
+      </a:hlink>
+      <a:folHlink>
+        <a:srgbClr val="954F72"/>
+      </a:folHlink>
+    </a:clrScheme>
+    <a:fontScheme name="Office">
+      <a:majorFont>
+        <a:latin typeface="Calibri Light" panose="020F0302020204030204"/>
+        <a:ea typeface=""/>
+        <a:cs typeface=""/>
+        <a:font script="Jpan" typeface="游ゴシック Light"/>
+        <a:font script="Hang" typeface="맑은 고딕"/>
+        <a:font script="Hans" typeface="等线 Light"/>
+        <a:font script="Hant" typeface="新細明體"/>
+        <a:font script="Arab" typeface="Times New Roman"/>
+        <a:font script="Hebr" typeface="Times New Roman"/>
+        <a:font script="Thai" typeface="Angsana New"/>
+        <a:font script="Ethi" typeface="Nyala"/>
+        <a:font script="Beng" typeface="Vrinda"/>
+        <a:font script="Gujr" typeface="Shruti"/>
+        <a:font script="Khmr" typeface="MoolBoran"/>
+        <a:font script="Knda" typeface="Tunga"/>
+        <a:font script="Guru" typeface="Raavi"/>
+        <a:font script="Cans" typeface="Euphemia"/>
+        <a:font script="Cher" typeface="Plantagenet Cherokee"/>
+        <a:font script="Yiii" typeface="Microsoft Yi Baiti"/>
+        <a:font script="Tibt" typeface="Microsoft Himalaya"/>
+        <a:font script="Thaa" typeface="MV Boli"/>
+        <a:font script="Deva" typeface="Mangal"/>
+        <a:font script="Telu" typeface="Gautami"/>
+        <a:font script="Taml" typeface="Latha"/>
+        <a:font script="Syrc" typeface="Estrangelo Edessa"/>
+        <a:font script="Orya" typeface="Kalinga"/>
+        <a:font script="Mlym" typeface="Kartika"/>
+        <a:font script="Laoo" typeface="DokChampa"/>
+        <a:font script="Sinh" typeface="Iskoola Pota"/>
+        <a:font script="Mong" typeface="Mongolian Baiti"/>
+        <a:font script="Viet" typeface="Times New Roman"/>
+        <a:font script="Uigh" typeface="Microsoft Uighur"/>
+        <a:font script="Geor" typeface="Sylfaen"/>
+        <a:font script="Armn" typeface="Arial"/>
+        <a:font script="Bugi" typeface="Leelawadee UI"/>
+        <a:font script="Bopo" typeface="Microsoft JhengHei"/>
+        <a:font script="Java" typeface="Javanese Text"/>
+        <a:font script="Lisu" typeface="Segoe UI"/>
+        <a:font script="Mymr" typeface="Myanmar Text"/>
+        <a:font script="Nkoo" typeface="Ebrima"/>
+        <a:font script="Olck" typeface="Nirmala UI"/>
+        <a:font script="Osma" typeface="Ebrima"/>
+        <a:font script="Phag" typeface="Phagspa"/>
+        <a:font script="Syrn" typeface="Estrangelo Edessa"/>
+        <a:font script="Syrj" typeface="Estrangelo Edessa"/>
+        <a:font script="Syre" typeface="Estrangelo Edessa"/>
+        <a:font script="Sora" typeface="Nirmala UI"/>
+        <a:font script="Tale" typeface="Microsoft Tai Le"/>
+        <a:font script="Talu" typeface="Microsoft New Tai Lue"/>
+        <a:font script="Tfng" typeface="Ebrima"/>
+      </a:majorFont>
+      <a:minorFont>
+        <a:latin typeface="Calibri" panose="020F0502020204030204"/>
+        <a:ea typeface=""/>
+        <a:cs typeface=""/>
+        <a:font script="Jpan" typeface="游ゴシック"/>
+        <a:font script="Hang" typeface="맑은 고딕"/>
+        <a:font script="Hans" typeface="等线"/>
+        <a:font script="Hant" typeface="新細明體"/>
+        <a:font script="Arab" typeface="Arial"/>
+        <a:font script="Hebr" typeface="Arial"/>
+        <a:font script="Thai" typeface="Cordia New"/>
+        <a:font script="Ethi" typeface="Nyala"/>
+        <a:font script="Beng" typeface="Vrinda"/>
+        <a:font script="Gujr" typeface="Shruti"/>
+        <a:font script="Khmr" typeface="DaunPenh"/>
+        <a:font script="Knda" typeface="Tunga"/>
+        <a:font script="Guru" typeface="Raavi"/>
+        <a:font script="Cans" typeface="Euphemia"/>
+        <a:font script="Cher" typeface="Plantagenet Cherokee"/>
+        <a:font script="Yiii" typeface="Microsoft Yi Baiti"/>
+        <a:font script="Tibt" typeface="Microsoft Himalaya"/>
+        <a:font script="Thaa" typeface="MV Boli"/>
+        <a:font script="Deva" typeface="Mangal"/>
+        <a:font script="Telu" typeface="Gautami"/>
+        <a:font script="Taml" typeface="Latha"/>
+        <a:font script="Syrc" typeface="Estrangelo Edessa"/>
+        <a:font script="Orya" typeface="Kalinga"/>
+        <a:font script="Mlym" typeface="Kartika"/>
+        <a:font script="Laoo" typeface="DokChampa"/>
+        <a:font script="Sinh" typeface="Iskoola Pota"/>
+        <a:font script="Mong" typeface="Mongolian Baiti"/>
+        <a:font script="Viet" typeface="Arial"/>
+        <a:font script="Uigh" typeface="Microsoft Uighur"/>
+        <a:font script="Geor" typeface="Sylfaen"/>
+        <a:font script="Armn" typeface="Arial"/>
+        <a:font script="Bugi" typeface="Leelawadee UI"/>
+        <a:font script="Bopo" typeface="Microsoft JhengHei"/>
+        <a:font script="Java" typeface="Javanese Text"/>
+        <a:font script="Lisu" typeface="Segoe UI"/>
+        <a:font script="Mymr" typeface="Myanmar Text"/>
+        <a:font script="Nkoo" typeface="Ebrima"/>
+        <a:font script="Olck" typeface="Nirmala UI"/>
+        <a:font script="Osma" typeface="Ebrima"/>
+        <a:font script="Phag" typeface="Phagspa"/>
+        <a:font script="Syrn" typeface="Estrangelo Edessa"/>
+        <a:font script="Syrj" typeface="Estrangelo Edessa"/>
+        <a:font script="Syre" typeface="Estrangelo Edessa"/>
+        <a:font script="Sora" typeface="Nirmala UI"/>
+        <a:font script="Tale" typeface="Microsoft Tai Le"/>
+        <a:font script="Talu" typeface="Microsoft New Tai Lue"/>
+        <a:font script="Tfng" typeface="Ebrima"/>
+      </a:minorFont>
+    </a:fontScheme>
+    <a:fmtScheme name="Office">
+      <a:fillStyleLst>
+        <a:solidFill>
+          <a:schemeClr val="phClr"/>
+        </a:solidFill>
+        <a:gradFill rotWithShape="1">
+          <a:gsLst>
+            <a:gs pos="0">
+              <a:schemeClr val="phClr">
+                <a:lumMod val="110000"/>
+                <a:satMod val="105000"/>
+                <a:tint val="67000"/>
+              </a:schemeClr>
+            </a:gs>
+            <a:gs pos="50000">
+              <a:schemeClr val="phClr">
+                <a:lumMod val="105000"/>
+                <a:satMod val="103000"/>
+                <a:tint val="73000"/>
+              </a:schemeClr>
+            </a:gs>
+            <a:gs pos="100000">
+              <a:schemeClr val="phClr">
+                <a:lumMod val="105000"/>
+                <a:satMod val="109000"/>
+                <a:tint val="81000"/>
+              </a:schemeClr>
+            </a:gs>
+          </a:gsLst>
+          <a:lin ang="5400000" scaled="0"/>
+        </a:gradFill>
+        <a:gradFill rotWithShape="1">
+          <a:gsLst>
+            <a:gs pos="0">
+              <a:schemeClr val="phClr">
+                <a:satMod val="103000"/>
+                <a:lumMod val="102000"/>
+                <a:tint val="94000"/>
+              </a:schemeClr>
+            </a:gs>
+            <a:gs pos="50000">
+              <a:schemeClr val="phClr">
+                <a:satMod val="110000"/>
+                <a:lumMod val="100000"/>
+                <a:shade val="100000"/>
+              </a:schemeClr>
+            </a:gs>
+            <a:gs pos="100000">
+              <a:schemeClr val="phClr">
+                <a:lumMod val="99000"/>
+                <a:satMod val="120000"/>
+                <a:shade val="78000"/>
+              </a:schemeClr>
+            </a:gs>
+          </a:gsLst>
+          <a:lin ang="5400000" scaled="0"/>
+        </a:gradFill>
+      </a:fillStyleLst>
+      <a:lnStyleLst>
+        <a:ln w="6350" cap="flat" cmpd="sng" algn="ctr">
+          <a:solidFill>
+            <a:schemeClr val="phClr"/>
+          </a:solidFill>
+          <a:prstDash val="solid"/>
+          <a:miter lim="800000"/>
+        </a:ln>
+        <a:ln w="12700" cap="flat" cmpd="sng" algn="ctr">
+          <a:solidFill>
+            <a:schemeClr val="phClr"/>
+          </a:solidFill>
+          <a:prstDash val="solid"/>
+          <a:miter lim="800000"/>
+        </a:ln>
+        <a:ln w="19050" cap="flat" cmpd="sng" algn="ctr">
+          <a:solidFill>
+            <a:schemeClr val="phClr"/>
+          </a:solidFill>
+          <a:prstDash val="solid"/>
+          <a:miter lim="800000"/>
+        </a:ln>
+      </a:lnStyleLst>
+      <a:effectStyleLst>
+        <a:effectStyle>
+          <a:effectLst/>
+        </a:effectStyle>
+        <a:effectStyle>
+          <a:effectLst/>
+        </a:effectStyle>
+        <a:effectStyle>
+          <a:effectLst>
+            <a:outerShdw blurRad="57150" dist="19050" dir="5400000" algn="ctr" rotWithShape="0">
+              <a:srgbClr val="000000">
+                <a:alpha val="63000"/>
+              </a:srgbClr>
+            </a:outerShdw>
+          </a:effectLst>
+        </a:effectStyle>
+      </a:effectStyleLst>
+      <a:bgFillStyleLst>
+        <a:solidFill>
+          <a:schemeClr val="phClr"/>
+        </a:solidFill>
+        <a:solidFill>
+          <a:schemeClr val="phClr">
+            <a:tint val="95000"/>
+            <a:satMod val="170000"/>
+          </a:schemeClr>
+        </a:solidFill>
+        <a:gradFill rotWithShape="1">
+          <a:gsLst>
+            <a:gs pos="0">
+              <a:schemeClr val="phClr">
+                <a:tint val="93000"/>
+                <a:satMod val="150000"/>
+                <a:shade val="98000"/>
+                <a:lumMod val="102000"/>
+              </a:schemeClr>
+            </a:gs>
+            <a:gs pos="50000">
+              <a:schemeClr val="phClr">
+                <a:tint val="98000"/>
+                <a:satMod val="130000"/>
+                <a:shade val="90000"/>
+                <a:lumMod val="103000"/>
+              </a:schemeClr>
+            </a:gs>
+            <a:gs pos="100000">
+              <a:schemeClr val="phClr">
+                <a:shade val="63000"/>
+                <a:satMod val="120000"/>
+              </a:schemeClr>
+            </a:gs>
+          </a:gsLst>
+          <a:lin ang="5400000" scaled="0"/>
+        </a:gradFill>
+      </a:bgFillStyleLst>
+    </a:fmtScheme>
+  </a:themeElements>
+  <a:objectDefaults/>
+  <a:extraClrSchemeLst/>
+  <a:extLst>
+    <a:ext uri="{05A4C25C-085E-4340-85A3-A5531E510DB2}">
+      <thm15:themeFamily xmlns:thm15="http://schemas.microsoft.com/office/thememl/2012/main" name="Office Theme" id="{62F939B6-93AF-4DB8-9C6B-D6C7DFDC589F}" vid="{4A3C46E8-61CC-4603-A589-7422A47A8E4A}"/>
+    </a:ext>
+  </a:extLst>
+</a:theme>
 </file>